--- a/material/trains_technical.pptx
+++ b/material/trains_technical.pptx
@@ -224,7 +224,7 @@
           <a:p>
             <a:fld id="{3FB10FF6-A85A-0344-9197-B13A31F96DBA}" type="datetimeFigureOut">
               <a:rPr lang="en-US" smtClean="0"/>
-              <a:t>3/8/18</a:t>
+              <a:t>4/5/18</a:t>
             </a:fld>
             <a:endParaRPr lang="en-US"/>
           </a:p>
@@ -1004,7 +1004,7 @@
           <a:p>
             <a:fld id="{76F77885-4C0A-614B-9527-A69DFC55D1A1}" type="datetime1">
               <a:rPr lang="fi-FI" smtClean="0"/>
-              <a:t>8.3.2018</a:t>
+              <a:t>5.4.2018</a:t>
             </a:fld>
             <a:endParaRPr lang="fi-FI"/>
           </a:p>
@@ -1292,7 +1292,7 @@
           <a:p>
             <a:fld id="{259AAE8B-8018-FC48-BA6D-0319B9B13A21}" type="datetime1">
               <a:rPr lang="fi-FI" smtClean="0"/>
-              <a:t>8.3.2018</a:t>
+              <a:t>5.4.2018</a:t>
             </a:fld>
             <a:endParaRPr lang="fi-FI"/>
           </a:p>
@@ -1658,7 +1658,7 @@
           <a:p>
             <a:fld id="{58C0272D-FB3F-D74F-8F47-B4C4D08966B0}" type="datetime1">
               <a:rPr lang="fi-FI" smtClean="0"/>
-              <a:t>8.3.2018</a:t>
+              <a:t>5.4.2018</a:t>
             </a:fld>
             <a:endParaRPr lang="fi-FI"/>
           </a:p>
@@ -2080,7 +2080,7 @@
           <a:p>
             <a:fld id="{3785367D-8D86-9044-99D6-9BEF35F30D0E}" type="datetime1">
               <a:rPr lang="fi-FI" smtClean="0"/>
-              <a:t>8.3.2018</a:t>
+              <a:t>5.4.2018</a:t>
             </a:fld>
             <a:endParaRPr lang="fi-FI"/>
           </a:p>
@@ -2227,7 +2227,7 @@
           <a:p>
             <a:fld id="{50EDF1E5-4005-BF43-8F94-6C776EC1158C}" type="datetime1">
               <a:rPr lang="fi-FI" smtClean="0"/>
-              <a:t>8.3.2018</a:t>
+              <a:t>5.4.2018</a:t>
             </a:fld>
             <a:endParaRPr lang="fi-FI"/>
           </a:p>
@@ -2496,7 +2496,7 @@
           <a:p>
             <a:fld id="{EC808F95-DCF4-4B45-909F-64E7C82CC533}" type="datetime1">
               <a:rPr lang="fi-FI" smtClean="0"/>
-              <a:t>8.3.2018</a:t>
+              <a:t>5.4.2018</a:t>
             </a:fld>
             <a:endParaRPr lang="fi-FI"/>
           </a:p>
@@ -2719,7 +2719,7 @@
           <a:p>
             <a:fld id="{1CC734C3-B456-DE40-A524-771194887411}" type="datetime1">
               <a:rPr lang="fi-FI" smtClean="0"/>
-              <a:t>8.3.2018</a:t>
+              <a:t>5.4.2018</a:t>
             </a:fld>
             <a:endParaRPr lang="fi-FI"/>
           </a:p>
@@ -3105,7 +3105,7 @@
           <a:p>
             <a:fld id="{D7C2A416-D82A-5442-B3F9-DF62BA7FFE5E}" type="datetime1">
               <a:rPr lang="fi-FI" smtClean="0"/>
-              <a:t>8.3.2018</a:t>
+              <a:t>5.4.2018</a:t>
             </a:fld>
             <a:endParaRPr lang="fi-FI"/>
           </a:p>
@@ -3341,7 +3341,7 @@
           <a:p>
             <a:fld id="{E83DB3E8-535E-D94D-AFB9-4C7C6ADF20A3}" type="datetime1">
               <a:rPr lang="fi-FI" smtClean="0"/>
-              <a:t>8.3.2018</a:t>
+              <a:t>5.4.2018</a:t>
             </a:fld>
             <a:endParaRPr lang="fi-FI"/>
           </a:p>
@@ -3637,7 +3637,7 @@
           <a:p>
             <a:fld id="{402DAD4B-6AD1-8C4E-A779-02B136F03F38}" type="datetime1">
               <a:rPr lang="fi-FI" smtClean="0"/>
-              <a:t>8.3.2018</a:t>
+              <a:t>5.4.2018</a:t>
             </a:fld>
             <a:endParaRPr lang="fi-FI"/>
           </a:p>
@@ -4060,7 +4060,7 @@
           <a:p>
             <a:fld id="{A6DF03D0-926A-5949-9E13-15648C2450FF}" type="datetime1">
               <a:rPr lang="fi-FI" smtClean="0"/>
-              <a:t>8.3.2018</a:t>
+              <a:t>5.4.2018</a:t>
             </a:fld>
             <a:endParaRPr lang="fi-FI"/>
           </a:p>
@@ -4309,7 +4309,7 @@
           <a:p>
             <a:fld id="{0FF88E8A-2578-EA4E-A495-495E033AD159}" type="datetime1">
               <a:rPr lang="fi-FI" smtClean="0"/>
-              <a:t>8.3.2018</a:t>
+              <a:t>5.4.2018</a:t>
             </a:fld>
             <a:endParaRPr lang="fi-FI"/>
           </a:p>
@@ -4558,7 +4558,7 @@
           <a:p>
             <a:fld id="{50AEE4B1-63A2-ED4F-9726-2AEEF069DFF9}" type="datetime1">
               <a:rPr lang="fi-FI" smtClean="0"/>
-              <a:t>8.3.2018</a:t>
+              <a:t>5.4.2018</a:t>
             </a:fld>
             <a:endParaRPr lang="fi-FI"/>
           </a:p>
@@ -4798,7 +4798,7 @@
           <a:p>
             <a:fld id="{DA8C8B97-3895-CC4B-BF7F-FA236140EFAE}" type="datetime1">
               <a:rPr lang="fi-FI" smtClean="0"/>
-              <a:t>8.3.2018</a:t>
+              <a:t>5.4.2018</a:t>
             </a:fld>
             <a:endParaRPr lang="fi-FI"/>
           </a:p>
@@ -4992,7 +4992,7 @@
           <a:p>
             <a:fld id="{EC0D5F02-4C2B-7F4D-9906-D5BC387B174C}" type="datetime1">
               <a:rPr lang="fi-FI" smtClean="0"/>
-              <a:t>8.3.2018</a:t>
+              <a:t>5.4.2018</a:t>
             </a:fld>
             <a:endParaRPr lang="fi-FI"/>
           </a:p>
@@ -5821,7 +5821,7 @@
           <a:p>
             <a:fld id="{D908E551-54CD-CB4C-9C56-D41905EFA74E}" type="datetime1">
               <a:rPr lang="fi-FI" smtClean="0"/>
-              <a:t>8.3.2018</a:t>
+              <a:t>5.4.2018</a:t>
             </a:fld>
             <a:endParaRPr lang="fi-FI"/>
           </a:p>
@@ -6096,7 +6096,7 @@
           <a:p>
             <a:fld id="{F73E1C64-2F19-0341-A0D2-AC07B2F8EEEF}" type="datetime1">
               <a:rPr lang="fi-FI" smtClean="0"/>
-              <a:t>8.3.2018</a:t>
+              <a:t>5.4.2018</a:t>
             </a:fld>
             <a:endParaRPr lang="fi-FI"/>
           </a:p>
@@ -6415,7 +6415,7 @@
           <a:p>
             <a:fld id="{0D40CB06-A6B3-A14A-9AFD-B08D9815A986}" type="datetime1">
               <a:rPr lang="fi-FI" smtClean="0"/>
-              <a:t>8.3.2018</a:t>
+              <a:t>5.4.2018</a:t>
             </a:fld>
             <a:endParaRPr lang="fi-FI"/>
           </a:p>
@@ -6721,7 +6721,7 @@
           <a:p>
             <a:fld id="{12BBF03C-A8F5-6847-99DE-F2D5C8C6F344}" type="datetime1">
               <a:rPr lang="fi-FI" smtClean="0"/>
-              <a:t>8.3.2018</a:t>
+              <a:t>5.4.2018</a:t>
             </a:fld>
             <a:endParaRPr lang="fi-FI"/>
           </a:p>
@@ -6970,7 +6970,7 @@
           <a:p>
             <a:fld id="{E0CE8B62-4CC3-B34A-A604-549AC7585F43}" type="datetime1">
               <a:rPr lang="fi-FI" smtClean="0"/>
-              <a:t>8.3.2018</a:t>
+              <a:t>5.4.2018</a:t>
             </a:fld>
             <a:endParaRPr lang="fi-FI"/>
           </a:p>
@@ -7492,7 +7492,7 @@
           <a:p>
             <a:fld id="{8147D7C7-EFB9-D540-BE72-AEF474A467C1}" type="datetime1">
               <a:rPr lang="fi-FI" smtClean="0"/>
-              <a:t>8.3.2018</a:t>
+              <a:t>5.4.2018</a:t>
             </a:fld>
             <a:endParaRPr lang="fi-FI"/>
           </a:p>
@@ -7924,7 +7924,7 @@
           <a:p>
             <a:fld id="{38A4B030-2F69-2C44-85A1-F55A0B002D10}" type="datetime1">
               <a:rPr lang="fi-FI" smtClean="0"/>
-              <a:t>8.3.2018</a:t>
+              <a:t>5.4.2018</a:t>
             </a:fld>
             <a:endParaRPr lang="fi-FI"/>
           </a:p>
@@ -8165,7 +8165,7 @@
           <a:p>
             <a:fld id="{8248CDB7-576A-6843-A9D7-3021047BE1C7}" type="datetime1">
               <a:rPr lang="fi-FI" smtClean="0"/>
-              <a:t>8.3.2018</a:t>
+              <a:t>5.4.2018</a:t>
             </a:fld>
             <a:endParaRPr lang="fi-FI"/>
           </a:p>
@@ -9171,7 +9171,7 @@
         </p:spPr>
         <p:txBody>
           <a:bodyPr>
-            <a:normAutofit fontScale="77500" lnSpcReduction="20000"/>
+            <a:normAutofit fontScale="85000" lnSpcReduction="20000"/>
           </a:bodyPr>
           <a:lstStyle/>
           <a:p>
@@ -9201,33 +9201,7 @@
               </a:lnSpc>
             </a:pPr>
             <a:r>
-              <a:rPr lang="en-US" dirty="0">
-                <a:solidFill>
-                  <a:schemeClr val="bg2">
-                    <a:lumMod val="50000"/>
-                  </a:schemeClr>
-                </a:solidFill>
-                <a:latin typeface="Avenir Book" charset="0"/>
-                <a:ea typeface="Avenir Book" charset="0"/>
-                <a:cs typeface="Avenir Book" charset="0"/>
-              </a:rPr>
-              <a:t>Linear regression / RFC / </a:t>
-            </a:r>
-            <a:r>
-              <a:rPr lang="en-US" dirty="0" err="1">
-                <a:solidFill>
-                  <a:schemeClr val="bg2">
-                    <a:lumMod val="50000"/>
-                  </a:schemeClr>
-                </a:solidFill>
-                <a:latin typeface="Avenir Book" charset="0"/>
-                <a:ea typeface="Avenir Book" charset="0"/>
-                <a:cs typeface="Avenir Book" charset="0"/>
-              </a:rPr>
-              <a:t>etc</a:t>
-            </a:r>
-            <a:r>
-              <a:rPr lang="en-US" dirty="0">
+              <a:rPr lang="en-US">
                 <a:solidFill>
                   <a:schemeClr val="bg2">
                     <a:lumMod val="50000"/>
@@ -9239,26 +9213,16 @@
               </a:rPr>
               <a:t>…</a:t>
             </a:r>
-          </a:p>
-          <a:p>
-            <a:pPr marL="883800" lvl="1" indent="-198000">
-              <a:lnSpc>
-                <a:spcPct val="110000"/>
-              </a:lnSpc>
-            </a:pPr>
-            <a:r>
-              <a:rPr lang="en-US" dirty="0">
-                <a:solidFill>
-                  <a:schemeClr val="bg2">
-                    <a:lumMod val="50000"/>
-                  </a:schemeClr>
-                </a:solidFill>
-                <a:latin typeface="Avenir Book" charset="0"/>
-                <a:ea typeface="Avenir Book" charset="0"/>
-                <a:cs typeface="Avenir Book" charset="0"/>
-              </a:rPr>
-              <a:t>LSTM deep neural network</a:t>
-            </a:r>
+            <a:endParaRPr lang="en-US" dirty="0">
+              <a:solidFill>
+                <a:schemeClr val="bg2">
+                  <a:lumMod val="50000"/>
+                </a:schemeClr>
+              </a:solidFill>
+              <a:latin typeface="Avenir Book" charset="0"/>
+              <a:ea typeface="Avenir Book" charset="0"/>
+              <a:cs typeface="Avenir Book" charset="0"/>
+            </a:endParaRPr>
           </a:p>
           <a:p>
             <a:pPr marL="198000" indent="-198000">

--- a/material/trains_technical.pptx
+++ b/material/trains_technical.pptx
@@ -5,13 +5,20 @@
     <p:sldMasterId id="2147483660" r:id="rId1"/>
   </p:sldMasterIdLst>
   <p:notesMasterIdLst>
-    <p:notesMasterId r:id="rId6"/>
+    <p:notesMasterId r:id="rId13"/>
   </p:notesMasterIdLst>
   <p:sldIdLst>
     <p:sldId id="283" r:id="rId2"/>
     <p:sldId id="258" r:id="rId3"/>
     <p:sldId id="288" r:id="rId4"/>
     <p:sldId id="289" r:id="rId5"/>
+    <p:sldId id="290" r:id="rId6"/>
+    <p:sldId id="291" r:id="rId7"/>
+    <p:sldId id="292" r:id="rId8"/>
+    <p:sldId id="293" r:id="rId9"/>
+    <p:sldId id="294" r:id="rId10"/>
+    <p:sldId id="295" r:id="rId11"/>
+    <p:sldId id="296" r:id="rId12"/>
   </p:sldIdLst>
   <p:sldSz cx="9899650" cy="6858000"/>
   <p:notesSz cx="6810375" cy="9942513"/>
@@ -224,7 +231,7 @@
           <a:p>
             <a:fld id="{3FB10FF6-A85A-0344-9197-B13A31F96DBA}" type="datetimeFigureOut">
               <a:rPr lang="en-US" smtClean="0"/>
-              <a:t>4/5/18</a:t>
+              <a:t>5/14/18</a:t>
             </a:fld>
             <a:endParaRPr lang="en-US"/>
           </a:p>
@@ -575,6 +582,90 @@
 </p:notes>
 </file>
 
+<file path=ppt/notesSlides/notesSlide10.xml><?xml version="1.0" encoding="utf-8"?>
+<p:notes xmlns:a="http://schemas.openxmlformats.org/drawingml/2006/main" xmlns:r="http://schemas.openxmlformats.org/officeDocument/2006/relationships" xmlns:p="http://schemas.openxmlformats.org/presentationml/2006/main">
+  <p:cSld>
+    <p:spTree>
+      <p:nvGrpSpPr>
+        <p:cNvPr id="1" name=""/>
+        <p:cNvGrpSpPr/>
+        <p:nvPr/>
+      </p:nvGrpSpPr>
+      <p:grpSpPr>
+        <a:xfrm>
+          <a:off x="0" y="0"/>
+          <a:ext cx="0" cy="0"/>
+          <a:chOff x="0" y="0"/>
+          <a:chExt cx="0" cy="0"/>
+        </a:xfrm>
+      </p:grpSpPr>
+      <p:sp>
+        <p:nvSpPr>
+          <p:cNvPr id="2" name="Slide Image Placeholder 1"/>
+          <p:cNvSpPr>
+            <a:spLocks noGrp="1" noRot="1" noChangeAspect="1"/>
+          </p:cNvSpPr>
+          <p:nvPr>
+            <p:ph type="sldImg"/>
+          </p:nvPr>
+        </p:nvSpPr>
+        <p:spPr/>
+      </p:sp>
+      <p:sp>
+        <p:nvSpPr>
+          <p:cNvPr id="3" name="Notes Placeholder 2"/>
+          <p:cNvSpPr>
+            <a:spLocks noGrp="1"/>
+          </p:cNvSpPr>
+          <p:nvPr>
+            <p:ph type="body" idx="1"/>
+          </p:nvPr>
+        </p:nvSpPr>
+        <p:spPr/>
+        <p:txBody>
+          <a:bodyPr/>
+          <a:lstStyle/>
+          <a:p>
+            <a:endParaRPr lang="en-US"/>
+          </a:p>
+        </p:txBody>
+      </p:sp>
+      <p:sp>
+        <p:nvSpPr>
+          <p:cNvPr id="4" name="Slide Number Placeholder 3"/>
+          <p:cNvSpPr>
+            <a:spLocks noGrp="1"/>
+          </p:cNvSpPr>
+          <p:nvPr>
+            <p:ph type="sldNum" sz="quarter" idx="10"/>
+          </p:nvPr>
+        </p:nvSpPr>
+        <p:spPr/>
+        <p:txBody>
+          <a:bodyPr/>
+          <a:lstStyle/>
+          <a:p>
+            <a:fld id="{5EFDCE45-14EF-C643-A106-E8B98409B9C5}" type="slidenum">
+              <a:rPr lang="en-US" smtClean="0"/>
+              <a:t>11</a:t>
+            </a:fld>
+            <a:endParaRPr lang="en-US"/>
+          </a:p>
+        </p:txBody>
+      </p:sp>
+    </p:spTree>
+    <p:extLst>
+      <p:ext uri="{BB962C8B-B14F-4D97-AF65-F5344CB8AC3E}">
+        <p14:creationId xmlns:p14="http://schemas.microsoft.com/office/powerpoint/2010/main" val="3678577755"/>
+      </p:ext>
+    </p:extLst>
+  </p:cSld>
+  <p:clrMapOvr>
+    <a:masterClrMapping/>
+  </p:clrMapOvr>
+</p:notes>
+</file>
+
 <file path=ppt/notesSlides/notesSlide2.xml><?xml version="1.0" encoding="utf-8"?>
 <p:notes xmlns:a="http://schemas.openxmlformats.org/drawingml/2006/main" xmlns:r="http://schemas.openxmlformats.org/officeDocument/2006/relationships" xmlns:p="http://schemas.openxmlformats.org/presentationml/2006/main">
   <p:cSld>
@@ -734,6 +825,510 @@
     <p:extLst>
       <p:ext uri="{BB962C8B-B14F-4D97-AF65-F5344CB8AC3E}">
         <p14:creationId xmlns:p14="http://schemas.microsoft.com/office/powerpoint/2010/main" val="4102638566"/>
+      </p:ext>
+    </p:extLst>
+  </p:cSld>
+  <p:clrMapOvr>
+    <a:masterClrMapping/>
+  </p:clrMapOvr>
+</p:notes>
+</file>
+
+<file path=ppt/notesSlides/notesSlide4.xml><?xml version="1.0" encoding="utf-8"?>
+<p:notes xmlns:a="http://schemas.openxmlformats.org/drawingml/2006/main" xmlns:r="http://schemas.openxmlformats.org/officeDocument/2006/relationships" xmlns:p="http://schemas.openxmlformats.org/presentationml/2006/main">
+  <p:cSld>
+    <p:spTree>
+      <p:nvGrpSpPr>
+        <p:cNvPr id="1" name=""/>
+        <p:cNvGrpSpPr/>
+        <p:nvPr/>
+      </p:nvGrpSpPr>
+      <p:grpSpPr>
+        <a:xfrm>
+          <a:off x="0" y="0"/>
+          <a:ext cx="0" cy="0"/>
+          <a:chOff x="0" y="0"/>
+          <a:chExt cx="0" cy="0"/>
+        </a:xfrm>
+      </p:grpSpPr>
+      <p:sp>
+        <p:nvSpPr>
+          <p:cNvPr id="2" name="Slide Image Placeholder 1"/>
+          <p:cNvSpPr>
+            <a:spLocks noGrp="1" noRot="1" noChangeAspect="1"/>
+          </p:cNvSpPr>
+          <p:nvPr>
+            <p:ph type="sldImg"/>
+          </p:nvPr>
+        </p:nvSpPr>
+        <p:spPr/>
+      </p:sp>
+      <p:sp>
+        <p:nvSpPr>
+          <p:cNvPr id="3" name="Notes Placeholder 2"/>
+          <p:cNvSpPr>
+            <a:spLocks noGrp="1"/>
+          </p:cNvSpPr>
+          <p:nvPr>
+            <p:ph type="body" idx="1"/>
+          </p:nvPr>
+        </p:nvSpPr>
+        <p:spPr/>
+        <p:txBody>
+          <a:bodyPr/>
+          <a:lstStyle/>
+          <a:p>
+            <a:endParaRPr lang="en-US"/>
+          </a:p>
+        </p:txBody>
+      </p:sp>
+      <p:sp>
+        <p:nvSpPr>
+          <p:cNvPr id="4" name="Slide Number Placeholder 3"/>
+          <p:cNvSpPr>
+            <a:spLocks noGrp="1"/>
+          </p:cNvSpPr>
+          <p:nvPr>
+            <p:ph type="sldNum" sz="quarter" idx="10"/>
+          </p:nvPr>
+        </p:nvSpPr>
+        <p:spPr/>
+        <p:txBody>
+          <a:bodyPr/>
+          <a:lstStyle/>
+          <a:p>
+            <a:fld id="{5EFDCE45-14EF-C643-A106-E8B98409B9C5}" type="slidenum">
+              <a:rPr lang="en-US" smtClean="0"/>
+              <a:t>5</a:t>
+            </a:fld>
+            <a:endParaRPr lang="en-US"/>
+          </a:p>
+        </p:txBody>
+      </p:sp>
+    </p:spTree>
+    <p:extLst>
+      <p:ext uri="{BB962C8B-B14F-4D97-AF65-F5344CB8AC3E}">
+        <p14:creationId xmlns:p14="http://schemas.microsoft.com/office/powerpoint/2010/main" val="4102990982"/>
+      </p:ext>
+    </p:extLst>
+  </p:cSld>
+  <p:clrMapOvr>
+    <a:masterClrMapping/>
+  </p:clrMapOvr>
+</p:notes>
+</file>
+
+<file path=ppt/notesSlides/notesSlide5.xml><?xml version="1.0" encoding="utf-8"?>
+<p:notes xmlns:a="http://schemas.openxmlformats.org/drawingml/2006/main" xmlns:r="http://schemas.openxmlformats.org/officeDocument/2006/relationships" xmlns:p="http://schemas.openxmlformats.org/presentationml/2006/main">
+  <p:cSld>
+    <p:spTree>
+      <p:nvGrpSpPr>
+        <p:cNvPr id="1" name=""/>
+        <p:cNvGrpSpPr/>
+        <p:nvPr/>
+      </p:nvGrpSpPr>
+      <p:grpSpPr>
+        <a:xfrm>
+          <a:off x="0" y="0"/>
+          <a:ext cx="0" cy="0"/>
+          <a:chOff x="0" y="0"/>
+          <a:chExt cx="0" cy="0"/>
+        </a:xfrm>
+      </p:grpSpPr>
+      <p:sp>
+        <p:nvSpPr>
+          <p:cNvPr id="2" name="Slide Image Placeholder 1"/>
+          <p:cNvSpPr>
+            <a:spLocks noGrp="1" noRot="1" noChangeAspect="1"/>
+          </p:cNvSpPr>
+          <p:nvPr>
+            <p:ph type="sldImg"/>
+          </p:nvPr>
+        </p:nvSpPr>
+        <p:spPr/>
+      </p:sp>
+      <p:sp>
+        <p:nvSpPr>
+          <p:cNvPr id="3" name="Notes Placeholder 2"/>
+          <p:cNvSpPr>
+            <a:spLocks noGrp="1"/>
+          </p:cNvSpPr>
+          <p:nvPr>
+            <p:ph type="body" idx="1"/>
+          </p:nvPr>
+        </p:nvSpPr>
+        <p:spPr/>
+        <p:txBody>
+          <a:bodyPr/>
+          <a:lstStyle/>
+          <a:p>
+            <a:endParaRPr lang="en-US"/>
+          </a:p>
+        </p:txBody>
+      </p:sp>
+      <p:sp>
+        <p:nvSpPr>
+          <p:cNvPr id="4" name="Slide Number Placeholder 3"/>
+          <p:cNvSpPr>
+            <a:spLocks noGrp="1"/>
+          </p:cNvSpPr>
+          <p:nvPr>
+            <p:ph type="sldNum" sz="quarter" idx="10"/>
+          </p:nvPr>
+        </p:nvSpPr>
+        <p:spPr/>
+        <p:txBody>
+          <a:bodyPr/>
+          <a:lstStyle/>
+          <a:p>
+            <a:fld id="{5EFDCE45-14EF-C643-A106-E8B98409B9C5}" type="slidenum">
+              <a:rPr lang="en-US" smtClean="0"/>
+              <a:t>6</a:t>
+            </a:fld>
+            <a:endParaRPr lang="en-US"/>
+          </a:p>
+        </p:txBody>
+      </p:sp>
+    </p:spTree>
+    <p:extLst>
+      <p:ext uri="{BB962C8B-B14F-4D97-AF65-F5344CB8AC3E}">
+        <p14:creationId xmlns:p14="http://schemas.microsoft.com/office/powerpoint/2010/main" val="204301251"/>
+      </p:ext>
+    </p:extLst>
+  </p:cSld>
+  <p:clrMapOvr>
+    <a:masterClrMapping/>
+  </p:clrMapOvr>
+</p:notes>
+</file>
+
+<file path=ppt/notesSlides/notesSlide6.xml><?xml version="1.0" encoding="utf-8"?>
+<p:notes xmlns:a="http://schemas.openxmlformats.org/drawingml/2006/main" xmlns:r="http://schemas.openxmlformats.org/officeDocument/2006/relationships" xmlns:p="http://schemas.openxmlformats.org/presentationml/2006/main">
+  <p:cSld>
+    <p:spTree>
+      <p:nvGrpSpPr>
+        <p:cNvPr id="1" name=""/>
+        <p:cNvGrpSpPr/>
+        <p:nvPr/>
+      </p:nvGrpSpPr>
+      <p:grpSpPr>
+        <a:xfrm>
+          <a:off x="0" y="0"/>
+          <a:ext cx="0" cy="0"/>
+          <a:chOff x="0" y="0"/>
+          <a:chExt cx="0" cy="0"/>
+        </a:xfrm>
+      </p:grpSpPr>
+      <p:sp>
+        <p:nvSpPr>
+          <p:cNvPr id="2" name="Slide Image Placeholder 1"/>
+          <p:cNvSpPr>
+            <a:spLocks noGrp="1" noRot="1" noChangeAspect="1"/>
+          </p:cNvSpPr>
+          <p:nvPr>
+            <p:ph type="sldImg"/>
+          </p:nvPr>
+        </p:nvSpPr>
+        <p:spPr/>
+      </p:sp>
+      <p:sp>
+        <p:nvSpPr>
+          <p:cNvPr id="3" name="Notes Placeholder 2"/>
+          <p:cNvSpPr>
+            <a:spLocks noGrp="1"/>
+          </p:cNvSpPr>
+          <p:nvPr>
+            <p:ph type="body" idx="1"/>
+          </p:nvPr>
+        </p:nvSpPr>
+        <p:spPr/>
+        <p:txBody>
+          <a:bodyPr/>
+          <a:lstStyle/>
+          <a:p>
+            <a:endParaRPr lang="en-US"/>
+          </a:p>
+        </p:txBody>
+      </p:sp>
+      <p:sp>
+        <p:nvSpPr>
+          <p:cNvPr id="4" name="Slide Number Placeholder 3"/>
+          <p:cNvSpPr>
+            <a:spLocks noGrp="1"/>
+          </p:cNvSpPr>
+          <p:nvPr>
+            <p:ph type="sldNum" sz="quarter" idx="10"/>
+          </p:nvPr>
+        </p:nvSpPr>
+        <p:spPr/>
+        <p:txBody>
+          <a:bodyPr/>
+          <a:lstStyle/>
+          <a:p>
+            <a:fld id="{5EFDCE45-14EF-C643-A106-E8B98409B9C5}" type="slidenum">
+              <a:rPr lang="en-US" smtClean="0"/>
+              <a:t>7</a:t>
+            </a:fld>
+            <a:endParaRPr lang="en-US"/>
+          </a:p>
+        </p:txBody>
+      </p:sp>
+    </p:spTree>
+    <p:extLst>
+      <p:ext uri="{BB962C8B-B14F-4D97-AF65-F5344CB8AC3E}">
+        <p14:creationId xmlns:p14="http://schemas.microsoft.com/office/powerpoint/2010/main" val="81338786"/>
+      </p:ext>
+    </p:extLst>
+  </p:cSld>
+  <p:clrMapOvr>
+    <a:masterClrMapping/>
+  </p:clrMapOvr>
+</p:notes>
+</file>
+
+<file path=ppt/notesSlides/notesSlide7.xml><?xml version="1.0" encoding="utf-8"?>
+<p:notes xmlns:a="http://schemas.openxmlformats.org/drawingml/2006/main" xmlns:r="http://schemas.openxmlformats.org/officeDocument/2006/relationships" xmlns:p="http://schemas.openxmlformats.org/presentationml/2006/main">
+  <p:cSld>
+    <p:spTree>
+      <p:nvGrpSpPr>
+        <p:cNvPr id="1" name=""/>
+        <p:cNvGrpSpPr/>
+        <p:nvPr/>
+      </p:nvGrpSpPr>
+      <p:grpSpPr>
+        <a:xfrm>
+          <a:off x="0" y="0"/>
+          <a:ext cx="0" cy="0"/>
+          <a:chOff x="0" y="0"/>
+          <a:chExt cx="0" cy="0"/>
+        </a:xfrm>
+      </p:grpSpPr>
+      <p:sp>
+        <p:nvSpPr>
+          <p:cNvPr id="2" name="Slide Image Placeholder 1"/>
+          <p:cNvSpPr>
+            <a:spLocks noGrp="1" noRot="1" noChangeAspect="1"/>
+          </p:cNvSpPr>
+          <p:nvPr>
+            <p:ph type="sldImg"/>
+          </p:nvPr>
+        </p:nvSpPr>
+        <p:spPr/>
+      </p:sp>
+      <p:sp>
+        <p:nvSpPr>
+          <p:cNvPr id="3" name="Notes Placeholder 2"/>
+          <p:cNvSpPr>
+            <a:spLocks noGrp="1"/>
+          </p:cNvSpPr>
+          <p:nvPr>
+            <p:ph type="body" idx="1"/>
+          </p:nvPr>
+        </p:nvSpPr>
+        <p:spPr/>
+        <p:txBody>
+          <a:bodyPr/>
+          <a:lstStyle/>
+          <a:p>
+            <a:endParaRPr lang="en-US"/>
+          </a:p>
+        </p:txBody>
+      </p:sp>
+      <p:sp>
+        <p:nvSpPr>
+          <p:cNvPr id="4" name="Slide Number Placeholder 3"/>
+          <p:cNvSpPr>
+            <a:spLocks noGrp="1"/>
+          </p:cNvSpPr>
+          <p:nvPr>
+            <p:ph type="sldNum" sz="quarter" idx="10"/>
+          </p:nvPr>
+        </p:nvSpPr>
+        <p:spPr/>
+        <p:txBody>
+          <a:bodyPr/>
+          <a:lstStyle/>
+          <a:p>
+            <a:fld id="{5EFDCE45-14EF-C643-A106-E8B98409B9C5}" type="slidenum">
+              <a:rPr lang="en-US" smtClean="0"/>
+              <a:t>8</a:t>
+            </a:fld>
+            <a:endParaRPr lang="en-US"/>
+          </a:p>
+        </p:txBody>
+      </p:sp>
+    </p:spTree>
+    <p:extLst>
+      <p:ext uri="{BB962C8B-B14F-4D97-AF65-F5344CB8AC3E}">
+        <p14:creationId xmlns:p14="http://schemas.microsoft.com/office/powerpoint/2010/main" val="2313599379"/>
+      </p:ext>
+    </p:extLst>
+  </p:cSld>
+  <p:clrMapOvr>
+    <a:masterClrMapping/>
+  </p:clrMapOvr>
+</p:notes>
+</file>
+
+<file path=ppt/notesSlides/notesSlide8.xml><?xml version="1.0" encoding="utf-8"?>
+<p:notes xmlns:a="http://schemas.openxmlformats.org/drawingml/2006/main" xmlns:r="http://schemas.openxmlformats.org/officeDocument/2006/relationships" xmlns:p="http://schemas.openxmlformats.org/presentationml/2006/main">
+  <p:cSld>
+    <p:spTree>
+      <p:nvGrpSpPr>
+        <p:cNvPr id="1" name=""/>
+        <p:cNvGrpSpPr/>
+        <p:nvPr/>
+      </p:nvGrpSpPr>
+      <p:grpSpPr>
+        <a:xfrm>
+          <a:off x="0" y="0"/>
+          <a:ext cx="0" cy="0"/>
+          <a:chOff x="0" y="0"/>
+          <a:chExt cx="0" cy="0"/>
+        </a:xfrm>
+      </p:grpSpPr>
+      <p:sp>
+        <p:nvSpPr>
+          <p:cNvPr id="2" name="Slide Image Placeholder 1"/>
+          <p:cNvSpPr>
+            <a:spLocks noGrp="1" noRot="1" noChangeAspect="1"/>
+          </p:cNvSpPr>
+          <p:nvPr>
+            <p:ph type="sldImg"/>
+          </p:nvPr>
+        </p:nvSpPr>
+        <p:spPr/>
+      </p:sp>
+      <p:sp>
+        <p:nvSpPr>
+          <p:cNvPr id="3" name="Notes Placeholder 2"/>
+          <p:cNvSpPr>
+            <a:spLocks noGrp="1"/>
+          </p:cNvSpPr>
+          <p:nvPr>
+            <p:ph type="body" idx="1"/>
+          </p:nvPr>
+        </p:nvSpPr>
+        <p:spPr/>
+        <p:txBody>
+          <a:bodyPr/>
+          <a:lstStyle/>
+          <a:p>
+            <a:endParaRPr lang="en-US"/>
+          </a:p>
+        </p:txBody>
+      </p:sp>
+      <p:sp>
+        <p:nvSpPr>
+          <p:cNvPr id="4" name="Slide Number Placeholder 3"/>
+          <p:cNvSpPr>
+            <a:spLocks noGrp="1"/>
+          </p:cNvSpPr>
+          <p:nvPr>
+            <p:ph type="sldNum" sz="quarter" idx="10"/>
+          </p:nvPr>
+        </p:nvSpPr>
+        <p:spPr/>
+        <p:txBody>
+          <a:bodyPr/>
+          <a:lstStyle/>
+          <a:p>
+            <a:fld id="{5EFDCE45-14EF-C643-A106-E8B98409B9C5}" type="slidenum">
+              <a:rPr lang="en-US" smtClean="0"/>
+              <a:t>9</a:t>
+            </a:fld>
+            <a:endParaRPr lang="en-US"/>
+          </a:p>
+        </p:txBody>
+      </p:sp>
+    </p:spTree>
+    <p:extLst>
+      <p:ext uri="{BB962C8B-B14F-4D97-AF65-F5344CB8AC3E}">
+        <p14:creationId xmlns:p14="http://schemas.microsoft.com/office/powerpoint/2010/main" val="4152047762"/>
+      </p:ext>
+    </p:extLst>
+  </p:cSld>
+  <p:clrMapOvr>
+    <a:masterClrMapping/>
+  </p:clrMapOvr>
+</p:notes>
+</file>
+
+<file path=ppt/notesSlides/notesSlide9.xml><?xml version="1.0" encoding="utf-8"?>
+<p:notes xmlns:a="http://schemas.openxmlformats.org/drawingml/2006/main" xmlns:r="http://schemas.openxmlformats.org/officeDocument/2006/relationships" xmlns:p="http://schemas.openxmlformats.org/presentationml/2006/main">
+  <p:cSld>
+    <p:spTree>
+      <p:nvGrpSpPr>
+        <p:cNvPr id="1" name=""/>
+        <p:cNvGrpSpPr/>
+        <p:nvPr/>
+      </p:nvGrpSpPr>
+      <p:grpSpPr>
+        <a:xfrm>
+          <a:off x="0" y="0"/>
+          <a:ext cx="0" cy="0"/>
+          <a:chOff x="0" y="0"/>
+          <a:chExt cx="0" cy="0"/>
+        </a:xfrm>
+      </p:grpSpPr>
+      <p:sp>
+        <p:nvSpPr>
+          <p:cNvPr id="2" name="Slide Image Placeholder 1"/>
+          <p:cNvSpPr>
+            <a:spLocks noGrp="1" noRot="1" noChangeAspect="1"/>
+          </p:cNvSpPr>
+          <p:nvPr>
+            <p:ph type="sldImg"/>
+          </p:nvPr>
+        </p:nvSpPr>
+        <p:spPr/>
+      </p:sp>
+      <p:sp>
+        <p:nvSpPr>
+          <p:cNvPr id="3" name="Notes Placeholder 2"/>
+          <p:cNvSpPr>
+            <a:spLocks noGrp="1"/>
+          </p:cNvSpPr>
+          <p:nvPr>
+            <p:ph type="body" idx="1"/>
+          </p:nvPr>
+        </p:nvSpPr>
+        <p:spPr/>
+        <p:txBody>
+          <a:bodyPr/>
+          <a:lstStyle/>
+          <a:p>
+            <a:endParaRPr lang="en-US"/>
+          </a:p>
+        </p:txBody>
+      </p:sp>
+      <p:sp>
+        <p:nvSpPr>
+          <p:cNvPr id="4" name="Slide Number Placeholder 3"/>
+          <p:cNvSpPr>
+            <a:spLocks noGrp="1"/>
+          </p:cNvSpPr>
+          <p:nvPr>
+            <p:ph type="sldNum" sz="quarter" idx="10"/>
+          </p:nvPr>
+        </p:nvSpPr>
+        <p:spPr/>
+        <p:txBody>
+          <a:bodyPr/>
+          <a:lstStyle/>
+          <a:p>
+            <a:fld id="{5EFDCE45-14EF-C643-A106-E8B98409B9C5}" type="slidenum">
+              <a:rPr lang="en-US" smtClean="0"/>
+              <a:t>10</a:t>
+            </a:fld>
+            <a:endParaRPr lang="en-US"/>
+          </a:p>
+        </p:txBody>
+      </p:sp>
+    </p:spTree>
+    <p:extLst>
+      <p:ext uri="{BB962C8B-B14F-4D97-AF65-F5344CB8AC3E}">
+        <p14:creationId xmlns:p14="http://schemas.microsoft.com/office/powerpoint/2010/main" val="3351634525"/>
       </p:ext>
     </p:extLst>
   </p:cSld>
@@ -1004,7 +1599,7 @@
           <a:p>
             <a:fld id="{76F77885-4C0A-614B-9527-A69DFC55D1A1}" type="datetime1">
               <a:rPr lang="fi-FI" smtClean="0"/>
-              <a:t>5.4.2018</a:t>
+              <a:t>14.5.2018</a:t>
             </a:fld>
             <a:endParaRPr lang="fi-FI"/>
           </a:p>
@@ -1292,7 +1887,7 @@
           <a:p>
             <a:fld id="{259AAE8B-8018-FC48-BA6D-0319B9B13A21}" type="datetime1">
               <a:rPr lang="fi-FI" smtClean="0"/>
-              <a:t>5.4.2018</a:t>
+              <a:t>14.5.2018</a:t>
             </a:fld>
             <a:endParaRPr lang="fi-FI"/>
           </a:p>
@@ -1658,7 +2253,7 @@
           <a:p>
             <a:fld id="{58C0272D-FB3F-D74F-8F47-B4C4D08966B0}" type="datetime1">
               <a:rPr lang="fi-FI" smtClean="0"/>
-              <a:t>5.4.2018</a:t>
+              <a:t>14.5.2018</a:t>
             </a:fld>
             <a:endParaRPr lang="fi-FI"/>
           </a:p>
@@ -2080,7 +2675,7 @@
           <a:p>
             <a:fld id="{3785367D-8D86-9044-99D6-9BEF35F30D0E}" type="datetime1">
               <a:rPr lang="fi-FI" smtClean="0"/>
-              <a:t>5.4.2018</a:t>
+              <a:t>14.5.2018</a:t>
             </a:fld>
             <a:endParaRPr lang="fi-FI"/>
           </a:p>
@@ -2227,7 +2822,7 @@
           <a:p>
             <a:fld id="{50EDF1E5-4005-BF43-8F94-6C776EC1158C}" type="datetime1">
               <a:rPr lang="fi-FI" smtClean="0"/>
-              <a:t>5.4.2018</a:t>
+              <a:t>14.5.2018</a:t>
             </a:fld>
             <a:endParaRPr lang="fi-FI"/>
           </a:p>
@@ -2496,7 +3091,7 @@
           <a:p>
             <a:fld id="{EC808F95-DCF4-4B45-909F-64E7C82CC533}" type="datetime1">
               <a:rPr lang="fi-FI" smtClean="0"/>
-              <a:t>5.4.2018</a:t>
+              <a:t>14.5.2018</a:t>
             </a:fld>
             <a:endParaRPr lang="fi-FI"/>
           </a:p>
@@ -2719,7 +3314,7 @@
           <a:p>
             <a:fld id="{1CC734C3-B456-DE40-A524-771194887411}" type="datetime1">
               <a:rPr lang="fi-FI" smtClean="0"/>
-              <a:t>5.4.2018</a:t>
+              <a:t>14.5.2018</a:t>
             </a:fld>
             <a:endParaRPr lang="fi-FI"/>
           </a:p>
@@ -3105,7 +3700,7 @@
           <a:p>
             <a:fld id="{D7C2A416-D82A-5442-B3F9-DF62BA7FFE5E}" type="datetime1">
               <a:rPr lang="fi-FI" smtClean="0"/>
-              <a:t>5.4.2018</a:t>
+              <a:t>14.5.2018</a:t>
             </a:fld>
             <a:endParaRPr lang="fi-FI"/>
           </a:p>
@@ -3341,7 +3936,7 @@
           <a:p>
             <a:fld id="{E83DB3E8-535E-D94D-AFB9-4C7C6ADF20A3}" type="datetime1">
               <a:rPr lang="fi-FI" smtClean="0"/>
-              <a:t>5.4.2018</a:t>
+              <a:t>14.5.2018</a:t>
             </a:fld>
             <a:endParaRPr lang="fi-FI"/>
           </a:p>
@@ -3637,7 +4232,7 @@
           <a:p>
             <a:fld id="{402DAD4B-6AD1-8C4E-A779-02B136F03F38}" type="datetime1">
               <a:rPr lang="fi-FI" smtClean="0"/>
-              <a:t>5.4.2018</a:t>
+              <a:t>14.5.2018</a:t>
             </a:fld>
             <a:endParaRPr lang="fi-FI"/>
           </a:p>
@@ -4060,7 +4655,7 @@
           <a:p>
             <a:fld id="{A6DF03D0-926A-5949-9E13-15648C2450FF}" type="datetime1">
               <a:rPr lang="fi-FI" smtClean="0"/>
-              <a:t>5.4.2018</a:t>
+              <a:t>14.5.2018</a:t>
             </a:fld>
             <a:endParaRPr lang="fi-FI"/>
           </a:p>
@@ -4309,7 +4904,7 @@
           <a:p>
             <a:fld id="{0FF88E8A-2578-EA4E-A495-495E033AD159}" type="datetime1">
               <a:rPr lang="fi-FI" smtClean="0"/>
-              <a:t>5.4.2018</a:t>
+              <a:t>14.5.2018</a:t>
             </a:fld>
             <a:endParaRPr lang="fi-FI"/>
           </a:p>
@@ -4558,7 +5153,7 @@
           <a:p>
             <a:fld id="{50AEE4B1-63A2-ED4F-9726-2AEEF069DFF9}" type="datetime1">
               <a:rPr lang="fi-FI" smtClean="0"/>
-              <a:t>5.4.2018</a:t>
+              <a:t>14.5.2018</a:t>
             </a:fld>
             <a:endParaRPr lang="fi-FI"/>
           </a:p>
@@ -4798,7 +5393,7 @@
           <a:p>
             <a:fld id="{DA8C8B97-3895-CC4B-BF7F-FA236140EFAE}" type="datetime1">
               <a:rPr lang="fi-FI" smtClean="0"/>
-              <a:t>5.4.2018</a:t>
+              <a:t>14.5.2018</a:t>
             </a:fld>
             <a:endParaRPr lang="fi-FI"/>
           </a:p>
@@ -4992,7 +5587,7 @@
           <a:p>
             <a:fld id="{EC0D5F02-4C2B-7F4D-9906-D5BC387B174C}" type="datetime1">
               <a:rPr lang="fi-FI" smtClean="0"/>
-              <a:t>5.4.2018</a:t>
+              <a:t>14.5.2018</a:t>
             </a:fld>
             <a:endParaRPr lang="fi-FI"/>
           </a:p>
@@ -5821,7 +6416,7 @@
           <a:p>
             <a:fld id="{D908E551-54CD-CB4C-9C56-D41905EFA74E}" type="datetime1">
               <a:rPr lang="fi-FI" smtClean="0"/>
-              <a:t>5.4.2018</a:t>
+              <a:t>14.5.2018</a:t>
             </a:fld>
             <a:endParaRPr lang="fi-FI"/>
           </a:p>
@@ -6096,7 +6691,7 @@
           <a:p>
             <a:fld id="{F73E1C64-2F19-0341-A0D2-AC07B2F8EEEF}" type="datetime1">
               <a:rPr lang="fi-FI" smtClean="0"/>
-              <a:t>5.4.2018</a:t>
+              <a:t>14.5.2018</a:t>
             </a:fld>
             <a:endParaRPr lang="fi-FI"/>
           </a:p>
@@ -6415,7 +7010,7 @@
           <a:p>
             <a:fld id="{0D40CB06-A6B3-A14A-9AFD-B08D9815A986}" type="datetime1">
               <a:rPr lang="fi-FI" smtClean="0"/>
-              <a:t>5.4.2018</a:t>
+              <a:t>14.5.2018</a:t>
             </a:fld>
             <a:endParaRPr lang="fi-FI"/>
           </a:p>
@@ -6721,7 +7316,7 @@
           <a:p>
             <a:fld id="{12BBF03C-A8F5-6847-99DE-F2D5C8C6F344}" type="datetime1">
               <a:rPr lang="fi-FI" smtClean="0"/>
-              <a:t>5.4.2018</a:t>
+              <a:t>14.5.2018</a:t>
             </a:fld>
             <a:endParaRPr lang="fi-FI"/>
           </a:p>
@@ -6970,7 +7565,7 @@
           <a:p>
             <a:fld id="{E0CE8B62-4CC3-B34A-A604-549AC7585F43}" type="datetime1">
               <a:rPr lang="fi-FI" smtClean="0"/>
-              <a:t>5.4.2018</a:t>
+              <a:t>14.5.2018</a:t>
             </a:fld>
             <a:endParaRPr lang="fi-FI"/>
           </a:p>
@@ -7492,7 +8087,7 @@
           <a:p>
             <a:fld id="{8147D7C7-EFB9-D540-BE72-AEF474A467C1}" type="datetime1">
               <a:rPr lang="fi-FI" smtClean="0"/>
-              <a:t>5.4.2018</a:t>
+              <a:t>14.5.2018</a:t>
             </a:fld>
             <a:endParaRPr lang="fi-FI"/>
           </a:p>
@@ -7924,7 +8519,7 @@
           <a:p>
             <a:fld id="{38A4B030-2F69-2C44-85A1-F55A0B002D10}" type="datetime1">
               <a:rPr lang="fi-FI" smtClean="0"/>
-              <a:t>5.4.2018</a:t>
+              <a:t>14.5.2018</a:t>
             </a:fld>
             <a:endParaRPr lang="fi-FI"/>
           </a:p>
@@ -8165,7 +8760,7 @@
           <a:p>
             <a:fld id="{8248CDB7-576A-6843-A9D7-3021047BE1C7}" type="datetime1">
               <a:rPr lang="fi-FI" smtClean="0"/>
-              <a:t>5.4.2018</a:t>
+              <a:t>14.5.2018</a:t>
             </a:fld>
             <a:endParaRPr lang="fi-FI"/>
           </a:p>
@@ -8742,6 +9337,1306 @@
 </p:sld>
 </file>
 
+<file path=ppt/slides/slide10.xml><?xml version="1.0" encoding="utf-8"?>
+<p:sld xmlns:a="http://schemas.openxmlformats.org/drawingml/2006/main" xmlns:r="http://schemas.openxmlformats.org/officeDocument/2006/relationships" xmlns:p="http://schemas.openxmlformats.org/presentationml/2006/main">
+  <p:cSld>
+    <p:spTree>
+      <p:nvGrpSpPr>
+        <p:cNvPr id="1" name=""/>
+        <p:cNvGrpSpPr/>
+        <p:nvPr/>
+      </p:nvGrpSpPr>
+      <p:grpSpPr>
+        <a:xfrm>
+          <a:off x="0" y="0"/>
+          <a:ext cx="0" cy="0"/>
+          <a:chOff x="0" y="0"/>
+          <a:chExt cx="0" cy="0"/>
+        </a:xfrm>
+      </p:grpSpPr>
+      <p:sp>
+        <p:nvSpPr>
+          <p:cNvPr id="2" name="Title 1"/>
+          <p:cNvSpPr>
+            <a:spLocks noGrp="1"/>
+          </p:cNvSpPr>
+          <p:nvPr>
+            <p:ph type="title"/>
+          </p:nvPr>
+        </p:nvSpPr>
+        <p:spPr/>
+        <p:txBody>
+          <a:bodyPr/>
+          <a:lstStyle/>
+          <a:p>
+            <a:r>
+              <a:rPr lang="en-US" b="1" dirty="0">
+                <a:latin typeface="Avenir Black" charset="0"/>
+                <a:ea typeface="Avenir Black" charset="0"/>
+                <a:cs typeface="Avenir Black" charset="0"/>
+              </a:rPr>
+              <a:t>Data</a:t>
+            </a:r>
+            <a:br>
+              <a:rPr lang="en-US" b="1" dirty="0">
+                <a:latin typeface="Avenir Black" charset="0"/>
+                <a:ea typeface="Avenir Black" charset="0"/>
+                <a:cs typeface="Avenir Black" charset="0"/>
+              </a:rPr>
+            </a:br>
+            <a:r>
+              <a:rPr lang="en-US" sz="2000" b="1" dirty="0">
+                <a:latin typeface="Avenir Black" charset="0"/>
+                <a:ea typeface="Avenir Black" charset="0"/>
+                <a:cs typeface="Avenir Black" charset="0"/>
+              </a:rPr>
+              <a:t>Weather </a:t>
+            </a:r>
+            <a:r>
+              <a:rPr lang="en-US" sz="2000" b="1" dirty="0" err="1">
+                <a:latin typeface="Avenir Black" charset="0"/>
+                <a:ea typeface="Avenir Black" charset="0"/>
+                <a:cs typeface="Avenir Black" charset="0"/>
+              </a:rPr>
+              <a:t>paramaters</a:t>
+            </a:r>
+            <a:endParaRPr lang="en-US" sz="2000" b="1" dirty="0">
+              <a:latin typeface="Avenir Black" charset="0"/>
+              <a:ea typeface="Avenir Black" charset="0"/>
+              <a:cs typeface="Avenir Black" charset="0"/>
+            </a:endParaRPr>
+          </a:p>
+        </p:txBody>
+      </p:sp>
+      <p:sp>
+        <p:nvSpPr>
+          <p:cNvPr id="5" name="Footer Placeholder 4"/>
+          <p:cNvSpPr>
+            <a:spLocks noGrp="1"/>
+          </p:cNvSpPr>
+          <p:nvPr>
+            <p:ph type="ftr" sz="quarter" idx="11"/>
+          </p:nvPr>
+        </p:nvSpPr>
+        <p:spPr>
+          <a:xfrm>
+            <a:off x="3279259" y="6356352"/>
+            <a:ext cx="3341132" cy="365125"/>
+          </a:xfrm>
+        </p:spPr>
+        <p:txBody>
+          <a:bodyPr/>
+          <a:lstStyle/>
+          <a:p>
+            <a:r>
+              <a:rPr lang="fi-FI" dirty="0" err="1"/>
+              <a:t>Finnish</a:t>
+            </a:r>
+            <a:r>
+              <a:rPr lang="fi-FI" dirty="0"/>
+              <a:t> </a:t>
+            </a:r>
+            <a:r>
+              <a:rPr lang="fi-FI" dirty="0" err="1"/>
+              <a:t>Meteorological</a:t>
+            </a:r>
+            <a:r>
+              <a:rPr lang="fi-FI" dirty="0"/>
+              <a:t> Institute</a:t>
+            </a:r>
+          </a:p>
+        </p:txBody>
+      </p:sp>
+      <p:sp>
+        <p:nvSpPr>
+          <p:cNvPr id="4" name="Content Placeholder 3">
+            <a:extLst>
+              <a:ext uri="{FF2B5EF4-FFF2-40B4-BE49-F238E27FC236}">
+                <a16:creationId xmlns:a16="http://schemas.microsoft.com/office/drawing/2014/main" id="{C68CD0B6-D150-4241-A356-8B7D40982F50}"/>
+              </a:ext>
+            </a:extLst>
+          </p:cNvPr>
+          <p:cNvSpPr>
+            <a:spLocks noGrp="1"/>
+          </p:cNvSpPr>
+          <p:nvPr>
+            <p:ph idx="1"/>
+          </p:nvPr>
+        </p:nvSpPr>
+        <p:spPr>
+          <a:xfrm>
+            <a:off x="642501" y="1605990"/>
+            <a:ext cx="8599095" cy="4833257"/>
+          </a:xfrm>
+        </p:spPr>
+        <p:txBody>
+          <a:bodyPr>
+            <a:normAutofit lnSpcReduction="10000"/>
+          </a:bodyPr>
+          <a:lstStyle/>
+          <a:p>
+            <a:pPr marL="171450" indent="-171450"/>
+            <a:r>
+              <a:rPr lang="fi-FI" sz="1200" dirty="0" err="1"/>
+              <a:t>time;time</a:t>
+            </a:r>
+            <a:endParaRPr lang="fi-FI" sz="1200" dirty="0"/>
+          </a:p>
+          <a:p>
+            <a:pPr marL="171450" indent="-171450"/>
+            <a:r>
+              <a:rPr lang="fi-FI" sz="1200" dirty="0" err="1"/>
+              <a:t>place;place</a:t>
+            </a:r>
+            <a:endParaRPr lang="fi-FI" sz="1200" dirty="0"/>
+          </a:p>
+          <a:p>
+            <a:pPr marL="171450" indent="-171450"/>
+            <a:r>
+              <a:rPr lang="fi-FI" sz="1200" dirty="0" err="1"/>
+              <a:t>lat;lat</a:t>
+            </a:r>
+            <a:endParaRPr lang="fi-FI" sz="1200" dirty="0"/>
+          </a:p>
+          <a:p>
+            <a:pPr marL="171450" indent="-171450"/>
+            <a:r>
+              <a:rPr lang="fi-FI" sz="1200" dirty="0" err="1"/>
+              <a:t>lon;lon</a:t>
+            </a:r>
+            <a:endParaRPr lang="fi-FI" sz="1200" dirty="0"/>
+          </a:p>
+          <a:p>
+            <a:pPr marL="171450" indent="-171450"/>
+            <a:r>
+              <a:rPr lang="fi-FI" sz="1200" dirty="0" err="1"/>
+              <a:t>mean</a:t>
+            </a:r>
+            <a:r>
+              <a:rPr lang="fi-FI" sz="1200" dirty="0"/>
+              <a:t>(</a:t>
+            </a:r>
+            <a:r>
+              <a:rPr lang="fi-FI" sz="1200" dirty="0" err="1"/>
+              <a:t>mean_t</a:t>
+            </a:r>
+            <a:r>
+              <a:rPr lang="fi-FI" sz="1200" dirty="0"/>
+              <a:t>(pressure:60:0));</a:t>
+            </a:r>
+            <a:r>
+              <a:rPr lang="fi-FI" sz="1200" dirty="0" err="1"/>
+              <a:t>pressure</a:t>
+            </a:r>
+            <a:endParaRPr lang="fi-FI" sz="1200" dirty="0"/>
+          </a:p>
+          <a:p>
+            <a:pPr marL="171450" indent="-171450"/>
+            <a:r>
+              <a:rPr lang="fi-FI" sz="1200" dirty="0" err="1"/>
+              <a:t>max</a:t>
+            </a:r>
+            <a:r>
+              <a:rPr lang="fi-FI" sz="1200" dirty="0"/>
+              <a:t>(</a:t>
+            </a:r>
+            <a:r>
+              <a:rPr lang="fi-FI" sz="1200" dirty="0" err="1"/>
+              <a:t>max_t</a:t>
+            </a:r>
+            <a:r>
+              <a:rPr lang="fi-FI" sz="1200" dirty="0"/>
+              <a:t>(temperature:60:0));</a:t>
+            </a:r>
+            <a:r>
+              <a:rPr lang="fi-FI" sz="1200" dirty="0" err="1"/>
+              <a:t>max_temperature</a:t>
+            </a:r>
+            <a:endParaRPr lang="fi-FI" sz="1200" dirty="0"/>
+          </a:p>
+          <a:p>
+            <a:pPr marL="171450" indent="-171450"/>
+            <a:r>
+              <a:rPr lang="fi-FI" sz="1200" dirty="0"/>
+              <a:t>min(</a:t>
+            </a:r>
+            <a:r>
+              <a:rPr lang="fi-FI" sz="1200" dirty="0" err="1"/>
+              <a:t>min_t</a:t>
+            </a:r>
+            <a:r>
+              <a:rPr lang="fi-FI" sz="1200" dirty="0"/>
+              <a:t>(temperature:60:0));</a:t>
+            </a:r>
+            <a:r>
+              <a:rPr lang="fi-FI" sz="1200" dirty="0" err="1"/>
+              <a:t>min_temperature</a:t>
+            </a:r>
+            <a:endParaRPr lang="fi-FI" sz="1200" dirty="0"/>
+          </a:p>
+          <a:p>
+            <a:pPr marL="171450" indent="-171450"/>
+            <a:r>
+              <a:rPr lang="fi-FI" sz="1200" dirty="0" err="1"/>
+              <a:t>mean</a:t>
+            </a:r>
+            <a:r>
+              <a:rPr lang="fi-FI" sz="1200" dirty="0"/>
+              <a:t>(</a:t>
+            </a:r>
+            <a:r>
+              <a:rPr lang="fi-FI" sz="1200" dirty="0" err="1"/>
+              <a:t>mean_t</a:t>
+            </a:r>
+            <a:r>
+              <a:rPr lang="fi-FI" sz="1200" dirty="0"/>
+              <a:t>(temperature:60:0));</a:t>
+            </a:r>
+            <a:r>
+              <a:rPr lang="fi-FI" sz="1200" dirty="0" err="1"/>
+              <a:t>mean_temperature</a:t>
+            </a:r>
+            <a:endParaRPr lang="fi-FI" sz="1200" dirty="0"/>
+          </a:p>
+          <a:p>
+            <a:pPr marL="171450" indent="-171450"/>
+            <a:r>
+              <a:rPr lang="fi-FI" sz="1200" dirty="0" err="1"/>
+              <a:t>max</a:t>
+            </a:r>
+            <a:r>
+              <a:rPr lang="fi-FI" sz="1200" dirty="0"/>
+              <a:t>(</a:t>
+            </a:r>
+            <a:r>
+              <a:rPr lang="fi-FI" sz="1200" dirty="0" err="1"/>
+              <a:t>max_t</a:t>
+            </a:r>
+            <a:r>
+              <a:rPr lang="fi-FI" sz="1200" dirty="0"/>
+              <a:t>(dewpoint:60:0));</a:t>
+            </a:r>
+            <a:r>
+              <a:rPr lang="fi-FI" sz="1200" dirty="0" err="1"/>
+              <a:t>max_dewpoint</a:t>
+            </a:r>
+            <a:endParaRPr lang="fi-FI" sz="1200" dirty="0"/>
+          </a:p>
+          <a:p>
+            <a:pPr marL="171450" indent="-171450"/>
+            <a:r>
+              <a:rPr lang="fi-FI" sz="1200" dirty="0"/>
+              <a:t>min(</a:t>
+            </a:r>
+            <a:r>
+              <a:rPr lang="fi-FI" sz="1200" dirty="0" err="1"/>
+              <a:t>min_t</a:t>
+            </a:r>
+            <a:r>
+              <a:rPr lang="fi-FI" sz="1200" dirty="0"/>
+              <a:t>(dewpoint:60:0));</a:t>
+            </a:r>
+            <a:r>
+              <a:rPr lang="fi-FI" sz="1200" dirty="0" err="1"/>
+              <a:t>min_dewpoint</a:t>
+            </a:r>
+            <a:endParaRPr lang="fi-FI" sz="1200" dirty="0"/>
+          </a:p>
+          <a:p>
+            <a:pPr marL="171450" indent="-171450"/>
+            <a:r>
+              <a:rPr lang="fi-FI" sz="1200" dirty="0" err="1"/>
+              <a:t>mean</a:t>
+            </a:r>
+            <a:r>
+              <a:rPr lang="fi-FI" sz="1200" dirty="0"/>
+              <a:t>(</a:t>
+            </a:r>
+            <a:r>
+              <a:rPr lang="fi-FI" sz="1200" dirty="0" err="1"/>
+              <a:t>mean_t</a:t>
+            </a:r>
+            <a:r>
+              <a:rPr lang="fi-FI" sz="1200" dirty="0"/>
+              <a:t>(dewpoint:60:0));</a:t>
+            </a:r>
+            <a:r>
+              <a:rPr lang="fi-FI" sz="1200" dirty="0" err="1"/>
+              <a:t>mean_dewpoint</a:t>
+            </a:r>
+            <a:endParaRPr lang="fi-FI" sz="1200" dirty="0"/>
+          </a:p>
+          <a:p>
+            <a:pPr marL="171450" indent="-171450"/>
+            <a:r>
+              <a:rPr lang="fi-FI" sz="1200" dirty="0" err="1"/>
+              <a:t>max</a:t>
+            </a:r>
+            <a:r>
+              <a:rPr lang="fi-FI" sz="1200" dirty="0"/>
+              <a:t>(</a:t>
+            </a:r>
+            <a:r>
+              <a:rPr lang="fi-FI" sz="1200" dirty="0" err="1"/>
+              <a:t>max_t</a:t>
+            </a:r>
+            <a:r>
+              <a:rPr lang="fi-FI" sz="1200" dirty="0"/>
+              <a:t>(humidity:60:0));</a:t>
+            </a:r>
+            <a:r>
+              <a:rPr lang="fi-FI" sz="1200" dirty="0" err="1"/>
+              <a:t>max_humidity</a:t>
+            </a:r>
+            <a:endParaRPr lang="fi-FI" sz="1200" dirty="0"/>
+          </a:p>
+          <a:p>
+            <a:pPr marL="171450" indent="-171450"/>
+            <a:r>
+              <a:rPr lang="fi-FI" sz="1200" dirty="0"/>
+              <a:t>min(</a:t>
+            </a:r>
+            <a:r>
+              <a:rPr lang="fi-FI" sz="1200" dirty="0" err="1"/>
+              <a:t>min_t</a:t>
+            </a:r>
+            <a:r>
+              <a:rPr lang="fi-FI" sz="1200" dirty="0"/>
+              <a:t>(humidity:60:0));</a:t>
+            </a:r>
+            <a:r>
+              <a:rPr lang="fi-FI" sz="1200" dirty="0" err="1"/>
+              <a:t>min_humidity</a:t>
+            </a:r>
+            <a:endParaRPr lang="fi-FI" sz="1200" dirty="0"/>
+          </a:p>
+          <a:p>
+            <a:pPr marL="171450" indent="-171450"/>
+            <a:r>
+              <a:rPr lang="fi-FI" sz="1200" dirty="0" err="1"/>
+              <a:t>mean</a:t>
+            </a:r>
+            <a:r>
+              <a:rPr lang="fi-FI" sz="1200" dirty="0"/>
+              <a:t>(</a:t>
+            </a:r>
+            <a:r>
+              <a:rPr lang="fi-FI" sz="1200" dirty="0" err="1"/>
+              <a:t>mean_t</a:t>
+            </a:r>
+            <a:r>
+              <a:rPr lang="fi-FI" sz="1200" dirty="0"/>
+              <a:t>(humidity:60:0));</a:t>
+            </a:r>
+            <a:r>
+              <a:rPr lang="fi-FI" sz="1200" dirty="0" err="1"/>
+              <a:t>mean_humidity</a:t>
+            </a:r>
+            <a:endParaRPr lang="fi-FI" sz="1200" dirty="0"/>
+          </a:p>
+          <a:p>
+            <a:pPr marL="171450" indent="-171450"/>
+            <a:r>
+              <a:rPr lang="fi-FI" sz="1200" dirty="0" err="1"/>
+              <a:t>mean</a:t>
+            </a:r>
+            <a:r>
+              <a:rPr lang="fi-FI" sz="1200" dirty="0"/>
+              <a:t>(</a:t>
+            </a:r>
+            <a:r>
+              <a:rPr lang="fi-FI" sz="1200" dirty="0" err="1"/>
+              <a:t>mean_t</a:t>
+            </a:r>
+            <a:r>
+              <a:rPr lang="fi-FI" sz="1200" dirty="0"/>
+              <a:t>(winddirection:60:0));</a:t>
+            </a:r>
+            <a:r>
+              <a:rPr lang="fi-FI" sz="1200" dirty="0" err="1"/>
+              <a:t>mean_winddirection</a:t>
+            </a:r>
+            <a:endParaRPr lang="fi-FI" sz="1200" dirty="0"/>
+          </a:p>
+          <a:p>
+            <a:pPr marL="171450" indent="-171450"/>
+            <a:r>
+              <a:rPr lang="fi-FI" sz="1200" dirty="0" err="1"/>
+              <a:t>sdev</a:t>
+            </a:r>
+            <a:r>
+              <a:rPr lang="fi-FI" sz="1200" dirty="0"/>
+              <a:t>(</a:t>
+            </a:r>
+            <a:r>
+              <a:rPr lang="fi-FI" sz="1200" dirty="0" err="1"/>
+              <a:t>sdev_t</a:t>
+            </a:r>
+            <a:r>
+              <a:rPr lang="fi-FI" sz="1200" dirty="0"/>
+              <a:t>(winddirection:60:0));</a:t>
+            </a:r>
+            <a:r>
+              <a:rPr lang="fi-FI" sz="1200" dirty="0" err="1"/>
+              <a:t>sdev_winddirection</a:t>
+            </a:r>
+            <a:endParaRPr lang="fi-FI" sz="1200" dirty="0"/>
+          </a:p>
+          <a:p>
+            <a:pPr marL="171450" indent="-171450"/>
+            <a:r>
+              <a:rPr lang="fi-FI" sz="1200" dirty="0" err="1"/>
+              <a:t>max</a:t>
+            </a:r>
+            <a:r>
+              <a:rPr lang="fi-FI" sz="1200" dirty="0"/>
+              <a:t>(</a:t>
+            </a:r>
+            <a:r>
+              <a:rPr lang="fi-FI" sz="1200" dirty="0" err="1"/>
+              <a:t>max_t</a:t>
+            </a:r>
+            <a:r>
+              <a:rPr lang="fi-FI" sz="1200" dirty="0"/>
+              <a:t>(windspeedms:60:0));</a:t>
+            </a:r>
+            <a:r>
+              <a:rPr lang="fi-FI" sz="1200" dirty="0" err="1"/>
+              <a:t>max_windspeedms</a:t>
+            </a:r>
+            <a:endParaRPr lang="fi-FI" sz="1200" dirty="0"/>
+          </a:p>
+          <a:p>
+            <a:pPr marL="171450" indent="-171450"/>
+            <a:r>
+              <a:rPr lang="fi-FI" sz="1200" dirty="0"/>
+              <a:t>min(</a:t>
+            </a:r>
+            <a:r>
+              <a:rPr lang="fi-FI" sz="1200" dirty="0" err="1"/>
+              <a:t>min_t</a:t>
+            </a:r>
+            <a:r>
+              <a:rPr lang="fi-FI" sz="1200" dirty="0"/>
+              <a:t>(windspeedms:60:0));</a:t>
+            </a:r>
+            <a:r>
+              <a:rPr lang="fi-FI" sz="1200" dirty="0" err="1"/>
+              <a:t>min_windspeedms</a:t>
+            </a:r>
+            <a:endParaRPr lang="fi-FI" sz="1200" dirty="0"/>
+          </a:p>
+          <a:p>
+            <a:pPr marL="171450" indent="-171450"/>
+            <a:r>
+              <a:rPr lang="fi-FI" sz="1200" dirty="0" err="1"/>
+              <a:t>mean</a:t>
+            </a:r>
+            <a:r>
+              <a:rPr lang="fi-FI" sz="1200" dirty="0"/>
+              <a:t>(</a:t>
+            </a:r>
+            <a:r>
+              <a:rPr lang="fi-FI" sz="1200" dirty="0" err="1"/>
+              <a:t>mean_t</a:t>
+            </a:r>
+            <a:r>
+              <a:rPr lang="fi-FI" sz="1200" dirty="0"/>
+              <a:t>(windspeedms:60:0));</a:t>
+            </a:r>
+            <a:r>
+              <a:rPr lang="fi-FI" sz="1200" dirty="0" err="1"/>
+              <a:t>mean_windspeedms</a:t>
+            </a:r>
+            <a:endParaRPr lang="fi-FI" sz="1200" dirty="0"/>
+          </a:p>
+          <a:p>
+            <a:pPr marL="171450" indent="-171450"/>
+            <a:r>
+              <a:rPr lang="fi-FI" sz="1200" dirty="0" err="1"/>
+              <a:t>max</a:t>
+            </a:r>
+            <a:r>
+              <a:rPr lang="fi-FI" sz="1200" dirty="0"/>
+              <a:t>(</a:t>
+            </a:r>
+            <a:r>
+              <a:rPr lang="fi-FI" sz="1200" dirty="0" err="1"/>
+              <a:t>max_t</a:t>
+            </a:r>
+            <a:r>
+              <a:rPr lang="fi-FI" sz="1200" dirty="0"/>
+              <a:t>(windgust:60:0));</a:t>
+            </a:r>
+            <a:r>
+              <a:rPr lang="fi-FI" sz="1200" dirty="0" err="1"/>
+              <a:t>max_windgust</a:t>
+            </a:r>
+            <a:endParaRPr lang="fi-FI" sz="1200" dirty="0"/>
+          </a:p>
+          <a:p>
+            <a:pPr marL="171450" indent="-171450"/>
+            <a:r>
+              <a:rPr lang="fi-FI" sz="1200" dirty="0"/>
+              <a:t>min(</a:t>
+            </a:r>
+            <a:r>
+              <a:rPr lang="fi-FI" sz="1200" dirty="0" err="1"/>
+              <a:t>min_t</a:t>
+            </a:r>
+            <a:r>
+              <a:rPr lang="fi-FI" sz="1200" dirty="0"/>
+              <a:t>(windgust:60:0));</a:t>
+            </a:r>
+            <a:r>
+              <a:rPr lang="fi-FI" sz="1200" dirty="0" err="1"/>
+              <a:t>min_windgust</a:t>
+            </a:r>
+            <a:endParaRPr lang="fi-FI" sz="1200" dirty="0"/>
+          </a:p>
+          <a:p>
+            <a:pPr marL="171450" indent="-171450"/>
+            <a:r>
+              <a:rPr lang="fi-FI" sz="1200" dirty="0" err="1"/>
+              <a:t>mean</a:t>
+            </a:r>
+            <a:r>
+              <a:rPr lang="fi-FI" sz="1200" dirty="0"/>
+              <a:t>(</a:t>
+            </a:r>
+            <a:r>
+              <a:rPr lang="fi-FI" sz="1200" dirty="0" err="1"/>
+              <a:t>mean_t</a:t>
+            </a:r>
+            <a:r>
+              <a:rPr lang="fi-FI" sz="1200" dirty="0"/>
+              <a:t>(windgust:60:0));</a:t>
+            </a:r>
+            <a:r>
+              <a:rPr lang="fi-FI" sz="1200" dirty="0" err="1"/>
+              <a:t>mean_windgust</a:t>
+            </a:r>
+            <a:endParaRPr lang="fi-FI" sz="1200" dirty="0"/>
+          </a:p>
+          <a:p>
+            <a:pPr marL="171450" indent="-171450"/>
+            <a:r>
+              <a:rPr lang="fi-FI" sz="1200" dirty="0" err="1"/>
+              <a:t>max</a:t>
+            </a:r>
+            <a:r>
+              <a:rPr lang="fi-FI" sz="1200" dirty="0"/>
+              <a:t>(precipitation1h);max_precipitation1h</a:t>
+            </a:r>
+          </a:p>
+          <a:p>
+            <a:pPr marL="171450" indent="-171450"/>
+            <a:r>
+              <a:rPr lang="fi-FI" sz="1200" dirty="0" err="1"/>
+              <a:t>max</a:t>
+            </a:r>
+            <a:r>
+              <a:rPr lang="fi-FI" sz="1200" dirty="0"/>
+              <a:t>(</a:t>
+            </a:r>
+            <a:r>
+              <a:rPr lang="fi-FI" sz="1200" dirty="0" err="1"/>
+              <a:t>max_t</a:t>
+            </a:r>
+            <a:r>
+              <a:rPr lang="fi-FI" sz="1200" dirty="0"/>
+              <a:t>(snowdepth:60:0));</a:t>
+            </a:r>
+            <a:r>
+              <a:rPr lang="fi-FI" sz="1200" dirty="0" err="1"/>
+              <a:t>max_snowdepth</a:t>
+            </a:r>
+            <a:endParaRPr lang="fi-FI" sz="1200" dirty="0"/>
+          </a:p>
+          <a:p>
+            <a:pPr marL="171450" indent="-171450"/>
+            <a:r>
+              <a:rPr lang="fi-FI" sz="1200" dirty="0" err="1"/>
+              <a:t>max</a:t>
+            </a:r>
+            <a:r>
+              <a:rPr lang="fi-FI" sz="1200" dirty="0"/>
+              <a:t>(</a:t>
+            </a:r>
+            <a:r>
+              <a:rPr lang="fi-FI" sz="1200" dirty="0" err="1"/>
+              <a:t>max_t</a:t>
+            </a:r>
+            <a:r>
+              <a:rPr lang="fi-FI" sz="1200" dirty="0"/>
+              <a:t>(n:60:0));</a:t>
+            </a:r>
+            <a:r>
+              <a:rPr lang="fi-FI" sz="1200" dirty="0" err="1"/>
+              <a:t>max_n</a:t>
+            </a:r>
+            <a:endParaRPr lang="fi-FI" sz="1200" dirty="0"/>
+          </a:p>
+          <a:p>
+            <a:pPr marL="171450" indent="-171450"/>
+            <a:r>
+              <a:rPr lang="fi-FI" sz="1200" dirty="0"/>
+              <a:t>min(</a:t>
+            </a:r>
+            <a:r>
+              <a:rPr lang="fi-FI" sz="1200" dirty="0" err="1"/>
+              <a:t>min_t</a:t>
+            </a:r>
+            <a:r>
+              <a:rPr lang="fi-FI" sz="1200" dirty="0"/>
+              <a:t>(vis:60:0));</a:t>
+            </a:r>
+            <a:r>
+              <a:rPr lang="fi-FI" sz="1200" dirty="0" err="1"/>
+              <a:t>min_vis</a:t>
+            </a:r>
+            <a:endParaRPr lang="fi-FI" sz="1200" dirty="0"/>
+          </a:p>
+          <a:p>
+            <a:pPr marL="171450" indent="-171450"/>
+            <a:r>
+              <a:rPr lang="fi-FI" sz="1200" dirty="0"/>
+              <a:t>min(</a:t>
+            </a:r>
+            <a:r>
+              <a:rPr lang="fi-FI" sz="1200" dirty="0" err="1"/>
+              <a:t>min_t</a:t>
+            </a:r>
+            <a:r>
+              <a:rPr lang="fi-FI" sz="1200" dirty="0"/>
+              <a:t>(clhb:60:0));</a:t>
+            </a:r>
+            <a:r>
+              <a:rPr lang="fi-FI" sz="1200" dirty="0" err="1"/>
+              <a:t>min_clhb</a:t>
+            </a:r>
+            <a:endParaRPr lang="fi-FI" sz="1200" dirty="0"/>
+          </a:p>
+          <a:p>
+            <a:pPr marL="171450" indent="-171450"/>
+            <a:endParaRPr lang="fi-FI" sz="1200" dirty="0"/>
+          </a:p>
+        </p:txBody>
+      </p:sp>
+      <p:sp>
+        <p:nvSpPr>
+          <p:cNvPr id="6" name="Rectangle 5">
+            <a:extLst>
+              <a:ext uri="{FF2B5EF4-FFF2-40B4-BE49-F238E27FC236}">
+                <a16:creationId xmlns:a16="http://schemas.microsoft.com/office/drawing/2014/main" id="{8B5F062F-1DB8-FB42-B4D2-B0FB1DA4C90B}"/>
+              </a:ext>
+            </a:extLst>
+          </p:cNvPr>
+          <p:cNvSpPr/>
+          <p:nvPr/>
+        </p:nvSpPr>
+        <p:spPr>
+          <a:xfrm>
+            <a:off x="4695598" y="1528708"/>
+            <a:ext cx="4949825" cy="4745915"/>
+          </a:xfrm>
+          <a:prstGeom prst="rect">
+            <a:avLst/>
+          </a:prstGeom>
+        </p:spPr>
+        <p:txBody>
+          <a:bodyPr>
+            <a:spAutoFit/>
+          </a:bodyPr>
+          <a:lstStyle/>
+          <a:p>
+            <a:pPr marL="171450" indent="-171450">
+              <a:lnSpc>
+                <a:spcPct val="90000"/>
+              </a:lnSpc>
+              <a:buFont typeface="Arial" panose="020B0604020202020204" pitchFamily="34" charset="0"/>
+              <a:buChar char="•"/>
+            </a:pPr>
+            <a:r>
+              <a:rPr lang="fi-FI" sz="1200" dirty="0" err="1"/>
+              <a:t>time;time</a:t>
+            </a:r>
+            <a:endParaRPr lang="fi-FI" sz="1200" dirty="0"/>
+          </a:p>
+          <a:p>
+            <a:pPr marL="171450" indent="-171450">
+              <a:lnSpc>
+                <a:spcPct val="90000"/>
+              </a:lnSpc>
+              <a:buFont typeface="Arial" panose="020B0604020202020204" pitchFamily="34" charset="0"/>
+              <a:buChar char="•"/>
+            </a:pPr>
+            <a:r>
+              <a:rPr lang="fi-FI" sz="1200" dirty="0" err="1"/>
+              <a:t>place;place</a:t>
+            </a:r>
+            <a:endParaRPr lang="fi-FI" sz="1200" dirty="0"/>
+          </a:p>
+          <a:p>
+            <a:pPr marL="171450" indent="-171450">
+              <a:lnSpc>
+                <a:spcPct val="90000"/>
+              </a:lnSpc>
+              <a:buFont typeface="Arial" panose="020B0604020202020204" pitchFamily="34" charset="0"/>
+              <a:buChar char="•"/>
+            </a:pPr>
+            <a:r>
+              <a:rPr lang="fi-FI" sz="1200" dirty="0" err="1"/>
+              <a:t>lat;lat</a:t>
+            </a:r>
+            <a:endParaRPr lang="fi-FI" sz="1200" dirty="0"/>
+          </a:p>
+          <a:p>
+            <a:pPr marL="171450" indent="-171450">
+              <a:lnSpc>
+                <a:spcPct val="90000"/>
+              </a:lnSpc>
+              <a:buFont typeface="Arial" panose="020B0604020202020204" pitchFamily="34" charset="0"/>
+              <a:buChar char="•"/>
+            </a:pPr>
+            <a:r>
+              <a:rPr lang="fi-FI" sz="1200" dirty="0" err="1"/>
+              <a:t>lon;lon</a:t>
+            </a:r>
+            <a:endParaRPr lang="fi-FI" sz="1200" dirty="0"/>
+          </a:p>
+          <a:p>
+            <a:pPr marL="171450" indent="-171450">
+              <a:lnSpc>
+                <a:spcPct val="90000"/>
+              </a:lnSpc>
+              <a:buFont typeface="Arial" panose="020B0604020202020204" pitchFamily="34" charset="0"/>
+              <a:buChar char="•"/>
+            </a:pPr>
+            <a:r>
+              <a:rPr lang="fi-FI" sz="1200" dirty="0" err="1"/>
+              <a:t>pressure;pressure</a:t>
+            </a:r>
+            <a:endParaRPr lang="fi-FI" sz="1200" dirty="0"/>
+          </a:p>
+          <a:p>
+            <a:pPr marL="171450" indent="-171450">
+              <a:lnSpc>
+                <a:spcPct val="90000"/>
+              </a:lnSpc>
+              <a:buFont typeface="Arial" panose="020B0604020202020204" pitchFamily="34" charset="0"/>
+              <a:buChar char="•"/>
+            </a:pPr>
+            <a:r>
+              <a:rPr lang="fi-FI" sz="1200" dirty="0" err="1"/>
+              <a:t>temperature;max_temperature</a:t>
+            </a:r>
+            <a:endParaRPr lang="fi-FI" sz="1200" dirty="0"/>
+          </a:p>
+          <a:p>
+            <a:pPr marL="171450" indent="-171450">
+              <a:lnSpc>
+                <a:spcPct val="90000"/>
+              </a:lnSpc>
+              <a:buFont typeface="Arial" panose="020B0604020202020204" pitchFamily="34" charset="0"/>
+              <a:buChar char="•"/>
+            </a:pPr>
+            <a:r>
+              <a:rPr lang="fi-FI" sz="1200" dirty="0" err="1"/>
+              <a:t>temperature;min_temperature</a:t>
+            </a:r>
+            <a:endParaRPr lang="fi-FI" sz="1200" dirty="0"/>
+          </a:p>
+          <a:p>
+            <a:pPr marL="171450" indent="-171450">
+              <a:lnSpc>
+                <a:spcPct val="90000"/>
+              </a:lnSpc>
+              <a:buFont typeface="Arial" panose="020B0604020202020204" pitchFamily="34" charset="0"/>
+              <a:buChar char="•"/>
+            </a:pPr>
+            <a:r>
+              <a:rPr lang="fi-FI" sz="1200" dirty="0" err="1"/>
+              <a:t>temperature;mean_temperature</a:t>
+            </a:r>
+            <a:endParaRPr lang="fi-FI" sz="1200" dirty="0"/>
+          </a:p>
+          <a:p>
+            <a:pPr marL="171450" indent="-171450">
+              <a:lnSpc>
+                <a:spcPct val="90000"/>
+              </a:lnSpc>
+              <a:buFont typeface="Arial" panose="020B0604020202020204" pitchFamily="34" charset="0"/>
+              <a:buChar char="•"/>
+            </a:pPr>
+            <a:r>
+              <a:rPr lang="fi-FI" sz="1200" dirty="0" err="1"/>
+              <a:t>dewpoint;max_dewpoint</a:t>
+            </a:r>
+            <a:endParaRPr lang="fi-FI" sz="1200" dirty="0"/>
+          </a:p>
+          <a:p>
+            <a:pPr marL="171450" indent="-171450">
+              <a:lnSpc>
+                <a:spcPct val="90000"/>
+              </a:lnSpc>
+              <a:buFont typeface="Arial" panose="020B0604020202020204" pitchFamily="34" charset="0"/>
+              <a:buChar char="•"/>
+            </a:pPr>
+            <a:r>
+              <a:rPr lang="fi-FI" sz="1200" dirty="0" err="1"/>
+              <a:t>dewpoint;min_dewpoint</a:t>
+            </a:r>
+            <a:endParaRPr lang="fi-FI" sz="1200" dirty="0"/>
+          </a:p>
+          <a:p>
+            <a:pPr marL="171450" indent="-171450">
+              <a:lnSpc>
+                <a:spcPct val="90000"/>
+              </a:lnSpc>
+              <a:buFont typeface="Arial" panose="020B0604020202020204" pitchFamily="34" charset="0"/>
+              <a:buChar char="•"/>
+            </a:pPr>
+            <a:r>
+              <a:rPr lang="fi-FI" sz="1200" dirty="0" err="1"/>
+              <a:t>dewpoint;mean_dewpoint</a:t>
+            </a:r>
+            <a:endParaRPr lang="fi-FI" sz="1200" dirty="0"/>
+          </a:p>
+          <a:p>
+            <a:pPr marL="171450" indent="-171450">
+              <a:lnSpc>
+                <a:spcPct val="90000"/>
+              </a:lnSpc>
+              <a:buFont typeface="Arial" panose="020B0604020202020204" pitchFamily="34" charset="0"/>
+              <a:buChar char="•"/>
+            </a:pPr>
+            <a:r>
+              <a:rPr lang="fi-FI" sz="1200" dirty="0" err="1"/>
+              <a:t>humidity;max_humidity</a:t>
+            </a:r>
+            <a:endParaRPr lang="fi-FI" sz="1200" dirty="0"/>
+          </a:p>
+          <a:p>
+            <a:pPr marL="171450" indent="-171450">
+              <a:lnSpc>
+                <a:spcPct val="90000"/>
+              </a:lnSpc>
+              <a:buFont typeface="Arial" panose="020B0604020202020204" pitchFamily="34" charset="0"/>
+              <a:buChar char="•"/>
+            </a:pPr>
+            <a:r>
+              <a:rPr lang="fi-FI" sz="1200" dirty="0" err="1"/>
+              <a:t>humidity;min_humidity</a:t>
+            </a:r>
+            <a:endParaRPr lang="fi-FI" sz="1200" dirty="0"/>
+          </a:p>
+          <a:p>
+            <a:pPr marL="171450" indent="-171450">
+              <a:lnSpc>
+                <a:spcPct val="90000"/>
+              </a:lnSpc>
+              <a:buFont typeface="Arial" panose="020B0604020202020204" pitchFamily="34" charset="0"/>
+              <a:buChar char="•"/>
+            </a:pPr>
+            <a:r>
+              <a:rPr lang="fi-FI" sz="1200" dirty="0" err="1"/>
+              <a:t>humidity;mean_humidity</a:t>
+            </a:r>
+            <a:endParaRPr lang="fi-FI" sz="1200" dirty="0"/>
+          </a:p>
+          <a:p>
+            <a:pPr marL="171450" indent="-171450">
+              <a:lnSpc>
+                <a:spcPct val="90000"/>
+              </a:lnSpc>
+              <a:buFont typeface="Arial" panose="020B0604020202020204" pitchFamily="34" charset="0"/>
+              <a:buChar char="•"/>
+            </a:pPr>
+            <a:r>
+              <a:rPr lang="fi-FI" sz="1200" dirty="0" err="1"/>
+              <a:t>winddirection;mean_winddirection</a:t>
+            </a:r>
+            <a:endParaRPr lang="fi-FI" sz="1200" dirty="0"/>
+          </a:p>
+          <a:p>
+            <a:pPr marL="171450" indent="-171450">
+              <a:lnSpc>
+                <a:spcPct val="90000"/>
+              </a:lnSpc>
+              <a:buFont typeface="Arial" panose="020B0604020202020204" pitchFamily="34" charset="0"/>
+              <a:buChar char="•"/>
+            </a:pPr>
+            <a:r>
+              <a:rPr lang="fi-FI" sz="1200" dirty="0" err="1"/>
+              <a:t>winddirection;sdev_winddirection</a:t>
+            </a:r>
+            <a:endParaRPr lang="fi-FI" sz="1200" dirty="0"/>
+          </a:p>
+          <a:p>
+            <a:pPr marL="171450" indent="-171450">
+              <a:lnSpc>
+                <a:spcPct val="90000"/>
+              </a:lnSpc>
+              <a:buFont typeface="Arial" panose="020B0604020202020204" pitchFamily="34" charset="0"/>
+              <a:buChar char="•"/>
+            </a:pPr>
+            <a:r>
+              <a:rPr lang="fi-FI" sz="1200" dirty="0" err="1"/>
+              <a:t>windspeedms;max_windspeedms</a:t>
+            </a:r>
+            <a:endParaRPr lang="fi-FI" sz="1200" dirty="0"/>
+          </a:p>
+          <a:p>
+            <a:pPr marL="171450" indent="-171450">
+              <a:lnSpc>
+                <a:spcPct val="90000"/>
+              </a:lnSpc>
+              <a:buFont typeface="Arial" panose="020B0604020202020204" pitchFamily="34" charset="0"/>
+              <a:buChar char="•"/>
+            </a:pPr>
+            <a:r>
+              <a:rPr lang="fi-FI" sz="1200" dirty="0" err="1"/>
+              <a:t>windspeedms;min_windspeedms</a:t>
+            </a:r>
+            <a:endParaRPr lang="fi-FI" sz="1200" dirty="0"/>
+          </a:p>
+          <a:p>
+            <a:pPr marL="171450" indent="-171450">
+              <a:lnSpc>
+                <a:spcPct val="90000"/>
+              </a:lnSpc>
+              <a:buFont typeface="Arial" panose="020B0604020202020204" pitchFamily="34" charset="0"/>
+              <a:buChar char="•"/>
+            </a:pPr>
+            <a:r>
+              <a:rPr lang="fi-FI" sz="1200" dirty="0" err="1"/>
+              <a:t>windspeedms;mean_windspeedms</a:t>
+            </a:r>
+            <a:endParaRPr lang="fi-FI" sz="1200" dirty="0"/>
+          </a:p>
+          <a:p>
+            <a:pPr marL="171450" indent="-171450">
+              <a:lnSpc>
+                <a:spcPct val="90000"/>
+              </a:lnSpc>
+              <a:buFont typeface="Arial" panose="020B0604020202020204" pitchFamily="34" charset="0"/>
+              <a:buChar char="•"/>
+            </a:pPr>
+            <a:r>
+              <a:rPr lang="fi-FI" sz="1200" dirty="0" err="1"/>
+              <a:t>windgust;max_windgust</a:t>
+            </a:r>
+            <a:endParaRPr lang="fi-FI" sz="1200" dirty="0"/>
+          </a:p>
+          <a:p>
+            <a:pPr marL="171450" indent="-171450">
+              <a:lnSpc>
+                <a:spcPct val="90000"/>
+              </a:lnSpc>
+              <a:buFont typeface="Arial" panose="020B0604020202020204" pitchFamily="34" charset="0"/>
+              <a:buChar char="•"/>
+            </a:pPr>
+            <a:r>
+              <a:rPr lang="fi-FI" sz="1200" dirty="0" err="1"/>
+              <a:t>windgust;min_windgust</a:t>
+            </a:r>
+            <a:endParaRPr lang="fi-FI" sz="1200" dirty="0"/>
+          </a:p>
+          <a:p>
+            <a:pPr marL="171450" indent="-171450">
+              <a:lnSpc>
+                <a:spcPct val="90000"/>
+              </a:lnSpc>
+              <a:buFont typeface="Arial" panose="020B0604020202020204" pitchFamily="34" charset="0"/>
+              <a:buChar char="•"/>
+            </a:pPr>
+            <a:r>
+              <a:rPr lang="fi-FI" sz="1200" dirty="0" err="1"/>
+              <a:t>windgust;mean_windgust</a:t>
+            </a:r>
+            <a:endParaRPr lang="fi-FI" sz="1200" dirty="0"/>
+          </a:p>
+          <a:p>
+            <a:pPr marL="171450" indent="-171450">
+              <a:lnSpc>
+                <a:spcPct val="90000"/>
+              </a:lnSpc>
+              <a:buFont typeface="Arial" panose="020B0604020202020204" pitchFamily="34" charset="0"/>
+              <a:buChar char="•"/>
+            </a:pPr>
+            <a:r>
+              <a:rPr lang="fi-FI" sz="1200" dirty="0"/>
+              <a:t>PrecipitationInstantTotal;max_precipitation1h</a:t>
+            </a:r>
+          </a:p>
+          <a:p>
+            <a:pPr marL="171450" indent="-171450">
+              <a:lnSpc>
+                <a:spcPct val="90000"/>
+              </a:lnSpc>
+              <a:buFont typeface="Arial" panose="020B0604020202020204" pitchFamily="34" charset="0"/>
+              <a:buChar char="•"/>
+            </a:pPr>
+            <a:r>
+              <a:rPr lang="fi-FI" sz="1200" dirty="0" err="1"/>
+              <a:t>snowdepth;max_snowdepth</a:t>
+            </a:r>
+            <a:endParaRPr lang="fi-FI" sz="1200" dirty="0"/>
+          </a:p>
+          <a:p>
+            <a:pPr marL="171450" indent="-171450">
+              <a:lnSpc>
+                <a:spcPct val="90000"/>
+              </a:lnSpc>
+              <a:buFont typeface="Arial" panose="020B0604020202020204" pitchFamily="34" charset="0"/>
+              <a:buChar char="•"/>
+            </a:pPr>
+            <a:r>
+              <a:rPr lang="fi-FI" sz="1200" dirty="0" err="1"/>
+              <a:t>totalcloudcover;max_n</a:t>
+            </a:r>
+            <a:endParaRPr lang="fi-FI" sz="1200" dirty="0"/>
+          </a:p>
+          <a:p>
+            <a:pPr marL="171450" indent="-171450">
+              <a:lnSpc>
+                <a:spcPct val="90000"/>
+              </a:lnSpc>
+              <a:buFont typeface="Arial" panose="020B0604020202020204" pitchFamily="34" charset="0"/>
+              <a:buChar char="•"/>
+            </a:pPr>
+            <a:r>
+              <a:rPr lang="fi-FI" sz="1200" dirty="0"/>
+              <a:t>visibility2;min_vis</a:t>
+            </a:r>
+          </a:p>
+          <a:p>
+            <a:pPr marL="171450" indent="-171450">
+              <a:lnSpc>
+                <a:spcPct val="90000"/>
+              </a:lnSpc>
+              <a:buFont typeface="Arial" panose="020B0604020202020204" pitchFamily="34" charset="0"/>
+              <a:buChar char="•"/>
+            </a:pPr>
+            <a:r>
+              <a:rPr lang="fi-FI" sz="1200" dirty="0" err="1"/>
+              <a:t>cloudbase;min_clhb</a:t>
+            </a:r>
+            <a:endParaRPr lang="fi-FI" sz="1200" dirty="0"/>
+          </a:p>
+          <a:p>
+            <a:pPr marL="171450" indent="-171450">
+              <a:lnSpc>
+                <a:spcPct val="90000"/>
+              </a:lnSpc>
+              <a:buFont typeface="Arial" panose="020B0604020202020204" pitchFamily="34" charset="0"/>
+              <a:buChar char="•"/>
+            </a:pPr>
+            <a:r>
+              <a:rPr lang="fi-FI" sz="1200" dirty="0" err="1"/>
+              <a:t>flashmultiplicity;flashmultiplicity</a:t>
+            </a:r>
+            <a:endParaRPr lang="fi-FI" sz="1200" dirty="0"/>
+          </a:p>
+        </p:txBody>
+      </p:sp>
+    </p:spTree>
+    <p:extLst>
+      <p:ext uri="{BB962C8B-B14F-4D97-AF65-F5344CB8AC3E}">
+        <p14:creationId xmlns:p14="http://schemas.microsoft.com/office/powerpoint/2010/main" val="1564206700"/>
+      </p:ext>
+    </p:extLst>
+  </p:cSld>
+  <p:clrMapOvr>
+    <a:masterClrMapping/>
+  </p:clrMapOvr>
+</p:sld>
+</file>
+
+<file path=ppt/slides/slide11.xml><?xml version="1.0" encoding="utf-8"?>
+<p:sld xmlns:a="http://schemas.openxmlformats.org/drawingml/2006/main" xmlns:r="http://schemas.openxmlformats.org/officeDocument/2006/relationships" xmlns:p="http://schemas.openxmlformats.org/presentationml/2006/main">
+  <p:cSld>
+    <p:spTree>
+      <p:nvGrpSpPr>
+        <p:cNvPr id="1" name=""/>
+        <p:cNvGrpSpPr/>
+        <p:nvPr/>
+      </p:nvGrpSpPr>
+      <p:grpSpPr>
+        <a:xfrm>
+          <a:off x="0" y="0"/>
+          <a:ext cx="0" cy="0"/>
+          <a:chOff x="0" y="0"/>
+          <a:chExt cx="0" cy="0"/>
+        </a:xfrm>
+      </p:grpSpPr>
+      <p:sp>
+        <p:nvSpPr>
+          <p:cNvPr id="2" name="Title 1"/>
+          <p:cNvSpPr>
+            <a:spLocks noGrp="1"/>
+          </p:cNvSpPr>
+          <p:nvPr>
+            <p:ph type="title"/>
+          </p:nvPr>
+        </p:nvSpPr>
+        <p:spPr/>
+        <p:txBody>
+          <a:bodyPr>
+            <a:normAutofit/>
+          </a:bodyPr>
+          <a:lstStyle/>
+          <a:p>
+            <a:r>
+              <a:rPr lang="en-US" b="1" dirty="0">
+                <a:latin typeface="Avenir Black" charset="0"/>
+                <a:ea typeface="Avenir Black" charset="0"/>
+                <a:cs typeface="Avenir Black" charset="0"/>
+              </a:rPr>
+              <a:t>Data</a:t>
+            </a:r>
+            <a:br>
+              <a:rPr lang="en-US" b="1" dirty="0">
+                <a:latin typeface="Avenir Black" charset="0"/>
+                <a:ea typeface="Avenir Black" charset="0"/>
+                <a:cs typeface="Avenir Black" charset="0"/>
+              </a:rPr>
+            </a:br>
+            <a:r>
+              <a:rPr lang="en-US" sz="2200" b="1" dirty="0">
+                <a:latin typeface="Avenir Black" charset="0"/>
+                <a:ea typeface="Avenir Black" charset="0"/>
+                <a:cs typeface="Avenir Black" charset="0"/>
+              </a:rPr>
+              <a:t>Train delay data</a:t>
+            </a:r>
+            <a:br>
+              <a:rPr lang="en-US" b="1" dirty="0">
+                <a:latin typeface="Avenir Black" charset="0"/>
+                <a:ea typeface="Avenir Black" charset="0"/>
+                <a:cs typeface="Avenir Black" charset="0"/>
+              </a:rPr>
+            </a:br>
+            <a:endParaRPr lang="en-US" sz="2000" b="1" dirty="0">
+              <a:latin typeface="Avenir Black" charset="0"/>
+              <a:ea typeface="Avenir Black" charset="0"/>
+              <a:cs typeface="Avenir Black" charset="0"/>
+            </a:endParaRPr>
+          </a:p>
+        </p:txBody>
+      </p:sp>
+      <p:sp>
+        <p:nvSpPr>
+          <p:cNvPr id="5" name="Footer Placeholder 4"/>
+          <p:cNvSpPr>
+            <a:spLocks noGrp="1"/>
+          </p:cNvSpPr>
+          <p:nvPr>
+            <p:ph type="ftr" sz="quarter" idx="11"/>
+          </p:nvPr>
+        </p:nvSpPr>
+        <p:spPr>
+          <a:xfrm>
+            <a:off x="3279259" y="6356352"/>
+            <a:ext cx="3341132" cy="365125"/>
+          </a:xfrm>
+        </p:spPr>
+        <p:txBody>
+          <a:bodyPr/>
+          <a:lstStyle/>
+          <a:p>
+            <a:r>
+              <a:rPr lang="fi-FI" dirty="0" err="1"/>
+              <a:t>Finnish</a:t>
+            </a:r>
+            <a:r>
+              <a:rPr lang="fi-FI" dirty="0"/>
+              <a:t> </a:t>
+            </a:r>
+            <a:r>
+              <a:rPr lang="fi-FI" dirty="0" err="1"/>
+              <a:t>Meteorological</a:t>
+            </a:r>
+            <a:r>
+              <a:rPr lang="fi-FI" dirty="0"/>
+              <a:t> Institute</a:t>
+            </a:r>
+          </a:p>
+        </p:txBody>
+      </p:sp>
+      <p:sp>
+        <p:nvSpPr>
+          <p:cNvPr id="7" name="Content Placeholder 6">
+            <a:extLst>
+              <a:ext uri="{FF2B5EF4-FFF2-40B4-BE49-F238E27FC236}">
+                <a16:creationId xmlns:a16="http://schemas.microsoft.com/office/drawing/2014/main" id="{E2A5E185-B1FA-8B4B-817E-DC60112FF8D3}"/>
+              </a:ext>
+            </a:extLst>
+          </p:cNvPr>
+          <p:cNvSpPr>
+            <a:spLocks noGrp="1"/>
+          </p:cNvSpPr>
+          <p:nvPr>
+            <p:ph idx="1"/>
+          </p:nvPr>
+        </p:nvSpPr>
+        <p:spPr/>
+        <p:txBody>
+          <a:bodyPr/>
+          <a:lstStyle/>
+          <a:p>
+            <a:pPr>
+              <a:buNone/>
+            </a:pPr>
+            <a:r>
+              <a:rPr lang="fi-FI" dirty="0">
+                <a:hlinkClick r:id="rId3"/>
+              </a:rPr>
+              <a:t>https://www.dropbox.com/s/oxpqnj2a6l1revn/gratu%202010-14.zip?dl=0</a:t>
+            </a:r>
+          </a:p>
+          <a:p>
+            <a:pPr>
+              <a:buNone/>
+            </a:pPr>
+            <a:endParaRPr lang="fi-FI" dirty="0">
+              <a:hlinkClick r:id="rId3"/>
+            </a:endParaRPr>
+          </a:p>
+          <a:p>
+            <a:pPr>
+              <a:buNone/>
+            </a:pPr>
+            <a:r>
+              <a:rPr lang="fi-FI" dirty="0">
+                <a:hlinkClick r:id="rId3"/>
+              </a:rPr>
+              <a:t>https://www.dropbox.com/s/wuogtxj31ans5fd/2015-18.zip?dl=0</a:t>
+            </a:r>
+            <a:endParaRPr lang="fi-FI" dirty="0"/>
+          </a:p>
+          <a:p>
+            <a:endParaRPr lang="fi-FI" dirty="0"/>
+          </a:p>
+          <a:p>
+            <a:endParaRPr lang="fi-FI" dirty="0"/>
+          </a:p>
+        </p:txBody>
+      </p:sp>
+    </p:spTree>
+    <p:extLst>
+      <p:ext uri="{BB962C8B-B14F-4D97-AF65-F5344CB8AC3E}">
+        <p14:creationId xmlns:p14="http://schemas.microsoft.com/office/powerpoint/2010/main" val="1953006597"/>
+      </p:ext>
+    </p:extLst>
+  </p:cSld>
+  <p:clrMapOvr>
+    <a:masterClrMapping/>
+  </p:clrMapOvr>
+</p:sld>
+</file>
+
 <file path=ppt/slides/slide2.xml><?xml version="1.0" encoding="utf-8"?>
 <p:sld xmlns:a="http://schemas.openxmlformats.org/drawingml/2006/main" xmlns:r="http://schemas.openxmlformats.org/officeDocument/2006/relationships" xmlns:p="http://schemas.openxmlformats.org/presentationml/2006/main">
   <p:cSld>
@@ -9201,7 +11096,7 @@
               </a:lnSpc>
             </a:pPr>
             <a:r>
-              <a:rPr lang="en-US">
+              <a:rPr lang="en-US" dirty="0">
                 <a:solidFill>
                   <a:schemeClr val="bg2">
                     <a:lumMod val="50000"/>
@@ -9213,16 +11108,6 @@
               </a:rPr>
               <a:t>…</a:t>
             </a:r>
-            <a:endParaRPr lang="en-US" dirty="0">
-              <a:solidFill>
-                <a:schemeClr val="bg2">
-                  <a:lumMod val="50000"/>
-                </a:schemeClr>
-              </a:solidFill>
-              <a:latin typeface="Avenir Book" charset="0"/>
-              <a:ea typeface="Avenir Book" charset="0"/>
-              <a:cs typeface="Avenir Book" charset="0"/>
-            </a:endParaRPr>
           </a:p>
           <a:p>
             <a:pPr marL="198000" indent="-198000">
@@ -9261,7 +11146,7 @@
                 <a:ea typeface="Avenir Book" charset="0"/>
                 <a:cs typeface="Avenir Book" charset="0"/>
               </a:rPr>
-              <a:t>30-40 weather observation parameters near train stations</a:t>
+              <a:t>28 weather observation parameters near train stations</a:t>
             </a:r>
           </a:p>
           <a:p>
@@ -9321,47 +11206,7 @@
                 <a:ea typeface="Avenir Book" charset="0"/>
                 <a:cs typeface="Avenir Book" charset="0"/>
               </a:rPr>
-              <a:t>Trains belated between stations</a:t>
-            </a:r>
-          </a:p>
-          <a:p>
-            <a:pPr marL="1341000" lvl="2" indent="-198000">
-              <a:lnSpc>
-                <a:spcPct val="110000"/>
-              </a:lnSpc>
-            </a:pPr>
-            <a:r>
-              <a:rPr lang="en-US" dirty="0">
-                <a:solidFill>
-                  <a:schemeClr val="bg2">
-                    <a:lumMod val="50000"/>
-                  </a:schemeClr>
-                </a:solidFill>
-                <a:latin typeface="Avenir Book" charset="0"/>
-                <a:ea typeface="Avenir Book" charset="0"/>
-                <a:cs typeface="Avenir Book" charset="0"/>
-              </a:rPr>
-              <a:t>Trains belated at whole route calculated from all stations</a:t>
-            </a:r>
-          </a:p>
-          <a:p>
-            <a:pPr marL="1341000" lvl="2" indent="-198000">
-              <a:lnSpc>
-                <a:spcPct val="110000"/>
-              </a:lnSpc>
-            </a:pPr>
-            <a:r>
-              <a:rPr lang="en-US" dirty="0">
-                <a:solidFill>
-                  <a:schemeClr val="bg2">
-                    <a:lumMod val="50000"/>
-                  </a:schemeClr>
-                </a:solidFill>
-                <a:latin typeface="Avenir Book" charset="0"/>
-                <a:ea typeface="Avenir Book" charset="0"/>
-                <a:cs typeface="Avenir Book" charset="0"/>
-              </a:rPr>
-              <a:t>Trains belated at whole route calculated from end stations</a:t>
+              <a:t>Trains delayed between stations</a:t>
             </a:r>
           </a:p>
           <a:p>
@@ -9382,6 +11227,46 @@
                 <a:cs typeface="Avenir Book" charset="0"/>
               </a:rPr>
               <a:t>Trains running late at every station</a:t>
+            </a:r>
+          </a:p>
+          <a:p>
+            <a:pPr marL="1341000" lvl="2" indent="-198000">
+              <a:lnSpc>
+                <a:spcPct val="110000"/>
+              </a:lnSpc>
+            </a:pPr>
+            <a:r>
+              <a:rPr lang="en-US" dirty="0">
+                <a:solidFill>
+                  <a:schemeClr val="bg2">
+                    <a:lumMod val="50000"/>
+                  </a:schemeClr>
+                </a:solidFill>
+                <a:latin typeface="Avenir Book" charset="0"/>
+                <a:ea typeface="Avenir Book" charset="0"/>
+                <a:cs typeface="Avenir Book" charset="0"/>
+              </a:rPr>
+              <a:t>(Trains delayed at whole route calculated from all stations</a:t>
+            </a:r>
+          </a:p>
+          <a:p>
+            <a:pPr marL="1341000" lvl="2" indent="-198000">
+              <a:lnSpc>
+                <a:spcPct val="110000"/>
+              </a:lnSpc>
+            </a:pPr>
+            <a:r>
+              <a:rPr lang="en-US" dirty="0">
+                <a:solidFill>
+                  <a:schemeClr val="bg2">
+                    <a:lumMod val="50000"/>
+                  </a:schemeClr>
+                </a:solidFill>
+                <a:latin typeface="Avenir Book" charset="0"/>
+                <a:ea typeface="Avenir Book" charset="0"/>
+                <a:cs typeface="Avenir Book" charset="0"/>
+              </a:rPr>
+              <a:t>Trains delayed at whole route calculated from end stations)</a:t>
             </a:r>
           </a:p>
           <a:p>
@@ -9731,7 +11616,7 @@
         </p:spPr>
         <p:txBody>
           <a:bodyPr>
-            <a:normAutofit lnSpcReduction="10000"/>
+            <a:normAutofit/>
           </a:bodyPr>
           <a:lstStyle/>
           <a:p>
@@ -9876,59 +11761,7 @@
                 <a:ea typeface="Avenir Book" charset="0"/>
                 <a:cs typeface="Avenir Book" charset="0"/>
               </a:rPr>
-              <a:t>Prediction model implemented with </a:t>
-            </a:r>
-            <a:r>
-              <a:rPr lang="en-US" dirty="0" err="1">
-                <a:solidFill>
-                  <a:schemeClr val="bg2">
-                    <a:lumMod val="50000"/>
-                  </a:schemeClr>
-                </a:solidFill>
-                <a:latin typeface="Avenir Book" charset="0"/>
-                <a:ea typeface="Avenir Book" charset="0"/>
-                <a:cs typeface="Avenir Book" charset="0"/>
-              </a:rPr>
-              <a:t>TensorFlow</a:t>
-            </a:r>
-            <a:r>
-              <a:rPr lang="en-US" dirty="0">
-                <a:solidFill>
-                  <a:schemeClr val="bg2">
-                    <a:lumMod val="50000"/>
-                  </a:schemeClr>
-                </a:solidFill>
-                <a:latin typeface="Avenir Book" charset="0"/>
-                <a:ea typeface="Avenir Book" charset="0"/>
-                <a:cs typeface="Avenir Book" charset="0"/>
-              </a:rPr>
-              <a:t> (and possibly </a:t>
-            </a:r>
-            <a:r>
-              <a:rPr lang="en-US" dirty="0" err="1">
-                <a:solidFill>
-                  <a:schemeClr val="bg2">
-                    <a:lumMod val="50000"/>
-                  </a:schemeClr>
-                </a:solidFill>
-                <a:latin typeface="Avenir Book" charset="0"/>
-                <a:ea typeface="Avenir Book" charset="0"/>
-                <a:cs typeface="Avenir Book" charset="0"/>
-              </a:rPr>
-              <a:t>SciKit</a:t>
-            </a:r>
-            <a:r>
-              <a:rPr lang="en-US" dirty="0">
-                <a:solidFill>
-                  <a:schemeClr val="bg2">
-                    <a:lumMod val="50000"/>
-                  </a:schemeClr>
-                </a:solidFill>
-                <a:latin typeface="Avenir Book" charset="0"/>
-                <a:ea typeface="Avenir Book" charset="0"/>
-                <a:cs typeface="Avenir Book" charset="0"/>
-              </a:rPr>
-              <a:t>)</a:t>
+              <a:t>Prediction model implemented with TensorFlow</a:t>
             </a:r>
           </a:p>
           <a:p>
@@ -9990,56 +11823,6 @@
               </a:rPr>
               <a:t>Possibly also for training</a:t>
             </a:r>
-          </a:p>
-          <a:p>
-            <a:pPr marL="198000" indent="-198000">
-              <a:lnSpc>
-                <a:spcPct val="110000"/>
-              </a:lnSpc>
-            </a:pPr>
-            <a:r>
-              <a:rPr lang="en-US" dirty="0" err="1">
-                <a:solidFill>
-                  <a:schemeClr val="bg2">
-                    <a:lumMod val="50000"/>
-                  </a:schemeClr>
-                </a:solidFill>
-                <a:latin typeface="Avenir Book" charset="0"/>
-                <a:ea typeface="Avenir Book" charset="0"/>
-                <a:cs typeface="Avenir Book" charset="0"/>
-              </a:rPr>
-              <a:t>Databricks</a:t>
-            </a:r>
-            <a:r>
-              <a:rPr lang="en-US" dirty="0">
-                <a:solidFill>
-                  <a:schemeClr val="bg2">
-                    <a:lumMod val="50000"/>
-                  </a:schemeClr>
-                </a:solidFill>
-                <a:latin typeface="Avenir Book" charset="0"/>
-                <a:ea typeface="Avenir Book" charset="0"/>
-                <a:cs typeface="Avenir Book" charset="0"/>
-              </a:rPr>
-              <a:t> considered</a:t>
-            </a:r>
-          </a:p>
-          <a:p>
-            <a:pPr marL="198000" indent="-198000">
-              <a:lnSpc>
-                <a:spcPct val="110000"/>
-              </a:lnSpc>
-            </a:pPr>
-            <a:endParaRPr lang="en-US" dirty="0">
-              <a:solidFill>
-                <a:schemeClr val="bg2">
-                  <a:lumMod val="50000"/>
-                </a:schemeClr>
-              </a:solidFill>
-              <a:latin typeface="Avenir Book" charset="0"/>
-              <a:ea typeface="Avenir Book" charset="0"/>
-              <a:cs typeface="Avenir Book" charset="0"/>
-            </a:endParaRPr>
           </a:p>
           <a:p>
             <a:pPr>
@@ -10171,6 +11954,702 @@
     <p:extLst>
       <p:ext uri="{BB962C8B-B14F-4D97-AF65-F5344CB8AC3E}">
         <p14:creationId xmlns:p14="http://schemas.microsoft.com/office/powerpoint/2010/main" val="683389539"/>
+      </p:ext>
+    </p:extLst>
+  </p:cSld>
+  <p:clrMapOvr>
+    <a:masterClrMapping/>
+  </p:clrMapOvr>
+</p:sld>
+</file>
+
+<file path=ppt/slides/slide5.xml><?xml version="1.0" encoding="utf-8"?>
+<p:sld xmlns:a="http://schemas.openxmlformats.org/drawingml/2006/main" xmlns:r="http://schemas.openxmlformats.org/officeDocument/2006/relationships" xmlns:p="http://schemas.openxmlformats.org/presentationml/2006/main">
+  <p:cSld>
+    <p:spTree>
+      <p:nvGrpSpPr>
+        <p:cNvPr id="1" name=""/>
+        <p:cNvGrpSpPr/>
+        <p:nvPr/>
+      </p:nvGrpSpPr>
+      <p:grpSpPr>
+        <a:xfrm>
+          <a:off x="0" y="0"/>
+          <a:ext cx="0" cy="0"/>
+          <a:chOff x="0" y="0"/>
+          <a:chExt cx="0" cy="0"/>
+        </a:xfrm>
+      </p:grpSpPr>
+      <p:pic>
+        <p:nvPicPr>
+          <p:cNvPr id="9" name="Content Placeholder 8">
+            <a:extLst>
+              <a:ext uri="{FF2B5EF4-FFF2-40B4-BE49-F238E27FC236}">
+                <a16:creationId xmlns:a16="http://schemas.microsoft.com/office/drawing/2014/main" id="{AA3F6DD2-F334-DD47-8B33-10BE68BE6234}"/>
+              </a:ext>
+            </a:extLst>
+          </p:cNvPr>
+          <p:cNvPicPr>
+            <a:picLocks noGrp="1" noChangeAspect="1"/>
+          </p:cNvPicPr>
+          <p:nvPr>
+            <p:ph idx="1"/>
+          </p:nvPr>
+        </p:nvPicPr>
+        <p:blipFill rotWithShape="1">
+          <a:blip r:embed="rId3">
+            <a:extLst>
+              <a:ext uri="{28A0092B-C50C-407E-A947-70E740481C1C}">
+                <a14:useLocalDpi xmlns:a14="http://schemas.microsoft.com/office/drawing/2010/main" val="0"/>
+              </a:ext>
+            </a:extLst>
+          </a:blip>
+          <a:srcRect l="7422" b="16529"/>
+          <a:stretch/>
+        </p:blipFill>
+        <p:spPr>
+          <a:xfrm>
+            <a:off x="304800" y="1074058"/>
+            <a:ext cx="9594850" cy="5282294"/>
+          </a:xfrm>
+        </p:spPr>
+      </p:pic>
+      <p:sp>
+        <p:nvSpPr>
+          <p:cNvPr id="2" name="Title 1"/>
+          <p:cNvSpPr>
+            <a:spLocks noGrp="1"/>
+          </p:cNvSpPr>
+          <p:nvPr>
+            <p:ph type="title"/>
+          </p:nvPr>
+        </p:nvSpPr>
+        <p:spPr/>
+        <p:txBody>
+          <a:bodyPr/>
+          <a:lstStyle/>
+          <a:p>
+            <a:r>
+              <a:rPr lang="en-US" b="1" dirty="0">
+                <a:latin typeface="Avenir Black" charset="0"/>
+                <a:ea typeface="Avenir Black" charset="0"/>
+                <a:cs typeface="Avenir Black" charset="0"/>
+              </a:rPr>
+              <a:t>Data</a:t>
+            </a:r>
+            <a:br>
+              <a:rPr lang="en-US" b="1" dirty="0">
+                <a:latin typeface="Avenir Black" charset="0"/>
+                <a:ea typeface="Avenir Black" charset="0"/>
+                <a:cs typeface="Avenir Black" charset="0"/>
+              </a:rPr>
+            </a:br>
+            <a:r>
+              <a:rPr lang="en-US" sz="2000" b="1" dirty="0">
+                <a:latin typeface="Avenir Black" charset="0"/>
+                <a:ea typeface="Avenir Black" charset="0"/>
+                <a:cs typeface="Avenir Black" charset="0"/>
+              </a:rPr>
+              <a:t>Mean delay between stations, passenger trains</a:t>
+            </a:r>
+          </a:p>
+        </p:txBody>
+      </p:sp>
+      <p:sp>
+        <p:nvSpPr>
+          <p:cNvPr id="5" name="Footer Placeholder 4"/>
+          <p:cNvSpPr>
+            <a:spLocks noGrp="1"/>
+          </p:cNvSpPr>
+          <p:nvPr>
+            <p:ph type="ftr" sz="quarter" idx="11"/>
+          </p:nvPr>
+        </p:nvSpPr>
+        <p:spPr/>
+        <p:txBody>
+          <a:bodyPr/>
+          <a:lstStyle/>
+          <a:p>
+            <a:r>
+              <a:rPr lang="fi-FI" dirty="0" err="1"/>
+              <a:t>Finnish</a:t>
+            </a:r>
+            <a:r>
+              <a:rPr lang="fi-FI" dirty="0"/>
+              <a:t> </a:t>
+            </a:r>
+            <a:r>
+              <a:rPr lang="fi-FI" dirty="0" err="1"/>
+              <a:t>Meteorological</a:t>
+            </a:r>
+            <a:r>
+              <a:rPr lang="fi-FI" dirty="0"/>
+              <a:t> Institute</a:t>
+            </a:r>
+          </a:p>
+        </p:txBody>
+      </p:sp>
+    </p:spTree>
+    <p:extLst>
+      <p:ext uri="{BB962C8B-B14F-4D97-AF65-F5344CB8AC3E}">
+        <p14:creationId xmlns:p14="http://schemas.microsoft.com/office/powerpoint/2010/main" val="947139750"/>
+      </p:ext>
+    </p:extLst>
+  </p:cSld>
+  <p:clrMapOvr>
+    <a:masterClrMapping/>
+  </p:clrMapOvr>
+</p:sld>
+</file>
+
+<file path=ppt/slides/slide6.xml><?xml version="1.0" encoding="utf-8"?>
+<p:sld xmlns:a="http://schemas.openxmlformats.org/drawingml/2006/main" xmlns:r="http://schemas.openxmlformats.org/officeDocument/2006/relationships" xmlns:p="http://schemas.openxmlformats.org/presentationml/2006/main">
+  <p:cSld>
+    <p:spTree>
+      <p:nvGrpSpPr>
+        <p:cNvPr id="1" name=""/>
+        <p:cNvGrpSpPr/>
+        <p:nvPr/>
+      </p:nvGrpSpPr>
+      <p:grpSpPr>
+        <a:xfrm>
+          <a:off x="0" y="0"/>
+          <a:ext cx="0" cy="0"/>
+          <a:chOff x="0" y="0"/>
+          <a:chExt cx="0" cy="0"/>
+        </a:xfrm>
+      </p:grpSpPr>
+      <p:pic>
+        <p:nvPicPr>
+          <p:cNvPr id="9" name="Content Placeholder 8">
+            <a:extLst>
+              <a:ext uri="{FF2B5EF4-FFF2-40B4-BE49-F238E27FC236}">
+                <a16:creationId xmlns:a16="http://schemas.microsoft.com/office/drawing/2014/main" id="{AA3F6DD2-F334-DD47-8B33-10BE68BE6234}"/>
+              </a:ext>
+            </a:extLst>
+          </p:cNvPr>
+          <p:cNvPicPr>
+            <a:picLocks noGrp="1" noChangeAspect="1"/>
+          </p:cNvPicPr>
+          <p:nvPr>
+            <p:ph idx="1"/>
+          </p:nvPr>
+        </p:nvPicPr>
+        <p:blipFill rotWithShape="1">
+          <a:blip r:embed="rId3">
+            <a:extLst>
+              <a:ext uri="{28A0092B-C50C-407E-A947-70E740481C1C}">
+                <a14:useLocalDpi xmlns:a14="http://schemas.microsoft.com/office/drawing/2010/main" val="0"/>
+              </a:ext>
+            </a:extLst>
+          </a:blip>
+          <a:srcRect l="4075"/>
+          <a:stretch/>
+        </p:blipFill>
+        <p:spPr>
+          <a:xfrm>
+            <a:off x="0" y="1074057"/>
+            <a:ext cx="9564914" cy="5994399"/>
+          </a:xfrm>
+        </p:spPr>
+      </p:pic>
+      <p:sp>
+        <p:nvSpPr>
+          <p:cNvPr id="2" name="Title 1"/>
+          <p:cNvSpPr>
+            <a:spLocks noGrp="1"/>
+          </p:cNvSpPr>
+          <p:nvPr>
+            <p:ph type="title"/>
+          </p:nvPr>
+        </p:nvSpPr>
+        <p:spPr/>
+        <p:txBody>
+          <a:bodyPr/>
+          <a:lstStyle/>
+          <a:p>
+            <a:r>
+              <a:rPr lang="en-US" b="1" dirty="0">
+                <a:latin typeface="Avenir Black" charset="0"/>
+                <a:ea typeface="Avenir Black" charset="0"/>
+                <a:cs typeface="Avenir Black" charset="0"/>
+              </a:rPr>
+              <a:t>Data</a:t>
+            </a:r>
+            <a:br>
+              <a:rPr lang="en-US" b="1" dirty="0">
+                <a:latin typeface="Avenir Black" charset="0"/>
+                <a:ea typeface="Avenir Black" charset="0"/>
+                <a:cs typeface="Avenir Black" charset="0"/>
+              </a:rPr>
+            </a:br>
+            <a:r>
+              <a:rPr lang="en-US" sz="2000" b="1" dirty="0">
+                <a:latin typeface="Avenir Black" charset="0"/>
+                <a:ea typeface="Avenir Black" charset="0"/>
+                <a:cs typeface="Avenir Black" charset="0"/>
+              </a:rPr>
+              <a:t>Median delay between stations, passenger trains</a:t>
+            </a:r>
+          </a:p>
+        </p:txBody>
+      </p:sp>
+      <p:sp>
+        <p:nvSpPr>
+          <p:cNvPr id="5" name="Footer Placeholder 4"/>
+          <p:cNvSpPr>
+            <a:spLocks noGrp="1"/>
+          </p:cNvSpPr>
+          <p:nvPr>
+            <p:ph type="ftr" sz="quarter" idx="11"/>
+          </p:nvPr>
+        </p:nvSpPr>
+        <p:spPr/>
+        <p:txBody>
+          <a:bodyPr/>
+          <a:lstStyle/>
+          <a:p>
+            <a:r>
+              <a:rPr lang="fi-FI" dirty="0" err="1"/>
+              <a:t>Finnish</a:t>
+            </a:r>
+            <a:r>
+              <a:rPr lang="fi-FI" dirty="0"/>
+              <a:t> </a:t>
+            </a:r>
+            <a:r>
+              <a:rPr lang="fi-FI" dirty="0" err="1"/>
+              <a:t>Meteorological</a:t>
+            </a:r>
+            <a:r>
+              <a:rPr lang="fi-FI" dirty="0"/>
+              <a:t> Institute</a:t>
+            </a:r>
+          </a:p>
+        </p:txBody>
+      </p:sp>
+    </p:spTree>
+    <p:extLst>
+      <p:ext uri="{BB962C8B-B14F-4D97-AF65-F5344CB8AC3E}">
+        <p14:creationId xmlns:p14="http://schemas.microsoft.com/office/powerpoint/2010/main" val="2522400157"/>
+      </p:ext>
+    </p:extLst>
+  </p:cSld>
+  <p:clrMapOvr>
+    <a:masterClrMapping/>
+  </p:clrMapOvr>
+</p:sld>
+</file>
+
+<file path=ppt/slides/slide7.xml><?xml version="1.0" encoding="utf-8"?>
+<p:sld xmlns:a="http://schemas.openxmlformats.org/drawingml/2006/main" xmlns:r="http://schemas.openxmlformats.org/officeDocument/2006/relationships" xmlns:p="http://schemas.openxmlformats.org/presentationml/2006/main">
+  <p:cSld>
+    <p:spTree>
+      <p:nvGrpSpPr>
+        <p:cNvPr id="1" name=""/>
+        <p:cNvGrpSpPr/>
+        <p:nvPr/>
+      </p:nvGrpSpPr>
+      <p:grpSpPr>
+        <a:xfrm>
+          <a:off x="0" y="0"/>
+          <a:ext cx="0" cy="0"/>
+          <a:chOff x="0" y="0"/>
+          <a:chExt cx="0" cy="0"/>
+        </a:xfrm>
+      </p:grpSpPr>
+      <p:sp>
+        <p:nvSpPr>
+          <p:cNvPr id="2" name="Title 1"/>
+          <p:cNvSpPr>
+            <a:spLocks noGrp="1"/>
+          </p:cNvSpPr>
+          <p:nvPr>
+            <p:ph type="title"/>
+          </p:nvPr>
+        </p:nvSpPr>
+        <p:spPr/>
+        <p:txBody>
+          <a:bodyPr/>
+          <a:lstStyle/>
+          <a:p>
+            <a:r>
+              <a:rPr lang="en-US" b="1" dirty="0">
+                <a:latin typeface="Avenir Black" charset="0"/>
+                <a:ea typeface="Avenir Black" charset="0"/>
+                <a:cs typeface="Avenir Black" charset="0"/>
+              </a:rPr>
+              <a:t>Data</a:t>
+            </a:r>
+            <a:br>
+              <a:rPr lang="en-US" b="1" dirty="0">
+                <a:latin typeface="Avenir Black" charset="0"/>
+                <a:ea typeface="Avenir Black" charset="0"/>
+                <a:cs typeface="Avenir Black" charset="0"/>
+              </a:rPr>
+            </a:br>
+            <a:r>
+              <a:rPr lang="en-US" sz="2000" b="1" dirty="0">
+                <a:latin typeface="Avenir Black" charset="0"/>
+                <a:ea typeface="Avenir Black" charset="0"/>
+                <a:cs typeface="Avenir Black" charset="0"/>
+              </a:rPr>
+              <a:t>Histogram of delays, passenger trains</a:t>
+            </a:r>
+          </a:p>
+        </p:txBody>
+      </p:sp>
+      <p:sp>
+        <p:nvSpPr>
+          <p:cNvPr id="5" name="Footer Placeholder 4"/>
+          <p:cNvSpPr>
+            <a:spLocks noGrp="1"/>
+          </p:cNvSpPr>
+          <p:nvPr>
+            <p:ph type="ftr" sz="quarter" idx="11"/>
+          </p:nvPr>
+        </p:nvSpPr>
+        <p:spPr/>
+        <p:txBody>
+          <a:bodyPr/>
+          <a:lstStyle/>
+          <a:p>
+            <a:r>
+              <a:rPr lang="fi-FI" dirty="0" err="1"/>
+              <a:t>Finnish</a:t>
+            </a:r>
+            <a:r>
+              <a:rPr lang="fi-FI" dirty="0"/>
+              <a:t> </a:t>
+            </a:r>
+            <a:r>
+              <a:rPr lang="fi-FI" dirty="0" err="1"/>
+              <a:t>Meteorological</a:t>
+            </a:r>
+            <a:r>
+              <a:rPr lang="fi-FI" dirty="0"/>
+              <a:t> Institute</a:t>
+            </a:r>
+          </a:p>
+        </p:txBody>
+      </p:sp>
+      <p:pic>
+        <p:nvPicPr>
+          <p:cNvPr id="7" name="Content Placeholder 6">
+            <a:extLst>
+              <a:ext uri="{FF2B5EF4-FFF2-40B4-BE49-F238E27FC236}">
+                <a16:creationId xmlns:a16="http://schemas.microsoft.com/office/drawing/2014/main" id="{B1546853-80B7-8146-A858-179B7E76A9C5}"/>
+              </a:ext>
+            </a:extLst>
+          </p:cNvPr>
+          <p:cNvPicPr>
+            <a:picLocks noGrp="1" noChangeAspect="1"/>
+          </p:cNvPicPr>
+          <p:nvPr>
+            <p:ph idx="1"/>
+          </p:nvPr>
+        </p:nvPicPr>
+        <p:blipFill>
+          <a:blip r:embed="rId3">
+            <a:extLst>
+              <a:ext uri="{28A0092B-C50C-407E-A947-70E740481C1C}">
+                <a14:useLocalDpi xmlns:a14="http://schemas.microsoft.com/office/drawing/2010/main" val="0"/>
+              </a:ext>
+            </a:extLst>
+          </a:blip>
+          <a:stretch>
+            <a:fillRect/>
+          </a:stretch>
+        </p:blipFill>
+        <p:spPr>
+          <a:xfrm>
+            <a:off x="642501" y="1785031"/>
+            <a:ext cx="5657849" cy="4243387"/>
+          </a:xfrm>
+        </p:spPr>
+      </p:pic>
+    </p:spTree>
+    <p:extLst>
+      <p:ext uri="{BB962C8B-B14F-4D97-AF65-F5344CB8AC3E}">
+        <p14:creationId xmlns:p14="http://schemas.microsoft.com/office/powerpoint/2010/main" val="2458379984"/>
+      </p:ext>
+    </p:extLst>
+  </p:cSld>
+  <p:clrMapOvr>
+    <a:masterClrMapping/>
+  </p:clrMapOvr>
+</p:sld>
+</file>
+
+<file path=ppt/slides/slide8.xml><?xml version="1.0" encoding="utf-8"?>
+<p:sld xmlns:a="http://schemas.openxmlformats.org/drawingml/2006/main" xmlns:r="http://schemas.openxmlformats.org/officeDocument/2006/relationships" xmlns:p="http://schemas.openxmlformats.org/presentationml/2006/main">
+  <p:cSld>
+    <p:spTree>
+      <p:nvGrpSpPr>
+        <p:cNvPr id="1" name=""/>
+        <p:cNvGrpSpPr/>
+        <p:nvPr/>
+      </p:nvGrpSpPr>
+      <p:grpSpPr>
+        <a:xfrm>
+          <a:off x="0" y="0"/>
+          <a:ext cx="0" cy="0"/>
+          <a:chOff x="0" y="0"/>
+          <a:chExt cx="0" cy="0"/>
+        </a:xfrm>
+      </p:grpSpPr>
+      <p:pic>
+        <p:nvPicPr>
+          <p:cNvPr id="8" name="Content Placeholder 7">
+            <a:extLst>
+              <a:ext uri="{FF2B5EF4-FFF2-40B4-BE49-F238E27FC236}">
+                <a16:creationId xmlns:a16="http://schemas.microsoft.com/office/drawing/2014/main" id="{79475DE4-8064-324E-9D67-858128B6C422}"/>
+              </a:ext>
+            </a:extLst>
+          </p:cNvPr>
+          <p:cNvPicPr>
+            <a:picLocks noGrp="1" noChangeAspect="1"/>
+          </p:cNvPicPr>
+          <p:nvPr>
+            <p:ph idx="1"/>
+          </p:nvPr>
+        </p:nvPicPr>
+        <p:blipFill rotWithShape="1">
+          <a:blip r:embed="rId3">
+            <a:extLst>
+              <a:ext uri="{28A0092B-C50C-407E-A947-70E740481C1C}">
+                <a14:useLocalDpi xmlns:a14="http://schemas.microsoft.com/office/drawing/2010/main" val="0"/>
+              </a:ext>
+            </a:extLst>
+          </a:blip>
+          <a:srcRect l="4069" r="14313"/>
+          <a:stretch/>
+        </p:blipFill>
+        <p:spPr>
+          <a:xfrm>
+            <a:off x="-1" y="1277258"/>
+            <a:ext cx="9899651" cy="5012418"/>
+          </a:xfrm>
+        </p:spPr>
+      </p:pic>
+      <p:sp>
+        <p:nvSpPr>
+          <p:cNvPr id="2" name="Title 1"/>
+          <p:cNvSpPr>
+            <a:spLocks noGrp="1"/>
+          </p:cNvSpPr>
+          <p:nvPr>
+            <p:ph type="title"/>
+          </p:nvPr>
+        </p:nvSpPr>
+        <p:spPr/>
+        <p:txBody>
+          <a:bodyPr/>
+          <a:lstStyle/>
+          <a:p>
+            <a:r>
+              <a:rPr lang="en-US" b="1" dirty="0">
+                <a:latin typeface="Avenir Black" charset="0"/>
+                <a:ea typeface="Avenir Black" charset="0"/>
+                <a:cs typeface="Avenir Black" charset="0"/>
+              </a:rPr>
+              <a:t>Data</a:t>
+            </a:r>
+            <a:br>
+              <a:rPr lang="en-US" b="1" dirty="0">
+                <a:latin typeface="Avenir Black" charset="0"/>
+                <a:ea typeface="Avenir Black" charset="0"/>
+                <a:cs typeface="Avenir Black" charset="0"/>
+              </a:rPr>
+            </a:br>
+            <a:r>
+              <a:rPr lang="en-US" sz="2000" b="1" dirty="0">
+                <a:latin typeface="Avenir Black" charset="0"/>
+                <a:ea typeface="Avenir Black" charset="0"/>
+                <a:cs typeface="Avenir Black" charset="0"/>
+              </a:rPr>
+              <a:t>Heatmap of delays, passenger trains, 2010</a:t>
+            </a:r>
+          </a:p>
+        </p:txBody>
+      </p:sp>
+      <p:sp>
+        <p:nvSpPr>
+          <p:cNvPr id="5" name="Footer Placeholder 4"/>
+          <p:cNvSpPr>
+            <a:spLocks noGrp="1"/>
+          </p:cNvSpPr>
+          <p:nvPr>
+            <p:ph type="ftr" sz="quarter" idx="11"/>
+          </p:nvPr>
+        </p:nvSpPr>
+        <p:spPr/>
+        <p:txBody>
+          <a:bodyPr/>
+          <a:lstStyle/>
+          <a:p>
+            <a:r>
+              <a:rPr lang="fi-FI" dirty="0" err="1"/>
+              <a:t>Finnish</a:t>
+            </a:r>
+            <a:r>
+              <a:rPr lang="fi-FI" dirty="0"/>
+              <a:t> </a:t>
+            </a:r>
+            <a:r>
+              <a:rPr lang="fi-FI" dirty="0" err="1"/>
+              <a:t>Meteorological</a:t>
+            </a:r>
+            <a:r>
+              <a:rPr lang="fi-FI" dirty="0"/>
+              <a:t> Institute</a:t>
+            </a:r>
+          </a:p>
+        </p:txBody>
+      </p:sp>
+    </p:spTree>
+    <p:extLst>
+      <p:ext uri="{BB962C8B-B14F-4D97-AF65-F5344CB8AC3E}">
+        <p14:creationId xmlns:p14="http://schemas.microsoft.com/office/powerpoint/2010/main" val="1760460771"/>
+      </p:ext>
+    </p:extLst>
+  </p:cSld>
+  <p:clrMapOvr>
+    <a:masterClrMapping/>
+  </p:clrMapOvr>
+</p:sld>
+</file>
+
+<file path=ppt/slides/slide9.xml><?xml version="1.0" encoding="utf-8"?>
+<p:sld xmlns:a="http://schemas.openxmlformats.org/drawingml/2006/main" xmlns:r="http://schemas.openxmlformats.org/officeDocument/2006/relationships" xmlns:p="http://schemas.openxmlformats.org/presentationml/2006/main">
+  <p:cSld>
+    <p:spTree>
+      <p:nvGrpSpPr>
+        <p:cNvPr id="1" name=""/>
+        <p:cNvGrpSpPr/>
+        <p:nvPr/>
+      </p:nvGrpSpPr>
+      <p:grpSpPr>
+        <a:xfrm>
+          <a:off x="0" y="0"/>
+          <a:ext cx="0" cy="0"/>
+          <a:chOff x="0" y="0"/>
+          <a:chExt cx="0" cy="0"/>
+        </a:xfrm>
+      </p:grpSpPr>
+      <p:pic>
+        <p:nvPicPr>
+          <p:cNvPr id="7" name="Content Placeholder 6">
+            <a:extLst>
+              <a:ext uri="{FF2B5EF4-FFF2-40B4-BE49-F238E27FC236}">
+                <a16:creationId xmlns:a16="http://schemas.microsoft.com/office/drawing/2014/main" id="{A5899637-3125-424E-A4E2-354E8B27D6CF}"/>
+              </a:ext>
+            </a:extLst>
+          </p:cNvPr>
+          <p:cNvPicPr>
+            <a:picLocks noGrp="1" noChangeAspect="1"/>
+          </p:cNvPicPr>
+          <p:nvPr>
+            <p:ph idx="1"/>
+          </p:nvPr>
+        </p:nvPicPr>
+        <p:blipFill rotWithShape="1">
+          <a:blip r:embed="rId3">
+            <a:extLst>
+              <a:ext uri="{28A0092B-C50C-407E-A947-70E740481C1C}">
+                <a14:useLocalDpi xmlns:a14="http://schemas.microsoft.com/office/drawing/2010/main" val="0"/>
+              </a:ext>
+            </a:extLst>
+          </a:blip>
+          <a:srcRect l="4132" r="12993"/>
+          <a:stretch/>
+        </p:blipFill>
+        <p:spPr>
+          <a:xfrm>
+            <a:off x="-1" y="1248230"/>
+            <a:ext cx="9899651" cy="5041446"/>
+          </a:xfrm>
+        </p:spPr>
+      </p:pic>
+      <p:sp>
+        <p:nvSpPr>
+          <p:cNvPr id="2" name="Title 1"/>
+          <p:cNvSpPr>
+            <a:spLocks noGrp="1"/>
+          </p:cNvSpPr>
+          <p:nvPr>
+            <p:ph type="title"/>
+          </p:nvPr>
+        </p:nvSpPr>
+        <p:spPr/>
+        <p:txBody>
+          <a:bodyPr/>
+          <a:lstStyle/>
+          <a:p>
+            <a:r>
+              <a:rPr lang="en-US" b="1" dirty="0">
+                <a:latin typeface="Avenir Black" charset="0"/>
+                <a:ea typeface="Avenir Black" charset="0"/>
+                <a:cs typeface="Avenir Black" charset="0"/>
+              </a:rPr>
+              <a:t>Data</a:t>
+            </a:r>
+            <a:br>
+              <a:rPr lang="en-US" b="1" dirty="0">
+                <a:latin typeface="Avenir Black" charset="0"/>
+                <a:ea typeface="Avenir Black" charset="0"/>
+                <a:cs typeface="Avenir Black" charset="0"/>
+              </a:rPr>
+            </a:br>
+            <a:r>
+              <a:rPr lang="en-US" sz="2000" b="1" dirty="0">
+                <a:latin typeface="Avenir Black" charset="0"/>
+                <a:ea typeface="Avenir Black" charset="0"/>
+                <a:cs typeface="Avenir Black" charset="0"/>
+              </a:rPr>
+              <a:t>Heatmap of delays, passenger trains, 2011</a:t>
+            </a:r>
+          </a:p>
+        </p:txBody>
+      </p:sp>
+      <p:sp>
+        <p:nvSpPr>
+          <p:cNvPr id="5" name="Footer Placeholder 4"/>
+          <p:cNvSpPr>
+            <a:spLocks noGrp="1"/>
+          </p:cNvSpPr>
+          <p:nvPr>
+            <p:ph type="ftr" sz="quarter" idx="11"/>
+          </p:nvPr>
+        </p:nvSpPr>
+        <p:spPr/>
+        <p:txBody>
+          <a:bodyPr/>
+          <a:lstStyle/>
+          <a:p>
+            <a:r>
+              <a:rPr lang="fi-FI" dirty="0" err="1"/>
+              <a:t>Finnish</a:t>
+            </a:r>
+            <a:r>
+              <a:rPr lang="fi-FI" dirty="0"/>
+              <a:t> </a:t>
+            </a:r>
+            <a:r>
+              <a:rPr lang="fi-FI" dirty="0" err="1"/>
+              <a:t>Meteorological</a:t>
+            </a:r>
+            <a:r>
+              <a:rPr lang="fi-FI" dirty="0"/>
+              <a:t> Institute</a:t>
+            </a:r>
+          </a:p>
+        </p:txBody>
+      </p:sp>
+    </p:spTree>
+    <p:extLst>
+      <p:ext uri="{BB962C8B-B14F-4D97-AF65-F5344CB8AC3E}">
+        <p14:creationId xmlns:p14="http://schemas.microsoft.com/office/powerpoint/2010/main" val="778420745"/>
       </p:ext>
     </p:extLst>
   </p:cSld>

--- a/material/trains_technical.pptx
+++ b/material/trains_technical.pptx
@@ -5,20 +5,23 @@
     <p:sldMasterId id="2147483660" r:id="rId1"/>
   </p:sldMasterIdLst>
   <p:notesMasterIdLst>
-    <p:notesMasterId r:id="rId13"/>
+    <p:notesMasterId r:id="rId16"/>
   </p:notesMasterIdLst>
   <p:sldIdLst>
     <p:sldId id="283" r:id="rId2"/>
     <p:sldId id="258" r:id="rId3"/>
     <p:sldId id="288" r:id="rId4"/>
-    <p:sldId id="289" r:id="rId5"/>
-    <p:sldId id="290" r:id="rId6"/>
-    <p:sldId id="291" r:id="rId7"/>
-    <p:sldId id="292" r:id="rId8"/>
-    <p:sldId id="293" r:id="rId9"/>
-    <p:sldId id="294" r:id="rId10"/>
-    <p:sldId id="295" r:id="rId11"/>
-    <p:sldId id="296" r:id="rId12"/>
+    <p:sldId id="290" r:id="rId5"/>
+    <p:sldId id="291" r:id="rId6"/>
+    <p:sldId id="292" r:id="rId7"/>
+    <p:sldId id="293" r:id="rId8"/>
+    <p:sldId id="294" r:id="rId9"/>
+    <p:sldId id="300" r:id="rId10"/>
+    <p:sldId id="298" r:id="rId11"/>
+    <p:sldId id="299" r:id="rId12"/>
+    <p:sldId id="297" r:id="rId13"/>
+    <p:sldId id="289" r:id="rId14"/>
+    <p:sldId id="296" r:id="rId15"/>
   </p:sldIdLst>
   <p:sldSz cx="9899650" cy="6858000"/>
   <p:notesSz cx="6810375" cy="9942513"/>
@@ -231,7 +234,7 @@
           <a:p>
             <a:fld id="{3FB10FF6-A85A-0344-9197-B13A31F96DBA}" type="datetimeFigureOut">
               <a:rPr lang="en-US" smtClean="0"/>
-              <a:t>5/14/18</a:t>
+              <a:t>9/3/18</a:t>
             </a:fld>
             <a:endParaRPr lang="en-US"/>
           </a:p>
@@ -656,6 +659,258 @@
     </p:spTree>
     <p:extLst>
       <p:ext uri="{BB962C8B-B14F-4D97-AF65-F5344CB8AC3E}">
+        <p14:creationId xmlns:p14="http://schemas.microsoft.com/office/powerpoint/2010/main" val="3566251874"/>
+      </p:ext>
+    </p:extLst>
+  </p:cSld>
+  <p:clrMapOvr>
+    <a:masterClrMapping/>
+  </p:clrMapOvr>
+</p:notes>
+</file>
+
+<file path=ppt/notesSlides/notesSlide11.xml><?xml version="1.0" encoding="utf-8"?>
+<p:notes xmlns:a="http://schemas.openxmlformats.org/drawingml/2006/main" xmlns:r="http://schemas.openxmlformats.org/officeDocument/2006/relationships" xmlns:p="http://schemas.openxmlformats.org/presentationml/2006/main">
+  <p:cSld>
+    <p:spTree>
+      <p:nvGrpSpPr>
+        <p:cNvPr id="1" name=""/>
+        <p:cNvGrpSpPr/>
+        <p:nvPr/>
+      </p:nvGrpSpPr>
+      <p:grpSpPr>
+        <a:xfrm>
+          <a:off x="0" y="0"/>
+          <a:ext cx="0" cy="0"/>
+          <a:chOff x="0" y="0"/>
+          <a:chExt cx="0" cy="0"/>
+        </a:xfrm>
+      </p:grpSpPr>
+      <p:sp>
+        <p:nvSpPr>
+          <p:cNvPr id="2" name="Slide Image Placeholder 1"/>
+          <p:cNvSpPr>
+            <a:spLocks noGrp="1" noRot="1" noChangeAspect="1"/>
+          </p:cNvSpPr>
+          <p:nvPr>
+            <p:ph type="sldImg"/>
+          </p:nvPr>
+        </p:nvSpPr>
+        <p:spPr/>
+      </p:sp>
+      <p:sp>
+        <p:nvSpPr>
+          <p:cNvPr id="3" name="Notes Placeholder 2"/>
+          <p:cNvSpPr>
+            <a:spLocks noGrp="1"/>
+          </p:cNvSpPr>
+          <p:nvPr>
+            <p:ph type="body" idx="1"/>
+          </p:nvPr>
+        </p:nvSpPr>
+        <p:spPr/>
+        <p:txBody>
+          <a:bodyPr/>
+          <a:lstStyle/>
+          <a:p>
+            <a:endParaRPr lang="en-US"/>
+          </a:p>
+        </p:txBody>
+      </p:sp>
+      <p:sp>
+        <p:nvSpPr>
+          <p:cNvPr id="4" name="Slide Number Placeholder 3"/>
+          <p:cNvSpPr>
+            <a:spLocks noGrp="1"/>
+          </p:cNvSpPr>
+          <p:nvPr>
+            <p:ph type="sldNum" sz="quarter" idx="10"/>
+          </p:nvPr>
+        </p:nvSpPr>
+        <p:spPr/>
+        <p:txBody>
+          <a:bodyPr/>
+          <a:lstStyle/>
+          <a:p>
+            <a:fld id="{5EFDCE45-14EF-C643-A106-E8B98409B9C5}" type="slidenum">
+              <a:rPr lang="en-US" smtClean="0"/>
+              <a:t>12</a:t>
+            </a:fld>
+            <a:endParaRPr lang="en-US"/>
+          </a:p>
+        </p:txBody>
+      </p:sp>
+    </p:spTree>
+    <p:extLst>
+      <p:ext uri="{BB962C8B-B14F-4D97-AF65-F5344CB8AC3E}">
+        <p14:creationId xmlns:p14="http://schemas.microsoft.com/office/powerpoint/2010/main" val="1253510899"/>
+      </p:ext>
+    </p:extLst>
+  </p:cSld>
+  <p:clrMapOvr>
+    <a:masterClrMapping/>
+  </p:clrMapOvr>
+</p:notes>
+</file>
+
+<file path=ppt/notesSlides/notesSlide12.xml><?xml version="1.0" encoding="utf-8"?>
+<p:notes xmlns:a="http://schemas.openxmlformats.org/drawingml/2006/main" xmlns:r="http://schemas.openxmlformats.org/officeDocument/2006/relationships" xmlns:p="http://schemas.openxmlformats.org/presentationml/2006/main">
+  <p:cSld>
+    <p:spTree>
+      <p:nvGrpSpPr>
+        <p:cNvPr id="1" name=""/>
+        <p:cNvGrpSpPr/>
+        <p:nvPr/>
+      </p:nvGrpSpPr>
+      <p:grpSpPr>
+        <a:xfrm>
+          <a:off x="0" y="0"/>
+          <a:ext cx="0" cy="0"/>
+          <a:chOff x="0" y="0"/>
+          <a:chExt cx="0" cy="0"/>
+        </a:xfrm>
+      </p:grpSpPr>
+      <p:sp>
+        <p:nvSpPr>
+          <p:cNvPr id="2" name="Slide Image Placeholder 1"/>
+          <p:cNvSpPr>
+            <a:spLocks noGrp="1" noRot="1" noChangeAspect="1"/>
+          </p:cNvSpPr>
+          <p:nvPr>
+            <p:ph type="sldImg"/>
+          </p:nvPr>
+        </p:nvSpPr>
+        <p:spPr/>
+      </p:sp>
+      <p:sp>
+        <p:nvSpPr>
+          <p:cNvPr id="3" name="Notes Placeholder 2"/>
+          <p:cNvSpPr>
+            <a:spLocks noGrp="1"/>
+          </p:cNvSpPr>
+          <p:nvPr>
+            <p:ph type="body" idx="1"/>
+          </p:nvPr>
+        </p:nvSpPr>
+        <p:spPr/>
+        <p:txBody>
+          <a:bodyPr/>
+          <a:lstStyle/>
+          <a:p>
+            <a:endParaRPr lang="en-US"/>
+          </a:p>
+        </p:txBody>
+      </p:sp>
+      <p:sp>
+        <p:nvSpPr>
+          <p:cNvPr id="4" name="Slide Number Placeholder 3"/>
+          <p:cNvSpPr>
+            <a:spLocks noGrp="1"/>
+          </p:cNvSpPr>
+          <p:nvPr>
+            <p:ph type="sldNum" sz="quarter" idx="10"/>
+          </p:nvPr>
+        </p:nvSpPr>
+        <p:spPr/>
+        <p:txBody>
+          <a:bodyPr/>
+          <a:lstStyle/>
+          <a:p>
+            <a:fld id="{5EFDCE45-14EF-C643-A106-E8B98409B9C5}" type="slidenum">
+              <a:rPr lang="en-US" smtClean="0"/>
+              <a:t>13</a:t>
+            </a:fld>
+            <a:endParaRPr lang="en-US"/>
+          </a:p>
+        </p:txBody>
+      </p:sp>
+    </p:spTree>
+    <p:extLst>
+      <p:ext uri="{BB962C8B-B14F-4D97-AF65-F5344CB8AC3E}">
+        <p14:creationId xmlns:p14="http://schemas.microsoft.com/office/powerpoint/2010/main" val="4102638566"/>
+      </p:ext>
+    </p:extLst>
+  </p:cSld>
+  <p:clrMapOvr>
+    <a:masterClrMapping/>
+  </p:clrMapOvr>
+</p:notes>
+</file>
+
+<file path=ppt/notesSlides/notesSlide13.xml><?xml version="1.0" encoding="utf-8"?>
+<p:notes xmlns:a="http://schemas.openxmlformats.org/drawingml/2006/main" xmlns:r="http://schemas.openxmlformats.org/officeDocument/2006/relationships" xmlns:p="http://schemas.openxmlformats.org/presentationml/2006/main">
+  <p:cSld>
+    <p:spTree>
+      <p:nvGrpSpPr>
+        <p:cNvPr id="1" name=""/>
+        <p:cNvGrpSpPr/>
+        <p:nvPr/>
+      </p:nvGrpSpPr>
+      <p:grpSpPr>
+        <a:xfrm>
+          <a:off x="0" y="0"/>
+          <a:ext cx="0" cy="0"/>
+          <a:chOff x="0" y="0"/>
+          <a:chExt cx="0" cy="0"/>
+        </a:xfrm>
+      </p:grpSpPr>
+      <p:sp>
+        <p:nvSpPr>
+          <p:cNvPr id="2" name="Slide Image Placeholder 1"/>
+          <p:cNvSpPr>
+            <a:spLocks noGrp="1" noRot="1" noChangeAspect="1"/>
+          </p:cNvSpPr>
+          <p:nvPr>
+            <p:ph type="sldImg"/>
+          </p:nvPr>
+        </p:nvSpPr>
+        <p:spPr/>
+      </p:sp>
+      <p:sp>
+        <p:nvSpPr>
+          <p:cNvPr id="3" name="Notes Placeholder 2"/>
+          <p:cNvSpPr>
+            <a:spLocks noGrp="1"/>
+          </p:cNvSpPr>
+          <p:nvPr>
+            <p:ph type="body" idx="1"/>
+          </p:nvPr>
+        </p:nvSpPr>
+        <p:spPr/>
+        <p:txBody>
+          <a:bodyPr/>
+          <a:lstStyle/>
+          <a:p>
+            <a:endParaRPr lang="en-US"/>
+          </a:p>
+        </p:txBody>
+      </p:sp>
+      <p:sp>
+        <p:nvSpPr>
+          <p:cNvPr id="4" name="Slide Number Placeholder 3"/>
+          <p:cNvSpPr>
+            <a:spLocks noGrp="1"/>
+          </p:cNvSpPr>
+          <p:nvPr>
+            <p:ph type="sldNum" sz="quarter" idx="10"/>
+          </p:nvPr>
+        </p:nvSpPr>
+        <p:spPr/>
+        <p:txBody>
+          <a:bodyPr/>
+          <a:lstStyle/>
+          <a:p>
+            <a:fld id="{5EFDCE45-14EF-C643-A106-E8B98409B9C5}" type="slidenum">
+              <a:rPr lang="en-US" smtClean="0"/>
+              <a:t>14</a:t>
+            </a:fld>
+            <a:endParaRPr lang="en-US"/>
+          </a:p>
+        </p:txBody>
+      </p:sp>
+    </p:spTree>
+    <p:extLst>
+      <p:ext uri="{BB962C8B-B14F-4D97-AF65-F5344CB8AC3E}">
         <p14:creationId xmlns:p14="http://schemas.microsoft.com/office/powerpoint/2010/main" val="3678577755"/>
       </p:ext>
     </p:extLst>
@@ -824,7 +1079,7 @@
     </p:spTree>
     <p:extLst>
       <p:ext uri="{BB962C8B-B14F-4D97-AF65-F5344CB8AC3E}">
-        <p14:creationId xmlns:p14="http://schemas.microsoft.com/office/powerpoint/2010/main" val="4102638566"/>
+        <p14:creationId xmlns:p14="http://schemas.microsoft.com/office/powerpoint/2010/main" val="4102990982"/>
       </p:ext>
     </p:extLst>
   </p:cSld>
@@ -908,7 +1163,7 @@
     </p:spTree>
     <p:extLst>
       <p:ext uri="{BB962C8B-B14F-4D97-AF65-F5344CB8AC3E}">
-        <p14:creationId xmlns:p14="http://schemas.microsoft.com/office/powerpoint/2010/main" val="4102990982"/>
+        <p14:creationId xmlns:p14="http://schemas.microsoft.com/office/powerpoint/2010/main" val="204301251"/>
       </p:ext>
     </p:extLst>
   </p:cSld>
@@ -992,7 +1247,7 @@
     </p:spTree>
     <p:extLst>
       <p:ext uri="{BB962C8B-B14F-4D97-AF65-F5344CB8AC3E}">
-        <p14:creationId xmlns:p14="http://schemas.microsoft.com/office/powerpoint/2010/main" val="204301251"/>
+        <p14:creationId xmlns:p14="http://schemas.microsoft.com/office/powerpoint/2010/main" val="81338786"/>
       </p:ext>
     </p:extLst>
   </p:cSld>
@@ -1076,7 +1331,7 @@
     </p:spTree>
     <p:extLst>
       <p:ext uri="{BB962C8B-B14F-4D97-AF65-F5344CB8AC3E}">
-        <p14:creationId xmlns:p14="http://schemas.microsoft.com/office/powerpoint/2010/main" val="81338786"/>
+        <p14:creationId xmlns:p14="http://schemas.microsoft.com/office/powerpoint/2010/main" val="2313599379"/>
       </p:ext>
     </p:extLst>
   </p:cSld>
@@ -1160,7 +1415,7 @@
     </p:spTree>
     <p:extLst>
       <p:ext uri="{BB962C8B-B14F-4D97-AF65-F5344CB8AC3E}">
-        <p14:creationId xmlns:p14="http://schemas.microsoft.com/office/powerpoint/2010/main" val="2313599379"/>
+        <p14:creationId xmlns:p14="http://schemas.microsoft.com/office/powerpoint/2010/main" val="4152047762"/>
       </p:ext>
     </p:extLst>
   </p:cSld>
@@ -1244,7 +1499,7 @@
     </p:spTree>
     <p:extLst>
       <p:ext uri="{BB962C8B-B14F-4D97-AF65-F5344CB8AC3E}">
-        <p14:creationId xmlns:p14="http://schemas.microsoft.com/office/powerpoint/2010/main" val="4152047762"/>
+        <p14:creationId xmlns:p14="http://schemas.microsoft.com/office/powerpoint/2010/main" val="2416047021"/>
       </p:ext>
     </p:extLst>
   </p:cSld>
@@ -1328,7 +1583,7 @@
     </p:spTree>
     <p:extLst>
       <p:ext uri="{BB962C8B-B14F-4D97-AF65-F5344CB8AC3E}">
-        <p14:creationId xmlns:p14="http://schemas.microsoft.com/office/powerpoint/2010/main" val="3351634525"/>
+        <p14:creationId xmlns:p14="http://schemas.microsoft.com/office/powerpoint/2010/main" val="947189533"/>
       </p:ext>
     </p:extLst>
   </p:cSld>
@@ -1599,7 +1854,7 @@
           <a:p>
             <a:fld id="{76F77885-4C0A-614B-9527-A69DFC55D1A1}" type="datetime1">
               <a:rPr lang="fi-FI" smtClean="0"/>
-              <a:t>14.5.2018</a:t>
+              <a:t>3.9.2018</a:t>
             </a:fld>
             <a:endParaRPr lang="fi-FI"/>
           </a:p>
@@ -1887,7 +2142,7 @@
           <a:p>
             <a:fld id="{259AAE8B-8018-FC48-BA6D-0319B9B13A21}" type="datetime1">
               <a:rPr lang="fi-FI" smtClean="0"/>
-              <a:t>14.5.2018</a:t>
+              <a:t>3.9.2018</a:t>
             </a:fld>
             <a:endParaRPr lang="fi-FI"/>
           </a:p>
@@ -2253,7 +2508,7 @@
           <a:p>
             <a:fld id="{58C0272D-FB3F-D74F-8F47-B4C4D08966B0}" type="datetime1">
               <a:rPr lang="fi-FI" smtClean="0"/>
-              <a:t>14.5.2018</a:t>
+              <a:t>3.9.2018</a:t>
             </a:fld>
             <a:endParaRPr lang="fi-FI"/>
           </a:p>
@@ -2675,7 +2930,7 @@
           <a:p>
             <a:fld id="{3785367D-8D86-9044-99D6-9BEF35F30D0E}" type="datetime1">
               <a:rPr lang="fi-FI" smtClean="0"/>
-              <a:t>14.5.2018</a:t>
+              <a:t>3.9.2018</a:t>
             </a:fld>
             <a:endParaRPr lang="fi-FI"/>
           </a:p>
@@ -2822,7 +3077,7 @@
           <a:p>
             <a:fld id="{50EDF1E5-4005-BF43-8F94-6C776EC1158C}" type="datetime1">
               <a:rPr lang="fi-FI" smtClean="0"/>
-              <a:t>14.5.2018</a:t>
+              <a:t>3.9.2018</a:t>
             </a:fld>
             <a:endParaRPr lang="fi-FI"/>
           </a:p>
@@ -3091,7 +3346,7 @@
           <a:p>
             <a:fld id="{EC808F95-DCF4-4B45-909F-64E7C82CC533}" type="datetime1">
               <a:rPr lang="fi-FI" smtClean="0"/>
-              <a:t>14.5.2018</a:t>
+              <a:t>3.9.2018</a:t>
             </a:fld>
             <a:endParaRPr lang="fi-FI"/>
           </a:p>
@@ -3314,7 +3569,7 @@
           <a:p>
             <a:fld id="{1CC734C3-B456-DE40-A524-771194887411}" type="datetime1">
               <a:rPr lang="fi-FI" smtClean="0"/>
-              <a:t>14.5.2018</a:t>
+              <a:t>3.9.2018</a:t>
             </a:fld>
             <a:endParaRPr lang="fi-FI"/>
           </a:p>
@@ -3700,7 +3955,7 @@
           <a:p>
             <a:fld id="{D7C2A416-D82A-5442-B3F9-DF62BA7FFE5E}" type="datetime1">
               <a:rPr lang="fi-FI" smtClean="0"/>
-              <a:t>14.5.2018</a:t>
+              <a:t>3.9.2018</a:t>
             </a:fld>
             <a:endParaRPr lang="fi-FI"/>
           </a:p>
@@ -3936,7 +4191,7 @@
           <a:p>
             <a:fld id="{E83DB3E8-535E-D94D-AFB9-4C7C6ADF20A3}" type="datetime1">
               <a:rPr lang="fi-FI" smtClean="0"/>
-              <a:t>14.5.2018</a:t>
+              <a:t>3.9.2018</a:t>
             </a:fld>
             <a:endParaRPr lang="fi-FI"/>
           </a:p>
@@ -4232,7 +4487,7 @@
           <a:p>
             <a:fld id="{402DAD4B-6AD1-8C4E-A779-02B136F03F38}" type="datetime1">
               <a:rPr lang="fi-FI" smtClean="0"/>
-              <a:t>14.5.2018</a:t>
+              <a:t>3.9.2018</a:t>
             </a:fld>
             <a:endParaRPr lang="fi-FI"/>
           </a:p>
@@ -4655,7 +4910,7 @@
           <a:p>
             <a:fld id="{A6DF03D0-926A-5949-9E13-15648C2450FF}" type="datetime1">
               <a:rPr lang="fi-FI" smtClean="0"/>
-              <a:t>14.5.2018</a:t>
+              <a:t>3.9.2018</a:t>
             </a:fld>
             <a:endParaRPr lang="fi-FI"/>
           </a:p>
@@ -4904,7 +5159,7 @@
           <a:p>
             <a:fld id="{0FF88E8A-2578-EA4E-A495-495E033AD159}" type="datetime1">
               <a:rPr lang="fi-FI" smtClean="0"/>
-              <a:t>14.5.2018</a:t>
+              <a:t>3.9.2018</a:t>
             </a:fld>
             <a:endParaRPr lang="fi-FI"/>
           </a:p>
@@ -5153,7 +5408,7 @@
           <a:p>
             <a:fld id="{50AEE4B1-63A2-ED4F-9726-2AEEF069DFF9}" type="datetime1">
               <a:rPr lang="fi-FI" smtClean="0"/>
-              <a:t>14.5.2018</a:t>
+              <a:t>3.9.2018</a:t>
             </a:fld>
             <a:endParaRPr lang="fi-FI"/>
           </a:p>
@@ -5393,7 +5648,7 @@
           <a:p>
             <a:fld id="{DA8C8B97-3895-CC4B-BF7F-FA236140EFAE}" type="datetime1">
               <a:rPr lang="fi-FI" smtClean="0"/>
-              <a:t>14.5.2018</a:t>
+              <a:t>3.9.2018</a:t>
             </a:fld>
             <a:endParaRPr lang="fi-FI"/>
           </a:p>
@@ -5587,7 +5842,7 @@
           <a:p>
             <a:fld id="{EC0D5F02-4C2B-7F4D-9906-D5BC387B174C}" type="datetime1">
               <a:rPr lang="fi-FI" smtClean="0"/>
-              <a:t>14.5.2018</a:t>
+              <a:t>3.9.2018</a:t>
             </a:fld>
             <a:endParaRPr lang="fi-FI"/>
           </a:p>
@@ -6416,7 +6671,7 @@
           <a:p>
             <a:fld id="{D908E551-54CD-CB4C-9C56-D41905EFA74E}" type="datetime1">
               <a:rPr lang="fi-FI" smtClean="0"/>
-              <a:t>14.5.2018</a:t>
+              <a:t>3.9.2018</a:t>
             </a:fld>
             <a:endParaRPr lang="fi-FI"/>
           </a:p>
@@ -6691,7 +6946,7 @@
           <a:p>
             <a:fld id="{F73E1C64-2F19-0341-A0D2-AC07B2F8EEEF}" type="datetime1">
               <a:rPr lang="fi-FI" smtClean="0"/>
-              <a:t>14.5.2018</a:t>
+              <a:t>3.9.2018</a:t>
             </a:fld>
             <a:endParaRPr lang="fi-FI"/>
           </a:p>
@@ -7010,7 +7265,7 @@
           <a:p>
             <a:fld id="{0D40CB06-A6B3-A14A-9AFD-B08D9815A986}" type="datetime1">
               <a:rPr lang="fi-FI" smtClean="0"/>
-              <a:t>14.5.2018</a:t>
+              <a:t>3.9.2018</a:t>
             </a:fld>
             <a:endParaRPr lang="fi-FI"/>
           </a:p>
@@ -7316,7 +7571,7 @@
           <a:p>
             <a:fld id="{12BBF03C-A8F5-6847-99DE-F2D5C8C6F344}" type="datetime1">
               <a:rPr lang="fi-FI" smtClean="0"/>
-              <a:t>14.5.2018</a:t>
+              <a:t>3.9.2018</a:t>
             </a:fld>
             <a:endParaRPr lang="fi-FI"/>
           </a:p>
@@ -7565,7 +7820,7 @@
           <a:p>
             <a:fld id="{E0CE8B62-4CC3-B34A-A604-549AC7585F43}" type="datetime1">
               <a:rPr lang="fi-FI" smtClean="0"/>
-              <a:t>14.5.2018</a:t>
+              <a:t>3.9.2018</a:t>
             </a:fld>
             <a:endParaRPr lang="fi-FI"/>
           </a:p>
@@ -8087,7 +8342,7 @@
           <a:p>
             <a:fld id="{8147D7C7-EFB9-D540-BE72-AEF474A467C1}" type="datetime1">
               <a:rPr lang="fi-FI" smtClean="0"/>
-              <a:t>14.5.2018</a:t>
+              <a:t>3.9.2018</a:t>
             </a:fld>
             <a:endParaRPr lang="fi-FI"/>
           </a:p>
@@ -8519,7 +8774,7 @@
           <a:p>
             <a:fld id="{38A4B030-2F69-2C44-85A1-F55A0B002D10}" type="datetime1">
               <a:rPr lang="fi-FI" smtClean="0"/>
-              <a:t>14.5.2018</a:t>
+              <a:t>3.9.2018</a:t>
             </a:fld>
             <a:endParaRPr lang="fi-FI"/>
           </a:p>
@@ -8760,7 +9015,7 @@
           <a:p>
             <a:fld id="{8248CDB7-576A-6843-A9D7-3021047BE1C7}" type="datetime1">
               <a:rPr lang="fi-FI" smtClean="0"/>
-              <a:t>14.5.2018</a:t>
+              <a:t>3.9.2018</a:t>
             </a:fld>
             <a:endParaRPr lang="fi-FI"/>
           </a:p>
@@ -9294,7 +9549,7 @@
         <p:spPr/>
         <p:txBody>
           <a:bodyPr>
-            <a:normAutofit/>
+            <a:normAutofit fontScale="90000"/>
           </a:bodyPr>
           <a:lstStyle/>
           <a:p>
@@ -9304,7 +9559,7 @@
                 <a:ea typeface="Avenir Book" charset="0"/>
                 <a:cs typeface="Avenir Book" charset="0"/>
               </a:rPr>
-              <a:t>TRAINS</a:t>
+              <a:t>Predicting Weather Caused Train Delays</a:t>
             </a:r>
             <a:br>
               <a:rPr lang="en-US" sz="2200" dirty="0">
@@ -9375,56 +9630,1037 @@
                 <a:ea typeface="Avenir Black" charset="0"/>
                 <a:cs typeface="Avenir Black" charset="0"/>
               </a:rPr>
-              <a:t>Data</a:t>
-            </a:r>
-            <a:br>
-              <a:rPr lang="en-US" b="1" dirty="0">
-                <a:latin typeface="Avenir Black" charset="0"/>
-                <a:ea typeface="Avenir Black" charset="0"/>
-                <a:cs typeface="Avenir Black" charset="0"/>
-              </a:rPr>
-            </a:br>
-            <a:r>
-              <a:rPr lang="en-US" sz="2000" b="1" dirty="0">
-                <a:latin typeface="Avenir Black" charset="0"/>
-                <a:ea typeface="Avenir Black" charset="0"/>
-                <a:cs typeface="Avenir Black" charset="0"/>
-              </a:rPr>
-              <a:t>Weather </a:t>
-            </a:r>
-            <a:r>
-              <a:rPr lang="en-US" sz="2000" b="1" dirty="0" err="1">
-                <a:latin typeface="Avenir Black" charset="0"/>
-                <a:ea typeface="Avenir Black" charset="0"/>
-                <a:cs typeface="Avenir Black" charset="0"/>
-              </a:rPr>
-              <a:t>paramaters</a:t>
-            </a:r>
-            <a:endParaRPr lang="en-US" sz="2000" b="1" dirty="0">
-              <a:latin typeface="Avenir Black" charset="0"/>
-              <a:ea typeface="Avenir Black" charset="0"/>
-              <a:cs typeface="Avenir Black" charset="0"/>
-            </a:endParaRPr>
-          </a:p>
-        </p:txBody>
-      </p:sp>
-      <p:sp>
-        <p:nvSpPr>
-          <p:cNvPr id="5" name="Footer Placeholder 4"/>
-          <p:cNvSpPr>
-            <a:spLocks noGrp="1"/>
-          </p:cNvSpPr>
-          <p:nvPr>
-            <p:ph type="ftr" sz="quarter" idx="11"/>
+              <a:t>Data pre-processing</a:t>
+            </a:r>
+          </a:p>
+        </p:txBody>
+      </p:sp>
+      <p:sp>
+        <p:nvSpPr>
+          <p:cNvPr id="3" name="Content Placeholder 2"/>
+          <p:cNvSpPr>
+            <a:spLocks noGrp="1"/>
+          </p:cNvSpPr>
+          <p:nvPr>
+            <p:ph idx="1"/>
           </p:nvPr>
         </p:nvSpPr>
         <p:spPr>
           <a:xfrm>
-            <a:off x="3279259" y="6356352"/>
-            <a:ext cx="3341132" cy="365125"/>
+            <a:off x="642501" y="1663403"/>
+            <a:ext cx="8599095" cy="4242814"/>
           </a:xfrm>
         </p:spPr>
         <p:txBody>
+          <a:bodyPr>
+            <a:normAutofit/>
+          </a:bodyPr>
+          <a:lstStyle/>
+          <a:p>
+            <a:pPr marL="198000" indent="-198000">
+              <a:lnSpc>
+                <a:spcPct val="130000"/>
+              </a:lnSpc>
+            </a:pPr>
+            <a:r>
+              <a:rPr lang="fi-FI" dirty="0" err="1">
+                <a:solidFill>
+                  <a:schemeClr val="bg2">
+                    <a:lumMod val="50000"/>
+                  </a:schemeClr>
+                </a:solidFill>
+                <a:latin typeface="Avenir Book" charset="0"/>
+                <a:ea typeface="Avenir Book" charset="0"/>
+                <a:cs typeface="Avenir Book" charset="0"/>
+              </a:rPr>
+              <a:t>Weather</a:t>
+            </a:r>
+            <a:r>
+              <a:rPr lang="fi-FI" dirty="0">
+                <a:solidFill>
+                  <a:schemeClr val="bg2">
+                    <a:lumMod val="50000"/>
+                  </a:schemeClr>
+                </a:solidFill>
+                <a:latin typeface="Avenir Book" charset="0"/>
+                <a:ea typeface="Avenir Book" charset="0"/>
+                <a:cs typeface="Avenir Book" charset="0"/>
+              </a:rPr>
+              <a:t> </a:t>
+            </a:r>
+            <a:r>
+              <a:rPr lang="fi-FI" dirty="0" err="1">
+                <a:solidFill>
+                  <a:schemeClr val="bg2">
+                    <a:lumMod val="50000"/>
+                  </a:schemeClr>
+                </a:solidFill>
+                <a:latin typeface="Avenir Book" charset="0"/>
+                <a:ea typeface="Avenir Book" charset="0"/>
+                <a:cs typeface="Avenir Book" charset="0"/>
+              </a:rPr>
+              <a:t>observation</a:t>
+            </a:r>
+            <a:r>
+              <a:rPr lang="fi-FI" dirty="0">
+                <a:solidFill>
+                  <a:schemeClr val="bg2">
+                    <a:lumMod val="50000"/>
+                  </a:schemeClr>
+                </a:solidFill>
+                <a:latin typeface="Avenir Book" charset="0"/>
+                <a:ea typeface="Avenir Book" charset="0"/>
+                <a:cs typeface="Avenir Book" charset="0"/>
+              </a:rPr>
+              <a:t> </a:t>
+            </a:r>
+            <a:r>
+              <a:rPr lang="fi-FI" dirty="0" err="1">
+                <a:solidFill>
+                  <a:schemeClr val="bg2">
+                    <a:lumMod val="50000"/>
+                  </a:schemeClr>
+                </a:solidFill>
+                <a:latin typeface="Avenir Book" charset="0"/>
+                <a:ea typeface="Avenir Book" charset="0"/>
+                <a:cs typeface="Avenir Book" charset="0"/>
+              </a:rPr>
+              <a:t>fetched</a:t>
+            </a:r>
+            <a:r>
+              <a:rPr lang="fi-FI" dirty="0">
+                <a:solidFill>
+                  <a:schemeClr val="bg2">
+                    <a:lumMod val="50000"/>
+                  </a:schemeClr>
+                </a:solidFill>
+                <a:latin typeface="Avenir Book" charset="0"/>
+                <a:ea typeface="Avenir Book" charset="0"/>
+                <a:cs typeface="Avenir Book" charset="0"/>
+              </a:rPr>
+              <a:t> for </a:t>
+            </a:r>
+            <a:r>
+              <a:rPr lang="fi-FI" dirty="0" err="1">
+                <a:solidFill>
+                  <a:schemeClr val="bg2">
+                    <a:lumMod val="50000"/>
+                  </a:schemeClr>
+                </a:solidFill>
+                <a:latin typeface="Avenir Book" charset="0"/>
+                <a:ea typeface="Avenir Book" charset="0"/>
+                <a:cs typeface="Avenir Book" charset="0"/>
+              </a:rPr>
+              <a:t>every</a:t>
+            </a:r>
+            <a:r>
+              <a:rPr lang="fi-FI" dirty="0">
+                <a:solidFill>
+                  <a:schemeClr val="bg2">
+                    <a:lumMod val="50000"/>
+                  </a:schemeClr>
+                </a:solidFill>
+                <a:latin typeface="Avenir Book" charset="0"/>
+                <a:ea typeface="Avenir Book" charset="0"/>
+                <a:cs typeface="Avenir Book" charset="0"/>
+              </a:rPr>
+              <a:t> </a:t>
+            </a:r>
+            <a:r>
+              <a:rPr lang="fi-FI" dirty="0" err="1">
+                <a:solidFill>
+                  <a:schemeClr val="bg2">
+                    <a:lumMod val="50000"/>
+                  </a:schemeClr>
+                </a:solidFill>
+                <a:latin typeface="Avenir Book" charset="0"/>
+                <a:ea typeface="Avenir Book" charset="0"/>
+                <a:cs typeface="Avenir Book" charset="0"/>
+              </a:rPr>
+              <a:t>train</a:t>
+            </a:r>
+            <a:r>
+              <a:rPr lang="fi-FI" dirty="0">
+                <a:solidFill>
+                  <a:schemeClr val="bg2">
+                    <a:lumMod val="50000"/>
+                  </a:schemeClr>
+                </a:solidFill>
+                <a:latin typeface="Avenir Book" charset="0"/>
+                <a:ea typeface="Avenir Book" charset="0"/>
+                <a:cs typeface="Avenir Book" charset="0"/>
+              </a:rPr>
+              <a:t> </a:t>
+            </a:r>
+            <a:r>
+              <a:rPr lang="fi-FI" dirty="0" err="1">
+                <a:solidFill>
+                  <a:schemeClr val="bg2">
+                    <a:lumMod val="50000"/>
+                  </a:schemeClr>
+                </a:solidFill>
+                <a:latin typeface="Avenir Book" charset="0"/>
+                <a:ea typeface="Avenir Book" charset="0"/>
+                <a:cs typeface="Avenir Book" charset="0"/>
+              </a:rPr>
+              <a:t>station</a:t>
+            </a:r>
+            <a:r>
+              <a:rPr lang="fi-FI" dirty="0">
+                <a:solidFill>
+                  <a:schemeClr val="bg2">
+                    <a:lumMod val="50000"/>
+                  </a:schemeClr>
+                </a:solidFill>
+                <a:latin typeface="Avenir Book" charset="0"/>
+                <a:ea typeface="Avenir Book" charset="0"/>
+                <a:cs typeface="Avenir Book" charset="0"/>
+              </a:rPr>
+              <a:t> for </a:t>
+            </a:r>
+            <a:r>
+              <a:rPr lang="fi-FI" dirty="0" err="1">
+                <a:solidFill>
+                  <a:schemeClr val="bg2">
+                    <a:lumMod val="50000"/>
+                  </a:schemeClr>
+                </a:solidFill>
+                <a:latin typeface="Avenir Book" charset="0"/>
+                <a:ea typeface="Avenir Book" charset="0"/>
+                <a:cs typeface="Avenir Book" charset="0"/>
+              </a:rPr>
+              <a:t>every</a:t>
+            </a:r>
+            <a:r>
+              <a:rPr lang="fi-FI" dirty="0">
+                <a:solidFill>
+                  <a:schemeClr val="bg2">
+                    <a:lumMod val="50000"/>
+                  </a:schemeClr>
+                </a:solidFill>
+                <a:latin typeface="Avenir Book" charset="0"/>
+                <a:ea typeface="Avenir Book" charset="0"/>
+                <a:cs typeface="Avenir Book" charset="0"/>
+              </a:rPr>
+              <a:t> </a:t>
+            </a:r>
+            <a:r>
+              <a:rPr lang="fi-FI" dirty="0" err="1">
+                <a:solidFill>
+                  <a:schemeClr val="bg2">
+                    <a:lumMod val="50000"/>
+                  </a:schemeClr>
+                </a:solidFill>
+                <a:latin typeface="Avenir Book" charset="0"/>
+                <a:ea typeface="Avenir Book" charset="0"/>
+                <a:cs typeface="Avenir Book" charset="0"/>
+              </a:rPr>
+              <a:t>hour</a:t>
+            </a:r>
+            <a:r>
+              <a:rPr lang="fi-FI" dirty="0">
+                <a:solidFill>
+                  <a:schemeClr val="bg2">
+                    <a:lumMod val="50000"/>
+                  </a:schemeClr>
+                </a:solidFill>
+                <a:latin typeface="Avenir Book" charset="0"/>
+                <a:ea typeface="Avenir Book" charset="0"/>
+                <a:cs typeface="Avenir Book" charset="0"/>
+              </a:rPr>
+              <a:t> </a:t>
+            </a:r>
+            <a:r>
+              <a:rPr lang="fi-FI" dirty="0" err="1">
+                <a:solidFill>
+                  <a:schemeClr val="bg2">
+                    <a:lumMod val="50000"/>
+                  </a:schemeClr>
+                </a:solidFill>
+                <a:latin typeface="Avenir Book" charset="0"/>
+                <a:ea typeface="Avenir Book" charset="0"/>
+                <a:cs typeface="Avenir Book" charset="0"/>
+              </a:rPr>
+              <a:t>when</a:t>
+            </a:r>
+            <a:r>
+              <a:rPr lang="fi-FI" dirty="0">
+                <a:solidFill>
+                  <a:schemeClr val="bg2">
+                    <a:lumMod val="50000"/>
+                  </a:schemeClr>
+                </a:solidFill>
+                <a:latin typeface="Avenir Book" charset="0"/>
+                <a:ea typeface="Avenir Book" charset="0"/>
+                <a:cs typeface="Avenir Book" charset="0"/>
+              </a:rPr>
+              <a:t> </a:t>
+            </a:r>
+            <a:r>
+              <a:rPr lang="fi-FI" dirty="0" err="1">
+                <a:solidFill>
+                  <a:schemeClr val="bg2">
+                    <a:lumMod val="50000"/>
+                  </a:schemeClr>
+                </a:solidFill>
+                <a:latin typeface="Avenir Book" charset="0"/>
+                <a:ea typeface="Avenir Book" charset="0"/>
+                <a:cs typeface="Avenir Book" charset="0"/>
+              </a:rPr>
+              <a:t>train</a:t>
+            </a:r>
+            <a:r>
+              <a:rPr lang="fi-FI" dirty="0">
+                <a:solidFill>
+                  <a:schemeClr val="bg2">
+                    <a:lumMod val="50000"/>
+                  </a:schemeClr>
+                </a:solidFill>
+                <a:latin typeface="Avenir Book" charset="0"/>
+                <a:ea typeface="Avenir Book" charset="0"/>
+                <a:cs typeface="Avenir Book" charset="0"/>
+              </a:rPr>
+              <a:t> </a:t>
+            </a:r>
+            <a:r>
+              <a:rPr lang="fi-FI" dirty="0" err="1">
+                <a:solidFill>
+                  <a:schemeClr val="bg2">
+                    <a:lumMod val="50000"/>
+                  </a:schemeClr>
+                </a:solidFill>
+                <a:latin typeface="Avenir Book" charset="0"/>
+                <a:ea typeface="Avenir Book" charset="0"/>
+                <a:cs typeface="Avenir Book" charset="0"/>
+              </a:rPr>
+              <a:t>has</a:t>
+            </a:r>
+            <a:r>
+              <a:rPr lang="fi-FI" dirty="0">
+                <a:solidFill>
+                  <a:schemeClr val="bg2">
+                    <a:lumMod val="50000"/>
+                  </a:schemeClr>
+                </a:solidFill>
+                <a:latin typeface="Avenir Book" charset="0"/>
+                <a:ea typeface="Avenir Book" charset="0"/>
+                <a:cs typeface="Avenir Book" charset="0"/>
+              </a:rPr>
+              <a:t> </a:t>
+            </a:r>
+            <a:r>
+              <a:rPr lang="fi-FI" dirty="0" err="1">
+                <a:solidFill>
+                  <a:schemeClr val="bg2">
+                    <a:lumMod val="50000"/>
+                  </a:schemeClr>
+                </a:solidFill>
+                <a:latin typeface="Avenir Book" charset="0"/>
+                <a:ea typeface="Avenir Book" charset="0"/>
+                <a:cs typeface="Avenir Book" charset="0"/>
+              </a:rPr>
+              <a:t>passed</a:t>
+            </a:r>
+            <a:r>
+              <a:rPr lang="fi-FI" dirty="0">
+                <a:solidFill>
+                  <a:schemeClr val="bg2">
+                    <a:lumMod val="50000"/>
+                  </a:schemeClr>
+                </a:solidFill>
+                <a:latin typeface="Avenir Book" charset="0"/>
+                <a:ea typeface="Avenir Book" charset="0"/>
+                <a:cs typeface="Avenir Book" charset="0"/>
+              </a:rPr>
+              <a:t> </a:t>
+            </a:r>
+            <a:r>
+              <a:rPr lang="fi-FI" dirty="0" err="1">
+                <a:solidFill>
+                  <a:schemeClr val="bg2">
+                    <a:lumMod val="50000"/>
+                  </a:schemeClr>
+                </a:solidFill>
+                <a:latin typeface="Avenir Book" charset="0"/>
+                <a:ea typeface="Avenir Book" charset="0"/>
+                <a:cs typeface="Avenir Book" charset="0"/>
+              </a:rPr>
+              <a:t>the</a:t>
+            </a:r>
+            <a:r>
+              <a:rPr lang="fi-FI" dirty="0">
+                <a:solidFill>
+                  <a:schemeClr val="bg2">
+                    <a:lumMod val="50000"/>
+                  </a:schemeClr>
+                </a:solidFill>
+                <a:latin typeface="Avenir Book" charset="0"/>
+                <a:ea typeface="Avenir Book" charset="0"/>
+                <a:cs typeface="Avenir Book" charset="0"/>
+              </a:rPr>
+              <a:t> </a:t>
+            </a:r>
+            <a:r>
+              <a:rPr lang="fi-FI" dirty="0" err="1">
+                <a:solidFill>
+                  <a:schemeClr val="bg2">
+                    <a:lumMod val="50000"/>
+                  </a:schemeClr>
+                </a:solidFill>
+                <a:latin typeface="Avenir Book" charset="0"/>
+                <a:ea typeface="Avenir Book" charset="0"/>
+                <a:cs typeface="Avenir Book" charset="0"/>
+              </a:rPr>
+              <a:t>station</a:t>
+            </a:r>
+            <a:endParaRPr lang="fi-FI" dirty="0">
+              <a:solidFill>
+                <a:schemeClr val="bg2">
+                  <a:lumMod val="50000"/>
+                </a:schemeClr>
+              </a:solidFill>
+              <a:latin typeface="Avenir Book" charset="0"/>
+              <a:ea typeface="Avenir Book" charset="0"/>
+              <a:cs typeface="Avenir Book" charset="0"/>
+            </a:endParaRPr>
+          </a:p>
+          <a:p>
+            <a:pPr marL="198000" indent="-198000">
+              <a:lnSpc>
+                <a:spcPct val="130000"/>
+              </a:lnSpc>
+            </a:pPr>
+            <a:r>
+              <a:rPr lang="fi-FI" dirty="0" err="1">
+                <a:solidFill>
+                  <a:schemeClr val="bg2">
+                    <a:lumMod val="50000"/>
+                  </a:schemeClr>
+                </a:solidFill>
+                <a:latin typeface="Avenir Book" charset="0"/>
+                <a:ea typeface="Avenir Book" charset="0"/>
+                <a:cs typeface="Avenir Book" charset="0"/>
+              </a:rPr>
+              <a:t>Observations</a:t>
+            </a:r>
+            <a:r>
+              <a:rPr lang="fi-FI" dirty="0">
+                <a:solidFill>
+                  <a:schemeClr val="bg2">
+                    <a:lumMod val="50000"/>
+                  </a:schemeClr>
+                </a:solidFill>
+                <a:latin typeface="Avenir Book" charset="0"/>
+                <a:ea typeface="Avenir Book" charset="0"/>
+                <a:cs typeface="Avenir Book" charset="0"/>
+              </a:rPr>
+              <a:t> </a:t>
+            </a:r>
+            <a:r>
+              <a:rPr lang="fi-FI" dirty="0" err="1">
+                <a:solidFill>
+                  <a:schemeClr val="bg2">
+                    <a:lumMod val="50000"/>
+                  </a:schemeClr>
+                </a:solidFill>
+                <a:latin typeface="Avenir Book" charset="0"/>
+                <a:ea typeface="Avenir Book" charset="0"/>
+                <a:cs typeface="Avenir Book" charset="0"/>
+              </a:rPr>
+              <a:t>fetched</a:t>
+            </a:r>
+            <a:r>
+              <a:rPr lang="fi-FI" dirty="0">
+                <a:solidFill>
+                  <a:schemeClr val="bg2">
+                    <a:lumMod val="50000"/>
+                  </a:schemeClr>
+                </a:solidFill>
+                <a:latin typeface="Avenir Book" charset="0"/>
+                <a:ea typeface="Avenir Book" charset="0"/>
+                <a:cs typeface="Avenir Book" charset="0"/>
+              </a:rPr>
+              <a:t> </a:t>
+            </a:r>
+            <a:r>
+              <a:rPr lang="fi-FI" dirty="0" err="1">
+                <a:solidFill>
+                  <a:schemeClr val="bg2">
+                    <a:lumMod val="50000"/>
+                  </a:schemeClr>
+                </a:solidFill>
+                <a:latin typeface="Avenir Book" charset="0"/>
+                <a:ea typeface="Avenir Book" charset="0"/>
+                <a:cs typeface="Avenir Book" charset="0"/>
+              </a:rPr>
+              <a:t>with</a:t>
+            </a:r>
+            <a:r>
+              <a:rPr lang="fi-FI" dirty="0">
+                <a:solidFill>
+                  <a:schemeClr val="bg2">
+                    <a:lumMod val="50000"/>
+                  </a:schemeClr>
+                </a:solidFill>
+                <a:latin typeface="Avenir Book" charset="0"/>
+                <a:ea typeface="Avenir Book" charset="0"/>
+                <a:cs typeface="Avenir Book" charset="0"/>
+              </a:rPr>
+              <a:t> 100 km radius </a:t>
+            </a:r>
+            <a:r>
+              <a:rPr lang="fi-FI" dirty="0" err="1">
+                <a:solidFill>
+                  <a:schemeClr val="bg2">
+                    <a:lumMod val="50000"/>
+                  </a:schemeClr>
+                </a:solidFill>
+                <a:latin typeface="Avenir Book" charset="0"/>
+                <a:ea typeface="Avenir Book" charset="0"/>
+                <a:cs typeface="Avenir Book" charset="0"/>
+              </a:rPr>
+              <a:t>from</a:t>
+            </a:r>
+            <a:r>
+              <a:rPr lang="fi-FI" dirty="0">
+                <a:solidFill>
+                  <a:schemeClr val="bg2">
+                    <a:lumMod val="50000"/>
+                  </a:schemeClr>
+                </a:solidFill>
+                <a:latin typeface="Avenir Book" charset="0"/>
+                <a:ea typeface="Avenir Book" charset="0"/>
+                <a:cs typeface="Avenir Book" charset="0"/>
+              </a:rPr>
+              <a:t> </a:t>
+            </a:r>
+            <a:r>
+              <a:rPr lang="fi-FI" dirty="0" err="1">
+                <a:solidFill>
+                  <a:schemeClr val="bg2">
+                    <a:lumMod val="50000"/>
+                  </a:schemeClr>
+                </a:solidFill>
+                <a:latin typeface="Avenir Book" charset="0"/>
+                <a:ea typeface="Avenir Book" charset="0"/>
+                <a:cs typeface="Avenir Book" charset="0"/>
+              </a:rPr>
+              <a:t>train</a:t>
+            </a:r>
+            <a:r>
+              <a:rPr lang="fi-FI" dirty="0">
+                <a:solidFill>
+                  <a:schemeClr val="bg2">
+                    <a:lumMod val="50000"/>
+                  </a:schemeClr>
+                </a:solidFill>
+                <a:latin typeface="Avenir Book" charset="0"/>
+                <a:ea typeface="Avenir Book" charset="0"/>
+                <a:cs typeface="Avenir Book" charset="0"/>
+              </a:rPr>
+              <a:t> </a:t>
+            </a:r>
+            <a:r>
+              <a:rPr lang="fi-FI" dirty="0" err="1">
+                <a:solidFill>
+                  <a:schemeClr val="bg2">
+                    <a:lumMod val="50000"/>
+                  </a:schemeClr>
+                </a:solidFill>
+                <a:latin typeface="Avenir Book" charset="0"/>
+                <a:ea typeface="Avenir Book" charset="0"/>
+                <a:cs typeface="Avenir Book" charset="0"/>
+              </a:rPr>
+              <a:t>station</a:t>
+            </a:r>
+            <a:r>
+              <a:rPr lang="fi-FI" dirty="0">
+                <a:solidFill>
+                  <a:schemeClr val="bg2">
+                    <a:lumMod val="50000"/>
+                  </a:schemeClr>
+                </a:solidFill>
+                <a:latin typeface="Avenir Book" charset="0"/>
+                <a:ea typeface="Avenir Book" charset="0"/>
+                <a:cs typeface="Avenir Book" charset="0"/>
+              </a:rPr>
+              <a:t> </a:t>
+            </a:r>
+            <a:r>
+              <a:rPr lang="fi-FI" dirty="0" err="1">
+                <a:solidFill>
+                  <a:schemeClr val="bg2">
+                    <a:lumMod val="50000"/>
+                  </a:schemeClr>
+                </a:solidFill>
+                <a:latin typeface="Avenir Book" charset="0"/>
+                <a:ea typeface="Avenir Book" charset="0"/>
+                <a:cs typeface="Avenir Book" charset="0"/>
+              </a:rPr>
+              <a:t>using</a:t>
+            </a:r>
+            <a:r>
+              <a:rPr lang="fi-FI" dirty="0">
+                <a:solidFill>
+                  <a:schemeClr val="bg2">
+                    <a:lumMod val="50000"/>
+                  </a:schemeClr>
+                </a:solidFill>
+                <a:latin typeface="Avenir Book" charset="0"/>
+                <a:ea typeface="Avenir Book" charset="0"/>
+                <a:cs typeface="Avenir Book" charset="0"/>
+              </a:rPr>
+              <a:t> </a:t>
+            </a:r>
+            <a:r>
+              <a:rPr lang="fi-FI" dirty="0" err="1">
+                <a:solidFill>
+                  <a:schemeClr val="bg2">
+                    <a:lumMod val="50000"/>
+                  </a:schemeClr>
+                </a:solidFill>
+                <a:latin typeface="Avenir Book" charset="0"/>
+                <a:ea typeface="Avenir Book" charset="0"/>
+                <a:cs typeface="Avenir Book" charset="0"/>
+              </a:rPr>
+              <a:t>aggregation</a:t>
+            </a:r>
+            <a:r>
+              <a:rPr lang="fi-FI" dirty="0">
+                <a:solidFill>
+                  <a:schemeClr val="bg2">
+                    <a:lumMod val="50000"/>
+                  </a:schemeClr>
+                </a:solidFill>
+                <a:latin typeface="Avenir Book" charset="0"/>
+                <a:ea typeface="Avenir Book" charset="0"/>
+                <a:cs typeface="Avenir Book" charset="0"/>
+              </a:rPr>
+              <a:t> </a:t>
+            </a:r>
+            <a:r>
+              <a:rPr lang="fi-FI" dirty="0" err="1">
+                <a:solidFill>
+                  <a:schemeClr val="bg2">
+                    <a:lumMod val="50000"/>
+                  </a:schemeClr>
+                </a:solidFill>
+                <a:latin typeface="Avenir Book" charset="0"/>
+                <a:ea typeface="Avenir Book" charset="0"/>
+                <a:cs typeface="Avenir Book" charset="0"/>
+              </a:rPr>
+              <a:t>functions</a:t>
+            </a:r>
+            <a:r>
+              <a:rPr lang="fi-FI" dirty="0">
+                <a:solidFill>
+                  <a:schemeClr val="bg2">
+                    <a:lumMod val="50000"/>
+                  </a:schemeClr>
+                </a:solidFill>
+                <a:latin typeface="Avenir Book" charset="0"/>
+                <a:ea typeface="Avenir Book" charset="0"/>
+                <a:cs typeface="Avenir Book" charset="0"/>
+              </a:rPr>
+              <a:t> (min/</a:t>
+            </a:r>
+            <a:r>
+              <a:rPr lang="fi-FI" dirty="0" err="1">
+                <a:solidFill>
+                  <a:schemeClr val="bg2">
+                    <a:lumMod val="50000"/>
+                  </a:schemeClr>
+                </a:solidFill>
+                <a:latin typeface="Avenir Book" charset="0"/>
+                <a:ea typeface="Avenir Book" charset="0"/>
+                <a:cs typeface="Avenir Book" charset="0"/>
+              </a:rPr>
+              <a:t>max</a:t>
+            </a:r>
+            <a:r>
+              <a:rPr lang="fi-FI" dirty="0">
+                <a:solidFill>
+                  <a:schemeClr val="bg2">
+                    <a:lumMod val="50000"/>
+                  </a:schemeClr>
+                </a:solidFill>
+                <a:latin typeface="Avenir Book" charset="0"/>
+                <a:ea typeface="Avenir Book" charset="0"/>
+                <a:cs typeface="Avenir Book" charset="0"/>
+              </a:rPr>
+              <a:t>/</a:t>
+            </a:r>
+            <a:r>
+              <a:rPr lang="fi-FI" dirty="0" err="1">
+                <a:solidFill>
+                  <a:schemeClr val="bg2">
+                    <a:lumMod val="50000"/>
+                  </a:schemeClr>
+                </a:solidFill>
+                <a:latin typeface="Avenir Book" charset="0"/>
+                <a:ea typeface="Avenir Book" charset="0"/>
+                <a:cs typeface="Avenir Book" charset="0"/>
+              </a:rPr>
+              <a:t>mean</a:t>
+            </a:r>
+            <a:r>
+              <a:rPr lang="fi-FI" dirty="0">
+                <a:solidFill>
+                  <a:schemeClr val="bg2">
+                    <a:lumMod val="50000"/>
+                  </a:schemeClr>
+                </a:solidFill>
+                <a:latin typeface="Avenir Book" charset="0"/>
+                <a:ea typeface="Avenir Book" charset="0"/>
+                <a:cs typeface="Avenir Book" charset="0"/>
+              </a:rPr>
+              <a:t>/</a:t>
+            </a:r>
+            <a:r>
+              <a:rPr lang="fi-FI" dirty="0" err="1">
+                <a:solidFill>
+                  <a:schemeClr val="bg2">
+                    <a:lumMod val="50000"/>
+                  </a:schemeClr>
+                </a:solidFill>
+                <a:latin typeface="Avenir Book" charset="0"/>
+                <a:ea typeface="Avenir Book" charset="0"/>
+                <a:cs typeface="Avenir Book" charset="0"/>
+              </a:rPr>
+              <a:t>count</a:t>
+            </a:r>
+            <a:r>
+              <a:rPr lang="fi-FI" dirty="0">
+                <a:solidFill>
+                  <a:schemeClr val="bg2">
+                    <a:lumMod val="50000"/>
+                  </a:schemeClr>
+                </a:solidFill>
+                <a:latin typeface="Avenir Book" charset="0"/>
+                <a:ea typeface="Avenir Book" charset="0"/>
+                <a:cs typeface="Avenir Book" charset="0"/>
+              </a:rPr>
+              <a:t>) to </a:t>
+            </a:r>
+            <a:r>
+              <a:rPr lang="fi-FI" dirty="0" err="1">
+                <a:solidFill>
+                  <a:schemeClr val="bg2">
+                    <a:lumMod val="50000"/>
+                  </a:schemeClr>
+                </a:solidFill>
+                <a:latin typeface="Avenir Book" charset="0"/>
+                <a:ea typeface="Avenir Book" charset="0"/>
+                <a:cs typeface="Avenir Book" charset="0"/>
+              </a:rPr>
+              <a:t>minimize</a:t>
+            </a:r>
+            <a:r>
+              <a:rPr lang="fi-FI" dirty="0">
+                <a:solidFill>
+                  <a:schemeClr val="bg2">
+                    <a:lumMod val="50000"/>
+                  </a:schemeClr>
+                </a:solidFill>
+                <a:latin typeface="Avenir Book" charset="0"/>
+                <a:ea typeface="Avenir Book" charset="0"/>
+                <a:cs typeface="Avenir Book" charset="0"/>
+              </a:rPr>
+              <a:t> </a:t>
+            </a:r>
+            <a:r>
+              <a:rPr lang="fi-FI" dirty="0" err="1">
+                <a:solidFill>
+                  <a:schemeClr val="bg2">
+                    <a:lumMod val="50000"/>
+                  </a:schemeClr>
+                </a:solidFill>
+                <a:latin typeface="Avenir Book" charset="0"/>
+                <a:ea typeface="Avenir Book" charset="0"/>
+                <a:cs typeface="Avenir Book" charset="0"/>
+              </a:rPr>
+              <a:t>amount</a:t>
+            </a:r>
+            <a:r>
+              <a:rPr lang="fi-FI" dirty="0">
+                <a:solidFill>
+                  <a:schemeClr val="bg2">
+                    <a:lumMod val="50000"/>
+                  </a:schemeClr>
+                </a:solidFill>
+                <a:latin typeface="Avenir Book" charset="0"/>
+                <a:ea typeface="Avenir Book" charset="0"/>
+                <a:cs typeface="Avenir Book" charset="0"/>
+              </a:rPr>
+              <a:t> of </a:t>
+            </a:r>
+            <a:r>
+              <a:rPr lang="fi-FI" dirty="0" err="1">
+                <a:solidFill>
+                  <a:schemeClr val="bg2">
+                    <a:lumMod val="50000"/>
+                  </a:schemeClr>
+                </a:solidFill>
+                <a:latin typeface="Avenir Book" charset="0"/>
+                <a:ea typeface="Avenir Book" charset="0"/>
+                <a:cs typeface="Avenir Book" charset="0"/>
+              </a:rPr>
+              <a:t>missing</a:t>
+            </a:r>
+            <a:r>
+              <a:rPr lang="fi-FI" dirty="0">
+                <a:solidFill>
+                  <a:schemeClr val="bg2">
+                    <a:lumMod val="50000"/>
+                  </a:schemeClr>
+                </a:solidFill>
+                <a:latin typeface="Avenir Book" charset="0"/>
+                <a:ea typeface="Avenir Book" charset="0"/>
+                <a:cs typeface="Avenir Book" charset="0"/>
+              </a:rPr>
+              <a:t> </a:t>
+            </a:r>
+            <a:r>
+              <a:rPr lang="fi-FI" dirty="0" err="1">
+                <a:solidFill>
+                  <a:schemeClr val="bg2">
+                    <a:lumMod val="50000"/>
+                  </a:schemeClr>
+                </a:solidFill>
+                <a:latin typeface="Avenir Book" charset="0"/>
+                <a:ea typeface="Avenir Book" charset="0"/>
+                <a:cs typeface="Avenir Book" charset="0"/>
+              </a:rPr>
+              <a:t>values</a:t>
+            </a:r>
+            <a:endParaRPr lang="fi-FI" dirty="0">
+              <a:solidFill>
+                <a:schemeClr val="bg2">
+                  <a:lumMod val="50000"/>
+                </a:schemeClr>
+              </a:solidFill>
+              <a:latin typeface="Avenir Book" charset="0"/>
+              <a:ea typeface="Avenir Book" charset="0"/>
+              <a:cs typeface="Avenir Book" charset="0"/>
+            </a:endParaRPr>
+          </a:p>
+          <a:p>
+            <a:pPr marL="198000" indent="-198000">
+              <a:lnSpc>
+                <a:spcPct val="130000"/>
+              </a:lnSpc>
+            </a:pPr>
+            <a:r>
+              <a:rPr lang="fi-FI" dirty="0" err="1">
+                <a:solidFill>
+                  <a:schemeClr val="bg2">
+                    <a:lumMod val="50000"/>
+                  </a:schemeClr>
+                </a:solidFill>
+                <a:latin typeface="Avenir Book" charset="0"/>
+                <a:ea typeface="Avenir Book" charset="0"/>
+                <a:cs typeface="Avenir Book" charset="0"/>
+              </a:rPr>
+              <a:t>Calculated</a:t>
+            </a:r>
+            <a:r>
+              <a:rPr lang="fi-FI" dirty="0">
+                <a:solidFill>
+                  <a:schemeClr val="bg2">
+                    <a:lumMod val="50000"/>
+                  </a:schemeClr>
+                </a:solidFill>
+                <a:latin typeface="Avenir Book" charset="0"/>
+                <a:ea typeface="Avenir Book" charset="0"/>
+                <a:cs typeface="Avenir Book" charset="0"/>
+              </a:rPr>
+              <a:t> 3h and 6h </a:t>
+            </a:r>
+            <a:r>
+              <a:rPr lang="fi-FI" dirty="0" err="1">
+                <a:solidFill>
+                  <a:schemeClr val="bg2">
+                    <a:lumMod val="50000"/>
+                  </a:schemeClr>
+                </a:solidFill>
+                <a:latin typeface="Avenir Book" charset="0"/>
+                <a:ea typeface="Avenir Book" charset="0"/>
+                <a:cs typeface="Avenir Book" charset="0"/>
+              </a:rPr>
+              <a:t>precipitation</a:t>
+            </a:r>
+            <a:r>
+              <a:rPr lang="fi-FI" dirty="0">
+                <a:solidFill>
+                  <a:schemeClr val="bg2">
+                    <a:lumMod val="50000"/>
+                  </a:schemeClr>
+                </a:solidFill>
+                <a:latin typeface="Avenir Book" charset="0"/>
+                <a:ea typeface="Avenir Book" charset="0"/>
+                <a:cs typeface="Avenir Book" charset="0"/>
+              </a:rPr>
+              <a:t> </a:t>
+            </a:r>
+            <a:r>
+              <a:rPr lang="fi-FI" dirty="0" err="1">
+                <a:solidFill>
+                  <a:schemeClr val="bg2">
+                    <a:lumMod val="50000"/>
+                  </a:schemeClr>
+                </a:solidFill>
+                <a:latin typeface="Avenir Book" charset="0"/>
+                <a:ea typeface="Avenir Book" charset="0"/>
+                <a:cs typeface="Avenir Book" charset="0"/>
+              </a:rPr>
+              <a:t>accumulation</a:t>
+            </a:r>
+            <a:r>
+              <a:rPr lang="fi-FI" dirty="0">
+                <a:solidFill>
+                  <a:schemeClr val="bg2">
+                    <a:lumMod val="50000"/>
+                  </a:schemeClr>
+                </a:solidFill>
+                <a:latin typeface="Avenir Book" charset="0"/>
+                <a:ea typeface="Avenir Book" charset="0"/>
+                <a:cs typeface="Avenir Book" charset="0"/>
+              </a:rPr>
+              <a:t> </a:t>
+            </a:r>
+            <a:r>
+              <a:rPr lang="fi-FI" dirty="0" err="1">
+                <a:solidFill>
+                  <a:schemeClr val="bg2">
+                    <a:lumMod val="50000"/>
+                  </a:schemeClr>
+                </a:solidFill>
+                <a:latin typeface="Avenir Book" charset="0"/>
+                <a:ea typeface="Avenir Book" charset="0"/>
+                <a:cs typeface="Avenir Book" charset="0"/>
+              </a:rPr>
+              <a:t>sums</a:t>
+            </a:r>
+            <a:endParaRPr lang="fi-FI" dirty="0">
+              <a:solidFill>
+                <a:schemeClr val="bg2">
+                  <a:lumMod val="50000"/>
+                </a:schemeClr>
+              </a:solidFill>
+              <a:latin typeface="Avenir Book" charset="0"/>
+              <a:ea typeface="Avenir Book" charset="0"/>
+              <a:cs typeface="Avenir Book" charset="0"/>
+            </a:endParaRPr>
+          </a:p>
+          <a:p>
+            <a:pPr marL="883800" lvl="1" indent="-198000">
+              <a:lnSpc>
+                <a:spcPct val="130000"/>
+              </a:lnSpc>
+            </a:pPr>
+            <a:endParaRPr lang="en-US" dirty="0">
+              <a:solidFill>
+                <a:schemeClr val="bg2">
+                  <a:lumMod val="50000"/>
+                </a:schemeClr>
+              </a:solidFill>
+              <a:latin typeface="Avenir Book" charset="0"/>
+              <a:ea typeface="Avenir Book" charset="0"/>
+              <a:cs typeface="Avenir Book" charset="0"/>
+            </a:endParaRPr>
+          </a:p>
+          <a:p>
+            <a:pPr>
+              <a:lnSpc>
+                <a:spcPct val="110000"/>
+              </a:lnSpc>
+              <a:buNone/>
+            </a:pPr>
+            <a:endParaRPr lang="en-US" dirty="0">
+              <a:solidFill>
+                <a:schemeClr val="bg2">
+                  <a:lumMod val="50000"/>
+                </a:schemeClr>
+              </a:solidFill>
+              <a:latin typeface="Avenir Book" charset="0"/>
+              <a:ea typeface="Avenir Book" charset="0"/>
+              <a:cs typeface="Avenir Book" charset="0"/>
+            </a:endParaRPr>
+          </a:p>
+          <a:p>
+            <a:pPr>
+              <a:lnSpc>
+                <a:spcPct val="110000"/>
+              </a:lnSpc>
+              <a:buNone/>
+            </a:pPr>
+            <a:endParaRPr lang="en-US" dirty="0">
+              <a:solidFill>
+                <a:schemeClr val="bg2">
+                  <a:lumMod val="50000"/>
+                </a:schemeClr>
+              </a:solidFill>
+              <a:latin typeface="Avenir Book" charset="0"/>
+              <a:ea typeface="Avenir Book" charset="0"/>
+              <a:cs typeface="Avenir Book" charset="0"/>
+            </a:endParaRPr>
+          </a:p>
+          <a:p>
+            <a:pPr marL="198000" indent="-198000">
+              <a:lnSpc>
+                <a:spcPct val="110000"/>
+              </a:lnSpc>
+            </a:pPr>
+            <a:endParaRPr lang="en-US" dirty="0">
+              <a:solidFill>
+                <a:schemeClr val="bg2">
+                  <a:lumMod val="50000"/>
+                </a:schemeClr>
+              </a:solidFill>
+              <a:latin typeface="Avenir Book" charset="0"/>
+              <a:ea typeface="Avenir Book" charset="0"/>
+              <a:cs typeface="Avenir Book" charset="0"/>
+            </a:endParaRPr>
+          </a:p>
+          <a:p>
+            <a:pPr marL="198000" indent="-198000">
+              <a:lnSpc>
+                <a:spcPct val="110000"/>
+              </a:lnSpc>
+            </a:pPr>
+            <a:endParaRPr lang="en-US" dirty="0">
+              <a:solidFill>
+                <a:schemeClr val="bg2">
+                  <a:lumMod val="50000"/>
+                </a:schemeClr>
+              </a:solidFill>
+              <a:latin typeface="Avenir Book" charset="0"/>
+              <a:ea typeface="Avenir Book" charset="0"/>
+              <a:cs typeface="Avenir Book" charset="0"/>
+            </a:endParaRPr>
+          </a:p>
+          <a:p>
+            <a:pPr marL="198000" indent="-198000"/>
+            <a:endParaRPr lang="en-US" dirty="0">
+              <a:latin typeface="Avenir Book" charset="0"/>
+              <a:ea typeface="Avenir Book" charset="0"/>
+              <a:cs typeface="Avenir Book" charset="0"/>
+            </a:endParaRPr>
+          </a:p>
+        </p:txBody>
+      </p:sp>
+      <p:sp>
+        <p:nvSpPr>
+          <p:cNvPr id="5" name="Footer Placeholder 4"/>
+          <p:cNvSpPr>
+            <a:spLocks noGrp="1"/>
+          </p:cNvSpPr>
+          <p:nvPr>
+            <p:ph type="ftr" sz="quarter" idx="11"/>
+          </p:nvPr>
+        </p:nvSpPr>
+        <p:spPr/>
+        <p:txBody>
           <a:bodyPr/>
           <a:lstStyle/>
           <a:p>
@@ -9444,1007 +10680,13 @@
               <a:rPr lang="fi-FI" dirty="0"/>
               <a:t> Institute</a:t>
             </a:r>
-          </a:p>
-        </p:txBody>
-      </p:sp>
-      <p:sp>
-        <p:nvSpPr>
-          <p:cNvPr id="4" name="Content Placeholder 3">
-            <a:extLst>
-              <a:ext uri="{FF2B5EF4-FFF2-40B4-BE49-F238E27FC236}">
-                <a16:creationId xmlns:a16="http://schemas.microsoft.com/office/drawing/2014/main" id="{C68CD0B6-D150-4241-A356-8B7D40982F50}"/>
-              </a:ext>
-            </a:extLst>
-          </p:cNvPr>
-          <p:cNvSpPr>
-            <a:spLocks noGrp="1"/>
-          </p:cNvSpPr>
-          <p:nvPr>
-            <p:ph idx="1"/>
-          </p:nvPr>
-        </p:nvSpPr>
-        <p:spPr>
-          <a:xfrm>
-            <a:off x="642501" y="1605990"/>
-            <a:ext cx="8599095" cy="4833257"/>
-          </a:xfrm>
-        </p:spPr>
-        <p:txBody>
-          <a:bodyPr>
-            <a:normAutofit lnSpcReduction="10000"/>
-          </a:bodyPr>
-          <a:lstStyle/>
-          <a:p>
-            <a:pPr marL="171450" indent="-171450"/>
-            <a:r>
-              <a:rPr lang="fi-FI" sz="1200" dirty="0" err="1"/>
-              <a:t>time;time</a:t>
-            </a:r>
-            <a:endParaRPr lang="fi-FI" sz="1200" dirty="0"/>
-          </a:p>
-          <a:p>
-            <a:pPr marL="171450" indent="-171450"/>
-            <a:r>
-              <a:rPr lang="fi-FI" sz="1200" dirty="0" err="1"/>
-              <a:t>place;place</a:t>
-            </a:r>
-            <a:endParaRPr lang="fi-FI" sz="1200" dirty="0"/>
-          </a:p>
-          <a:p>
-            <a:pPr marL="171450" indent="-171450"/>
-            <a:r>
-              <a:rPr lang="fi-FI" sz="1200" dirty="0" err="1"/>
-              <a:t>lat;lat</a:t>
-            </a:r>
-            <a:endParaRPr lang="fi-FI" sz="1200" dirty="0"/>
-          </a:p>
-          <a:p>
-            <a:pPr marL="171450" indent="-171450"/>
-            <a:r>
-              <a:rPr lang="fi-FI" sz="1200" dirty="0" err="1"/>
-              <a:t>lon;lon</a:t>
-            </a:r>
-            <a:endParaRPr lang="fi-FI" sz="1200" dirty="0"/>
-          </a:p>
-          <a:p>
-            <a:pPr marL="171450" indent="-171450"/>
-            <a:r>
-              <a:rPr lang="fi-FI" sz="1200" dirty="0" err="1"/>
-              <a:t>mean</a:t>
-            </a:r>
-            <a:r>
-              <a:rPr lang="fi-FI" sz="1200" dirty="0"/>
-              <a:t>(</a:t>
-            </a:r>
-            <a:r>
-              <a:rPr lang="fi-FI" sz="1200" dirty="0" err="1"/>
-              <a:t>mean_t</a:t>
-            </a:r>
-            <a:r>
-              <a:rPr lang="fi-FI" sz="1200" dirty="0"/>
-              <a:t>(pressure:60:0));</a:t>
-            </a:r>
-            <a:r>
-              <a:rPr lang="fi-FI" sz="1200" dirty="0" err="1"/>
-              <a:t>pressure</a:t>
-            </a:r>
-            <a:endParaRPr lang="fi-FI" sz="1200" dirty="0"/>
-          </a:p>
-          <a:p>
-            <a:pPr marL="171450" indent="-171450"/>
-            <a:r>
-              <a:rPr lang="fi-FI" sz="1200" dirty="0" err="1"/>
-              <a:t>max</a:t>
-            </a:r>
-            <a:r>
-              <a:rPr lang="fi-FI" sz="1200" dirty="0"/>
-              <a:t>(</a:t>
-            </a:r>
-            <a:r>
-              <a:rPr lang="fi-FI" sz="1200" dirty="0" err="1"/>
-              <a:t>max_t</a:t>
-            </a:r>
-            <a:r>
-              <a:rPr lang="fi-FI" sz="1200" dirty="0"/>
-              <a:t>(temperature:60:0));</a:t>
-            </a:r>
-            <a:r>
-              <a:rPr lang="fi-FI" sz="1200" dirty="0" err="1"/>
-              <a:t>max_temperature</a:t>
-            </a:r>
-            <a:endParaRPr lang="fi-FI" sz="1200" dirty="0"/>
-          </a:p>
-          <a:p>
-            <a:pPr marL="171450" indent="-171450"/>
-            <a:r>
-              <a:rPr lang="fi-FI" sz="1200" dirty="0"/>
-              <a:t>min(</a:t>
-            </a:r>
-            <a:r>
-              <a:rPr lang="fi-FI" sz="1200" dirty="0" err="1"/>
-              <a:t>min_t</a:t>
-            </a:r>
-            <a:r>
-              <a:rPr lang="fi-FI" sz="1200" dirty="0"/>
-              <a:t>(temperature:60:0));</a:t>
-            </a:r>
-            <a:r>
-              <a:rPr lang="fi-FI" sz="1200" dirty="0" err="1"/>
-              <a:t>min_temperature</a:t>
-            </a:r>
-            <a:endParaRPr lang="fi-FI" sz="1200" dirty="0"/>
-          </a:p>
-          <a:p>
-            <a:pPr marL="171450" indent="-171450"/>
-            <a:r>
-              <a:rPr lang="fi-FI" sz="1200" dirty="0" err="1"/>
-              <a:t>mean</a:t>
-            </a:r>
-            <a:r>
-              <a:rPr lang="fi-FI" sz="1200" dirty="0"/>
-              <a:t>(</a:t>
-            </a:r>
-            <a:r>
-              <a:rPr lang="fi-FI" sz="1200" dirty="0" err="1"/>
-              <a:t>mean_t</a:t>
-            </a:r>
-            <a:r>
-              <a:rPr lang="fi-FI" sz="1200" dirty="0"/>
-              <a:t>(temperature:60:0));</a:t>
-            </a:r>
-            <a:r>
-              <a:rPr lang="fi-FI" sz="1200" dirty="0" err="1"/>
-              <a:t>mean_temperature</a:t>
-            </a:r>
-            <a:endParaRPr lang="fi-FI" sz="1200" dirty="0"/>
-          </a:p>
-          <a:p>
-            <a:pPr marL="171450" indent="-171450"/>
-            <a:r>
-              <a:rPr lang="fi-FI" sz="1200" dirty="0" err="1"/>
-              <a:t>max</a:t>
-            </a:r>
-            <a:r>
-              <a:rPr lang="fi-FI" sz="1200" dirty="0"/>
-              <a:t>(</a:t>
-            </a:r>
-            <a:r>
-              <a:rPr lang="fi-FI" sz="1200" dirty="0" err="1"/>
-              <a:t>max_t</a:t>
-            </a:r>
-            <a:r>
-              <a:rPr lang="fi-FI" sz="1200" dirty="0"/>
-              <a:t>(dewpoint:60:0));</a:t>
-            </a:r>
-            <a:r>
-              <a:rPr lang="fi-FI" sz="1200" dirty="0" err="1"/>
-              <a:t>max_dewpoint</a:t>
-            </a:r>
-            <a:endParaRPr lang="fi-FI" sz="1200" dirty="0"/>
-          </a:p>
-          <a:p>
-            <a:pPr marL="171450" indent="-171450"/>
-            <a:r>
-              <a:rPr lang="fi-FI" sz="1200" dirty="0"/>
-              <a:t>min(</a:t>
-            </a:r>
-            <a:r>
-              <a:rPr lang="fi-FI" sz="1200" dirty="0" err="1"/>
-              <a:t>min_t</a:t>
-            </a:r>
-            <a:r>
-              <a:rPr lang="fi-FI" sz="1200" dirty="0"/>
-              <a:t>(dewpoint:60:0));</a:t>
-            </a:r>
-            <a:r>
-              <a:rPr lang="fi-FI" sz="1200" dirty="0" err="1"/>
-              <a:t>min_dewpoint</a:t>
-            </a:r>
-            <a:endParaRPr lang="fi-FI" sz="1200" dirty="0"/>
-          </a:p>
-          <a:p>
-            <a:pPr marL="171450" indent="-171450"/>
-            <a:r>
-              <a:rPr lang="fi-FI" sz="1200" dirty="0" err="1"/>
-              <a:t>mean</a:t>
-            </a:r>
-            <a:r>
-              <a:rPr lang="fi-FI" sz="1200" dirty="0"/>
-              <a:t>(</a:t>
-            </a:r>
-            <a:r>
-              <a:rPr lang="fi-FI" sz="1200" dirty="0" err="1"/>
-              <a:t>mean_t</a:t>
-            </a:r>
-            <a:r>
-              <a:rPr lang="fi-FI" sz="1200" dirty="0"/>
-              <a:t>(dewpoint:60:0));</a:t>
-            </a:r>
-            <a:r>
-              <a:rPr lang="fi-FI" sz="1200" dirty="0" err="1"/>
-              <a:t>mean_dewpoint</a:t>
-            </a:r>
-            <a:endParaRPr lang="fi-FI" sz="1200" dirty="0"/>
-          </a:p>
-          <a:p>
-            <a:pPr marL="171450" indent="-171450"/>
-            <a:r>
-              <a:rPr lang="fi-FI" sz="1200" dirty="0" err="1"/>
-              <a:t>max</a:t>
-            </a:r>
-            <a:r>
-              <a:rPr lang="fi-FI" sz="1200" dirty="0"/>
-              <a:t>(</a:t>
-            </a:r>
-            <a:r>
-              <a:rPr lang="fi-FI" sz="1200" dirty="0" err="1"/>
-              <a:t>max_t</a:t>
-            </a:r>
-            <a:r>
-              <a:rPr lang="fi-FI" sz="1200" dirty="0"/>
-              <a:t>(humidity:60:0));</a:t>
-            </a:r>
-            <a:r>
-              <a:rPr lang="fi-FI" sz="1200" dirty="0" err="1"/>
-              <a:t>max_humidity</a:t>
-            </a:r>
-            <a:endParaRPr lang="fi-FI" sz="1200" dirty="0"/>
-          </a:p>
-          <a:p>
-            <a:pPr marL="171450" indent="-171450"/>
-            <a:r>
-              <a:rPr lang="fi-FI" sz="1200" dirty="0"/>
-              <a:t>min(</a:t>
-            </a:r>
-            <a:r>
-              <a:rPr lang="fi-FI" sz="1200" dirty="0" err="1"/>
-              <a:t>min_t</a:t>
-            </a:r>
-            <a:r>
-              <a:rPr lang="fi-FI" sz="1200" dirty="0"/>
-              <a:t>(humidity:60:0));</a:t>
-            </a:r>
-            <a:r>
-              <a:rPr lang="fi-FI" sz="1200" dirty="0" err="1"/>
-              <a:t>min_humidity</a:t>
-            </a:r>
-            <a:endParaRPr lang="fi-FI" sz="1200" dirty="0"/>
-          </a:p>
-          <a:p>
-            <a:pPr marL="171450" indent="-171450"/>
-            <a:r>
-              <a:rPr lang="fi-FI" sz="1200" dirty="0" err="1"/>
-              <a:t>mean</a:t>
-            </a:r>
-            <a:r>
-              <a:rPr lang="fi-FI" sz="1200" dirty="0"/>
-              <a:t>(</a:t>
-            </a:r>
-            <a:r>
-              <a:rPr lang="fi-FI" sz="1200" dirty="0" err="1"/>
-              <a:t>mean_t</a:t>
-            </a:r>
-            <a:r>
-              <a:rPr lang="fi-FI" sz="1200" dirty="0"/>
-              <a:t>(humidity:60:0));</a:t>
-            </a:r>
-            <a:r>
-              <a:rPr lang="fi-FI" sz="1200" dirty="0" err="1"/>
-              <a:t>mean_humidity</a:t>
-            </a:r>
-            <a:endParaRPr lang="fi-FI" sz="1200" dirty="0"/>
-          </a:p>
-          <a:p>
-            <a:pPr marL="171450" indent="-171450"/>
-            <a:r>
-              <a:rPr lang="fi-FI" sz="1200" dirty="0" err="1"/>
-              <a:t>mean</a:t>
-            </a:r>
-            <a:r>
-              <a:rPr lang="fi-FI" sz="1200" dirty="0"/>
-              <a:t>(</a:t>
-            </a:r>
-            <a:r>
-              <a:rPr lang="fi-FI" sz="1200" dirty="0" err="1"/>
-              <a:t>mean_t</a:t>
-            </a:r>
-            <a:r>
-              <a:rPr lang="fi-FI" sz="1200" dirty="0"/>
-              <a:t>(winddirection:60:0));</a:t>
-            </a:r>
-            <a:r>
-              <a:rPr lang="fi-FI" sz="1200" dirty="0" err="1"/>
-              <a:t>mean_winddirection</a:t>
-            </a:r>
-            <a:endParaRPr lang="fi-FI" sz="1200" dirty="0"/>
-          </a:p>
-          <a:p>
-            <a:pPr marL="171450" indent="-171450"/>
-            <a:r>
-              <a:rPr lang="fi-FI" sz="1200" dirty="0" err="1"/>
-              <a:t>sdev</a:t>
-            </a:r>
-            <a:r>
-              <a:rPr lang="fi-FI" sz="1200" dirty="0"/>
-              <a:t>(</a:t>
-            </a:r>
-            <a:r>
-              <a:rPr lang="fi-FI" sz="1200" dirty="0" err="1"/>
-              <a:t>sdev_t</a:t>
-            </a:r>
-            <a:r>
-              <a:rPr lang="fi-FI" sz="1200" dirty="0"/>
-              <a:t>(winddirection:60:0));</a:t>
-            </a:r>
-            <a:r>
-              <a:rPr lang="fi-FI" sz="1200" dirty="0" err="1"/>
-              <a:t>sdev_winddirection</a:t>
-            </a:r>
-            <a:endParaRPr lang="fi-FI" sz="1200" dirty="0"/>
-          </a:p>
-          <a:p>
-            <a:pPr marL="171450" indent="-171450"/>
-            <a:r>
-              <a:rPr lang="fi-FI" sz="1200" dirty="0" err="1"/>
-              <a:t>max</a:t>
-            </a:r>
-            <a:r>
-              <a:rPr lang="fi-FI" sz="1200" dirty="0"/>
-              <a:t>(</a:t>
-            </a:r>
-            <a:r>
-              <a:rPr lang="fi-FI" sz="1200" dirty="0" err="1"/>
-              <a:t>max_t</a:t>
-            </a:r>
-            <a:r>
-              <a:rPr lang="fi-FI" sz="1200" dirty="0"/>
-              <a:t>(windspeedms:60:0));</a:t>
-            </a:r>
-            <a:r>
-              <a:rPr lang="fi-FI" sz="1200" dirty="0" err="1"/>
-              <a:t>max_windspeedms</a:t>
-            </a:r>
-            <a:endParaRPr lang="fi-FI" sz="1200" dirty="0"/>
-          </a:p>
-          <a:p>
-            <a:pPr marL="171450" indent="-171450"/>
-            <a:r>
-              <a:rPr lang="fi-FI" sz="1200" dirty="0"/>
-              <a:t>min(</a:t>
-            </a:r>
-            <a:r>
-              <a:rPr lang="fi-FI" sz="1200" dirty="0" err="1"/>
-              <a:t>min_t</a:t>
-            </a:r>
-            <a:r>
-              <a:rPr lang="fi-FI" sz="1200" dirty="0"/>
-              <a:t>(windspeedms:60:0));</a:t>
-            </a:r>
-            <a:r>
-              <a:rPr lang="fi-FI" sz="1200" dirty="0" err="1"/>
-              <a:t>min_windspeedms</a:t>
-            </a:r>
-            <a:endParaRPr lang="fi-FI" sz="1200" dirty="0"/>
-          </a:p>
-          <a:p>
-            <a:pPr marL="171450" indent="-171450"/>
-            <a:r>
-              <a:rPr lang="fi-FI" sz="1200" dirty="0" err="1"/>
-              <a:t>mean</a:t>
-            </a:r>
-            <a:r>
-              <a:rPr lang="fi-FI" sz="1200" dirty="0"/>
-              <a:t>(</a:t>
-            </a:r>
-            <a:r>
-              <a:rPr lang="fi-FI" sz="1200" dirty="0" err="1"/>
-              <a:t>mean_t</a:t>
-            </a:r>
-            <a:r>
-              <a:rPr lang="fi-FI" sz="1200" dirty="0"/>
-              <a:t>(windspeedms:60:0));</a:t>
-            </a:r>
-            <a:r>
-              <a:rPr lang="fi-FI" sz="1200" dirty="0" err="1"/>
-              <a:t>mean_windspeedms</a:t>
-            </a:r>
-            <a:endParaRPr lang="fi-FI" sz="1200" dirty="0"/>
-          </a:p>
-          <a:p>
-            <a:pPr marL="171450" indent="-171450"/>
-            <a:r>
-              <a:rPr lang="fi-FI" sz="1200" dirty="0" err="1"/>
-              <a:t>max</a:t>
-            </a:r>
-            <a:r>
-              <a:rPr lang="fi-FI" sz="1200" dirty="0"/>
-              <a:t>(</a:t>
-            </a:r>
-            <a:r>
-              <a:rPr lang="fi-FI" sz="1200" dirty="0" err="1"/>
-              <a:t>max_t</a:t>
-            </a:r>
-            <a:r>
-              <a:rPr lang="fi-FI" sz="1200" dirty="0"/>
-              <a:t>(windgust:60:0));</a:t>
-            </a:r>
-            <a:r>
-              <a:rPr lang="fi-FI" sz="1200" dirty="0" err="1"/>
-              <a:t>max_windgust</a:t>
-            </a:r>
-            <a:endParaRPr lang="fi-FI" sz="1200" dirty="0"/>
-          </a:p>
-          <a:p>
-            <a:pPr marL="171450" indent="-171450"/>
-            <a:r>
-              <a:rPr lang="fi-FI" sz="1200" dirty="0"/>
-              <a:t>min(</a:t>
-            </a:r>
-            <a:r>
-              <a:rPr lang="fi-FI" sz="1200" dirty="0" err="1"/>
-              <a:t>min_t</a:t>
-            </a:r>
-            <a:r>
-              <a:rPr lang="fi-FI" sz="1200" dirty="0"/>
-              <a:t>(windgust:60:0));</a:t>
-            </a:r>
-            <a:r>
-              <a:rPr lang="fi-FI" sz="1200" dirty="0" err="1"/>
-              <a:t>min_windgust</a:t>
-            </a:r>
-            <a:endParaRPr lang="fi-FI" sz="1200" dirty="0"/>
-          </a:p>
-          <a:p>
-            <a:pPr marL="171450" indent="-171450"/>
-            <a:r>
-              <a:rPr lang="fi-FI" sz="1200" dirty="0" err="1"/>
-              <a:t>mean</a:t>
-            </a:r>
-            <a:r>
-              <a:rPr lang="fi-FI" sz="1200" dirty="0"/>
-              <a:t>(</a:t>
-            </a:r>
-            <a:r>
-              <a:rPr lang="fi-FI" sz="1200" dirty="0" err="1"/>
-              <a:t>mean_t</a:t>
-            </a:r>
-            <a:r>
-              <a:rPr lang="fi-FI" sz="1200" dirty="0"/>
-              <a:t>(windgust:60:0));</a:t>
-            </a:r>
-            <a:r>
-              <a:rPr lang="fi-FI" sz="1200" dirty="0" err="1"/>
-              <a:t>mean_windgust</a:t>
-            </a:r>
-            <a:endParaRPr lang="fi-FI" sz="1200" dirty="0"/>
-          </a:p>
-          <a:p>
-            <a:pPr marL="171450" indent="-171450"/>
-            <a:r>
-              <a:rPr lang="fi-FI" sz="1200" dirty="0" err="1"/>
-              <a:t>max</a:t>
-            </a:r>
-            <a:r>
-              <a:rPr lang="fi-FI" sz="1200" dirty="0"/>
-              <a:t>(precipitation1h);max_precipitation1h</a:t>
-            </a:r>
-          </a:p>
-          <a:p>
-            <a:pPr marL="171450" indent="-171450"/>
-            <a:r>
-              <a:rPr lang="fi-FI" sz="1200" dirty="0" err="1"/>
-              <a:t>max</a:t>
-            </a:r>
-            <a:r>
-              <a:rPr lang="fi-FI" sz="1200" dirty="0"/>
-              <a:t>(</a:t>
-            </a:r>
-            <a:r>
-              <a:rPr lang="fi-FI" sz="1200" dirty="0" err="1"/>
-              <a:t>max_t</a:t>
-            </a:r>
-            <a:r>
-              <a:rPr lang="fi-FI" sz="1200" dirty="0"/>
-              <a:t>(snowdepth:60:0));</a:t>
-            </a:r>
-            <a:r>
-              <a:rPr lang="fi-FI" sz="1200" dirty="0" err="1"/>
-              <a:t>max_snowdepth</a:t>
-            </a:r>
-            <a:endParaRPr lang="fi-FI" sz="1200" dirty="0"/>
-          </a:p>
-          <a:p>
-            <a:pPr marL="171450" indent="-171450"/>
-            <a:r>
-              <a:rPr lang="fi-FI" sz="1200" dirty="0" err="1"/>
-              <a:t>max</a:t>
-            </a:r>
-            <a:r>
-              <a:rPr lang="fi-FI" sz="1200" dirty="0"/>
-              <a:t>(</a:t>
-            </a:r>
-            <a:r>
-              <a:rPr lang="fi-FI" sz="1200" dirty="0" err="1"/>
-              <a:t>max_t</a:t>
-            </a:r>
-            <a:r>
-              <a:rPr lang="fi-FI" sz="1200" dirty="0"/>
-              <a:t>(n:60:0));</a:t>
-            </a:r>
-            <a:r>
-              <a:rPr lang="fi-FI" sz="1200" dirty="0" err="1"/>
-              <a:t>max_n</a:t>
-            </a:r>
-            <a:endParaRPr lang="fi-FI" sz="1200" dirty="0"/>
-          </a:p>
-          <a:p>
-            <a:pPr marL="171450" indent="-171450"/>
-            <a:r>
-              <a:rPr lang="fi-FI" sz="1200" dirty="0"/>
-              <a:t>min(</a:t>
-            </a:r>
-            <a:r>
-              <a:rPr lang="fi-FI" sz="1200" dirty="0" err="1"/>
-              <a:t>min_t</a:t>
-            </a:r>
-            <a:r>
-              <a:rPr lang="fi-FI" sz="1200" dirty="0"/>
-              <a:t>(vis:60:0));</a:t>
-            </a:r>
-            <a:r>
-              <a:rPr lang="fi-FI" sz="1200" dirty="0" err="1"/>
-              <a:t>min_vis</a:t>
-            </a:r>
-            <a:endParaRPr lang="fi-FI" sz="1200" dirty="0"/>
-          </a:p>
-          <a:p>
-            <a:pPr marL="171450" indent="-171450"/>
-            <a:r>
-              <a:rPr lang="fi-FI" sz="1200" dirty="0"/>
-              <a:t>min(</a:t>
-            </a:r>
-            <a:r>
-              <a:rPr lang="fi-FI" sz="1200" dirty="0" err="1"/>
-              <a:t>min_t</a:t>
-            </a:r>
-            <a:r>
-              <a:rPr lang="fi-FI" sz="1200" dirty="0"/>
-              <a:t>(clhb:60:0));</a:t>
-            </a:r>
-            <a:r>
-              <a:rPr lang="fi-FI" sz="1200" dirty="0" err="1"/>
-              <a:t>min_clhb</a:t>
-            </a:r>
-            <a:endParaRPr lang="fi-FI" sz="1200" dirty="0"/>
-          </a:p>
-          <a:p>
-            <a:pPr marL="171450" indent="-171450"/>
-            <a:endParaRPr lang="fi-FI" sz="1200" dirty="0"/>
-          </a:p>
-        </p:txBody>
-      </p:sp>
-      <p:sp>
-        <p:nvSpPr>
-          <p:cNvPr id="6" name="Rectangle 5">
-            <a:extLst>
-              <a:ext uri="{FF2B5EF4-FFF2-40B4-BE49-F238E27FC236}">
-                <a16:creationId xmlns:a16="http://schemas.microsoft.com/office/drawing/2014/main" id="{8B5F062F-1DB8-FB42-B4D2-B0FB1DA4C90B}"/>
-              </a:ext>
-            </a:extLst>
-          </p:cNvPr>
-          <p:cNvSpPr/>
-          <p:nvPr/>
-        </p:nvSpPr>
-        <p:spPr>
-          <a:xfrm>
-            <a:off x="4695598" y="1528708"/>
-            <a:ext cx="4949825" cy="4745915"/>
-          </a:xfrm>
-          <a:prstGeom prst="rect">
-            <a:avLst/>
-          </a:prstGeom>
-        </p:spPr>
-        <p:txBody>
-          <a:bodyPr>
-            <a:spAutoFit/>
-          </a:bodyPr>
-          <a:lstStyle/>
-          <a:p>
-            <a:pPr marL="171450" indent="-171450">
-              <a:lnSpc>
-                <a:spcPct val="90000"/>
-              </a:lnSpc>
-              <a:buFont typeface="Arial" panose="020B0604020202020204" pitchFamily="34" charset="0"/>
-              <a:buChar char="•"/>
-            </a:pPr>
-            <a:r>
-              <a:rPr lang="fi-FI" sz="1200" dirty="0" err="1"/>
-              <a:t>time;time</a:t>
-            </a:r>
-            <a:endParaRPr lang="fi-FI" sz="1200" dirty="0"/>
-          </a:p>
-          <a:p>
-            <a:pPr marL="171450" indent="-171450">
-              <a:lnSpc>
-                <a:spcPct val="90000"/>
-              </a:lnSpc>
-              <a:buFont typeface="Arial" panose="020B0604020202020204" pitchFamily="34" charset="0"/>
-              <a:buChar char="•"/>
-            </a:pPr>
-            <a:r>
-              <a:rPr lang="fi-FI" sz="1200" dirty="0" err="1"/>
-              <a:t>place;place</a:t>
-            </a:r>
-            <a:endParaRPr lang="fi-FI" sz="1200" dirty="0"/>
-          </a:p>
-          <a:p>
-            <a:pPr marL="171450" indent="-171450">
-              <a:lnSpc>
-                <a:spcPct val="90000"/>
-              </a:lnSpc>
-              <a:buFont typeface="Arial" panose="020B0604020202020204" pitchFamily="34" charset="0"/>
-              <a:buChar char="•"/>
-            </a:pPr>
-            <a:r>
-              <a:rPr lang="fi-FI" sz="1200" dirty="0" err="1"/>
-              <a:t>lat;lat</a:t>
-            </a:r>
-            <a:endParaRPr lang="fi-FI" sz="1200" dirty="0"/>
-          </a:p>
-          <a:p>
-            <a:pPr marL="171450" indent="-171450">
-              <a:lnSpc>
-                <a:spcPct val="90000"/>
-              </a:lnSpc>
-              <a:buFont typeface="Arial" panose="020B0604020202020204" pitchFamily="34" charset="0"/>
-              <a:buChar char="•"/>
-            </a:pPr>
-            <a:r>
-              <a:rPr lang="fi-FI" sz="1200" dirty="0" err="1"/>
-              <a:t>lon;lon</a:t>
-            </a:r>
-            <a:endParaRPr lang="fi-FI" sz="1200" dirty="0"/>
-          </a:p>
-          <a:p>
-            <a:pPr marL="171450" indent="-171450">
-              <a:lnSpc>
-                <a:spcPct val="90000"/>
-              </a:lnSpc>
-              <a:buFont typeface="Arial" panose="020B0604020202020204" pitchFamily="34" charset="0"/>
-              <a:buChar char="•"/>
-            </a:pPr>
-            <a:r>
-              <a:rPr lang="fi-FI" sz="1200" dirty="0" err="1"/>
-              <a:t>pressure;pressure</a:t>
-            </a:r>
-            <a:endParaRPr lang="fi-FI" sz="1200" dirty="0"/>
-          </a:p>
-          <a:p>
-            <a:pPr marL="171450" indent="-171450">
-              <a:lnSpc>
-                <a:spcPct val="90000"/>
-              </a:lnSpc>
-              <a:buFont typeface="Arial" panose="020B0604020202020204" pitchFamily="34" charset="0"/>
-              <a:buChar char="•"/>
-            </a:pPr>
-            <a:r>
-              <a:rPr lang="fi-FI" sz="1200" dirty="0" err="1"/>
-              <a:t>temperature;max_temperature</a:t>
-            </a:r>
-            <a:endParaRPr lang="fi-FI" sz="1200" dirty="0"/>
-          </a:p>
-          <a:p>
-            <a:pPr marL="171450" indent="-171450">
-              <a:lnSpc>
-                <a:spcPct val="90000"/>
-              </a:lnSpc>
-              <a:buFont typeface="Arial" panose="020B0604020202020204" pitchFamily="34" charset="0"/>
-              <a:buChar char="•"/>
-            </a:pPr>
-            <a:r>
-              <a:rPr lang="fi-FI" sz="1200" dirty="0" err="1"/>
-              <a:t>temperature;min_temperature</a:t>
-            </a:r>
-            <a:endParaRPr lang="fi-FI" sz="1200" dirty="0"/>
-          </a:p>
-          <a:p>
-            <a:pPr marL="171450" indent="-171450">
-              <a:lnSpc>
-                <a:spcPct val="90000"/>
-              </a:lnSpc>
-              <a:buFont typeface="Arial" panose="020B0604020202020204" pitchFamily="34" charset="0"/>
-              <a:buChar char="•"/>
-            </a:pPr>
-            <a:r>
-              <a:rPr lang="fi-FI" sz="1200" dirty="0" err="1"/>
-              <a:t>temperature;mean_temperature</a:t>
-            </a:r>
-            <a:endParaRPr lang="fi-FI" sz="1200" dirty="0"/>
-          </a:p>
-          <a:p>
-            <a:pPr marL="171450" indent="-171450">
-              <a:lnSpc>
-                <a:spcPct val="90000"/>
-              </a:lnSpc>
-              <a:buFont typeface="Arial" panose="020B0604020202020204" pitchFamily="34" charset="0"/>
-              <a:buChar char="•"/>
-            </a:pPr>
-            <a:r>
-              <a:rPr lang="fi-FI" sz="1200" dirty="0" err="1"/>
-              <a:t>dewpoint;max_dewpoint</a:t>
-            </a:r>
-            <a:endParaRPr lang="fi-FI" sz="1200" dirty="0"/>
-          </a:p>
-          <a:p>
-            <a:pPr marL="171450" indent="-171450">
-              <a:lnSpc>
-                <a:spcPct val="90000"/>
-              </a:lnSpc>
-              <a:buFont typeface="Arial" panose="020B0604020202020204" pitchFamily="34" charset="0"/>
-              <a:buChar char="•"/>
-            </a:pPr>
-            <a:r>
-              <a:rPr lang="fi-FI" sz="1200" dirty="0" err="1"/>
-              <a:t>dewpoint;min_dewpoint</a:t>
-            </a:r>
-            <a:endParaRPr lang="fi-FI" sz="1200" dirty="0"/>
-          </a:p>
-          <a:p>
-            <a:pPr marL="171450" indent="-171450">
-              <a:lnSpc>
-                <a:spcPct val="90000"/>
-              </a:lnSpc>
-              <a:buFont typeface="Arial" panose="020B0604020202020204" pitchFamily="34" charset="0"/>
-              <a:buChar char="•"/>
-            </a:pPr>
-            <a:r>
-              <a:rPr lang="fi-FI" sz="1200" dirty="0" err="1"/>
-              <a:t>dewpoint;mean_dewpoint</a:t>
-            </a:r>
-            <a:endParaRPr lang="fi-FI" sz="1200" dirty="0"/>
-          </a:p>
-          <a:p>
-            <a:pPr marL="171450" indent="-171450">
-              <a:lnSpc>
-                <a:spcPct val="90000"/>
-              </a:lnSpc>
-              <a:buFont typeface="Arial" panose="020B0604020202020204" pitchFamily="34" charset="0"/>
-              <a:buChar char="•"/>
-            </a:pPr>
-            <a:r>
-              <a:rPr lang="fi-FI" sz="1200" dirty="0" err="1"/>
-              <a:t>humidity;max_humidity</a:t>
-            </a:r>
-            <a:endParaRPr lang="fi-FI" sz="1200" dirty="0"/>
-          </a:p>
-          <a:p>
-            <a:pPr marL="171450" indent="-171450">
-              <a:lnSpc>
-                <a:spcPct val="90000"/>
-              </a:lnSpc>
-              <a:buFont typeface="Arial" panose="020B0604020202020204" pitchFamily="34" charset="0"/>
-              <a:buChar char="•"/>
-            </a:pPr>
-            <a:r>
-              <a:rPr lang="fi-FI" sz="1200" dirty="0" err="1"/>
-              <a:t>humidity;min_humidity</a:t>
-            </a:r>
-            <a:endParaRPr lang="fi-FI" sz="1200" dirty="0"/>
-          </a:p>
-          <a:p>
-            <a:pPr marL="171450" indent="-171450">
-              <a:lnSpc>
-                <a:spcPct val="90000"/>
-              </a:lnSpc>
-              <a:buFont typeface="Arial" panose="020B0604020202020204" pitchFamily="34" charset="0"/>
-              <a:buChar char="•"/>
-            </a:pPr>
-            <a:r>
-              <a:rPr lang="fi-FI" sz="1200" dirty="0" err="1"/>
-              <a:t>humidity;mean_humidity</a:t>
-            </a:r>
-            <a:endParaRPr lang="fi-FI" sz="1200" dirty="0"/>
-          </a:p>
-          <a:p>
-            <a:pPr marL="171450" indent="-171450">
-              <a:lnSpc>
-                <a:spcPct val="90000"/>
-              </a:lnSpc>
-              <a:buFont typeface="Arial" panose="020B0604020202020204" pitchFamily="34" charset="0"/>
-              <a:buChar char="•"/>
-            </a:pPr>
-            <a:r>
-              <a:rPr lang="fi-FI" sz="1200" dirty="0" err="1"/>
-              <a:t>winddirection;mean_winddirection</a:t>
-            </a:r>
-            <a:endParaRPr lang="fi-FI" sz="1200" dirty="0"/>
-          </a:p>
-          <a:p>
-            <a:pPr marL="171450" indent="-171450">
-              <a:lnSpc>
-                <a:spcPct val="90000"/>
-              </a:lnSpc>
-              <a:buFont typeface="Arial" panose="020B0604020202020204" pitchFamily="34" charset="0"/>
-              <a:buChar char="•"/>
-            </a:pPr>
-            <a:r>
-              <a:rPr lang="fi-FI" sz="1200" dirty="0" err="1"/>
-              <a:t>winddirection;sdev_winddirection</a:t>
-            </a:r>
-            <a:endParaRPr lang="fi-FI" sz="1200" dirty="0"/>
-          </a:p>
-          <a:p>
-            <a:pPr marL="171450" indent="-171450">
-              <a:lnSpc>
-                <a:spcPct val="90000"/>
-              </a:lnSpc>
-              <a:buFont typeface="Arial" panose="020B0604020202020204" pitchFamily="34" charset="0"/>
-              <a:buChar char="•"/>
-            </a:pPr>
-            <a:r>
-              <a:rPr lang="fi-FI" sz="1200" dirty="0" err="1"/>
-              <a:t>windspeedms;max_windspeedms</a:t>
-            </a:r>
-            <a:endParaRPr lang="fi-FI" sz="1200" dirty="0"/>
-          </a:p>
-          <a:p>
-            <a:pPr marL="171450" indent="-171450">
-              <a:lnSpc>
-                <a:spcPct val="90000"/>
-              </a:lnSpc>
-              <a:buFont typeface="Arial" panose="020B0604020202020204" pitchFamily="34" charset="0"/>
-              <a:buChar char="•"/>
-            </a:pPr>
-            <a:r>
-              <a:rPr lang="fi-FI" sz="1200" dirty="0" err="1"/>
-              <a:t>windspeedms;min_windspeedms</a:t>
-            </a:r>
-            <a:endParaRPr lang="fi-FI" sz="1200" dirty="0"/>
-          </a:p>
-          <a:p>
-            <a:pPr marL="171450" indent="-171450">
-              <a:lnSpc>
-                <a:spcPct val="90000"/>
-              </a:lnSpc>
-              <a:buFont typeface="Arial" panose="020B0604020202020204" pitchFamily="34" charset="0"/>
-              <a:buChar char="•"/>
-            </a:pPr>
-            <a:r>
-              <a:rPr lang="fi-FI" sz="1200" dirty="0" err="1"/>
-              <a:t>windspeedms;mean_windspeedms</a:t>
-            </a:r>
-            <a:endParaRPr lang="fi-FI" sz="1200" dirty="0"/>
-          </a:p>
-          <a:p>
-            <a:pPr marL="171450" indent="-171450">
-              <a:lnSpc>
-                <a:spcPct val="90000"/>
-              </a:lnSpc>
-              <a:buFont typeface="Arial" panose="020B0604020202020204" pitchFamily="34" charset="0"/>
-              <a:buChar char="•"/>
-            </a:pPr>
-            <a:r>
-              <a:rPr lang="fi-FI" sz="1200" dirty="0" err="1"/>
-              <a:t>windgust;max_windgust</a:t>
-            </a:r>
-            <a:endParaRPr lang="fi-FI" sz="1200" dirty="0"/>
-          </a:p>
-          <a:p>
-            <a:pPr marL="171450" indent="-171450">
-              <a:lnSpc>
-                <a:spcPct val="90000"/>
-              </a:lnSpc>
-              <a:buFont typeface="Arial" panose="020B0604020202020204" pitchFamily="34" charset="0"/>
-              <a:buChar char="•"/>
-            </a:pPr>
-            <a:r>
-              <a:rPr lang="fi-FI" sz="1200" dirty="0" err="1"/>
-              <a:t>windgust;min_windgust</a:t>
-            </a:r>
-            <a:endParaRPr lang="fi-FI" sz="1200" dirty="0"/>
-          </a:p>
-          <a:p>
-            <a:pPr marL="171450" indent="-171450">
-              <a:lnSpc>
-                <a:spcPct val="90000"/>
-              </a:lnSpc>
-              <a:buFont typeface="Arial" panose="020B0604020202020204" pitchFamily="34" charset="0"/>
-              <a:buChar char="•"/>
-            </a:pPr>
-            <a:r>
-              <a:rPr lang="fi-FI" sz="1200" dirty="0" err="1"/>
-              <a:t>windgust;mean_windgust</a:t>
-            </a:r>
-            <a:endParaRPr lang="fi-FI" sz="1200" dirty="0"/>
-          </a:p>
-          <a:p>
-            <a:pPr marL="171450" indent="-171450">
-              <a:lnSpc>
-                <a:spcPct val="90000"/>
-              </a:lnSpc>
-              <a:buFont typeface="Arial" panose="020B0604020202020204" pitchFamily="34" charset="0"/>
-              <a:buChar char="•"/>
-            </a:pPr>
-            <a:r>
-              <a:rPr lang="fi-FI" sz="1200" dirty="0"/>
-              <a:t>PrecipitationInstantTotal;max_precipitation1h</a:t>
-            </a:r>
-          </a:p>
-          <a:p>
-            <a:pPr marL="171450" indent="-171450">
-              <a:lnSpc>
-                <a:spcPct val="90000"/>
-              </a:lnSpc>
-              <a:buFont typeface="Arial" panose="020B0604020202020204" pitchFamily="34" charset="0"/>
-              <a:buChar char="•"/>
-            </a:pPr>
-            <a:r>
-              <a:rPr lang="fi-FI" sz="1200" dirty="0" err="1"/>
-              <a:t>snowdepth;max_snowdepth</a:t>
-            </a:r>
-            <a:endParaRPr lang="fi-FI" sz="1200" dirty="0"/>
-          </a:p>
-          <a:p>
-            <a:pPr marL="171450" indent="-171450">
-              <a:lnSpc>
-                <a:spcPct val="90000"/>
-              </a:lnSpc>
-              <a:buFont typeface="Arial" panose="020B0604020202020204" pitchFamily="34" charset="0"/>
-              <a:buChar char="•"/>
-            </a:pPr>
-            <a:r>
-              <a:rPr lang="fi-FI" sz="1200" dirty="0" err="1"/>
-              <a:t>totalcloudcover;max_n</a:t>
-            </a:r>
-            <a:endParaRPr lang="fi-FI" sz="1200" dirty="0"/>
-          </a:p>
-          <a:p>
-            <a:pPr marL="171450" indent="-171450">
-              <a:lnSpc>
-                <a:spcPct val="90000"/>
-              </a:lnSpc>
-              <a:buFont typeface="Arial" panose="020B0604020202020204" pitchFamily="34" charset="0"/>
-              <a:buChar char="•"/>
-            </a:pPr>
-            <a:r>
-              <a:rPr lang="fi-FI" sz="1200" dirty="0"/>
-              <a:t>visibility2;min_vis</a:t>
-            </a:r>
-          </a:p>
-          <a:p>
-            <a:pPr marL="171450" indent="-171450">
-              <a:lnSpc>
-                <a:spcPct val="90000"/>
-              </a:lnSpc>
-              <a:buFont typeface="Arial" panose="020B0604020202020204" pitchFamily="34" charset="0"/>
-              <a:buChar char="•"/>
-            </a:pPr>
-            <a:r>
-              <a:rPr lang="fi-FI" sz="1200" dirty="0" err="1"/>
-              <a:t>cloudbase;min_clhb</a:t>
-            </a:r>
-            <a:endParaRPr lang="fi-FI" sz="1200" dirty="0"/>
-          </a:p>
-          <a:p>
-            <a:pPr marL="171450" indent="-171450">
-              <a:lnSpc>
-                <a:spcPct val="90000"/>
-              </a:lnSpc>
-              <a:buFont typeface="Arial" panose="020B0604020202020204" pitchFamily="34" charset="0"/>
-              <a:buChar char="•"/>
-            </a:pPr>
-            <a:r>
-              <a:rPr lang="fi-FI" sz="1200" dirty="0" err="1"/>
-              <a:t>flashmultiplicity;flashmultiplicity</a:t>
-            </a:r>
-            <a:endParaRPr lang="fi-FI" sz="1200" dirty="0"/>
           </a:p>
         </p:txBody>
       </p:sp>
     </p:spTree>
     <p:extLst>
       <p:ext uri="{BB962C8B-B14F-4D97-AF65-F5344CB8AC3E}">
-        <p14:creationId xmlns:p14="http://schemas.microsoft.com/office/powerpoint/2010/main" val="1564206700"/>
+        <p14:creationId xmlns:p14="http://schemas.microsoft.com/office/powerpoint/2010/main" val="1896772292"/>
       </p:ext>
     </p:extLst>
   </p:cSld>
@@ -10455,6 +10697,1331 @@
 </file>
 
 <file path=ppt/slides/slide11.xml><?xml version="1.0" encoding="utf-8"?>
+<p:sld xmlns:a="http://schemas.openxmlformats.org/drawingml/2006/main" xmlns:r="http://schemas.openxmlformats.org/officeDocument/2006/relationships" xmlns:p="http://schemas.openxmlformats.org/presentationml/2006/main">
+  <p:cSld>
+    <p:spTree>
+      <p:nvGrpSpPr>
+        <p:cNvPr id="1" name=""/>
+        <p:cNvGrpSpPr/>
+        <p:nvPr/>
+      </p:nvGrpSpPr>
+      <p:grpSpPr>
+        <a:xfrm>
+          <a:off x="0" y="0"/>
+          <a:ext cx="0" cy="0"/>
+          <a:chOff x="0" y="0"/>
+          <a:chExt cx="0" cy="0"/>
+        </a:xfrm>
+      </p:grpSpPr>
+      <p:sp>
+        <p:nvSpPr>
+          <p:cNvPr id="2" name="Title 1"/>
+          <p:cNvSpPr>
+            <a:spLocks noGrp="1"/>
+          </p:cNvSpPr>
+          <p:nvPr>
+            <p:ph type="title"/>
+          </p:nvPr>
+        </p:nvSpPr>
+        <p:spPr>
+          <a:xfrm>
+            <a:off x="642501" y="702248"/>
+            <a:ext cx="7545005" cy="1325563"/>
+          </a:xfrm>
+        </p:spPr>
+        <p:txBody>
+          <a:bodyPr/>
+          <a:lstStyle/>
+          <a:p>
+            <a:r>
+              <a:rPr lang="en-US" b="1">
+                <a:latin typeface="Avenir Black" charset="0"/>
+                <a:ea typeface="Avenir Black" charset="0"/>
+                <a:cs typeface="Avenir Black" charset="0"/>
+              </a:rPr>
+              <a:t>Train, validation and test data</a:t>
+            </a:r>
+            <a:endParaRPr lang="en-US" b="1" dirty="0">
+              <a:latin typeface="Avenir Black" charset="0"/>
+              <a:ea typeface="Avenir Black" charset="0"/>
+              <a:cs typeface="Avenir Black" charset="0"/>
+            </a:endParaRPr>
+          </a:p>
+        </p:txBody>
+      </p:sp>
+      <p:sp>
+        <p:nvSpPr>
+          <p:cNvPr id="3" name="Content Placeholder 2"/>
+          <p:cNvSpPr>
+            <a:spLocks noGrp="1"/>
+          </p:cNvSpPr>
+          <p:nvPr>
+            <p:ph idx="1"/>
+          </p:nvPr>
+        </p:nvSpPr>
+        <p:spPr>
+          <a:xfrm>
+            <a:off x="642502" y="1663403"/>
+            <a:ext cx="5484866" cy="4178857"/>
+          </a:xfrm>
+        </p:spPr>
+        <p:txBody>
+          <a:bodyPr>
+            <a:normAutofit/>
+          </a:bodyPr>
+          <a:lstStyle/>
+          <a:p>
+            <a:pPr marL="198000" indent="-198000">
+              <a:lnSpc>
+                <a:spcPct val="130000"/>
+              </a:lnSpc>
+            </a:pPr>
+            <a:r>
+              <a:rPr lang="fi-FI" sz="2000" dirty="0" err="1">
+                <a:solidFill>
+                  <a:schemeClr val="bg2">
+                    <a:lumMod val="50000"/>
+                  </a:schemeClr>
+                </a:solidFill>
+                <a:latin typeface="Avenir Book" charset="0"/>
+                <a:ea typeface="Avenir Book" charset="0"/>
+                <a:cs typeface="Avenir Book" charset="0"/>
+              </a:rPr>
+              <a:t>Separated</a:t>
+            </a:r>
+            <a:r>
+              <a:rPr lang="fi-FI" sz="2000" dirty="0">
+                <a:solidFill>
+                  <a:schemeClr val="bg2">
+                    <a:lumMod val="50000"/>
+                  </a:schemeClr>
+                </a:solidFill>
+                <a:latin typeface="Avenir Book" charset="0"/>
+                <a:ea typeface="Avenir Book" charset="0"/>
+                <a:cs typeface="Avenir Book" charset="0"/>
+              </a:rPr>
+              <a:t> </a:t>
+            </a:r>
+            <a:r>
+              <a:rPr lang="fi-FI" sz="2000" dirty="0" err="1">
+                <a:solidFill>
+                  <a:schemeClr val="bg2">
+                    <a:lumMod val="50000"/>
+                  </a:schemeClr>
+                </a:solidFill>
+                <a:latin typeface="Avenir Book" charset="0"/>
+                <a:ea typeface="Avenir Book" charset="0"/>
+                <a:cs typeface="Avenir Book" charset="0"/>
+              </a:rPr>
+              <a:t>three</a:t>
+            </a:r>
+            <a:r>
+              <a:rPr lang="fi-FI" sz="2000" dirty="0">
+                <a:solidFill>
+                  <a:schemeClr val="bg2">
+                    <a:lumMod val="50000"/>
+                  </a:schemeClr>
+                </a:solidFill>
+                <a:latin typeface="Avenir Book" charset="0"/>
+                <a:ea typeface="Avenir Book" charset="0"/>
+                <a:cs typeface="Avenir Book" charset="0"/>
+              </a:rPr>
+              <a:t> </a:t>
+            </a:r>
+            <a:r>
+              <a:rPr lang="fi-FI" sz="2000" dirty="0" err="1">
+                <a:solidFill>
+                  <a:schemeClr val="bg2">
+                    <a:lumMod val="50000"/>
+                  </a:schemeClr>
+                </a:solidFill>
+                <a:latin typeface="Avenir Book" charset="0"/>
+                <a:ea typeface="Avenir Book" charset="0"/>
+                <a:cs typeface="Avenir Book" charset="0"/>
+              </a:rPr>
+              <a:t>selected</a:t>
+            </a:r>
+            <a:r>
+              <a:rPr lang="fi-FI" sz="2000" dirty="0">
+                <a:solidFill>
+                  <a:schemeClr val="bg2">
+                    <a:lumMod val="50000"/>
+                  </a:schemeClr>
+                </a:solidFill>
+                <a:latin typeface="Avenir Book" charset="0"/>
+                <a:ea typeface="Avenir Book" charset="0"/>
+                <a:cs typeface="Avenir Book" charset="0"/>
+              </a:rPr>
+              <a:t> </a:t>
+            </a:r>
+            <a:r>
+              <a:rPr lang="fi-FI" sz="2000" dirty="0" err="1">
+                <a:solidFill>
+                  <a:schemeClr val="bg2">
+                    <a:lumMod val="50000"/>
+                  </a:schemeClr>
+                </a:solidFill>
+                <a:latin typeface="Avenir Book" charset="0"/>
+                <a:ea typeface="Avenir Book" charset="0"/>
+                <a:cs typeface="Avenir Book" charset="0"/>
+              </a:rPr>
+              <a:t>months</a:t>
+            </a:r>
+            <a:r>
+              <a:rPr lang="fi-FI" sz="2000" dirty="0">
+                <a:solidFill>
+                  <a:schemeClr val="bg2">
+                    <a:lumMod val="50000"/>
+                  </a:schemeClr>
+                </a:solidFill>
+                <a:latin typeface="Avenir Book" charset="0"/>
+                <a:ea typeface="Avenir Book" charset="0"/>
+                <a:cs typeface="Avenir Book" charset="0"/>
+              </a:rPr>
+              <a:t> for </a:t>
+            </a:r>
+            <a:r>
+              <a:rPr lang="fi-FI" sz="2000" dirty="0" err="1">
+                <a:solidFill>
+                  <a:schemeClr val="bg2">
+                    <a:lumMod val="50000"/>
+                  </a:schemeClr>
+                </a:solidFill>
+                <a:latin typeface="Avenir Book" charset="0"/>
+                <a:ea typeface="Avenir Book" charset="0"/>
+                <a:cs typeface="Avenir Book" charset="0"/>
+              </a:rPr>
+              <a:t>testing</a:t>
+            </a:r>
+            <a:r>
+              <a:rPr lang="fi-FI" sz="2000" dirty="0">
+                <a:solidFill>
+                  <a:schemeClr val="bg2">
+                    <a:lumMod val="50000"/>
+                  </a:schemeClr>
+                </a:solidFill>
+                <a:latin typeface="Avenir Book" charset="0"/>
+                <a:ea typeface="Avenir Book" charset="0"/>
+                <a:cs typeface="Avenir Book" charset="0"/>
+              </a:rPr>
+              <a:t> </a:t>
+            </a:r>
+            <a:r>
+              <a:rPr lang="fi-FI" sz="2000" dirty="0" err="1">
+                <a:solidFill>
+                  <a:schemeClr val="bg2">
+                    <a:lumMod val="50000"/>
+                  </a:schemeClr>
+                </a:solidFill>
+                <a:latin typeface="Avenir Book" charset="0"/>
+                <a:ea typeface="Avenir Book" charset="0"/>
+                <a:cs typeface="Avenir Book" charset="0"/>
+              </a:rPr>
+              <a:t>model</a:t>
+            </a:r>
+            <a:r>
+              <a:rPr lang="fi-FI" sz="2000" dirty="0">
+                <a:solidFill>
+                  <a:schemeClr val="bg2">
+                    <a:lumMod val="50000"/>
+                  </a:schemeClr>
+                </a:solidFill>
+                <a:latin typeface="Avenir Book" charset="0"/>
+                <a:ea typeface="Avenir Book" charset="0"/>
+                <a:cs typeface="Avenir Book" charset="0"/>
+              </a:rPr>
+              <a:t> </a:t>
+            </a:r>
+            <a:r>
+              <a:rPr lang="fi-FI" sz="2000" dirty="0" err="1">
+                <a:solidFill>
+                  <a:schemeClr val="bg2">
+                    <a:lumMod val="50000"/>
+                  </a:schemeClr>
+                </a:solidFill>
+                <a:latin typeface="Avenir Book" charset="0"/>
+                <a:ea typeface="Avenir Book" charset="0"/>
+                <a:cs typeface="Avenir Book" charset="0"/>
+              </a:rPr>
+              <a:t>performance</a:t>
+            </a:r>
+            <a:endParaRPr lang="fi-FI" sz="2000" dirty="0">
+              <a:solidFill>
+                <a:schemeClr val="bg2">
+                  <a:lumMod val="50000"/>
+                </a:schemeClr>
+              </a:solidFill>
+              <a:latin typeface="Avenir Book" charset="0"/>
+              <a:ea typeface="Avenir Book" charset="0"/>
+              <a:cs typeface="Avenir Book" charset="0"/>
+            </a:endParaRPr>
+          </a:p>
+          <a:p>
+            <a:pPr marL="198000" indent="-198000">
+              <a:lnSpc>
+                <a:spcPct val="130000"/>
+              </a:lnSpc>
+            </a:pPr>
+            <a:r>
+              <a:rPr lang="en-US" sz="2000" dirty="0">
+                <a:solidFill>
+                  <a:schemeClr val="bg2">
+                    <a:lumMod val="50000"/>
+                  </a:schemeClr>
+                </a:solidFill>
+                <a:latin typeface="Avenir Book" charset="0"/>
+                <a:ea typeface="Avenir Book" charset="0"/>
+                <a:cs typeface="Avenir Book" charset="0"/>
+              </a:rPr>
+              <a:t>Rest of the dataset </a:t>
+            </a:r>
+            <a:r>
+              <a:rPr lang="en-US" sz="2000" dirty="0" err="1">
+                <a:solidFill>
+                  <a:schemeClr val="bg2">
+                    <a:lumMod val="50000"/>
+                  </a:schemeClr>
+                </a:solidFill>
+                <a:latin typeface="Avenir Book" charset="0"/>
+                <a:ea typeface="Avenir Book" charset="0"/>
+                <a:cs typeface="Avenir Book" charset="0"/>
+              </a:rPr>
+              <a:t>splitted</a:t>
+            </a:r>
+            <a:r>
+              <a:rPr lang="en-US" sz="2000" dirty="0">
+                <a:solidFill>
+                  <a:schemeClr val="bg2">
+                    <a:lumMod val="50000"/>
+                  </a:schemeClr>
+                </a:solidFill>
+                <a:latin typeface="Avenir Book" charset="0"/>
+                <a:ea typeface="Avenir Book" charset="0"/>
+                <a:cs typeface="Avenir Book" charset="0"/>
+              </a:rPr>
+              <a:t> randomly to train and validation dataset with ratio 70/30 %</a:t>
+            </a:r>
+          </a:p>
+          <a:p>
+            <a:pPr marL="198000" indent="-198000">
+              <a:lnSpc>
+                <a:spcPct val="130000"/>
+              </a:lnSpc>
+            </a:pPr>
+            <a:endParaRPr lang="en-US" sz="2000" dirty="0">
+              <a:solidFill>
+                <a:schemeClr val="bg2">
+                  <a:lumMod val="50000"/>
+                </a:schemeClr>
+              </a:solidFill>
+              <a:latin typeface="Avenir Book" charset="0"/>
+              <a:ea typeface="Avenir Book" charset="0"/>
+              <a:cs typeface="Avenir Book" charset="0"/>
+            </a:endParaRPr>
+          </a:p>
+          <a:p>
+            <a:pPr>
+              <a:lnSpc>
+                <a:spcPct val="110000"/>
+              </a:lnSpc>
+              <a:buNone/>
+            </a:pPr>
+            <a:endParaRPr lang="en-US" sz="2000" dirty="0">
+              <a:solidFill>
+                <a:schemeClr val="bg2">
+                  <a:lumMod val="50000"/>
+                </a:schemeClr>
+              </a:solidFill>
+              <a:latin typeface="Avenir Book" charset="0"/>
+              <a:ea typeface="Avenir Book" charset="0"/>
+              <a:cs typeface="Avenir Book" charset="0"/>
+            </a:endParaRPr>
+          </a:p>
+          <a:p>
+            <a:pPr>
+              <a:lnSpc>
+                <a:spcPct val="110000"/>
+              </a:lnSpc>
+              <a:buNone/>
+            </a:pPr>
+            <a:endParaRPr lang="en-US" sz="2000" dirty="0">
+              <a:solidFill>
+                <a:schemeClr val="bg2">
+                  <a:lumMod val="50000"/>
+                </a:schemeClr>
+              </a:solidFill>
+              <a:latin typeface="Avenir Book" charset="0"/>
+              <a:ea typeface="Avenir Book" charset="0"/>
+              <a:cs typeface="Avenir Book" charset="0"/>
+            </a:endParaRPr>
+          </a:p>
+          <a:p>
+            <a:pPr marL="198000" indent="-198000">
+              <a:lnSpc>
+                <a:spcPct val="110000"/>
+              </a:lnSpc>
+            </a:pPr>
+            <a:endParaRPr lang="en-US" sz="2000" dirty="0">
+              <a:solidFill>
+                <a:schemeClr val="bg2">
+                  <a:lumMod val="50000"/>
+                </a:schemeClr>
+              </a:solidFill>
+              <a:latin typeface="Avenir Book" charset="0"/>
+              <a:ea typeface="Avenir Book" charset="0"/>
+              <a:cs typeface="Avenir Book" charset="0"/>
+            </a:endParaRPr>
+          </a:p>
+          <a:p>
+            <a:pPr marL="198000" indent="-198000">
+              <a:lnSpc>
+                <a:spcPct val="110000"/>
+              </a:lnSpc>
+            </a:pPr>
+            <a:endParaRPr lang="en-US" sz="2000" dirty="0">
+              <a:solidFill>
+                <a:schemeClr val="bg2">
+                  <a:lumMod val="50000"/>
+                </a:schemeClr>
+              </a:solidFill>
+              <a:latin typeface="Avenir Book" charset="0"/>
+              <a:ea typeface="Avenir Book" charset="0"/>
+              <a:cs typeface="Avenir Book" charset="0"/>
+            </a:endParaRPr>
+          </a:p>
+          <a:p>
+            <a:pPr marL="198000" indent="-198000"/>
+            <a:endParaRPr lang="en-US" sz="2000" dirty="0">
+              <a:latin typeface="Avenir Book" charset="0"/>
+              <a:ea typeface="Avenir Book" charset="0"/>
+              <a:cs typeface="Avenir Book" charset="0"/>
+            </a:endParaRPr>
+          </a:p>
+        </p:txBody>
+      </p:sp>
+      <p:sp>
+        <p:nvSpPr>
+          <p:cNvPr id="5" name="Footer Placeholder 4"/>
+          <p:cNvSpPr>
+            <a:spLocks noGrp="1"/>
+          </p:cNvSpPr>
+          <p:nvPr>
+            <p:ph type="ftr" sz="quarter" idx="11"/>
+          </p:nvPr>
+        </p:nvSpPr>
+        <p:spPr>
+          <a:xfrm>
+            <a:off x="3279259" y="6356352"/>
+            <a:ext cx="3341132" cy="365125"/>
+          </a:xfrm>
+        </p:spPr>
+        <p:txBody>
+          <a:bodyPr/>
+          <a:lstStyle/>
+          <a:p>
+            <a:r>
+              <a:rPr lang="fi-FI"/>
+              <a:t>Finnish Meteorological Institute</a:t>
+            </a:r>
+            <a:endParaRPr lang="fi-FI" dirty="0"/>
+          </a:p>
+        </p:txBody>
+      </p:sp>
+      <p:pic>
+        <p:nvPicPr>
+          <p:cNvPr id="10" name="Picture 9">
+            <a:extLst>
+              <a:ext uri="{FF2B5EF4-FFF2-40B4-BE49-F238E27FC236}">
+                <a16:creationId xmlns:a16="http://schemas.microsoft.com/office/drawing/2014/main" id="{B5F702CA-BC64-B444-BE45-72988960056D}"/>
+              </a:ext>
+            </a:extLst>
+          </p:cNvPr>
+          <p:cNvPicPr>
+            <a:picLocks noChangeAspect="1"/>
+          </p:cNvPicPr>
+          <p:nvPr/>
+        </p:nvPicPr>
+        <p:blipFill>
+          <a:blip r:embed="rId3">
+            <a:extLst>
+              <a:ext uri="{28A0092B-C50C-407E-A947-70E740481C1C}">
+                <a14:useLocalDpi xmlns:a14="http://schemas.microsoft.com/office/drawing/2010/main" val="0"/>
+              </a:ext>
+            </a:extLst>
+          </a:blip>
+          <a:stretch>
+            <a:fillRect/>
+          </a:stretch>
+        </p:blipFill>
+        <p:spPr>
+          <a:xfrm>
+            <a:off x="642501" y="4141107"/>
+            <a:ext cx="3814131" cy="1871467"/>
+          </a:xfrm>
+          <a:prstGeom prst="rect">
+            <a:avLst/>
+          </a:prstGeom>
+        </p:spPr>
+      </p:pic>
+      <p:pic>
+        <p:nvPicPr>
+          <p:cNvPr id="13" name="Picture 12">
+            <a:extLst>
+              <a:ext uri="{FF2B5EF4-FFF2-40B4-BE49-F238E27FC236}">
+                <a16:creationId xmlns:a16="http://schemas.microsoft.com/office/drawing/2014/main" id="{9D07B90F-5886-9E43-925C-2B264612EBB3}"/>
+              </a:ext>
+            </a:extLst>
+          </p:cNvPr>
+          <p:cNvPicPr>
+            <a:picLocks noChangeAspect="1"/>
+          </p:cNvPicPr>
+          <p:nvPr/>
+        </p:nvPicPr>
+        <p:blipFill>
+          <a:blip r:embed="rId4">
+            <a:extLst>
+              <a:ext uri="{28A0092B-C50C-407E-A947-70E740481C1C}">
+                <a14:useLocalDpi xmlns:a14="http://schemas.microsoft.com/office/drawing/2010/main" val="0"/>
+              </a:ext>
+            </a:extLst>
+          </a:blip>
+          <a:stretch>
+            <a:fillRect/>
+          </a:stretch>
+        </p:blipFill>
+        <p:spPr>
+          <a:xfrm>
+            <a:off x="5067292" y="4157764"/>
+            <a:ext cx="3814131" cy="1854609"/>
+          </a:xfrm>
+          <a:prstGeom prst="rect">
+            <a:avLst/>
+          </a:prstGeom>
+        </p:spPr>
+      </p:pic>
+      <p:pic>
+        <p:nvPicPr>
+          <p:cNvPr id="15" name="Picture 14">
+            <a:extLst>
+              <a:ext uri="{FF2B5EF4-FFF2-40B4-BE49-F238E27FC236}">
+                <a16:creationId xmlns:a16="http://schemas.microsoft.com/office/drawing/2014/main" id="{07033707-BAB0-094E-AAD2-FECEF87DDD36}"/>
+              </a:ext>
+            </a:extLst>
+          </p:cNvPr>
+          <p:cNvPicPr>
+            <a:picLocks noChangeAspect="1"/>
+          </p:cNvPicPr>
+          <p:nvPr/>
+        </p:nvPicPr>
+        <p:blipFill>
+          <a:blip r:embed="rId5">
+            <a:extLst>
+              <a:ext uri="{28A0092B-C50C-407E-A947-70E740481C1C}">
+                <a14:useLocalDpi xmlns:a14="http://schemas.microsoft.com/office/drawing/2010/main" val="0"/>
+              </a:ext>
+            </a:extLst>
+          </a:blip>
+          <a:stretch>
+            <a:fillRect/>
+          </a:stretch>
+        </p:blipFill>
+        <p:spPr>
+          <a:xfrm>
+            <a:off x="6127367" y="1663403"/>
+            <a:ext cx="3772283" cy="1839156"/>
+          </a:xfrm>
+          <a:prstGeom prst="rect">
+            <a:avLst/>
+          </a:prstGeom>
+        </p:spPr>
+      </p:pic>
+      <p:sp>
+        <p:nvSpPr>
+          <p:cNvPr id="16" name="TextBox 15">
+            <a:extLst>
+              <a:ext uri="{FF2B5EF4-FFF2-40B4-BE49-F238E27FC236}">
+                <a16:creationId xmlns:a16="http://schemas.microsoft.com/office/drawing/2014/main" id="{E759AC49-7817-074C-A2B5-5FC2680C5EEC}"/>
+              </a:ext>
+            </a:extLst>
+          </p:cNvPr>
+          <p:cNvSpPr txBox="1"/>
+          <p:nvPr/>
+        </p:nvSpPr>
+        <p:spPr>
+          <a:xfrm>
+            <a:off x="8881423" y="1855210"/>
+            <a:ext cx="1018227" cy="369332"/>
+          </a:xfrm>
+          <a:prstGeom prst="rect">
+            <a:avLst/>
+          </a:prstGeom>
+          <a:noFill/>
+        </p:spPr>
+        <p:txBody>
+          <a:bodyPr wrap="none" rtlCol="0">
+            <a:spAutoFit/>
+          </a:bodyPr>
+          <a:lstStyle/>
+          <a:p>
+            <a:r>
+              <a:rPr lang="fi-FI" dirty="0">
+                <a:solidFill>
+                  <a:schemeClr val="bg2">
+                    <a:lumMod val="50000"/>
+                  </a:schemeClr>
+                </a:solidFill>
+              </a:rPr>
+              <a:t>02/2017</a:t>
+            </a:r>
+          </a:p>
+        </p:txBody>
+      </p:sp>
+      <p:sp>
+        <p:nvSpPr>
+          <p:cNvPr id="17" name="TextBox 16">
+            <a:extLst>
+              <a:ext uri="{FF2B5EF4-FFF2-40B4-BE49-F238E27FC236}">
+                <a16:creationId xmlns:a16="http://schemas.microsoft.com/office/drawing/2014/main" id="{E6E39A29-7534-C54B-B633-3E3350ABC7F1}"/>
+              </a:ext>
+            </a:extLst>
+          </p:cNvPr>
+          <p:cNvSpPr txBox="1"/>
+          <p:nvPr/>
+        </p:nvSpPr>
+        <p:spPr>
+          <a:xfrm>
+            <a:off x="7169278" y="4124249"/>
+            <a:ext cx="1018227" cy="369332"/>
+          </a:xfrm>
+          <a:prstGeom prst="rect">
+            <a:avLst/>
+          </a:prstGeom>
+          <a:noFill/>
+        </p:spPr>
+        <p:txBody>
+          <a:bodyPr wrap="none" rtlCol="0">
+            <a:spAutoFit/>
+          </a:bodyPr>
+          <a:lstStyle/>
+          <a:p>
+            <a:r>
+              <a:rPr lang="fi-FI" dirty="0">
+                <a:solidFill>
+                  <a:schemeClr val="bg2">
+                    <a:lumMod val="50000"/>
+                  </a:schemeClr>
+                </a:solidFill>
+              </a:rPr>
+              <a:t>06/2016</a:t>
+            </a:r>
+          </a:p>
+        </p:txBody>
+      </p:sp>
+      <p:sp>
+        <p:nvSpPr>
+          <p:cNvPr id="19" name="TextBox 18">
+            <a:extLst>
+              <a:ext uri="{FF2B5EF4-FFF2-40B4-BE49-F238E27FC236}">
+                <a16:creationId xmlns:a16="http://schemas.microsoft.com/office/drawing/2014/main" id="{45047AD9-9A5E-1C4B-99DB-7B52DB0CDF48}"/>
+              </a:ext>
+            </a:extLst>
+          </p:cNvPr>
+          <p:cNvSpPr txBox="1"/>
+          <p:nvPr/>
+        </p:nvSpPr>
+        <p:spPr>
+          <a:xfrm>
+            <a:off x="3037204" y="4124249"/>
+            <a:ext cx="1001108" cy="369332"/>
+          </a:xfrm>
+          <a:prstGeom prst="rect">
+            <a:avLst/>
+          </a:prstGeom>
+          <a:noFill/>
+        </p:spPr>
+        <p:txBody>
+          <a:bodyPr wrap="none" rtlCol="0">
+            <a:spAutoFit/>
+          </a:bodyPr>
+          <a:lstStyle/>
+          <a:p>
+            <a:r>
+              <a:rPr lang="fi-FI" dirty="0">
+                <a:solidFill>
+                  <a:schemeClr val="bg2">
+                    <a:lumMod val="50000"/>
+                  </a:schemeClr>
+                </a:solidFill>
+              </a:rPr>
+              <a:t>02/2011</a:t>
+            </a:r>
+          </a:p>
+        </p:txBody>
+      </p:sp>
+    </p:spTree>
+    <p:extLst>
+      <p:ext uri="{BB962C8B-B14F-4D97-AF65-F5344CB8AC3E}">
+        <p14:creationId xmlns:p14="http://schemas.microsoft.com/office/powerpoint/2010/main" val="3869177956"/>
+      </p:ext>
+    </p:extLst>
+  </p:cSld>
+  <p:clrMapOvr>
+    <a:masterClrMapping/>
+  </p:clrMapOvr>
+</p:sld>
+</file>
+
+<file path=ppt/slides/slide12.xml><?xml version="1.0" encoding="utf-8"?>
+<p:sld xmlns:a="http://schemas.openxmlformats.org/drawingml/2006/main" xmlns:r="http://schemas.openxmlformats.org/officeDocument/2006/relationships" xmlns:p="http://schemas.openxmlformats.org/presentationml/2006/main">
+  <p:cSld>
+    <p:spTree>
+      <p:nvGrpSpPr>
+        <p:cNvPr id="1" name=""/>
+        <p:cNvGrpSpPr/>
+        <p:nvPr/>
+      </p:nvGrpSpPr>
+      <p:grpSpPr>
+        <a:xfrm>
+          <a:off x="0" y="0"/>
+          <a:ext cx="0" cy="0"/>
+          <a:chOff x="0" y="0"/>
+          <a:chExt cx="0" cy="0"/>
+        </a:xfrm>
+      </p:grpSpPr>
+      <p:sp>
+        <p:nvSpPr>
+          <p:cNvPr id="2" name="Title 1"/>
+          <p:cNvSpPr>
+            <a:spLocks noGrp="1"/>
+          </p:cNvSpPr>
+          <p:nvPr>
+            <p:ph type="title"/>
+          </p:nvPr>
+        </p:nvSpPr>
+        <p:spPr/>
+        <p:txBody>
+          <a:bodyPr/>
+          <a:lstStyle/>
+          <a:p>
+            <a:r>
+              <a:rPr lang="en-US" b="1" dirty="0">
+                <a:latin typeface="Avenir Black" charset="0"/>
+                <a:ea typeface="Avenir Black" charset="0"/>
+                <a:cs typeface="Avenir Black" charset="0"/>
+              </a:rPr>
+              <a:t>Method</a:t>
+            </a:r>
+          </a:p>
+        </p:txBody>
+      </p:sp>
+      <p:sp>
+        <p:nvSpPr>
+          <p:cNvPr id="3" name="Content Placeholder 2"/>
+          <p:cNvSpPr>
+            <a:spLocks noGrp="1"/>
+          </p:cNvSpPr>
+          <p:nvPr>
+            <p:ph idx="1"/>
+          </p:nvPr>
+        </p:nvSpPr>
+        <p:spPr>
+          <a:xfrm>
+            <a:off x="642501" y="1663403"/>
+            <a:ext cx="8599095" cy="4242814"/>
+          </a:xfrm>
+        </p:spPr>
+        <p:txBody>
+          <a:bodyPr>
+            <a:normAutofit/>
+          </a:bodyPr>
+          <a:lstStyle/>
+          <a:p>
+            <a:pPr marL="198000" indent="-198000">
+              <a:lnSpc>
+                <a:spcPct val="110000"/>
+              </a:lnSpc>
+            </a:pPr>
+            <a:r>
+              <a:rPr lang="en-US" dirty="0">
+                <a:solidFill>
+                  <a:schemeClr val="bg2">
+                    <a:lumMod val="50000"/>
+                  </a:schemeClr>
+                </a:solidFill>
+                <a:latin typeface="Avenir Book" charset="0"/>
+                <a:ea typeface="Avenir Book" charset="0"/>
+                <a:cs typeface="Avenir Book" charset="0"/>
+              </a:rPr>
+              <a:t>Few different ML methods considered</a:t>
+            </a:r>
+          </a:p>
+          <a:p>
+            <a:pPr marL="883800" lvl="1" indent="-198000">
+              <a:lnSpc>
+                <a:spcPct val="110000"/>
+              </a:lnSpc>
+            </a:pPr>
+            <a:r>
+              <a:rPr lang="en-US" dirty="0">
+                <a:solidFill>
+                  <a:schemeClr val="bg2">
+                    <a:lumMod val="50000"/>
+                  </a:schemeClr>
+                </a:solidFill>
+                <a:latin typeface="Avenir Book" charset="0"/>
+                <a:ea typeface="Avenir Book" charset="0"/>
+                <a:cs typeface="Avenir Book" charset="0"/>
+              </a:rPr>
+              <a:t>LR / RFR / LSTM / other?</a:t>
+            </a:r>
+          </a:p>
+          <a:p>
+            <a:pPr marL="198000" indent="-198000">
+              <a:lnSpc>
+                <a:spcPct val="110000"/>
+              </a:lnSpc>
+            </a:pPr>
+            <a:r>
+              <a:rPr lang="en-US" dirty="0">
+                <a:solidFill>
+                  <a:schemeClr val="bg2">
+                    <a:lumMod val="50000"/>
+                  </a:schemeClr>
+                </a:solidFill>
+                <a:latin typeface="Avenir Book" charset="0"/>
+                <a:ea typeface="Avenir Book" charset="0"/>
+                <a:cs typeface="Avenir Book" charset="0"/>
+              </a:rPr>
+              <a:t>Random search used for finding optimal hyper parameters of LR and RFR</a:t>
+            </a:r>
+          </a:p>
+          <a:p>
+            <a:pPr>
+              <a:lnSpc>
+                <a:spcPct val="110000"/>
+              </a:lnSpc>
+              <a:buNone/>
+            </a:pPr>
+            <a:endParaRPr lang="en-US" dirty="0">
+              <a:solidFill>
+                <a:schemeClr val="bg2">
+                  <a:lumMod val="50000"/>
+                </a:schemeClr>
+              </a:solidFill>
+              <a:latin typeface="Avenir Book" charset="0"/>
+              <a:ea typeface="Avenir Book" charset="0"/>
+              <a:cs typeface="Avenir Book" charset="0"/>
+            </a:endParaRPr>
+          </a:p>
+          <a:p>
+            <a:pPr>
+              <a:lnSpc>
+                <a:spcPct val="110000"/>
+              </a:lnSpc>
+              <a:buNone/>
+            </a:pPr>
+            <a:endParaRPr lang="en-US" dirty="0">
+              <a:solidFill>
+                <a:schemeClr val="bg2">
+                  <a:lumMod val="50000"/>
+                </a:schemeClr>
+              </a:solidFill>
+              <a:latin typeface="Avenir Book" charset="0"/>
+              <a:ea typeface="Avenir Book" charset="0"/>
+              <a:cs typeface="Avenir Book" charset="0"/>
+            </a:endParaRPr>
+          </a:p>
+          <a:p>
+            <a:pPr marL="198000" indent="-198000">
+              <a:lnSpc>
+                <a:spcPct val="110000"/>
+              </a:lnSpc>
+            </a:pPr>
+            <a:endParaRPr lang="en-US" dirty="0">
+              <a:solidFill>
+                <a:schemeClr val="bg2">
+                  <a:lumMod val="50000"/>
+                </a:schemeClr>
+              </a:solidFill>
+              <a:latin typeface="Avenir Book" charset="0"/>
+              <a:ea typeface="Avenir Book" charset="0"/>
+              <a:cs typeface="Avenir Book" charset="0"/>
+            </a:endParaRPr>
+          </a:p>
+          <a:p>
+            <a:pPr marL="198000" indent="-198000">
+              <a:lnSpc>
+                <a:spcPct val="110000"/>
+              </a:lnSpc>
+            </a:pPr>
+            <a:endParaRPr lang="en-US" dirty="0">
+              <a:solidFill>
+                <a:schemeClr val="bg2">
+                  <a:lumMod val="50000"/>
+                </a:schemeClr>
+              </a:solidFill>
+              <a:latin typeface="Avenir Book" charset="0"/>
+              <a:ea typeface="Avenir Book" charset="0"/>
+              <a:cs typeface="Avenir Book" charset="0"/>
+            </a:endParaRPr>
+          </a:p>
+          <a:p>
+            <a:pPr marL="198000" indent="-198000"/>
+            <a:endParaRPr lang="en-US" dirty="0">
+              <a:latin typeface="Avenir Book" charset="0"/>
+              <a:ea typeface="Avenir Book" charset="0"/>
+              <a:cs typeface="Avenir Book" charset="0"/>
+            </a:endParaRPr>
+          </a:p>
+        </p:txBody>
+      </p:sp>
+      <p:sp>
+        <p:nvSpPr>
+          <p:cNvPr id="5" name="Footer Placeholder 4"/>
+          <p:cNvSpPr>
+            <a:spLocks noGrp="1"/>
+          </p:cNvSpPr>
+          <p:nvPr>
+            <p:ph type="ftr" sz="quarter" idx="11"/>
+          </p:nvPr>
+        </p:nvSpPr>
+        <p:spPr/>
+        <p:txBody>
+          <a:bodyPr/>
+          <a:lstStyle/>
+          <a:p>
+            <a:r>
+              <a:rPr lang="fi-FI" dirty="0" err="1"/>
+              <a:t>Finnish</a:t>
+            </a:r>
+            <a:r>
+              <a:rPr lang="fi-FI" dirty="0"/>
+              <a:t> </a:t>
+            </a:r>
+            <a:r>
+              <a:rPr lang="fi-FI" dirty="0" err="1"/>
+              <a:t>Meteorological</a:t>
+            </a:r>
+            <a:r>
+              <a:rPr lang="fi-FI" dirty="0"/>
+              <a:t> Institute</a:t>
+            </a:r>
+          </a:p>
+        </p:txBody>
+      </p:sp>
+      <p:pic>
+        <p:nvPicPr>
+          <p:cNvPr id="4" name="Picture 3"/>
+          <p:cNvPicPr>
+            <a:picLocks noChangeAspect="1"/>
+          </p:cNvPicPr>
+          <p:nvPr/>
+        </p:nvPicPr>
+        <p:blipFill>
+          <a:blip r:embed="rId3">
+            <a:extLst>
+              <a:ext uri="{28A0092B-C50C-407E-A947-70E740481C1C}">
+                <a14:useLocalDpi xmlns:a14="http://schemas.microsoft.com/office/drawing/2010/main" val="0"/>
+              </a:ext>
+            </a:extLst>
+          </a:blip>
+          <a:stretch>
+            <a:fillRect/>
+          </a:stretch>
+        </p:blipFill>
+        <p:spPr>
+          <a:xfrm>
+            <a:off x="7101279" y="0"/>
+            <a:ext cx="1471783" cy="2185817"/>
+          </a:xfrm>
+          <a:prstGeom prst="rect">
+            <a:avLst/>
+          </a:prstGeom>
+        </p:spPr>
+      </p:pic>
+    </p:spTree>
+    <p:extLst>
+      <p:ext uri="{BB962C8B-B14F-4D97-AF65-F5344CB8AC3E}">
+        <p14:creationId xmlns:p14="http://schemas.microsoft.com/office/powerpoint/2010/main" val="2747860322"/>
+      </p:ext>
+    </p:extLst>
+  </p:cSld>
+  <p:clrMapOvr>
+    <a:masterClrMapping/>
+  </p:clrMapOvr>
+</p:sld>
+</file>
+
+<file path=ppt/slides/slide13.xml><?xml version="1.0" encoding="utf-8"?>
+<p:sld xmlns:a="http://schemas.openxmlformats.org/drawingml/2006/main" xmlns:r="http://schemas.openxmlformats.org/officeDocument/2006/relationships" xmlns:p="http://schemas.openxmlformats.org/presentationml/2006/main">
+  <p:cSld>
+    <p:spTree>
+      <p:nvGrpSpPr>
+        <p:cNvPr id="1" name=""/>
+        <p:cNvGrpSpPr/>
+        <p:nvPr/>
+      </p:nvGrpSpPr>
+      <p:grpSpPr>
+        <a:xfrm>
+          <a:off x="0" y="0"/>
+          <a:ext cx="0" cy="0"/>
+          <a:chOff x="0" y="0"/>
+          <a:chExt cx="0" cy="0"/>
+        </a:xfrm>
+      </p:grpSpPr>
+      <p:sp>
+        <p:nvSpPr>
+          <p:cNvPr id="2" name="Title 1"/>
+          <p:cNvSpPr>
+            <a:spLocks noGrp="1"/>
+          </p:cNvSpPr>
+          <p:nvPr>
+            <p:ph type="title"/>
+          </p:nvPr>
+        </p:nvSpPr>
+        <p:spPr/>
+        <p:txBody>
+          <a:bodyPr/>
+          <a:lstStyle/>
+          <a:p>
+            <a:r>
+              <a:rPr lang="en-US" b="1" dirty="0">
+                <a:latin typeface="Avenir Black" charset="0"/>
+                <a:ea typeface="Avenir Black" charset="0"/>
+                <a:cs typeface="Avenir Black" charset="0"/>
+              </a:rPr>
+              <a:t>Tools</a:t>
+            </a:r>
+          </a:p>
+        </p:txBody>
+      </p:sp>
+      <p:sp>
+        <p:nvSpPr>
+          <p:cNvPr id="3" name="Content Placeholder 2"/>
+          <p:cNvSpPr>
+            <a:spLocks noGrp="1"/>
+          </p:cNvSpPr>
+          <p:nvPr>
+            <p:ph idx="1"/>
+          </p:nvPr>
+        </p:nvSpPr>
+        <p:spPr>
+          <a:xfrm>
+            <a:off x="642501" y="1692900"/>
+            <a:ext cx="8599095" cy="4242814"/>
+          </a:xfrm>
+        </p:spPr>
+        <p:txBody>
+          <a:bodyPr>
+            <a:normAutofit/>
+          </a:bodyPr>
+          <a:lstStyle/>
+          <a:p>
+            <a:pPr marL="198000" indent="-198000">
+              <a:lnSpc>
+                <a:spcPct val="110000"/>
+              </a:lnSpc>
+            </a:pPr>
+            <a:r>
+              <a:rPr lang="en-US" dirty="0">
+                <a:solidFill>
+                  <a:schemeClr val="bg2">
+                    <a:lumMod val="50000"/>
+                  </a:schemeClr>
+                </a:solidFill>
+                <a:latin typeface="Avenir Book" charset="0"/>
+                <a:ea typeface="Avenir Book" charset="0"/>
+                <a:cs typeface="Avenir Book" charset="0"/>
+              </a:rPr>
+              <a:t>Labels (train statistics) got as csv</a:t>
+            </a:r>
+          </a:p>
+          <a:p>
+            <a:pPr marL="198000" indent="-198000">
+              <a:lnSpc>
+                <a:spcPct val="110000"/>
+              </a:lnSpc>
+            </a:pPr>
+            <a:r>
+              <a:rPr lang="en-US" dirty="0">
+                <a:solidFill>
+                  <a:schemeClr val="bg2">
+                    <a:lumMod val="50000"/>
+                  </a:schemeClr>
+                </a:solidFill>
+                <a:latin typeface="Avenir Book" charset="0"/>
+                <a:ea typeface="Avenir Book" charset="0"/>
+                <a:cs typeface="Avenir Book" charset="0"/>
+              </a:rPr>
+              <a:t>Features (weather observations) fetched from http data server</a:t>
+            </a:r>
+          </a:p>
+          <a:p>
+            <a:pPr marL="198000" indent="-198000">
+              <a:lnSpc>
+                <a:spcPct val="110000"/>
+              </a:lnSpc>
+            </a:pPr>
+            <a:r>
+              <a:rPr lang="en-US" dirty="0">
+                <a:solidFill>
+                  <a:schemeClr val="bg2">
+                    <a:lumMod val="50000"/>
+                  </a:schemeClr>
+                </a:solidFill>
+                <a:latin typeface="Avenir Book" charset="0"/>
+                <a:ea typeface="Avenir Book" charset="0"/>
+                <a:cs typeface="Avenir Book" charset="0"/>
+              </a:rPr>
+              <a:t>Labels and features stored in Google Big Query </a:t>
+            </a:r>
+          </a:p>
+          <a:p>
+            <a:pPr marL="198000" indent="-198000">
+              <a:lnSpc>
+                <a:spcPct val="110000"/>
+              </a:lnSpc>
+            </a:pPr>
+            <a:r>
+              <a:rPr lang="en-US" dirty="0">
+                <a:solidFill>
+                  <a:schemeClr val="bg2">
+                    <a:lumMod val="50000"/>
+                  </a:schemeClr>
+                </a:solidFill>
+                <a:latin typeface="Avenir Book" charset="0"/>
+                <a:ea typeface="Avenir Book" charset="0"/>
+                <a:cs typeface="Avenir Book" charset="0"/>
+              </a:rPr>
+              <a:t>Prediction model implemented with </a:t>
+            </a:r>
+            <a:r>
+              <a:rPr lang="en-US" dirty="0" err="1">
+                <a:solidFill>
+                  <a:schemeClr val="bg2">
+                    <a:lumMod val="50000"/>
+                  </a:schemeClr>
+                </a:solidFill>
+                <a:latin typeface="Avenir Book" charset="0"/>
+                <a:ea typeface="Avenir Book" charset="0"/>
+                <a:cs typeface="Avenir Book" charset="0"/>
+              </a:rPr>
+              <a:t>SciKit</a:t>
+            </a:r>
+            <a:r>
+              <a:rPr lang="en-US" dirty="0">
+                <a:solidFill>
+                  <a:schemeClr val="bg2">
+                    <a:lumMod val="50000"/>
+                  </a:schemeClr>
+                </a:solidFill>
+                <a:latin typeface="Avenir Book" charset="0"/>
+                <a:ea typeface="Avenir Book" charset="0"/>
+                <a:cs typeface="Avenir Book" charset="0"/>
+              </a:rPr>
+              <a:t> (LR, RFR) and TensorFlow (LSTM)</a:t>
+            </a:r>
+          </a:p>
+          <a:p>
+            <a:pPr marL="198000" indent="-198000">
+              <a:lnSpc>
+                <a:spcPct val="110000"/>
+              </a:lnSpc>
+            </a:pPr>
+            <a:r>
+              <a:rPr lang="en-US" dirty="0">
+                <a:solidFill>
+                  <a:schemeClr val="bg2">
+                    <a:lumMod val="50000"/>
+                  </a:schemeClr>
+                </a:solidFill>
+                <a:latin typeface="Avenir Book" charset="0"/>
+                <a:ea typeface="Avenir Book" charset="0"/>
+                <a:cs typeface="Avenir Book" charset="0"/>
+              </a:rPr>
+              <a:t>Spark used for distribution</a:t>
+            </a:r>
+          </a:p>
+          <a:p>
+            <a:pPr marL="883800" lvl="1" indent="-198000">
+              <a:lnSpc>
+                <a:spcPct val="110000"/>
+              </a:lnSpc>
+            </a:pPr>
+            <a:r>
+              <a:rPr lang="en-US" dirty="0">
+                <a:solidFill>
+                  <a:schemeClr val="bg2">
+                    <a:lumMod val="50000"/>
+                  </a:schemeClr>
+                </a:solidFill>
+                <a:latin typeface="Avenir Book" charset="0"/>
+                <a:ea typeface="Avenir Book" charset="0"/>
+                <a:cs typeface="Avenir Book" charset="0"/>
+              </a:rPr>
+              <a:t>Fetching data</a:t>
+            </a:r>
+          </a:p>
+          <a:p>
+            <a:pPr marL="883800" lvl="1" indent="-198000">
+              <a:lnSpc>
+                <a:spcPct val="110000"/>
+              </a:lnSpc>
+            </a:pPr>
+            <a:r>
+              <a:rPr lang="en-US" dirty="0">
+                <a:solidFill>
+                  <a:schemeClr val="bg2">
+                    <a:lumMod val="50000"/>
+                  </a:schemeClr>
+                </a:solidFill>
+                <a:latin typeface="Avenir Book" charset="0"/>
+                <a:ea typeface="Avenir Book" charset="0"/>
+                <a:cs typeface="Avenir Book" charset="0"/>
+              </a:rPr>
+              <a:t>Possibly also for tuning LSTM</a:t>
+            </a:r>
+          </a:p>
+          <a:p>
+            <a:pPr>
+              <a:lnSpc>
+                <a:spcPct val="110000"/>
+              </a:lnSpc>
+              <a:buNone/>
+            </a:pPr>
+            <a:endParaRPr lang="en-US" dirty="0">
+              <a:solidFill>
+                <a:schemeClr val="bg2">
+                  <a:lumMod val="50000"/>
+                </a:schemeClr>
+              </a:solidFill>
+              <a:latin typeface="Avenir Book" charset="0"/>
+              <a:ea typeface="Avenir Book" charset="0"/>
+              <a:cs typeface="Avenir Book" charset="0"/>
+            </a:endParaRPr>
+          </a:p>
+          <a:p>
+            <a:pPr marL="198000" indent="-198000">
+              <a:lnSpc>
+                <a:spcPct val="110000"/>
+              </a:lnSpc>
+            </a:pPr>
+            <a:endParaRPr lang="en-US" dirty="0">
+              <a:solidFill>
+                <a:schemeClr val="bg2">
+                  <a:lumMod val="50000"/>
+                </a:schemeClr>
+              </a:solidFill>
+              <a:latin typeface="Avenir Book" charset="0"/>
+              <a:ea typeface="Avenir Book" charset="0"/>
+              <a:cs typeface="Avenir Book" charset="0"/>
+            </a:endParaRPr>
+          </a:p>
+          <a:p>
+            <a:pPr marL="198000" indent="-198000">
+              <a:lnSpc>
+                <a:spcPct val="110000"/>
+              </a:lnSpc>
+            </a:pPr>
+            <a:endParaRPr lang="en-US" dirty="0">
+              <a:solidFill>
+                <a:schemeClr val="bg2">
+                  <a:lumMod val="50000"/>
+                </a:schemeClr>
+              </a:solidFill>
+              <a:latin typeface="Avenir Book" charset="0"/>
+              <a:ea typeface="Avenir Book" charset="0"/>
+              <a:cs typeface="Avenir Book" charset="0"/>
+            </a:endParaRPr>
+          </a:p>
+          <a:p>
+            <a:pPr marL="198000" indent="-198000"/>
+            <a:endParaRPr lang="en-US" dirty="0">
+              <a:latin typeface="Avenir Book" charset="0"/>
+              <a:ea typeface="Avenir Book" charset="0"/>
+              <a:cs typeface="Avenir Book" charset="0"/>
+            </a:endParaRPr>
+          </a:p>
+        </p:txBody>
+      </p:sp>
+      <p:sp>
+        <p:nvSpPr>
+          <p:cNvPr id="5" name="Footer Placeholder 4"/>
+          <p:cNvSpPr>
+            <a:spLocks noGrp="1"/>
+          </p:cNvSpPr>
+          <p:nvPr>
+            <p:ph type="ftr" sz="quarter" idx="11"/>
+          </p:nvPr>
+        </p:nvSpPr>
+        <p:spPr/>
+        <p:txBody>
+          <a:bodyPr/>
+          <a:lstStyle/>
+          <a:p>
+            <a:r>
+              <a:rPr lang="fi-FI" dirty="0" err="1"/>
+              <a:t>Finnish</a:t>
+            </a:r>
+            <a:r>
+              <a:rPr lang="fi-FI" dirty="0"/>
+              <a:t> </a:t>
+            </a:r>
+            <a:r>
+              <a:rPr lang="fi-FI" dirty="0" err="1"/>
+              <a:t>Meteorological</a:t>
+            </a:r>
+            <a:r>
+              <a:rPr lang="fi-FI" dirty="0"/>
+              <a:t> Institute</a:t>
+            </a:r>
+          </a:p>
+        </p:txBody>
+      </p:sp>
+      <p:pic>
+        <p:nvPicPr>
+          <p:cNvPr id="4" name="Picture 3"/>
+          <p:cNvPicPr>
+            <a:picLocks noChangeAspect="1"/>
+          </p:cNvPicPr>
+          <p:nvPr/>
+        </p:nvPicPr>
+        <p:blipFill>
+          <a:blip r:embed="rId3">
+            <a:extLst>
+              <a:ext uri="{28A0092B-C50C-407E-A947-70E740481C1C}">
+                <a14:useLocalDpi xmlns:a14="http://schemas.microsoft.com/office/drawing/2010/main" val="0"/>
+              </a:ext>
+            </a:extLst>
+          </a:blip>
+          <a:stretch>
+            <a:fillRect/>
+          </a:stretch>
+        </p:blipFill>
+        <p:spPr>
+          <a:xfrm>
+            <a:off x="7101279" y="0"/>
+            <a:ext cx="1471783" cy="2185817"/>
+          </a:xfrm>
+          <a:prstGeom prst="rect">
+            <a:avLst/>
+          </a:prstGeom>
+        </p:spPr>
+      </p:pic>
+    </p:spTree>
+    <p:extLst>
+      <p:ext uri="{BB962C8B-B14F-4D97-AF65-F5344CB8AC3E}">
+        <p14:creationId xmlns:p14="http://schemas.microsoft.com/office/powerpoint/2010/main" val="683389539"/>
+      </p:ext>
+    </p:extLst>
+  </p:cSld>
+  <p:clrMapOvr>
+    <a:masterClrMapping/>
+  </p:clrMapOvr>
+</p:sld>
+</file>
+
+<file path=ppt/slides/slide14.xml><?xml version="1.0" encoding="utf-8"?>
 <p:sld xmlns:a="http://schemas.openxmlformats.org/drawingml/2006/main" xmlns:r="http://schemas.openxmlformats.org/officeDocument/2006/relationships" xmlns:p="http://schemas.openxmlformats.org/presentationml/2006/main">
   <p:cSld>
     <p:spTree>
@@ -10752,6 +12319,46 @@
                 <a:cs typeface="Avenir Book" charset="0"/>
               </a:rPr>
               <a:t>Covering Finland</a:t>
+            </a:r>
+          </a:p>
+          <a:p>
+            <a:pPr marL="198000" indent="-198000">
+              <a:lnSpc>
+                <a:spcPct val="110000"/>
+              </a:lnSpc>
+            </a:pPr>
+            <a:r>
+              <a:rPr lang="en-US" dirty="0">
+                <a:solidFill>
+                  <a:schemeClr val="bg2">
+                    <a:lumMod val="50000"/>
+                  </a:schemeClr>
+                </a:solidFill>
+                <a:latin typeface="Avenir Book" charset="0"/>
+                <a:ea typeface="Avenir Book" charset="0"/>
+                <a:cs typeface="Avenir Book" charset="0"/>
+              </a:rPr>
+              <a:t>Problem restricted strictly to weather – delays of other trains are not considered in prediction</a:t>
+            </a:r>
+          </a:p>
+          <a:p>
+            <a:pPr marL="883800" lvl="1" indent="-198000">
+              <a:lnSpc>
+                <a:spcPct val="110000"/>
+              </a:lnSpc>
+            </a:pPr>
+            <a:r>
+              <a:rPr lang="en-US" dirty="0">
+                <a:solidFill>
+                  <a:schemeClr val="bg2">
+                    <a:lumMod val="50000"/>
+                  </a:schemeClr>
+                </a:solidFill>
+                <a:latin typeface="Avenir Book" charset="0"/>
+                <a:ea typeface="Avenir Book" charset="0"/>
+                <a:cs typeface="Avenir Book" charset="0"/>
+              </a:rPr>
+              <a:t>Clients are about to get new online train delay forecasting system</a:t>
             </a:r>
           </a:p>
           <a:p>
@@ -11043,7 +12650,7 @@
                 <a:ea typeface="Avenir Black" charset="0"/>
                 <a:cs typeface="Avenir Black" charset="0"/>
               </a:rPr>
-              <a:t>Method</a:t>
+              <a:t>Label Data</a:t>
             </a:r>
           </a:p>
         </p:txBody>
@@ -11066,13 +12673,13 @@
         </p:spPr>
         <p:txBody>
           <a:bodyPr>
-            <a:normAutofit fontScale="85000" lnSpcReduction="20000"/>
+            <a:normAutofit/>
           </a:bodyPr>
           <a:lstStyle/>
           <a:p>
             <a:pPr marL="198000" indent="-198000">
               <a:lnSpc>
-                <a:spcPct val="110000"/>
+                <a:spcPct val="130000"/>
               </a:lnSpc>
             </a:pPr>
             <a:r>
@@ -11086,13 +12693,13 @@
                 <a:ea typeface="Avenir Book" charset="0"/>
                 <a:cs typeface="Avenir Book" charset="0"/>
               </a:rPr>
-              <a:t>Few different ML methods considered</a:t>
+              <a:t>Possible labels for training</a:t>
             </a:r>
           </a:p>
           <a:p>
             <a:pPr marL="883800" lvl="1" indent="-198000">
               <a:lnSpc>
-                <a:spcPct val="110000"/>
+                <a:spcPct val="130000"/>
               </a:lnSpc>
             </a:pPr>
             <a:r>
@@ -11106,13 +12713,13 @@
                 <a:ea typeface="Avenir Book" charset="0"/>
                 <a:cs typeface="Avenir Book" charset="0"/>
               </a:rPr>
-              <a:t>…</a:t>
-            </a:r>
-          </a:p>
-          <a:p>
-            <a:pPr marL="198000" indent="-198000">
+              <a:t>Trains delayed between stations</a:t>
+            </a:r>
+          </a:p>
+          <a:p>
+            <a:pPr marL="883800" lvl="1" indent="-198000">
               <a:lnSpc>
-                <a:spcPct val="110000"/>
+                <a:spcPct val="130000"/>
               </a:lnSpc>
             </a:pPr>
             <a:r>
@@ -11126,16 +12733,9 @@
                 <a:ea typeface="Avenir Book" charset="0"/>
                 <a:cs typeface="Avenir Book" charset="0"/>
               </a:rPr>
-              <a:t>Features for training: </a:t>
-            </a:r>
-          </a:p>
-          <a:p>
-            <a:pPr marL="883800" lvl="1" indent="-198000">
-              <a:lnSpc>
-                <a:spcPct val="110000"/>
-              </a:lnSpc>
-            </a:pPr>
-            <a:r>
+              <a:t>Trains delayed at end station of the route </a:t>
+            </a:r>
+            <a:br>
               <a:rPr lang="en-US" dirty="0">
                 <a:solidFill>
                   <a:schemeClr val="bg2">
@@ -11146,15 +12746,7 @@
                 <a:ea typeface="Avenir Book" charset="0"/>
                 <a:cs typeface="Avenir Book" charset="0"/>
               </a:rPr>
-              <a:t>28 weather observation parameters near train stations</a:t>
-            </a:r>
-          </a:p>
-          <a:p>
-            <a:pPr marL="198000" indent="-198000">
-              <a:lnSpc>
-                <a:spcPct val="110000"/>
-              </a:lnSpc>
-            </a:pPr>
+            </a:br>
             <a:r>
               <a:rPr lang="en-US" dirty="0">
                 <a:solidFill>
@@ -11166,290 +12758,48 @@
                 <a:ea typeface="Avenir Book" charset="0"/>
                 <a:cs typeface="Avenir Book" charset="0"/>
               </a:rPr>
-              <a:t>Possible labels for training</a:t>
+              <a:t>(minutes reported to every station to time stamp when train passed the station)</a:t>
             </a:r>
           </a:p>
           <a:p>
             <a:pPr marL="883800" lvl="1" indent="-198000">
               <a:lnSpc>
-                <a:spcPct val="110000"/>
+                <a:spcPct val="130000"/>
               </a:lnSpc>
             </a:pPr>
             <a:r>
               <a:rPr lang="en-US" dirty="0">
                 <a:solidFill>
                   <a:schemeClr val="bg2">
-                    <a:lumMod val="50000"/>
+                    <a:lumMod val="75000"/>
                   </a:schemeClr>
                 </a:solidFill>
                 <a:latin typeface="Avenir Book" charset="0"/>
                 <a:ea typeface="Avenir Book" charset="0"/>
                 <a:cs typeface="Avenir Book" charset="0"/>
               </a:rPr>
-              <a:t>Total minutes summed from all trains:</a:t>
-            </a:r>
-          </a:p>
-          <a:p>
-            <a:pPr marL="1341000" lvl="2" indent="-198000">
+              <a:t>Trains delayed at whole route calculated from all stations</a:t>
+            </a:r>
+          </a:p>
+          <a:p>
+            <a:pPr marL="883800" lvl="1" indent="-198000">
               <a:lnSpc>
-                <a:spcPct val="110000"/>
+                <a:spcPct val="130000"/>
               </a:lnSpc>
             </a:pPr>
             <a:r>
               <a:rPr lang="en-US" dirty="0">
                 <a:solidFill>
                   <a:schemeClr val="bg2">
-                    <a:lumMod val="50000"/>
+                    <a:lumMod val="75000"/>
                   </a:schemeClr>
                 </a:solidFill>
                 <a:latin typeface="Avenir Book" charset="0"/>
                 <a:ea typeface="Avenir Book" charset="0"/>
                 <a:cs typeface="Avenir Book" charset="0"/>
               </a:rPr>
-              <a:t>Trains delayed between stations</a:t>
-            </a:r>
-          </a:p>
-          <a:p>
-            <a:pPr marL="1341000" lvl="2" indent="-198000">
-              <a:lnSpc>
-                <a:spcPct val="110000"/>
-              </a:lnSpc>
-            </a:pPr>
-            <a:r>
-              <a:rPr lang="en-US" dirty="0">
-                <a:solidFill>
-                  <a:schemeClr val="bg2">
-                    <a:lumMod val="50000"/>
-                  </a:schemeClr>
-                </a:solidFill>
-                <a:latin typeface="Avenir Book" charset="0"/>
-                <a:ea typeface="Avenir Book" charset="0"/>
-                <a:cs typeface="Avenir Book" charset="0"/>
-              </a:rPr>
-              <a:t>Trains running late at every station</a:t>
-            </a:r>
-          </a:p>
-          <a:p>
-            <a:pPr marL="1341000" lvl="2" indent="-198000">
-              <a:lnSpc>
-                <a:spcPct val="110000"/>
-              </a:lnSpc>
-            </a:pPr>
-            <a:r>
-              <a:rPr lang="en-US" dirty="0">
-                <a:solidFill>
-                  <a:schemeClr val="bg2">
-                    <a:lumMod val="50000"/>
-                  </a:schemeClr>
-                </a:solidFill>
-                <a:latin typeface="Avenir Book" charset="0"/>
-                <a:ea typeface="Avenir Book" charset="0"/>
-                <a:cs typeface="Avenir Book" charset="0"/>
-              </a:rPr>
-              <a:t>(Trains delayed at whole route calculated from all stations</a:t>
-            </a:r>
-          </a:p>
-          <a:p>
-            <a:pPr marL="1341000" lvl="2" indent="-198000">
-              <a:lnSpc>
-                <a:spcPct val="110000"/>
-              </a:lnSpc>
-            </a:pPr>
-            <a:r>
-              <a:rPr lang="en-US" dirty="0">
-                <a:solidFill>
-                  <a:schemeClr val="bg2">
-                    <a:lumMod val="50000"/>
-                  </a:schemeClr>
-                </a:solidFill>
-                <a:latin typeface="Avenir Book" charset="0"/>
-                <a:ea typeface="Avenir Book" charset="0"/>
-                <a:cs typeface="Avenir Book" charset="0"/>
-              </a:rPr>
-              <a:t>Trains delayed at whole route calculated from end stations)</a:t>
-            </a:r>
-          </a:p>
-          <a:p>
-            <a:pPr marL="198000" indent="-198000">
-              <a:lnSpc>
-                <a:spcPct val="110000"/>
-              </a:lnSpc>
-            </a:pPr>
-            <a:r>
-              <a:rPr lang="en-US" dirty="0">
-                <a:solidFill>
-                  <a:schemeClr val="bg2">
-                    <a:lumMod val="50000"/>
-                  </a:schemeClr>
-                </a:solidFill>
-                <a:latin typeface="Avenir Book" charset="0"/>
-                <a:ea typeface="Avenir Book" charset="0"/>
-                <a:cs typeface="Avenir Book" charset="0"/>
-              </a:rPr>
-              <a:t>Training with data from 2010 to 2018</a:t>
-            </a:r>
-          </a:p>
-          <a:p>
-            <a:pPr marL="883800" lvl="1" indent="-198000">
-              <a:lnSpc>
-                <a:spcPct val="110000"/>
-              </a:lnSpc>
-            </a:pPr>
-            <a:r>
-              <a:rPr lang="fi-FI" dirty="0">
-                <a:solidFill>
-                  <a:schemeClr val="bg2">
-                    <a:lumMod val="50000"/>
-                  </a:schemeClr>
-                </a:solidFill>
-                <a:latin typeface="Avenir Book" charset="0"/>
-                <a:ea typeface="Avenir Book" charset="0"/>
-                <a:cs typeface="Avenir Book" charset="0"/>
-              </a:rPr>
-              <a:t>Training dataset </a:t>
-            </a:r>
-            <a:r>
-              <a:rPr lang="fi-FI" dirty="0" err="1">
-                <a:solidFill>
-                  <a:schemeClr val="bg2">
-                    <a:lumMod val="50000"/>
-                  </a:schemeClr>
-                </a:solidFill>
-                <a:latin typeface="Avenir Book" charset="0"/>
-                <a:ea typeface="Avenir Book" charset="0"/>
-                <a:cs typeface="Avenir Book" charset="0"/>
-              </a:rPr>
-              <a:t>size</a:t>
-            </a:r>
-            <a:r>
-              <a:rPr lang="fi-FI" dirty="0">
-                <a:solidFill>
-                  <a:schemeClr val="bg2">
-                    <a:lumMod val="50000"/>
-                  </a:schemeClr>
-                </a:solidFill>
-                <a:latin typeface="Avenir Book" charset="0"/>
-                <a:ea typeface="Avenir Book" charset="0"/>
-                <a:cs typeface="Avenir Book" charset="0"/>
-              </a:rPr>
-              <a:t>: ~ 30 000 000 </a:t>
-            </a:r>
-            <a:r>
-              <a:rPr lang="fi-FI" dirty="0" err="1">
-                <a:solidFill>
-                  <a:schemeClr val="bg2">
-                    <a:lumMod val="50000"/>
-                  </a:schemeClr>
-                </a:solidFill>
-                <a:latin typeface="Avenir Book" charset="0"/>
-                <a:ea typeface="Avenir Book" charset="0"/>
-                <a:cs typeface="Avenir Book" charset="0"/>
-              </a:rPr>
-              <a:t>rows</a:t>
-            </a:r>
-            <a:endParaRPr lang="en-US" dirty="0">
-              <a:solidFill>
-                <a:schemeClr val="bg2">
-                  <a:lumMod val="50000"/>
-                </a:schemeClr>
-              </a:solidFill>
-              <a:latin typeface="Avenir Book" charset="0"/>
-              <a:ea typeface="Avenir Book" charset="0"/>
-              <a:cs typeface="Avenir Book" charset="0"/>
-            </a:endParaRPr>
-          </a:p>
-          <a:p>
-            <a:pPr marL="198000" indent="-198000">
-              <a:lnSpc>
-                <a:spcPct val="110000"/>
-              </a:lnSpc>
-            </a:pPr>
-            <a:r>
-              <a:rPr lang="en-US" dirty="0">
-                <a:solidFill>
-                  <a:schemeClr val="bg2">
-                    <a:lumMod val="50000"/>
-                  </a:schemeClr>
-                </a:solidFill>
-                <a:latin typeface="Avenir Book" charset="0"/>
-                <a:ea typeface="Avenir Book" charset="0"/>
-                <a:cs typeface="Avenir Book" charset="0"/>
-              </a:rPr>
-              <a:t>Features for prediction</a:t>
-            </a:r>
-          </a:p>
-          <a:p>
-            <a:pPr marL="883800" lvl="1" indent="-198000">
-              <a:lnSpc>
-                <a:spcPct val="110000"/>
-              </a:lnSpc>
-            </a:pPr>
-            <a:r>
-              <a:rPr lang="en-US" dirty="0">
-                <a:solidFill>
-                  <a:schemeClr val="bg2">
-                    <a:lumMod val="50000"/>
-                  </a:schemeClr>
-                </a:solidFill>
-                <a:latin typeface="Avenir Book" charset="0"/>
-                <a:ea typeface="Avenir Book" charset="0"/>
-                <a:cs typeface="Avenir Book" charset="0"/>
-              </a:rPr>
-              <a:t>The same weather parameters as in training fetched from Harmonie numerical weather prediction model</a:t>
-            </a:r>
-          </a:p>
-          <a:p>
-            <a:pPr>
-              <a:lnSpc>
-                <a:spcPct val="110000"/>
-              </a:lnSpc>
-              <a:buNone/>
-            </a:pPr>
-            <a:endParaRPr lang="en-US" dirty="0">
-              <a:solidFill>
-                <a:schemeClr val="bg2">
-                  <a:lumMod val="50000"/>
-                </a:schemeClr>
-              </a:solidFill>
-              <a:latin typeface="Avenir Book" charset="0"/>
-              <a:ea typeface="Avenir Book" charset="0"/>
-              <a:cs typeface="Avenir Book" charset="0"/>
-            </a:endParaRPr>
-          </a:p>
-          <a:p>
-            <a:pPr>
-              <a:lnSpc>
-                <a:spcPct val="110000"/>
-              </a:lnSpc>
-              <a:buNone/>
-            </a:pPr>
-            <a:endParaRPr lang="en-US" dirty="0">
-              <a:solidFill>
-                <a:schemeClr val="bg2">
-                  <a:lumMod val="50000"/>
-                </a:schemeClr>
-              </a:solidFill>
-              <a:latin typeface="Avenir Book" charset="0"/>
-              <a:ea typeface="Avenir Book" charset="0"/>
-              <a:cs typeface="Avenir Book" charset="0"/>
-            </a:endParaRPr>
-          </a:p>
-          <a:p>
-            <a:pPr marL="198000" indent="-198000">
-              <a:lnSpc>
-                <a:spcPct val="110000"/>
-              </a:lnSpc>
-            </a:pPr>
-            <a:endParaRPr lang="en-US" dirty="0">
-              <a:solidFill>
-                <a:schemeClr val="bg2">
-                  <a:lumMod val="50000"/>
-                </a:schemeClr>
-              </a:solidFill>
-              <a:latin typeface="Avenir Book" charset="0"/>
-              <a:ea typeface="Avenir Book" charset="0"/>
-              <a:cs typeface="Avenir Book" charset="0"/>
-            </a:endParaRPr>
+              <a:t>Trains delayed at whole route calculated from end stations</a:t>
+            </a:r>
           </a:p>
           <a:p>
             <a:pPr marL="198000" indent="-198000">
@@ -11572,363 +12922,23 @@
           <a:chExt cx="0" cy="0"/>
         </a:xfrm>
       </p:grpSpPr>
-      <p:sp>
-        <p:nvSpPr>
-          <p:cNvPr id="2" name="Title 1"/>
-          <p:cNvSpPr>
-            <a:spLocks noGrp="1"/>
-          </p:cNvSpPr>
-          <p:nvPr>
-            <p:ph type="title"/>
-          </p:nvPr>
-        </p:nvSpPr>
-        <p:spPr/>
-        <p:txBody>
-          <a:bodyPr/>
-          <a:lstStyle/>
-          <a:p>
-            <a:r>
-              <a:rPr lang="en-US" b="1" dirty="0">
-                <a:latin typeface="Avenir Black" charset="0"/>
-                <a:ea typeface="Avenir Black" charset="0"/>
-                <a:cs typeface="Avenir Black" charset="0"/>
-              </a:rPr>
-              <a:t>Tools</a:t>
-            </a:r>
-          </a:p>
-        </p:txBody>
-      </p:sp>
-      <p:sp>
-        <p:nvSpPr>
-          <p:cNvPr id="3" name="Content Placeholder 2"/>
-          <p:cNvSpPr>
-            <a:spLocks noGrp="1"/>
-          </p:cNvSpPr>
-          <p:nvPr>
-            <p:ph idx="1"/>
-          </p:nvPr>
-        </p:nvSpPr>
-        <p:spPr>
-          <a:xfrm>
-            <a:off x="642501" y="1692900"/>
-            <a:ext cx="8599095" cy="4242814"/>
-          </a:xfrm>
-        </p:spPr>
-        <p:txBody>
-          <a:bodyPr>
-            <a:normAutofit/>
-          </a:bodyPr>
-          <a:lstStyle/>
-          <a:p>
-            <a:pPr>
-              <a:lnSpc>
-                <a:spcPct val="110000"/>
-              </a:lnSpc>
-              <a:buNone/>
-            </a:pPr>
-            <a:r>
-              <a:rPr lang="en-US" i="1" dirty="0">
-                <a:solidFill>
-                  <a:schemeClr val="bg2">
-                    <a:lumMod val="50000"/>
-                  </a:schemeClr>
-                </a:solidFill>
-                <a:latin typeface="Avenir Book" charset="0"/>
-                <a:ea typeface="Avenir Book" charset="0"/>
-                <a:cs typeface="Avenir Book" charset="0"/>
-              </a:rPr>
-              <a:t>Following list is highly evolving</a:t>
-            </a:r>
-          </a:p>
-          <a:p>
-            <a:pPr>
-              <a:lnSpc>
-                <a:spcPct val="110000"/>
-              </a:lnSpc>
-              <a:buNone/>
-            </a:pPr>
-            <a:endParaRPr lang="en-US" dirty="0">
-              <a:solidFill>
-                <a:schemeClr val="bg2">
-                  <a:lumMod val="50000"/>
-                </a:schemeClr>
-              </a:solidFill>
-              <a:latin typeface="Avenir Book" charset="0"/>
-              <a:ea typeface="Avenir Book" charset="0"/>
-              <a:cs typeface="Avenir Book" charset="0"/>
-            </a:endParaRPr>
-          </a:p>
-          <a:p>
-            <a:pPr marL="198000" indent="-198000">
-              <a:lnSpc>
-                <a:spcPct val="110000"/>
-              </a:lnSpc>
-            </a:pPr>
-            <a:r>
-              <a:rPr lang="en-US" dirty="0">
-                <a:solidFill>
-                  <a:schemeClr val="bg2">
-                    <a:lumMod val="50000"/>
-                  </a:schemeClr>
-                </a:solidFill>
-                <a:latin typeface="Avenir Book" charset="0"/>
-                <a:ea typeface="Avenir Book" charset="0"/>
-                <a:cs typeface="Avenir Book" charset="0"/>
-              </a:rPr>
-              <a:t>Labels (train statistics) got as csv</a:t>
-            </a:r>
-          </a:p>
-          <a:p>
-            <a:pPr marL="198000" indent="-198000">
-              <a:lnSpc>
-                <a:spcPct val="110000"/>
-              </a:lnSpc>
-            </a:pPr>
-            <a:r>
-              <a:rPr lang="en-US" dirty="0">
-                <a:solidFill>
-                  <a:schemeClr val="bg2">
-                    <a:lumMod val="50000"/>
-                  </a:schemeClr>
-                </a:solidFill>
-                <a:latin typeface="Avenir Book" charset="0"/>
-                <a:ea typeface="Avenir Book" charset="0"/>
-                <a:cs typeface="Avenir Book" charset="0"/>
-              </a:rPr>
-              <a:t>Features (weather observations) fetched from http data server</a:t>
-            </a:r>
-          </a:p>
-          <a:p>
-            <a:pPr marL="198000" indent="-198000">
-              <a:lnSpc>
-                <a:spcPct val="110000"/>
-              </a:lnSpc>
-            </a:pPr>
-            <a:r>
-              <a:rPr lang="en-US" dirty="0">
-                <a:solidFill>
-                  <a:schemeClr val="bg2">
-                    <a:lumMod val="50000"/>
-                  </a:schemeClr>
-                </a:solidFill>
-                <a:latin typeface="Avenir Book" charset="0"/>
-                <a:ea typeface="Avenir Book" charset="0"/>
-                <a:cs typeface="Avenir Book" charset="0"/>
-              </a:rPr>
-              <a:t>Labels and features stored in </a:t>
-            </a:r>
-            <a:r>
-              <a:rPr lang="en-US" dirty="0" err="1">
-                <a:solidFill>
-                  <a:schemeClr val="bg2">
-                    <a:lumMod val="50000"/>
-                  </a:schemeClr>
-                </a:solidFill>
-                <a:latin typeface="Avenir Book" charset="0"/>
-                <a:ea typeface="Avenir Book" charset="0"/>
-                <a:cs typeface="Avenir Book" charset="0"/>
-              </a:rPr>
-              <a:t>PostGIS</a:t>
-            </a:r>
-            <a:r>
-              <a:rPr lang="en-US" dirty="0">
-                <a:solidFill>
-                  <a:schemeClr val="bg2">
-                    <a:lumMod val="50000"/>
-                  </a:schemeClr>
-                </a:solidFill>
-                <a:latin typeface="Avenir Book" charset="0"/>
-                <a:ea typeface="Avenir Book" charset="0"/>
-                <a:cs typeface="Avenir Book" charset="0"/>
-              </a:rPr>
-              <a:t> </a:t>
-            </a:r>
-          </a:p>
-          <a:p>
-            <a:pPr marL="198000" indent="-198000">
-              <a:lnSpc>
-                <a:spcPct val="110000"/>
-              </a:lnSpc>
-            </a:pPr>
-            <a:r>
-              <a:rPr lang="en-US" dirty="0">
-                <a:solidFill>
-                  <a:schemeClr val="bg2">
-                    <a:lumMod val="50000"/>
-                  </a:schemeClr>
-                </a:solidFill>
-                <a:latin typeface="Avenir Book" charset="0"/>
-                <a:ea typeface="Avenir Book" charset="0"/>
-                <a:cs typeface="Avenir Book" charset="0"/>
-              </a:rPr>
-              <a:t>Prediction model implemented with TensorFlow</a:t>
-            </a:r>
-          </a:p>
-          <a:p>
-            <a:pPr marL="198000" indent="-198000">
-              <a:lnSpc>
-                <a:spcPct val="110000"/>
-              </a:lnSpc>
-            </a:pPr>
-            <a:r>
-              <a:rPr lang="en-US" dirty="0">
-                <a:solidFill>
-                  <a:schemeClr val="bg2">
-                    <a:lumMod val="50000"/>
-                  </a:schemeClr>
-                </a:solidFill>
-                <a:latin typeface="Avenir Book" charset="0"/>
-                <a:ea typeface="Avenir Book" charset="0"/>
-                <a:cs typeface="Avenir Book" charset="0"/>
-              </a:rPr>
-              <a:t>Spark used for distribution</a:t>
-            </a:r>
-          </a:p>
-          <a:p>
-            <a:pPr marL="883800" lvl="1" indent="-198000">
-              <a:lnSpc>
-                <a:spcPct val="110000"/>
-              </a:lnSpc>
-            </a:pPr>
-            <a:r>
-              <a:rPr lang="en-US" dirty="0">
-                <a:solidFill>
-                  <a:schemeClr val="bg2">
-                    <a:lumMod val="50000"/>
-                  </a:schemeClr>
-                </a:solidFill>
-                <a:latin typeface="Avenir Book" charset="0"/>
-                <a:ea typeface="Avenir Book" charset="0"/>
-                <a:cs typeface="Avenir Book" charset="0"/>
-              </a:rPr>
-              <a:t>Fetching data</a:t>
-            </a:r>
-          </a:p>
-          <a:p>
-            <a:pPr marL="883800" lvl="1" indent="-198000">
-              <a:lnSpc>
-                <a:spcPct val="110000"/>
-              </a:lnSpc>
-            </a:pPr>
-            <a:r>
-              <a:rPr lang="en-US" dirty="0">
-                <a:solidFill>
-                  <a:schemeClr val="bg2">
-                    <a:lumMod val="50000"/>
-                  </a:schemeClr>
-                </a:solidFill>
-                <a:latin typeface="Avenir Book" charset="0"/>
-                <a:ea typeface="Avenir Book" charset="0"/>
-                <a:cs typeface="Avenir Book" charset="0"/>
-              </a:rPr>
-              <a:t>Possibly also for training</a:t>
-            </a:r>
-          </a:p>
-          <a:p>
-            <a:pPr>
-              <a:lnSpc>
-                <a:spcPct val="110000"/>
-              </a:lnSpc>
-              <a:buNone/>
-            </a:pPr>
-            <a:endParaRPr lang="en-US" dirty="0">
-              <a:solidFill>
-                <a:schemeClr val="bg2">
-                  <a:lumMod val="50000"/>
-                </a:schemeClr>
-              </a:solidFill>
-              <a:latin typeface="Avenir Book" charset="0"/>
-              <a:ea typeface="Avenir Book" charset="0"/>
-              <a:cs typeface="Avenir Book" charset="0"/>
-            </a:endParaRPr>
-          </a:p>
-          <a:p>
-            <a:pPr marL="198000" indent="-198000">
-              <a:lnSpc>
-                <a:spcPct val="110000"/>
-              </a:lnSpc>
-            </a:pPr>
-            <a:endParaRPr lang="en-US" dirty="0">
-              <a:solidFill>
-                <a:schemeClr val="bg2">
-                  <a:lumMod val="50000"/>
-                </a:schemeClr>
-              </a:solidFill>
-              <a:latin typeface="Avenir Book" charset="0"/>
-              <a:ea typeface="Avenir Book" charset="0"/>
-              <a:cs typeface="Avenir Book" charset="0"/>
-            </a:endParaRPr>
-          </a:p>
-          <a:p>
-            <a:pPr marL="198000" indent="-198000">
-              <a:lnSpc>
-                <a:spcPct val="110000"/>
-              </a:lnSpc>
-            </a:pPr>
-            <a:endParaRPr lang="en-US" dirty="0">
-              <a:solidFill>
-                <a:schemeClr val="bg2">
-                  <a:lumMod val="50000"/>
-                </a:schemeClr>
-              </a:solidFill>
-              <a:latin typeface="Avenir Book" charset="0"/>
-              <a:ea typeface="Avenir Book" charset="0"/>
-              <a:cs typeface="Avenir Book" charset="0"/>
-            </a:endParaRPr>
-          </a:p>
-          <a:p>
-            <a:pPr marL="198000" indent="-198000"/>
-            <a:endParaRPr lang="en-US" dirty="0">
-              <a:latin typeface="Avenir Book" charset="0"/>
-              <a:ea typeface="Avenir Book" charset="0"/>
-              <a:cs typeface="Avenir Book" charset="0"/>
-            </a:endParaRPr>
-          </a:p>
-        </p:txBody>
-      </p:sp>
-      <p:sp>
-        <p:nvSpPr>
-          <p:cNvPr id="5" name="Footer Placeholder 4"/>
-          <p:cNvSpPr>
-            <a:spLocks noGrp="1"/>
-          </p:cNvSpPr>
-          <p:nvPr>
-            <p:ph type="ftr" sz="quarter" idx="11"/>
-          </p:nvPr>
-        </p:nvSpPr>
-        <p:spPr/>
-        <p:txBody>
-          <a:bodyPr/>
-          <a:lstStyle/>
-          <a:p>
-            <a:r>
-              <a:rPr lang="fi-FI" dirty="0" err="1"/>
-              <a:t>Finnish</a:t>
-            </a:r>
-            <a:r>
-              <a:rPr lang="fi-FI" dirty="0"/>
-              <a:t> </a:t>
-            </a:r>
-            <a:r>
-              <a:rPr lang="fi-FI" dirty="0" err="1"/>
-              <a:t>Meteorological</a:t>
-            </a:r>
-            <a:r>
-              <a:rPr lang="fi-FI" dirty="0"/>
-              <a:t> Institute</a:t>
-            </a:r>
-          </a:p>
-        </p:txBody>
-      </p:sp>
       <p:pic>
         <p:nvPicPr>
-          <p:cNvPr id="4" name="Picture 3"/>
+          <p:cNvPr id="9" name="Content Placeholder 8">
+            <a:extLst>
+              <a:ext uri="{FF2B5EF4-FFF2-40B4-BE49-F238E27FC236}">
+                <a16:creationId xmlns:a16="http://schemas.microsoft.com/office/drawing/2014/main" id="{AA3F6DD2-F334-DD47-8B33-10BE68BE6234}"/>
+              </a:ext>
+            </a:extLst>
+          </p:cNvPr>
           <p:cNvPicPr>
-            <a:picLocks noChangeAspect="1"/>
+            <a:picLocks noGrp="1" noChangeAspect="1"/>
           </p:cNvPicPr>
-          <p:nvPr/>
+          <p:nvPr>
+            <p:ph idx="1"/>
+          </p:nvPr>
         </p:nvPicPr>
-        <p:blipFill>
+        <p:blipFill rotWithShape="1">
           <a:blip r:embed="rId3">
             <a:extLst>
               <a:ext uri="{28A0092B-C50C-407E-A947-70E740481C1C}">
@@ -11936,24 +12946,95 @@
               </a:ext>
             </a:extLst>
           </a:blip>
-          <a:stretch>
-            <a:fillRect/>
-          </a:stretch>
+          <a:srcRect l="7422" b="16529"/>
+          <a:stretch/>
         </p:blipFill>
         <p:spPr>
           <a:xfrm>
-            <a:off x="7101279" y="0"/>
-            <a:ext cx="1471783" cy="2185817"/>
+            <a:off x="304800" y="1074058"/>
+            <a:ext cx="9594850" cy="5282294"/>
           </a:xfrm>
-          <a:prstGeom prst="rect">
-            <a:avLst/>
-          </a:prstGeom>
         </p:spPr>
       </p:pic>
+      <p:sp>
+        <p:nvSpPr>
+          <p:cNvPr id="2" name="Title 1"/>
+          <p:cNvSpPr>
+            <a:spLocks noGrp="1"/>
+          </p:cNvSpPr>
+          <p:nvPr>
+            <p:ph type="title"/>
+          </p:nvPr>
+        </p:nvSpPr>
+        <p:spPr/>
+        <p:txBody>
+          <a:bodyPr/>
+          <a:lstStyle/>
+          <a:p>
+            <a:r>
+              <a:rPr lang="en-US" b="1" dirty="0">
+                <a:latin typeface="Avenir Black" charset="0"/>
+                <a:ea typeface="Avenir Black" charset="0"/>
+                <a:cs typeface="Avenir Black" charset="0"/>
+              </a:rPr>
+              <a:t>Label Data</a:t>
+            </a:r>
+            <a:br>
+              <a:rPr lang="en-US" b="1" dirty="0">
+                <a:latin typeface="Avenir Black" charset="0"/>
+                <a:ea typeface="Avenir Black" charset="0"/>
+                <a:cs typeface="Avenir Black" charset="0"/>
+              </a:rPr>
+            </a:br>
+            <a:r>
+              <a:rPr lang="en-US" sz="2000" b="1" dirty="0">
+                <a:latin typeface="Avenir Black" charset="0"/>
+                <a:ea typeface="Avenir Black" charset="0"/>
+                <a:cs typeface="Avenir Black" charset="0"/>
+              </a:rPr>
+              <a:t>Mean delay between stations, passenger trains</a:t>
+            </a:r>
+          </a:p>
+        </p:txBody>
+      </p:sp>
+      <p:sp>
+        <p:nvSpPr>
+          <p:cNvPr id="5" name="Footer Placeholder 4"/>
+          <p:cNvSpPr>
+            <a:spLocks noGrp="1"/>
+          </p:cNvSpPr>
+          <p:nvPr>
+            <p:ph type="ftr" sz="quarter" idx="11"/>
+          </p:nvPr>
+        </p:nvSpPr>
+        <p:spPr/>
+        <p:txBody>
+          <a:bodyPr/>
+          <a:lstStyle/>
+          <a:p>
+            <a:r>
+              <a:rPr lang="fi-FI" dirty="0" err="1"/>
+              <a:t>Finnish</a:t>
+            </a:r>
+            <a:r>
+              <a:rPr lang="fi-FI" dirty="0"/>
+              <a:t> </a:t>
+            </a:r>
+            <a:r>
+              <a:rPr lang="fi-FI" dirty="0" err="1"/>
+              <a:t>Meteorological</a:t>
+            </a:r>
+            <a:r>
+              <a:rPr lang="fi-FI" dirty="0"/>
+              <a:t> Institute</a:t>
+            </a:r>
+          </a:p>
+        </p:txBody>
+      </p:sp>
     </p:spTree>
     <p:extLst>
       <p:ext uri="{BB962C8B-B14F-4D97-AF65-F5344CB8AC3E}">
-        <p14:creationId xmlns:p14="http://schemas.microsoft.com/office/powerpoint/2010/main" val="683389539"/>
+        <p14:creationId xmlns:p14="http://schemas.microsoft.com/office/powerpoint/2010/main" val="947139750"/>
       </p:ext>
     </p:extLst>
   </p:cSld>
@@ -12004,13 +13085,13 @@
               </a:ext>
             </a:extLst>
           </a:blip>
-          <a:srcRect l="7422" b="16529"/>
+          <a:srcRect l="4075"/>
           <a:stretch/>
         </p:blipFill>
         <p:spPr>
           <a:xfrm>
-            <a:off x="304800" y="1074058"/>
-            <a:ext cx="9594850" cy="5282294"/>
+            <a:off x="0" y="1074057"/>
+            <a:ext cx="9564914" cy="5994399"/>
           </a:xfrm>
         </p:spPr>
       </p:pic>
@@ -12035,7 +13116,7 @@
                 <a:ea typeface="Avenir Black" charset="0"/>
                 <a:cs typeface="Avenir Black" charset="0"/>
               </a:rPr>
-              <a:t>Data</a:t>
+              <a:t>Label Data</a:t>
             </a:r>
             <a:br>
               <a:rPr lang="en-US" b="1" dirty="0">
@@ -12050,7 +13131,7 @@
                 <a:ea typeface="Avenir Black" charset="0"/>
                 <a:cs typeface="Avenir Black" charset="0"/>
               </a:rPr>
-              <a:t>Mean delay between stations, passenger trains</a:t>
+              <a:t>Median delay between stations, passenger trains</a:t>
             </a:r>
           </a:p>
         </p:txBody>
@@ -12092,7 +13173,7 @@
     </p:spTree>
     <p:extLst>
       <p:ext uri="{BB962C8B-B14F-4D97-AF65-F5344CB8AC3E}">
-        <p14:creationId xmlns:p14="http://schemas.microsoft.com/office/powerpoint/2010/main" val="947139750"/>
+        <p14:creationId xmlns:p14="http://schemas.microsoft.com/office/powerpoint/2010/main" val="2522400157"/>
       </p:ext>
     </p:extLst>
   </p:cSld>
@@ -12119,40 +13200,6 @@
           <a:chExt cx="0" cy="0"/>
         </a:xfrm>
       </p:grpSpPr>
-      <p:pic>
-        <p:nvPicPr>
-          <p:cNvPr id="9" name="Content Placeholder 8">
-            <a:extLst>
-              <a:ext uri="{FF2B5EF4-FFF2-40B4-BE49-F238E27FC236}">
-                <a16:creationId xmlns:a16="http://schemas.microsoft.com/office/drawing/2014/main" id="{AA3F6DD2-F334-DD47-8B33-10BE68BE6234}"/>
-              </a:ext>
-            </a:extLst>
-          </p:cNvPr>
-          <p:cNvPicPr>
-            <a:picLocks noGrp="1" noChangeAspect="1"/>
-          </p:cNvPicPr>
-          <p:nvPr>
-            <p:ph idx="1"/>
-          </p:nvPr>
-        </p:nvPicPr>
-        <p:blipFill rotWithShape="1">
-          <a:blip r:embed="rId3">
-            <a:extLst>
-              <a:ext uri="{28A0092B-C50C-407E-A947-70E740481C1C}">
-                <a14:useLocalDpi xmlns:a14="http://schemas.microsoft.com/office/drawing/2010/main" val="0"/>
-              </a:ext>
-            </a:extLst>
-          </a:blip>
-          <a:srcRect l="4075"/>
-          <a:stretch/>
-        </p:blipFill>
-        <p:spPr>
-          <a:xfrm>
-            <a:off x="0" y="1074057"/>
-            <a:ext cx="9564914" cy="5994399"/>
-          </a:xfrm>
-        </p:spPr>
-      </p:pic>
       <p:sp>
         <p:nvSpPr>
           <p:cNvPr id="2" name="Title 1"/>
@@ -12174,112 +13221,7 @@
                 <a:ea typeface="Avenir Black" charset="0"/>
                 <a:cs typeface="Avenir Black" charset="0"/>
               </a:rPr>
-              <a:t>Data</a:t>
-            </a:r>
-            <a:br>
-              <a:rPr lang="en-US" b="1" dirty="0">
-                <a:latin typeface="Avenir Black" charset="0"/>
-                <a:ea typeface="Avenir Black" charset="0"/>
-                <a:cs typeface="Avenir Black" charset="0"/>
-              </a:rPr>
-            </a:br>
-            <a:r>
-              <a:rPr lang="en-US" sz="2000" b="1" dirty="0">
-                <a:latin typeface="Avenir Black" charset="0"/>
-                <a:ea typeface="Avenir Black" charset="0"/>
-                <a:cs typeface="Avenir Black" charset="0"/>
-              </a:rPr>
-              <a:t>Median delay between stations, passenger trains</a:t>
-            </a:r>
-          </a:p>
-        </p:txBody>
-      </p:sp>
-      <p:sp>
-        <p:nvSpPr>
-          <p:cNvPr id="5" name="Footer Placeholder 4"/>
-          <p:cNvSpPr>
-            <a:spLocks noGrp="1"/>
-          </p:cNvSpPr>
-          <p:nvPr>
-            <p:ph type="ftr" sz="quarter" idx="11"/>
-          </p:nvPr>
-        </p:nvSpPr>
-        <p:spPr/>
-        <p:txBody>
-          <a:bodyPr/>
-          <a:lstStyle/>
-          <a:p>
-            <a:r>
-              <a:rPr lang="fi-FI" dirty="0" err="1"/>
-              <a:t>Finnish</a:t>
-            </a:r>
-            <a:r>
-              <a:rPr lang="fi-FI" dirty="0"/>
-              <a:t> </a:t>
-            </a:r>
-            <a:r>
-              <a:rPr lang="fi-FI" dirty="0" err="1"/>
-              <a:t>Meteorological</a:t>
-            </a:r>
-            <a:r>
-              <a:rPr lang="fi-FI" dirty="0"/>
-              <a:t> Institute</a:t>
-            </a:r>
-          </a:p>
-        </p:txBody>
-      </p:sp>
-    </p:spTree>
-    <p:extLst>
-      <p:ext uri="{BB962C8B-B14F-4D97-AF65-F5344CB8AC3E}">
-        <p14:creationId xmlns:p14="http://schemas.microsoft.com/office/powerpoint/2010/main" val="2522400157"/>
-      </p:ext>
-    </p:extLst>
-  </p:cSld>
-  <p:clrMapOvr>
-    <a:masterClrMapping/>
-  </p:clrMapOvr>
-</p:sld>
-</file>
-
-<file path=ppt/slides/slide7.xml><?xml version="1.0" encoding="utf-8"?>
-<p:sld xmlns:a="http://schemas.openxmlformats.org/drawingml/2006/main" xmlns:r="http://schemas.openxmlformats.org/officeDocument/2006/relationships" xmlns:p="http://schemas.openxmlformats.org/presentationml/2006/main">
-  <p:cSld>
-    <p:spTree>
-      <p:nvGrpSpPr>
-        <p:cNvPr id="1" name=""/>
-        <p:cNvGrpSpPr/>
-        <p:nvPr/>
-      </p:nvGrpSpPr>
-      <p:grpSpPr>
-        <a:xfrm>
-          <a:off x="0" y="0"/>
-          <a:ext cx="0" cy="0"/>
-          <a:chOff x="0" y="0"/>
-          <a:chExt cx="0" cy="0"/>
-        </a:xfrm>
-      </p:grpSpPr>
-      <p:sp>
-        <p:nvSpPr>
-          <p:cNvPr id="2" name="Title 1"/>
-          <p:cNvSpPr>
-            <a:spLocks noGrp="1"/>
-          </p:cNvSpPr>
-          <p:nvPr>
-            <p:ph type="title"/>
-          </p:nvPr>
-        </p:nvSpPr>
-        <p:spPr/>
-        <p:txBody>
-          <a:bodyPr/>
-          <a:lstStyle/>
-          <a:p>
-            <a:r>
-              <a:rPr lang="en-US" b="1" dirty="0">
-                <a:latin typeface="Avenir Black" charset="0"/>
-                <a:ea typeface="Avenir Black" charset="0"/>
-                <a:cs typeface="Avenir Black" charset="0"/>
-              </a:rPr>
-              <a:t>Data</a:t>
+              <a:t>Label Data</a:t>
             </a:r>
             <a:br>
               <a:rPr lang="en-US" b="1" dirty="0">
@@ -12381,7 +13323,7 @@
 </p:sld>
 </file>
 
-<file path=ppt/slides/slide8.xml><?xml version="1.0" encoding="utf-8"?>
+<file path=ppt/slides/slide7.xml><?xml version="1.0" encoding="utf-8"?>
 <p:sld xmlns:a="http://schemas.openxmlformats.org/drawingml/2006/main" xmlns:r="http://schemas.openxmlformats.org/officeDocument/2006/relationships" xmlns:p="http://schemas.openxmlformats.org/presentationml/2006/main">
   <p:cSld>
     <p:spTree>
@@ -12453,7 +13395,7 @@
                 <a:ea typeface="Avenir Black" charset="0"/>
                 <a:cs typeface="Avenir Black" charset="0"/>
               </a:rPr>
-              <a:t>Data</a:t>
+              <a:t>Label Data</a:t>
             </a:r>
             <a:br>
               <a:rPr lang="en-US" b="1" dirty="0">
@@ -12520,7 +13462,7 @@
 </p:sld>
 </file>
 
-<file path=ppt/slides/slide9.xml><?xml version="1.0" encoding="utf-8"?>
+<file path=ppt/slides/slide8.xml><?xml version="1.0" encoding="utf-8"?>
 <p:sld xmlns:a="http://schemas.openxmlformats.org/drawingml/2006/main" xmlns:r="http://schemas.openxmlformats.org/officeDocument/2006/relationships" xmlns:p="http://schemas.openxmlformats.org/presentationml/2006/main">
   <p:cSld>
     <p:spTree>
@@ -12587,12 +13529,12 @@
           <a:lstStyle/>
           <a:p>
             <a:r>
-              <a:rPr lang="en-US" b="1" dirty="0">
+              <a:rPr lang="en-US" b="1">
                 <a:latin typeface="Avenir Black" charset="0"/>
                 <a:ea typeface="Avenir Black" charset="0"/>
                 <a:cs typeface="Avenir Black" charset="0"/>
               </a:rPr>
-              <a:t>Data</a:t>
+              <a:t>Label Data</a:t>
             </a:r>
             <a:br>
               <a:rPr lang="en-US" b="1" dirty="0">
@@ -12650,6 +13592,436 @@
     <p:extLst>
       <p:ext uri="{BB962C8B-B14F-4D97-AF65-F5344CB8AC3E}">
         <p14:creationId xmlns:p14="http://schemas.microsoft.com/office/powerpoint/2010/main" val="778420745"/>
+      </p:ext>
+    </p:extLst>
+  </p:cSld>
+  <p:clrMapOvr>
+    <a:masterClrMapping/>
+  </p:clrMapOvr>
+</p:sld>
+</file>
+
+<file path=ppt/slides/slide9.xml><?xml version="1.0" encoding="utf-8"?>
+<p:sld xmlns:a="http://schemas.openxmlformats.org/drawingml/2006/main" xmlns:r="http://schemas.openxmlformats.org/officeDocument/2006/relationships" xmlns:p="http://schemas.openxmlformats.org/presentationml/2006/main">
+  <p:cSld>
+    <p:spTree>
+      <p:nvGrpSpPr>
+        <p:cNvPr id="1" name=""/>
+        <p:cNvGrpSpPr/>
+        <p:nvPr/>
+      </p:nvGrpSpPr>
+      <p:grpSpPr>
+        <a:xfrm>
+          <a:off x="0" y="0"/>
+          <a:ext cx="0" cy="0"/>
+          <a:chOff x="0" y="0"/>
+          <a:chExt cx="0" cy="0"/>
+        </a:xfrm>
+      </p:grpSpPr>
+      <p:sp>
+        <p:nvSpPr>
+          <p:cNvPr id="2" name="Title 1"/>
+          <p:cNvSpPr>
+            <a:spLocks noGrp="1"/>
+          </p:cNvSpPr>
+          <p:nvPr>
+            <p:ph type="title"/>
+          </p:nvPr>
+        </p:nvSpPr>
+        <p:spPr/>
+        <p:txBody>
+          <a:bodyPr/>
+          <a:lstStyle/>
+          <a:p>
+            <a:r>
+              <a:rPr lang="en-US" b="1" dirty="0">
+                <a:latin typeface="Avenir Black" charset="0"/>
+                <a:ea typeface="Avenir Black" charset="0"/>
+                <a:cs typeface="Avenir Black" charset="0"/>
+              </a:rPr>
+              <a:t>Feature Data</a:t>
+            </a:r>
+          </a:p>
+        </p:txBody>
+      </p:sp>
+      <p:sp>
+        <p:nvSpPr>
+          <p:cNvPr id="3" name="Content Placeholder 2"/>
+          <p:cNvSpPr>
+            <a:spLocks noGrp="1"/>
+          </p:cNvSpPr>
+          <p:nvPr>
+            <p:ph idx="1"/>
+          </p:nvPr>
+        </p:nvSpPr>
+        <p:spPr>
+          <a:xfrm>
+            <a:off x="642501" y="1663403"/>
+            <a:ext cx="8599095" cy="4242814"/>
+          </a:xfrm>
+        </p:spPr>
+        <p:txBody>
+          <a:bodyPr>
+            <a:normAutofit/>
+          </a:bodyPr>
+          <a:lstStyle/>
+          <a:p>
+            <a:pPr marL="198000" indent="-198000">
+              <a:lnSpc>
+                <a:spcPct val="130000"/>
+              </a:lnSpc>
+            </a:pPr>
+            <a:r>
+              <a:rPr lang="en-US" dirty="0">
+                <a:solidFill>
+                  <a:schemeClr val="bg2">
+                    <a:lumMod val="50000"/>
+                  </a:schemeClr>
+                </a:solidFill>
+                <a:latin typeface="Avenir Book" charset="0"/>
+                <a:ea typeface="Avenir Book" charset="0"/>
+                <a:cs typeface="Avenir Book" charset="0"/>
+              </a:rPr>
+              <a:t>Features for training: </a:t>
+            </a:r>
+          </a:p>
+          <a:p>
+            <a:pPr marL="883800" lvl="1" indent="-198000">
+              <a:lnSpc>
+                <a:spcPct val="130000"/>
+              </a:lnSpc>
+            </a:pPr>
+            <a:r>
+              <a:rPr lang="en-US" dirty="0">
+                <a:solidFill>
+                  <a:schemeClr val="bg2">
+                    <a:lumMod val="50000"/>
+                  </a:schemeClr>
+                </a:solidFill>
+                <a:latin typeface="Avenir Book" charset="0"/>
+                <a:ea typeface="Avenir Book" charset="0"/>
+                <a:cs typeface="Avenir Book" charset="0"/>
+              </a:rPr>
+              <a:t>19 weather observation parameters near train stations</a:t>
+            </a:r>
+          </a:p>
+          <a:p>
+            <a:pPr marL="198000" indent="-198000">
+              <a:lnSpc>
+                <a:spcPct val="130000"/>
+              </a:lnSpc>
+            </a:pPr>
+            <a:r>
+              <a:rPr lang="en-US" dirty="0">
+                <a:solidFill>
+                  <a:schemeClr val="bg2">
+                    <a:lumMod val="50000"/>
+                  </a:schemeClr>
+                </a:solidFill>
+                <a:latin typeface="Avenir Book" charset="0"/>
+                <a:ea typeface="Avenir Book" charset="0"/>
+                <a:cs typeface="Avenir Book" charset="0"/>
+              </a:rPr>
+              <a:t>Four train types (intercity, commuter, cargo, other)</a:t>
+            </a:r>
+          </a:p>
+          <a:p>
+            <a:pPr marL="883800" lvl="1" indent="-198000">
+              <a:lnSpc>
+                <a:spcPct val="130000"/>
+              </a:lnSpc>
+            </a:pPr>
+            <a:r>
+              <a:rPr lang="en-US" dirty="0">
+                <a:solidFill>
+                  <a:schemeClr val="bg2">
+                    <a:lumMod val="50000"/>
+                  </a:schemeClr>
+                </a:solidFill>
+                <a:latin typeface="Avenir Book" charset="0"/>
+                <a:ea typeface="Avenir Book" charset="0"/>
+                <a:cs typeface="Avenir Book" charset="0"/>
+              </a:rPr>
+              <a:t>We consider only passenger trains</a:t>
+            </a:r>
+          </a:p>
+          <a:p>
+            <a:pPr marL="198000" indent="-198000">
+              <a:lnSpc>
+                <a:spcPct val="130000"/>
+              </a:lnSpc>
+            </a:pPr>
+            <a:r>
+              <a:rPr lang="en-US" dirty="0">
+                <a:solidFill>
+                  <a:schemeClr val="bg2">
+                    <a:lumMod val="50000"/>
+                  </a:schemeClr>
+                </a:solidFill>
+                <a:latin typeface="Avenir Book" charset="0"/>
+                <a:ea typeface="Avenir Book" charset="0"/>
+                <a:cs typeface="Avenir Book" charset="0"/>
+              </a:rPr>
+              <a:t>Training with data from 2010 to 2018</a:t>
+            </a:r>
+          </a:p>
+          <a:p>
+            <a:pPr marL="883800" lvl="1" indent="-198000">
+              <a:lnSpc>
+                <a:spcPct val="130000"/>
+              </a:lnSpc>
+            </a:pPr>
+            <a:r>
+              <a:rPr lang="fi-FI" dirty="0">
+                <a:solidFill>
+                  <a:schemeClr val="bg2">
+                    <a:lumMod val="50000"/>
+                  </a:schemeClr>
+                </a:solidFill>
+                <a:latin typeface="Avenir Book" charset="0"/>
+                <a:ea typeface="Avenir Book" charset="0"/>
+                <a:cs typeface="Avenir Book" charset="0"/>
+              </a:rPr>
+              <a:t>Dataset </a:t>
+            </a:r>
+            <a:r>
+              <a:rPr lang="fi-FI" dirty="0" err="1">
+                <a:solidFill>
+                  <a:schemeClr val="bg2">
+                    <a:lumMod val="50000"/>
+                  </a:schemeClr>
+                </a:solidFill>
+                <a:latin typeface="Avenir Book" charset="0"/>
+                <a:ea typeface="Avenir Book" charset="0"/>
+                <a:cs typeface="Avenir Book" charset="0"/>
+              </a:rPr>
+              <a:t>size</a:t>
+            </a:r>
+            <a:r>
+              <a:rPr lang="fi-FI" dirty="0">
+                <a:solidFill>
+                  <a:schemeClr val="bg2">
+                    <a:lumMod val="50000"/>
+                  </a:schemeClr>
+                </a:solidFill>
+                <a:latin typeface="Avenir Book" charset="0"/>
+                <a:ea typeface="Avenir Book" charset="0"/>
+                <a:cs typeface="Avenir Book" charset="0"/>
+              </a:rPr>
+              <a:t> 27 132 093 </a:t>
+            </a:r>
+            <a:r>
+              <a:rPr lang="fi-FI" dirty="0" err="1">
+                <a:solidFill>
+                  <a:schemeClr val="bg2">
+                    <a:lumMod val="50000"/>
+                  </a:schemeClr>
+                </a:solidFill>
+                <a:latin typeface="Avenir Book" charset="0"/>
+                <a:ea typeface="Avenir Book" charset="0"/>
+                <a:cs typeface="Avenir Book" charset="0"/>
+              </a:rPr>
+              <a:t>rows</a:t>
+            </a:r>
+            <a:endParaRPr lang="en-US" dirty="0">
+              <a:solidFill>
+                <a:schemeClr val="bg2">
+                  <a:lumMod val="50000"/>
+                </a:schemeClr>
+              </a:solidFill>
+              <a:latin typeface="Avenir Book" charset="0"/>
+              <a:ea typeface="Avenir Book" charset="0"/>
+              <a:cs typeface="Avenir Book" charset="0"/>
+            </a:endParaRPr>
+          </a:p>
+          <a:p>
+            <a:pPr marL="198000" indent="-198000">
+              <a:lnSpc>
+                <a:spcPct val="130000"/>
+              </a:lnSpc>
+            </a:pPr>
+            <a:r>
+              <a:rPr lang="en-US" dirty="0">
+                <a:solidFill>
+                  <a:schemeClr val="bg2">
+                    <a:lumMod val="50000"/>
+                  </a:schemeClr>
+                </a:solidFill>
+                <a:latin typeface="Avenir Book" charset="0"/>
+                <a:ea typeface="Avenir Book" charset="0"/>
+                <a:cs typeface="Avenir Book" charset="0"/>
+              </a:rPr>
+              <a:t>Features for prediction</a:t>
+            </a:r>
+          </a:p>
+          <a:p>
+            <a:pPr marL="883800" lvl="1" indent="-198000">
+              <a:lnSpc>
+                <a:spcPct val="130000"/>
+              </a:lnSpc>
+            </a:pPr>
+            <a:r>
+              <a:rPr lang="en-US" dirty="0">
+                <a:solidFill>
+                  <a:schemeClr val="bg2">
+                    <a:lumMod val="50000"/>
+                  </a:schemeClr>
+                </a:solidFill>
+                <a:latin typeface="Avenir Book" charset="0"/>
+                <a:ea typeface="Avenir Book" charset="0"/>
+                <a:cs typeface="Avenir Book" charset="0"/>
+              </a:rPr>
+              <a:t>The same weather parameters as in training fetched from Harmonie numerical weather prediction model</a:t>
+            </a:r>
+          </a:p>
+          <a:p>
+            <a:pPr>
+              <a:lnSpc>
+                <a:spcPct val="110000"/>
+              </a:lnSpc>
+              <a:buNone/>
+            </a:pPr>
+            <a:endParaRPr lang="en-US" dirty="0">
+              <a:solidFill>
+                <a:schemeClr val="bg2">
+                  <a:lumMod val="50000"/>
+                </a:schemeClr>
+              </a:solidFill>
+              <a:latin typeface="Avenir Book" charset="0"/>
+              <a:ea typeface="Avenir Book" charset="0"/>
+              <a:cs typeface="Avenir Book" charset="0"/>
+            </a:endParaRPr>
+          </a:p>
+          <a:p>
+            <a:pPr>
+              <a:lnSpc>
+                <a:spcPct val="110000"/>
+              </a:lnSpc>
+              <a:buNone/>
+            </a:pPr>
+            <a:endParaRPr lang="en-US" dirty="0">
+              <a:solidFill>
+                <a:schemeClr val="bg2">
+                  <a:lumMod val="50000"/>
+                </a:schemeClr>
+              </a:solidFill>
+              <a:latin typeface="Avenir Book" charset="0"/>
+              <a:ea typeface="Avenir Book" charset="0"/>
+              <a:cs typeface="Avenir Book" charset="0"/>
+            </a:endParaRPr>
+          </a:p>
+          <a:p>
+            <a:pPr marL="198000" indent="-198000">
+              <a:lnSpc>
+                <a:spcPct val="110000"/>
+              </a:lnSpc>
+            </a:pPr>
+            <a:endParaRPr lang="en-US" dirty="0">
+              <a:solidFill>
+                <a:schemeClr val="bg2">
+                  <a:lumMod val="50000"/>
+                </a:schemeClr>
+              </a:solidFill>
+              <a:latin typeface="Avenir Book" charset="0"/>
+              <a:ea typeface="Avenir Book" charset="0"/>
+              <a:cs typeface="Avenir Book" charset="0"/>
+            </a:endParaRPr>
+          </a:p>
+          <a:p>
+            <a:pPr marL="198000" indent="-198000">
+              <a:lnSpc>
+                <a:spcPct val="110000"/>
+              </a:lnSpc>
+            </a:pPr>
+            <a:endParaRPr lang="en-US" dirty="0">
+              <a:solidFill>
+                <a:schemeClr val="bg2">
+                  <a:lumMod val="50000"/>
+                </a:schemeClr>
+              </a:solidFill>
+              <a:latin typeface="Avenir Book" charset="0"/>
+              <a:ea typeface="Avenir Book" charset="0"/>
+              <a:cs typeface="Avenir Book" charset="0"/>
+            </a:endParaRPr>
+          </a:p>
+          <a:p>
+            <a:pPr marL="198000" indent="-198000"/>
+            <a:endParaRPr lang="en-US" dirty="0">
+              <a:latin typeface="Avenir Book" charset="0"/>
+              <a:ea typeface="Avenir Book" charset="0"/>
+              <a:cs typeface="Avenir Book" charset="0"/>
+            </a:endParaRPr>
+          </a:p>
+        </p:txBody>
+      </p:sp>
+      <p:sp>
+        <p:nvSpPr>
+          <p:cNvPr id="5" name="Footer Placeholder 4"/>
+          <p:cNvSpPr>
+            <a:spLocks noGrp="1"/>
+          </p:cNvSpPr>
+          <p:nvPr>
+            <p:ph type="ftr" sz="quarter" idx="11"/>
+          </p:nvPr>
+        </p:nvSpPr>
+        <p:spPr/>
+        <p:txBody>
+          <a:bodyPr/>
+          <a:lstStyle/>
+          <a:p>
+            <a:r>
+              <a:rPr lang="fi-FI" dirty="0" err="1"/>
+              <a:t>Finnish</a:t>
+            </a:r>
+            <a:r>
+              <a:rPr lang="fi-FI" dirty="0"/>
+              <a:t> </a:t>
+            </a:r>
+            <a:r>
+              <a:rPr lang="fi-FI" dirty="0" err="1"/>
+              <a:t>Meteorological</a:t>
+            </a:r>
+            <a:r>
+              <a:rPr lang="fi-FI" dirty="0"/>
+              <a:t> Institute</a:t>
+            </a:r>
+          </a:p>
+        </p:txBody>
+      </p:sp>
+      <p:pic>
+        <p:nvPicPr>
+          <p:cNvPr id="4" name="Picture 3"/>
+          <p:cNvPicPr>
+            <a:picLocks noChangeAspect="1"/>
+          </p:cNvPicPr>
+          <p:nvPr/>
+        </p:nvPicPr>
+        <p:blipFill>
+          <a:blip r:embed="rId3">
+            <a:extLst>
+              <a:ext uri="{28A0092B-C50C-407E-A947-70E740481C1C}">
+                <a14:useLocalDpi xmlns:a14="http://schemas.microsoft.com/office/drawing/2010/main" val="0"/>
+              </a:ext>
+            </a:extLst>
+          </a:blip>
+          <a:stretch>
+            <a:fillRect/>
+          </a:stretch>
+        </p:blipFill>
+        <p:spPr>
+          <a:xfrm>
+            <a:off x="7101279" y="0"/>
+            <a:ext cx="1471783" cy="2185817"/>
+          </a:xfrm>
+          <a:prstGeom prst="rect">
+            <a:avLst/>
+          </a:prstGeom>
+        </p:spPr>
+      </p:pic>
+    </p:spTree>
+    <p:extLst>
+      <p:ext uri="{BB962C8B-B14F-4D97-AF65-F5344CB8AC3E}">
+        <p14:creationId xmlns:p14="http://schemas.microsoft.com/office/powerpoint/2010/main" val="1779453108"/>
       </p:ext>
     </p:extLst>
   </p:cSld>

--- a/material/trains_technical.pptx
+++ b/material/trains_technical.pptx
@@ -5,23 +5,24 @@
     <p:sldMasterId id="2147483660" r:id="rId1"/>
   </p:sldMasterIdLst>
   <p:notesMasterIdLst>
-    <p:notesMasterId r:id="rId16"/>
+    <p:notesMasterId r:id="rId17"/>
   </p:notesMasterIdLst>
   <p:sldIdLst>
     <p:sldId id="283" r:id="rId2"/>
     <p:sldId id="258" r:id="rId3"/>
     <p:sldId id="288" r:id="rId4"/>
-    <p:sldId id="290" r:id="rId5"/>
-    <p:sldId id="291" r:id="rId6"/>
-    <p:sldId id="292" r:id="rId7"/>
-    <p:sldId id="293" r:id="rId8"/>
-    <p:sldId id="294" r:id="rId9"/>
-    <p:sldId id="300" r:id="rId10"/>
-    <p:sldId id="298" r:id="rId11"/>
-    <p:sldId id="299" r:id="rId12"/>
-    <p:sldId id="297" r:id="rId13"/>
-    <p:sldId id="289" r:id="rId14"/>
-    <p:sldId id="296" r:id="rId15"/>
+    <p:sldId id="302" r:id="rId5"/>
+    <p:sldId id="290" r:id="rId6"/>
+    <p:sldId id="291" r:id="rId7"/>
+    <p:sldId id="292" r:id="rId8"/>
+    <p:sldId id="293" r:id="rId9"/>
+    <p:sldId id="294" r:id="rId10"/>
+    <p:sldId id="300" r:id="rId11"/>
+    <p:sldId id="298" r:id="rId12"/>
+    <p:sldId id="299" r:id="rId13"/>
+    <p:sldId id="297" r:id="rId14"/>
+    <p:sldId id="289" r:id="rId15"/>
+    <p:sldId id="296" r:id="rId16"/>
   </p:sldIdLst>
   <p:sldSz cx="9899650" cy="6858000"/>
   <p:notesSz cx="6810375" cy="9942513"/>
@@ -659,7 +660,7 @@
     </p:spTree>
     <p:extLst>
       <p:ext uri="{BB962C8B-B14F-4D97-AF65-F5344CB8AC3E}">
-        <p14:creationId xmlns:p14="http://schemas.microsoft.com/office/powerpoint/2010/main" val="3566251874"/>
+        <p14:creationId xmlns:p14="http://schemas.microsoft.com/office/powerpoint/2010/main" val="947189533"/>
       </p:ext>
     </p:extLst>
   </p:cSld>
@@ -743,7 +744,7 @@
     </p:spTree>
     <p:extLst>
       <p:ext uri="{BB962C8B-B14F-4D97-AF65-F5344CB8AC3E}">
-        <p14:creationId xmlns:p14="http://schemas.microsoft.com/office/powerpoint/2010/main" val="1253510899"/>
+        <p14:creationId xmlns:p14="http://schemas.microsoft.com/office/powerpoint/2010/main" val="3566251874"/>
       </p:ext>
     </p:extLst>
   </p:cSld>
@@ -827,7 +828,7 @@
     </p:spTree>
     <p:extLst>
       <p:ext uri="{BB962C8B-B14F-4D97-AF65-F5344CB8AC3E}">
-        <p14:creationId xmlns:p14="http://schemas.microsoft.com/office/powerpoint/2010/main" val="4102638566"/>
+        <p14:creationId xmlns:p14="http://schemas.microsoft.com/office/powerpoint/2010/main" val="1253510899"/>
       </p:ext>
     </p:extLst>
   </p:cSld>
@@ -903,6 +904,90 @@
             <a:fld id="{5EFDCE45-14EF-C643-A106-E8B98409B9C5}" type="slidenum">
               <a:rPr lang="en-US" smtClean="0"/>
               <a:t>14</a:t>
+            </a:fld>
+            <a:endParaRPr lang="en-US"/>
+          </a:p>
+        </p:txBody>
+      </p:sp>
+    </p:spTree>
+    <p:extLst>
+      <p:ext uri="{BB962C8B-B14F-4D97-AF65-F5344CB8AC3E}">
+        <p14:creationId xmlns:p14="http://schemas.microsoft.com/office/powerpoint/2010/main" val="4102638566"/>
+      </p:ext>
+    </p:extLst>
+  </p:cSld>
+  <p:clrMapOvr>
+    <a:masterClrMapping/>
+  </p:clrMapOvr>
+</p:notes>
+</file>
+
+<file path=ppt/notesSlides/notesSlide14.xml><?xml version="1.0" encoding="utf-8"?>
+<p:notes xmlns:a="http://schemas.openxmlformats.org/drawingml/2006/main" xmlns:r="http://schemas.openxmlformats.org/officeDocument/2006/relationships" xmlns:p="http://schemas.openxmlformats.org/presentationml/2006/main">
+  <p:cSld>
+    <p:spTree>
+      <p:nvGrpSpPr>
+        <p:cNvPr id="1" name=""/>
+        <p:cNvGrpSpPr/>
+        <p:nvPr/>
+      </p:nvGrpSpPr>
+      <p:grpSpPr>
+        <a:xfrm>
+          <a:off x="0" y="0"/>
+          <a:ext cx="0" cy="0"/>
+          <a:chOff x="0" y="0"/>
+          <a:chExt cx="0" cy="0"/>
+        </a:xfrm>
+      </p:grpSpPr>
+      <p:sp>
+        <p:nvSpPr>
+          <p:cNvPr id="2" name="Slide Image Placeholder 1"/>
+          <p:cNvSpPr>
+            <a:spLocks noGrp="1" noRot="1" noChangeAspect="1"/>
+          </p:cNvSpPr>
+          <p:nvPr>
+            <p:ph type="sldImg"/>
+          </p:nvPr>
+        </p:nvSpPr>
+        <p:spPr/>
+      </p:sp>
+      <p:sp>
+        <p:nvSpPr>
+          <p:cNvPr id="3" name="Notes Placeholder 2"/>
+          <p:cNvSpPr>
+            <a:spLocks noGrp="1"/>
+          </p:cNvSpPr>
+          <p:nvPr>
+            <p:ph type="body" idx="1"/>
+          </p:nvPr>
+        </p:nvSpPr>
+        <p:spPr/>
+        <p:txBody>
+          <a:bodyPr/>
+          <a:lstStyle/>
+          <a:p>
+            <a:endParaRPr lang="en-US"/>
+          </a:p>
+        </p:txBody>
+      </p:sp>
+      <p:sp>
+        <p:nvSpPr>
+          <p:cNvPr id="4" name="Slide Number Placeholder 3"/>
+          <p:cNvSpPr>
+            <a:spLocks noGrp="1"/>
+          </p:cNvSpPr>
+          <p:nvPr>
+            <p:ph type="sldNum" sz="quarter" idx="10"/>
+          </p:nvPr>
+        </p:nvSpPr>
+        <p:spPr/>
+        <p:txBody>
+          <a:bodyPr/>
+          <a:lstStyle/>
+          <a:p>
+            <a:fld id="{5EFDCE45-14EF-C643-A106-E8B98409B9C5}" type="slidenum">
+              <a:rPr lang="en-US" smtClean="0"/>
+              <a:t>15</a:t>
             </a:fld>
             <a:endParaRPr lang="en-US"/>
           </a:p>
@@ -1079,7 +1164,7 @@
     </p:spTree>
     <p:extLst>
       <p:ext uri="{BB962C8B-B14F-4D97-AF65-F5344CB8AC3E}">
-        <p14:creationId xmlns:p14="http://schemas.microsoft.com/office/powerpoint/2010/main" val="4102990982"/>
+        <p14:creationId xmlns:p14="http://schemas.microsoft.com/office/powerpoint/2010/main" val="789750115"/>
       </p:ext>
     </p:extLst>
   </p:cSld>
@@ -1163,7 +1248,7 @@
     </p:spTree>
     <p:extLst>
       <p:ext uri="{BB962C8B-B14F-4D97-AF65-F5344CB8AC3E}">
-        <p14:creationId xmlns:p14="http://schemas.microsoft.com/office/powerpoint/2010/main" val="204301251"/>
+        <p14:creationId xmlns:p14="http://schemas.microsoft.com/office/powerpoint/2010/main" val="4102990982"/>
       </p:ext>
     </p:extLst>
   </p:cSld>
@@ -1247,7 +1332,7 @@
     </p:spTree>
     <p:extLst>
       <p:ext uri="{BB962C8B-B14F-4D97-AF65-F5344CB8AC3E}">
-        <p14:creationId xmlns:p14="http://schemas.microsoft.com/office/powerpoint/2010/main" val="81338786"/>
+        <p14:creationId xmlns:p14="http://schemas.microsoft.com/office/powerpoint/2010/main" val="204301251"/>
       </p:ext>
     </p:extLst>
   </p:cSld>
@@ -1331,7 +1416,7 @@
     </p:spTree>
     <p:extLst>
       <p:ext uri="{BB962C8B-B14F-4D97-AF65-F5344CB8AC3E}">
-        <p14:creationId xmlns:p14="http://schemas.microsoft.com/office/powerpoint/2010/main" val="2313599379"/>
+        <p14:creationId xmlns:p14="http://schemas.microsoft.com/office/powerpoint/2010/main" val="81338786"/>
       </p:ext>
     </p:extLst>
   </p:cSld>
@@ -1415,7 +1500,7 @@
     </p:spTree>
     <p:extLst>
       <p:ext uri="{BB962C8B-B14F-4D97-AF65-F5344CB8AC3E}">
-        <p14:creationId xmlns:p14="http://schemas.microsoft.com/office/powerpoint/2010/main" val="4152047762"/>
+        <p14:creationId xmlns:p14="http://schemas.microsoft.com/office/powerpoint/2010/main" val="2313599379"/>
       </p:ext>
     </p:extLst>
   </p:cSld>
@@ -1499,7 +1584,7 @@
     </p:spTree>
     <p:extLst>
       <p:ext uri="{BB962C8B-B14F-4D97-AF65-F5344CB8AC3E}">
-        <p14:creationId xmlns:p14="http://schemas.microsoft.com/office/powerpoint/2010/main" val="2416047021"/>
+        <p14:creationId xmlns:p14="http://schemas.microsoft.com/office/powerpoint/2010/main" val="4152047762"/>
       </p:ext>
     </p:extLst>
   </p:cSld>
@@ -1583,7 +1668,7 @@
     </p:spTree>
     <p:extLst>
       <p:ext uri="{BB962C8B-B14F-4D97-AF65-F5344CB8AC3E}">
-        <p14:creationId xmlns:p14="http://schemas.microsoft.com/office/powerpoint/2010/main" val="947189533"/>
+        <p14:creationId xmlns:p14="http://schemas.microsoft.com/office/powerpoint/2010/main" val="2416047021"/>
       </p:ext>
     </p:extLst>
   </p:cSld>
@@ -9630,7 +9715,7 @@
                 <a:ea typeface="Avenir Black" charset="0"/>
                 <a:cs typeface="Avenir Black" charset="0"/>
               </a:rPr>
-              <a:t>Data pre-processing</a:t>
+              <a:t>Feature Data</a:t>
             </a:r>
           </a:p>
         </p:txBody>
@@ -9663,7 +9748,7 @@
               </a:lnSpc>
             </a:pPr>
             <a:r>
-              <a:rPr lang="fi-FI" dirty="0" err="1">
+              <a:rPr lang="en-US" dirty="0">
                 <a:solidFill>
                   <a:schemeClr val="bg2">
                     <a:lumMod val="50000"/>
@@ -9673,10 +9758,17 @@
                 <a:ea typeface="Avenir Book" charset="0"/>
                 <a:cs typeface="Avenir Book" charset="0"/>
               </a:rPr>
-              <a:t>Weather</a:t>
-            </a:r>
-            <a:r>
-              <a:rPr lang="fi-FI" dirty="0">
+              <a:t>Features for training: </a:t>
+            </a:r>
+          </a:p>
+          <a:p>
+            <a:pPr marL="883800" lvl="1" indent="-198000">
+              <a:lnSpc>
+                <a:spcPct val="130000"/>
+              </a:lnSpc>
+            </a:pPr>
+            <a:r>
+              <a:rPr lang="en-US" dirty="0">
                 <a:solidFill>
                   <a:schemeClr val="bg2">
                     <a:lumMod val="50000"/>
@@ -9686,343 +9778,8 @@
                 <a:ea typeface="Avenir Book" charset="0"/>
                 <a:cs typeface="Avenir Book" charset="0"/>
               </a:rPr>
-              <a:t> </a:t>
-            </a:r>
-            <a:r>
-              <a:rPr lang="fi-FI" dirty="0" err="1">
-                <a:solidFill>
-                  <a:schemeClr val="bg2">
-                    <a:lumMod val="50000"/>
-                  </a:schemeClr>
-                </a:solidFill>
-                <a:latin typeface="Avenir Book" charset="0"/>
-                <a:ea typeface="Avenir Book" charset="0"/>
-                <a:cs typeface="Avenir Book" charset="0"/>
-              </a:rPr>
-              <a:t>observation</a:t>
-            </a:r>
-            <a:r>
-              <a:rPr lang="fi-FI" dirty="0">
-                <a:solidFill>
-                  <a:schemeClr val="bg2">
-                    <a:lumMod val="50000"/>
-                  </a:schemeClr>
-                </a:solidFill>
-                <a:latin typeface="Avenir Book" charset="0"/>
-                <a:ea typeface="Avenir Book" charset="0"/>
-                <a:cs typeface="Avenir Book" charset="0"/>
-              </a:rPr>
-              <a:t> </a:t>
-            </a:r>
-            <a:r>
-              <a:rPr lang="fi-FI" dirty="0" err="1">
-                <a:solidFill>
-                  <a:schemeClr val="bg2">
-                    <a:lumMod val="50000"/>
-                  </a:schemeClr>
-                </a:solidFill>
-                <a:latin typeface="Avenir Book" charset="0"/>
-                <a:ea typeface="Avenir Book" charset="0"/>
-                <a:cs typeface="Avenir Book" charset="0"/>
-              </a:rPr>
-              <a:t>fetched</a:t>
-            </a:r>
-            <a:r>
-              <a:rPr lang="fi-FI" dirty="0">
-                <a:solidFill>
-                  <a:schemeClr val="bg2">
-                    <a:lumMod val="50000"/>
-                  </a:schemeClr>
-                </a:solidFill>
-                <a:latin typeface="Avenir Book" charset="0"/>
-                <a:ea typeface="Avenir Book" charset="0"/>
-                <a:cs typeface="Avenir Book" charset="0"/>
-              </a:rPr>
-              <a:t> for </a:t>
-            </a:r>
-            <a:r>
-              <a:rPr lang="fi-FI" dirty="0" err="1">
-                <a:solidFill>
-                  <a:schemeClr val="bg2">
-                    <a:lumMod val="50000"/>
-                  </a:schemeClr>
-                </a:solidFill>
-                <a:latin typeface="Avenir Book" charset="0"/>
-                <a:ea typeface="Avenir Book" charset="0"/>
-                <a:cs typeface="Avenir Book" charset="0"/>
-              </a:rPr>
-              <a:t>every</a:t>
-            </a:r>
-            <a:r>
-              <a:rPr lang="fi-FI" dirty="0">
-                <a:solidFill>
-                  <a:schemeClr val="bg2">
-                    <a:lumMod val="50000"/>
-                  </a:schemeClr>
-                </a:solidFill>
-                <a:latin typeface="Avenir Book" charset="0"/>
-                <a:ea typeface="Avenir Book" charset="0"/>
-                <a:cs typeface="Avenir Book" charset="0"/>
-              </a:rPr>
-              <a:t> </a:t>
-            </a:r>
-            <a:r>
-              <a:rPr lang="fi-FI" dirty="0" err="1">
-                <a:solidFill>
-                  <a:schemeClr val="bg2">
-                    <a:lumMod val="50000"/>
-                  </a:schemeClr>
-                </a:solidFill>
-                <a:latin typeface="Avenir Book" charset="0"/>
-                <a:ea typeface="Avenir Book" charset="0"/>
-                <a:cs typeface="Avenir Book" charset="0"/>
-              </a:rPr>
-              <a:t>train</a:t>
-            </a:r>
-            <a:r>
-              <a:rPr lang="fi-FI" dirty="0">
-                <a:solidFill>
-                  <a:schemeClr val="bg2">
-                    <a:lumMod val="50000"/>
-                  </a:schemeClr>
-                </a:solidFill>
-                <a:latin typeface="Avenir Book" charset="0"/>
-                <a:ea typeface="Avenir Book" charset="0"/>
-                <a:cs typeface="Avenir Book" charset="0"/>
-              </a:rPr>
-              <a:t> </a:t>
-            </a:r>
-            <a:r>
-              <a:rPr lang="fi-FI" dirty="0" err="1">
-                <a:solidFill>
-                  <a:schemeClr val="bg2">
-                    <a:lumMod val="50000"/>
-                  </a:schemeClr>
-                </a:solidFill>
-                <a:latin typeface="Avenir Book" charset="0"/>
-                <a:ea typeface="Avenir Book" charset="0"/>
-                <a:cs typeface="Avenir Book" charset="0"/>
-              </a:rPr>
-              <a:t>station</a:t>
-            </a:r>
-            <a:r>
-              <a:rPr lang="fi-FI" dirty="0">
-                <a:solidFill>
-                  <a:schemeClr val="bg2">
-                    <a:lumMod val="50000"/>
-                  </a:schemeClr>
-                </a:solidFill>
-                <a:latin typeface="Avenir Book" charset="0"/>
-                <a:ea typeface="Avenir Book" charset="0"/>
-                <a:cs typeface="Avenir Book" charset="0"/>
-              </a:rPr>
-              <a:t> for </a:t>
-            </a:r>
-            <a:r>
-              <a:rPr lang="fi-FI" dirty="0" err="1">
-                <a:solidFill>
-                  <a:schemeClr val="bg2">
-                    <a:lumMod val="50000"/>
-                  </a:schemeClr>
-                </a:solidFill>
-                <a:latin typeface="Avenir Book" charset="0"/>
-                <a:ea typeface="Avenir Book" charset="0"/>
-                <a:cs typeface="Avenir Book" charset="0"/>
-              </a:rPr>
-              <a:t>every</a:t>
-            </a:r>
-            <a:r>
-              <a:rPr lang="fi-FI" dirty="0">
-                <a:solidFill>
-                  <a:schemeClr val="bg2">
-                    <a:lumMod val="50000"/>
-                  </a:schemeClr>
-                </a:solidFill>
-                <a:latin typeface="Avenir Book" charset="0"/>
-                <a:ea typeface="Avenir Book" charset="0"/>
-                <a:cs typeface="Avenir Book" charset="0"/>
-              </a:rPr>
-              <a:t> </a:t>
-            </a:r>
-            <a:r>
-              <a:rPr lang="fi-FI" dirty="0" err="1">
-                <a:solidFill>
-                  <a:schemeClr val="bg2">
-                    <a:lumMod val="50000"/>
-                  </a:schemeClr>
-                </a:solidFill>
-                <a:latin typeface="Avenir Book" charset="0"/>
-                <a:ea typeface="Avenir Book" charset="0"/>
-                <a:cs typeface="Avenir Book" charset="0"/>
-              </a:rPr>
-              <a:t>hour</a:t>
-            </a:r>
-            <a:r>
-              <a:rPr lang="fi-FI" dirty="0">
-                <a:solidFill>
-                  <a:schemeClr val="bg2">
-                    <a:lumMod val="50000"/>
-                  </a:schemeClr>
-                </a:solidFill>
-                <a:latin typeface="Avenir Book" charset="0"/>
-                <a:ea typeface="Avenir Book" charset="0"/>
-                <a:cs typeface="Avenir Book" charset="0"/>
-              </a:rPr>
-              <a:t> </a:t>
-            </a:r>
-            <a:r>
-              <a:rPr lang="fi-FI" dirty="0" err="1">
-                <a:solidFill>
-                  <a:schemeClr val="bg2">
-                    <a:lumMod val="50000"/>
-                  </a:schemeClr>
-                </a:solidFill>
-                <a:latin typeface="Avenir Book" charset="0"/>
-                <a:ea typeface="Avenir Book" charset="0"/>
-                <a:cs typeface="Avenir Book" charset="0"/>
-              </a:rPr>
-              <a:t>when</a:t>
-            </a:r>
-            <a:r>
-              <a:rPr lang="fi-FI" dirty="0">
-                <a:solidFill>
-                  <a:schemeClr val="bg2">
-                    <a:lumMod val="50000"/>
-                  </a:schemeClr>
-                </a:solidFill>
-                <a:latin typeface="Avenir Book" charset="0"/>
-                <a:ea typeface="Avenir Book" charset="0"/>
-                <a:cs typeface="Avenir Book" charset="0"/>
-              </a:rPr>
-              <a:t> </a:t>
-            </a:r>
-            <a:r>
-              <a:rPr lang="fi-FI" dirty="0" err="1">
-                <a:solidFill>
-                  <a:schemeClr val="bg2">
-                    <a:lumMod val="50000"/>
-                  </a:schemeClr>
-                </a:solidFill>
-                <a:latin typeface="Avenir Book" charset="0"/>
-                <a:ea typeface="Avenir Book" charset="0"/>
-                <a:cs typeface="Avenir Book" charset="0"/>
-              </a:rPr>
-              <a:t>train</a:t>
-            </a:r>
-            <a:r>
-              <a:rPr lang="fi-FI" dirty="0">
-                <a:solidFill>
-                  <a:schemeClr val="bg2">
-                    <a:lumMod val="50000"/>
-                  </a:schemeClr>
-                </a:solidFill>
-                <a:latin typeface="Avenir Book" charset="0"/>
-                <a:ea typeface="Avenir Book" charset="0"/>
-                <a:cs typeface="Avenir Book" charset="0"/>
-              </a:rPr>
-              <a:t> </a:t>
-            </a:r>
-            <a:r>
-              <a:rPr lang="fi-FI" dirty="0" err="1">
-                <a:solidFill>
-                  <a:schemeClr val="bg2">
-                    <a:lumMod val="50000"/>
-                  </a:schemeClr>
-                </a:solidFill>
-                <a:latin typeface="Avenir Book" charset="0"/>
-                <a:ea typeface="Avenir Book" charset="0"/>
-                <a:cs typeface="Avenir Book" charset="0"/>
-              </a:rPr>
-              <a:t>has</a:t>
-            </a:r>
-            <a:r>
-              <a:rPr lang="fi-FI" dirty="0">
-                <a:solidFill>
-                  <a:schemeClr val="bg2">
-                    <a:lumMod val="50000"/>
-                  </a:schemeClr>
-                </a:solidFill>
-                <a:latin typeface="Avenir Book" charset="0"/>
-                <a:ea typeface="Avenir Book" charset="0"/>
-                <a:cs typeface="Avenir Book" charset="0"/>
-              </a:rPr>
-              <a:t> </a:t>
-            </a:r>
-            <a:r>
-              <a:rPr lang="fi-FI" dirty="0" err="1">
-                <a:solidFill>
-                  <a:schemeClr val="bg2">
-                    <a:lumMod val="50000"/>
-                  </a:schemeClr>
-                </a:solidFill>
-                <a:latin typeface="Avenir Book" charset="0"/>
-                <a:ea typeface="Avenir Book" charset="0"/>
-                <a:cs typeface="Avenir Book" charset="0"/>
-              </a:rPr>
-              <a:t>passed</a:t>
-            </a:r>
-            <a:r>
-              <a:rPr lang="fi-FI" dirty="0">
-                <a:solidFill>
-                  <a:schemeClr val="bg2">
-                    <a:lumMod val="50000"/>
-                  </a:schemeClr>
-                </a:solidFill>
-                <a:latin typeface="Avenir Book" charset="0"/>
-                <a:ea typeface="Avenir Book" charset="0"/>
-                <a:cs typeface="Avenir Book" charset="0"/>
-              </a:rPr>
-              <a:t> </a:t>
-            </a:r>
-            <a:r>
-              <a:rPr lang="fi-FI" dirty="0" err="1">
-                <a:solidFill>
-                  <a:schemeClr val="bg2">
-                    <a:lumMod val="50000"/>
-                  </a:schemeClr>
-                </a:solidFill>
-                <a:latin typeface="Avenir Book" charset="0"/>
-                <a:ea typeface="Avenir Book" charset="0"/>
-                <a:cs typeface="Avenir Book" charset="0"/>
-              </a:rPr>
-              <a:t>the</a:t>
-            </a:r>
-            <a:r>
-              <a:rPr lang="fi-FI" dirty="0">
-                <a:solidFill>
-                  <a:schemeClr val="bg2">
-                    <a:lumMod val="50000"/>
-                  </a:schemeClr>
-                </a:solidFill>
-                <a:latin typeface="Avenir Book" charset="0"/>
-                <a:ea typeface="Avenir Book" charset="0"/>
-                <a:cs typeface="Avenir Book" charset="0"/>
-              </a:rPr>
-              <a:t> </a:t>
-            </a:r>
-            <a:r>
-              <a:rPr lang="fi-FI" dirty="0" err="1">
-                <a:solidFill>
-                  <a:schemeClr val="bg2">
-                    <a:lumMod val="50000"/>
-                  </a:schemeClr>
-                </a:solidFill>
-                <a:latin typeface="Avenir Book" charset="0"/>
-                <a:ea typeface="Avenir Book" charset="0"/>
-                <a:cs typeface="Avenir Book" charset="0"/>
-              </a:rPr>
-              <a:t>station</a:t>
-            </a:r>
-            <a:endParaRPr lang="fi-FI" dirty="0">
-              <a:solidFill>
-                <a:schemeClr val="bg2">
-                  <a:lumMod val="50000"/>
-                </a:schemeClr>
-              </a:solidFill>
-              <a:latin typeface="Avenir Book" charset="0"/>
-              <a:ea typeface="Avenir Book" charset="0"/>
-              <a:cs typeface="Avenir Book" charset="0"/>
-            </a:endParaRPr>
+              <a:t>19 weather observation parameters near train stations</a:t>
+            </a:r>
           </a:p>
           <a:p>
             <a:pPr marL="198000" indent="-198000">
@@ -10031,7 +9788,7 @@
               </a:lnSpc>
             </a:pPr>
             <a:r>
-              <a:rPr lang="fi-FI" dirty="0" err="1">
+              <a:rPr lang="en-US" dirty="0">
                 <a:solidFill>
                   <a:schemeClr val="bg2">
                     <a:lumMod val="50000"/>
@@ -10041,10 +9798,17 @@
                 <a:ea typeface="Avenir Book" charset="0"/>
                 <a:cs typeface="Avenir Book" charset="0"/>
               </a:rPr>
-              <a:t>Observations</a:t>
-            </a:r>
-            <a:r>
-              <a:rPr lang="fi-FI" dirty="0">
+              <a:t>Four train types (intercity, commuter, cargo, other)</a:t>
+            </a:r>
+          </a:p>
+          <a:p>
+            <a:pPr marL="883800" lvl="1" indent="-198000">
+              <a:lnSpc>
+                <a:spcPct val="130000"/>
+              </a:lnSpc>
+            </a:pPr>
+            <a:r>
+              <a:rPr lang="en-US" dirty="0">
                 <a:solidFill>
                   <a:schemeClr val="bg2">
                     <a:lumMod val="50000"/>
@@ -10054,395 +9818,8 @@
                 <a:ea typeface="Avenir Book" charset="0"/>
                 <a:cs typeface="Avenir Book" charset="0"/>
               </a:rPr>
-              <a:t> </a:t>
-            </a:r>
-            <a:r>
-              <a:rPr lang="fi-FI" dirty="0" err="1">
-                <a:solidFill>
-                  <a:schemeClr val="bg2">
-                    <a:lumMod val="50000"/>
-                  </a:schemeClr>
-                </a:solidFill>
-                <a:latin typeface="Avenir Book" charset="0"/>
-                <a:ea typeface="Avenir Book" charset="0"/>
-                <a:cs typeface="Avenir Book" charset="0"/>
-              </a:rPr>
-              <a:t>fetched</a:t>
-            </a:r>
-            <a:r>
-              <a:rPr lang="fi-FI" dirty="0">
-                <a:solidFill>
-                  <a:schemeClr val="bg2">
-                    <a:lumMod val="50000"/>
-                  </a:schemeClr>
-                </a:solidFill>
-                <a:latin typeface="Avenir Book" charset="0"/>
-                <a:ea typeface="Avenir Book" charset="0"/>
-                <a:cs typeface="Avenir Book" charset="0"/>
-              </a:rPr>
-              <a:t> </a:t>
-            </a:r>
-            <a:r>
-              <a:rPr lang="fi-FI" dirty="0" err="1">
-                <a:solidFill>
-                  <a:schemeClr val="bg2">
-                    <a:lumMod val="50000"/>
-                  </a:schemeClr>
-                </a:solidFill>
-                <a:latin typeface="Avenir Book" charset="0"/>
-                <a:ea typeface="Avenir Book" charset="0"/>
-                <a:cs typeface="Avenir Book" charset="0"/>
-              </a:rPr>
-              <a:t>with</a:t>
-            </a:r>
-            <a:r>
-              <a:rPr lang="fi-FI" dirty="0">
-                <a:solidFill>
-                  <a:schemeClr val="bg2">
-                    <a:lumMod val="50000"/>
-                  </a:schemeClr>
-                </a:solidFill>
-                <a:latin typeface="Avenir Book" charset="0"/>
-                <a:ea typeface="Avenir Book" charset="0"/>
-                <a:cs typeface="Avenir Book" charset="0"/>
-              </a:rPr>
-              <a:t> 100 km radius </a:t>
-            </a:r>
-            <a:r>
-              <a:rPr lang="fi-FI" dirty="0" err="1">
-                <a:solidFill>
-                  <a:schemeClr val="bg2">
-                    <a:lumMod val="50000"/>
-                  </a:schemeClr>
-                </a:solidFill>
-                <a:latin typeface="Avenir Book" charset="0"/>
-                <a:ea typeface="Avenir Book" charset="0"/>
-                <a:cs typeface="Avenir Book" charset="0"/>
-              </a:rPr>
-              <a:t>from</a:t>
-            </a:r>
-            <a:r>
-              <a:rPr lang="fi-FI" dirty="0">
-                <a:solidFill>
-                  <a:schemeClr val="bg2">
-                    <a:lumMod val="50000"/>
-                  </a:schemeClr>
-                </a:solidFill>
-                <a:latin typeface="Avenir Book" charset="0"/>
-                <a:ea typeface="Avenir Book" charset="0"/>
-                <a:cs typeface="Avenir Book" charset="0"/>
-              </a:rPr>
-              <a:t> </a:t>
-            </a:r>
-            <a:r>
-              <a:rPr lang="fi-FI" dirty="0" err="1">
-                <a:solidFill>
-                  <a:schemeClr val="bg2">
-                    <a:lumMod val="50000"/>
-                  </a:schemeClr>
-                </a:solidFill>
-                <a:latin typeface="Avenir Book" charset="0"/>
-                <a:ea typeface="Avenir Book" charset="0"/>
-                <a:cs typeface="Avenir Book" charset="0"/>
-              </a:rPr>
-              <a:t>train</a:t>
-            </a:r>
-            <a:r>
-              <a:rPr lang="fi-FI" dirty="0">
-                <a:solidFill>
-                  <a:schemeClr val="bg2">
-                    <a:lumMod val="50000"/>
-                  </a:schemeClr>
-                </a:solidFill>
-                <a:latin typeface="Avenir Book" charset="0"/>
-                <a:ea typeface="Avenir Book" charset="0"/>
-                <a:cs typeface="Avenir Book" charset="0"/>
-              </a:rPr>
-              <a:t> </a:t>
-            </a:r>
-            <a:r>
-              <a:rPr lang="fi-FI" dirty="0" err="1">
-                <a:solidFill>
-                  <a:schemeClr val="bg2">
-                    <a:lumMod val="50000"/>
-                  </a:schemeClr>
-                </a:solidFill>
-                <a:latin typeface="Avenir Book" charset="0"/>
-                <a:ea typeface="Avenir Book" charset="0"/>
-                <a:cs typeface="Avenir Book" charset="0"/>
-              </a:rPr>
-              <a:t>station</a:t>
-            </a:r>
-            <a:r>
-              <a:rPr lang="fi-FI" dirty="0">
-                <a:solidFill>
-                  <a:schemeClr val="bg2">
-                    <a:lumMod val="50000"/>
-                  </a:schemeClr>
-                </a:solidFill>
-                <a:latin typeface="Avenir Book" charset="0"/>
-                <a:ea typeface="Avenir Book" charset="0"/>
-                <a:cs typeface="Avenir Book" charset="0"/>
-              </a:rPr>
-              <a:t> </a:t>
-            </a:r>
-            <a:r>
-              <a:rPr lang="fi-FI" dirty="0" err="1">
-                <a:solidFill>
-                  <a:schemeClr val="bg2">
-                    <a:lumMod val="50000"/>
-                  </a:schemeClr>
-                </a:solidFill>
-                <a:latin typeface="Avenir Book" charset="0"/>
-                <a:ea typeface="Avenir Book" charset="0"/>
-                <a:cs typeface="Avenir Book" charset="0"/>
-              </a:rPr>
-              <a:t>using</a:t>
-            </a:r>
-            <a:r>
-              <a:rPr lang="fi-FI" dirty="0">
-                <a:solidFill>
-                  <a:schemeClr val="bg2">
-                    <a:lumMod val="50000"/>
-                  </a:schemeClr>
-                </a:solidFill>
-                <a:latin typeface="Avenir Book" charset="0"/>
-                <a:ea typeface="Avenir Book" charset="0"/>
-                <a:cs typeface="Avenir Book" charset="0"/>
-              </a:rPr>
-              <a:t> </a:t>
-            </a:r>
-            <a:r>
-              <a:rPr lang="fi-FI" dirty="0" err="1">
-                <a:solidFill>
-                  <a:schemeClr val="bg2">
-                    <a:lumMod val="50000"/>
-                  </a:schemeClr>
-                </a:solidFill>
-                <a:latin typeface="Avenir Book" charset="0"/>
-                <a:ea typeface="Avenir Book" charset="0"/>
-                <a:cs typeface="Avenir Book" charset="0"/>
-              </a:rPr>
-              <a:t>aggregation</a:t>
-            </a:r>
-            <a:r>
-              <a:rPr lang="fi-FI" dirty="0">
-                <a:solidFill>
-                  <a:schemeClr val="bg2">
-                    <a:lumMod val="50000"/>
-                  </a:schemeClr>
-                </a:solidFill>
-                <a:latin typeface="Avenir Book" charset="0"/>
-                <a:ea typeface="Avenir Book" charset="0"/>
-                <a:cs typeface="Avenir Book" charset="0"/>
-              </a:rPr>
-              <a:t> </a:t>
-            </a:r>
-            <a:r>
-              <a:rPr lang="fi-FI" dirty="0" err="1">
-                <a:solidFill>
-                  <a:schemeClr val="bg2">
-                    <a:lumMod val="50000"/>
-                  </a:schemeClr>
-                </a:solidFill>
-                <a:latin typeface="Avenir Book" charset="0"/>
-                <a:ea typeface="Avenir Book" charset="0"/>
-                <a:cs typeface="Avenir Book" charset="0"/>
-              </a:rPr>
-              <a:t>functions</a:t>
-            </a:r>
-            <a:r>
-              <a:rPr lang="fi-FI" dirty="0">
-                <a:solidFill>
-                  <a:schemeClr val="bg2">
-                    <a:lumMod val="50000"/>
-                  </a:schemeClr>
-                </a:solidFill>
-                <a:latin typeface="Avenir Book" charset="0"/>
-                <a:ea typeface="Avenir Book" charset="0"/>
-                <a:cs typeface="Avenir Book" charset="0"/>
-              </a:rPr>
-              <a:t> (min/</a:t>
-            </a:r>
-            <a:r>
-              <a:rPr lang="fi-FI" dirty="0" err="1">
-                <a:solidFill>
-                  <a:schemeClr val="bg2">
-                    <a:lumMod val="50000"/>
-                  </a:schemeClr>
-                </a:solidFill>
-                <a:latin typeface="Avenir Book" charset="0"/>
-                <a:ea typeface="Avenir Book" charset="0"/>
-                <a:cs typeface="Avenir Book" charset="0"/>
-              </a:rPr>
-              <a:t>max</a:t>
-            </a:r>
-            <a:r>
-              <a:rPr lang="fi-FI" dirty="0">
-                <a:solidFill>
-                  <a:schemeClr val="bg2">
-                    <a:lumMod val="50000"/>
-                  </a:schemeClr>
-                </a:solidFill>
-                <a:latin typeface="Avenir Book" charset="0"/>
-                <a:ea typeface="Avenir Book" charset="0"/>
-                <a:cs typeface="Avenir Book" charset="0"/>
-              </a:rPr>
-              <a:t>/</a:t>
-            </a:r>
-            <a:r>
-              <a:rPr lang="fi-FI" dirty="0" err="1">
-                <a:solidFill>
-                  <a:schemeClr val="bg2">
-                    <a:lumMod val="50000"/>
-                  </a:schemeClr>
-                </a:solidFill>
-                <a:latin typeface="Avenir Book" charset="0"/>
-                <a:ea typeface="Avenir Book" charset="0"/>
-                <a:cs typeface="Avenir Book" charset="0"/>
-              </a:rPr>
-              <a:t>mean</a:t>
-            </a:r>
-            <a:r>
-              <a:rPr lang="fi-FI" dirty="0">
-                <a:solidFill>
-                  <a:schemeClr val="bg2">
-                    <a:lumMod val="50000"/>
-                  </a:schemeClr>
-                </a:solidFill>
-                <a:latin typeface="Avenir Book" charset="0"/>
-                <a:ea typeface="Avenir Book" charset="0"/>
-                <a:cs typeface="Avenir Book" charset="0"/>
-              </a:rPr>
-              <a:t>/</a:t>
-            </a:r>
-            <a:r>
-              <a:rPr lang="fi-FI" dirty="0" err="1">
-                <a:solidFill>
-                  <a:schemeClr val="bg2">
-                    <a:lumMod val="50000"/>
-                  </a:schemeClr>
-                </a:solidFill>
-                <a:latin typeface="Avenir Book" charset="0"/>
-                <a:ea typeface="Avenir Book" charset="0"/>
-                <a:cs typeface="Avenir Book" charset="0"/>
-              </a:rPr>
-              <a:t>count</a:t>
-            </a:r>
-            <a:r>
-              <a:rPr lang="fi-FI" dirty="0">
-                <a:solidFill>
-                  <a:schemeClr val="bg2">
-                    <a:lumMod val="50000"/>
-                  </a:schemeClr>
-                </a:solidFill>
-                <a:latin typeface="Avenir Book" charset="0"/>
-                <a:ea typeface="Avenir Book" charset="0"/>
-                <a:cs typeface="Avenir Book" charset="0"/>
-              </a:rPr>
-              <a:t>) to </a:t>
-            </a:r>
-            <a:r>
-              <a:rPr lang="fi-FI" dirty="0" err="1">
-                <a:solidFill>
-                  <a:schemeClr val="bg2">
-                    <a:lumMod val="50000"/>
-                  </a:schemeClr>
-                </a:solidFill>
-                <a:latin typeface="Avenir Book" charset="0"/>
-                <a:ea typeface="Avenir Book" charset="0"/>
-                <a:cs typeface="Avenir Book" charset="0"/>
-              </a:rPr>
-              <a:t>minimize</a:t>
-            </a:r>
-            <a:r>
-              <a:rPr lang="fi-FI" dirty="0">
-                <a:solidFill>
-                  <a:schemeClr val="bg2">
-                    <a:lumMod val="50000"/>
-                  </a:schemeClr>
-                </a:solidFill>
-                <a:latin typeface="Avenir Book" charset="0"/>
-                <a:ea typeface="Avenir Book" charset="0"/>
-                <a:cs typeface="Avenir Book" charset="0"/>
-              </a:rPr>
-              <a:t> </a:t>
-            </a:r>
-            <a:r>
-              <a:rPr lang="fi-FI" dirty="0" err="1">
-                <a:solidFill>
-                  <a:schemeClr val="bg2">
-                    <a:lumMod val="50000"/>
-                  </a:schemeClr>
-                </a:solidFill>
-                <a:latin typeface="Avenir Book" charset="0"/>
-                <a:ea typeface="Avenir Book" charset="0"/>
-                <a:cs typeface="Avenir Book" charset="0"/>
-              </a:rPr>
-              <a:t>amount</a:t>
-            </a:r>
-            <a:r>
-              <a:rPr lang="fi-FI" dirty="0">
-                <a:solidFill>
-                  <a:schemeClr val="bg2">
-                    <a:lumMod val="50000"/>
-                  </a:schemeClr>
-                </a:solidFill>
-                <a:latin typeface="Avenir Book" charset="0"/>
-                <a:ea typeface="Avenir Book" charset="0"/>
-                <a:cs typeface="Avenir Book" charset="0"/>
-              </a:rPr>
-              <a:t> of </a:t>
-            </a:r>
-            <a:r>
-              <a:rPr lang="fi-FI" dirty="0" err="1">
-                <a:solidFill>
-                  <a:schemeClr val="bg2">
-                    <a:lumMod val="50000"/>
-                  </a:schemeClr>
-                </a:solidFill>
-                <a:latin typeface="Avenir Book" charset="0"/>
-                <a:ea typeface="Avenir Book" charset="0"/>
-                <a:cs typeface="Avenir Book" charset="0"/>
-              </a:rPr>
-              <a:t>missing</a:t>
-            </a:r>
-            <a:r>
-              <a:rPr lang="fi-FI" dirty="0">
-                <a:solidFill>
-                  <a:schemeClr val="bg2">
-                    <a:lumMod val="50000"/>
-                  </a:schemeClr>
-                </a:solidFill>
-                <a:latin typeface="Avenir Book" charset="0"/>
-                <a:ea typeface="Avenir Book" charset="0"/>
-                <a:cs typeface="Avenir Book" charset="0"/>
-              </a:rPr>
-              <a:t> </a:t>
-            </a:r>
-            <a:r>
-              <a:rPr lang="fi-FI" dirty="0" err="1">
-                <a:solidFill>
-                  <a:schemeClr val="bg2">
-                    <a:lumMod val="50000"/>
-                  </a:schemeClr>
-                </a:solidFill>
-                <a:latin typeface="Avenir Book" charset="0"/>
-                <a:ea typeface="Avenir Book" charset="0"/>
-                <a:cs typeface="Avenir Book" charset="0"/>
-              </a:rPr>
-              <a:t>values</a:t>
-            </a:r>
-            <a:endParaRPr lang="fi-FI" dirty="0">
-              <a:solidFill>
-                <a:schemeClr val="bg2">
-                  <a:lumMod val="50000"/>
-                </a:schemeClr>
-              </a:solidFill>
-              <a:latin typeface="Avenir Book" charset="0"/>
-              <a:ea typeface="Avenir Book" charset="0"/>
-              <a:cs typeface="Avenir Book" charset="0"/>
-            </a:endParaRPr>
+              <a:t>We consider only passenger trains</a:t>
+            </a:r>
           </a:p>
           <a:p>
             <a:pPr marL="198000" indent="-198000">
@@ -10451,7 +9828,7 @@
               </a:lnSpc>
             </a:pPr>
             <a:r>
-              <a:rPr lang="fi-FI" dirty="0" err="1">
+              <a:rPr lang="en-US" dirty="0">
                 <a:solidFill>
                   <a:schemeClr val="bg2">
                     <a:lumMod val="50000"/>
@@ -10461,96 +9838,8 @@
                 <a:ea typeface="Avenir Book" charset="0"/>
                 <a:cs typeface="Avenir Book" charset="0"/>
               </a:rPr>
-              <a:t>Calculated</a:t>
-            </a:r>
-            <a:r>
-              <a:rPr lang="fi-FI" dirty="0">
-                <a:solidFill>
-                  <a:schemeClr val="bg2">
-                    <a:lumMod val="50000"/>
-                  </a:schemeClr>
-                </a:solidFill>
-                <a:latin typeface="Avenir Book" charset="0"/>
-                <a:ea typeface="Avenir Book" charset="0"/>
-                <a:cs typeface="Avenir Book" charset="0"/>
-              </a:rPr>
-              <a:t> 3h and 6h </a:t>
-            </a:r>
-            <a:r>
-              <a:rPr lang="fi-FI" dirty="0" err="1">
-                <a:solidFill>
-                  <a:schemeClr val="bg2">
-                    <a:lumMod val="50000"/>
-                  </a:schemeClr>
-                </a:solidFill>
-                <a:latin typeface="Avenir Book" charset="0"/>
-                <a:ea typeface="Avenir Book" charset="0"/>
-                <a:cs typeface="Avenir Book" charset="0"/>
-              </a:rPr>
-              <a:t>precipitation</a:t>
-            </a:r>
-            <a:r>
-              <a:rPr lang="fi-FI" dirty="0">
-                <a:solidFill>
-                  <a:schemeClr val="bg2">
-                    <a:lumMod val="50000"/>
-                  </a:schemeClr>
-                </a:solidFill>
-                <a:latin typeface="Avenir Book" charset="0"/>
-                <a:ea typeface="Avenir Book" charset="0"/>
-                <a:cs typeface="Avenir Book" charset="0"/>
-              </a:rPr>
-              <a:t> </a:t>
-            </a:r>
-            <a:r>
-              <a:rPr lang="fi-FI" dirty="0" err="1">
-                <a:solidFill>
-                  <a:schemeClr val="bg2">
-                    <a:lumMod val="50000"/>
-                  </a:schemeClr>
-                </a:solidFill>
-                <a:latin typeface="Avenir Book" charset="0"/>
-                <a:ea typeface="Avenir Book" charset="0"/>
-                <a:cs typeface="Avenir Book" charset="0"/>
-              </a:rPr>
-              <a:t>accumulation</a:t>
-            </a:r>
-            <a:r>
-              <a:rPr lang="fi-FI" dirty="0">
-                <a:solidFill>
-                  <a:schemeClr val="bg2">
-                    <a:lumMod val="50000"/>
-                  </a:schemeClr>
-                </a:solidFill>
-                <a:latin typeface="Avenir Book" charset="0"/>
-                <a:ea typeface="Avenir Book" charset="0"/>
-                <a:cs typeface="Avenir Book" charset="0"/>
-              </a:rPr>
-              <a:t> </a:t>
-            </a:r>
-            <a:r>
-              <a:rPr lang="fi-FI" dirty="0" err="1">
-                <a:solidFill>
-                  <a:schemeClr val="bg2">
-                    <a:lumMod val="50000"/>
-                  </a:schemeClr>
-                </a:solidFill>
-                <a:latin typeface="Avenir Book" charset="0"/>
-                <a:ea typeface="Avenir Book" charset="0"/>
-                <a:cs typeface="Avenir Book" charset="0"/>
-              </a:rPr>
-              <a:t>sums</a:t>
-            </a:r>
-            <a:endParaRPr lang="fi-FI" dirty="0">
-              <a:solidFill>
-                <a:schemeClr val="bg2">
-                  <a:lumMod val="50000"/>
-                </a:schemeClr>
-              </a:solidFill>
-              <a:latin typeface="Avenir Book" charset="0"/>
-              <a:ea typeface="Avenir Book" charset="0"/>
-              <a:cs typeface="Avenir Book" charset="0"/>
-            </a:endParaRPr>
+              <a:t>Training with data from 2010 to 2018</a:t>
+            </a:r>
           </a:p>
           <a:p>
             <a:pPr marL="883800" lvl="1" indent="-198000">
@@ -10558,6 +9847,58 @@
                 <a:spcPct val="130000"/>
               </a:lnSpc>
             </a:pPr>
+            <a:r>
+              <a:rPr lang="fi-FI" dirty="0">
+                <a:solidFill>
+                  <a:schemeClr val="bg2">
+                    <a:lumMod val="50000"/>
+                  </a:schemeClr>
+                </a:solidFill>
+                <a:latin typeface="Avenir Book" charset="0"/>
+                <a:ea typeface="Avenir Book" charset="0"/>
+                <a:cs typeface="Avenir Book" charset="0"/>
+              </a:rPr>
+              <a:t>Dataset </a:t>
+            </a:r>
+            <a:r>
+              <a:rPr lang="fi-FI" dirty="0" err="1">
+                <a:solidFill>
+                  <a:schemeClr val="bg2">
+                    <a:lumMod val="50000"/>
+                  </a:schemeClr>
+                </a:solidFill>
+                <a:latin typeface="Avenir Book" charset="0"/>
+                <a:ea typeface="Avenir Book" charset="0"/>
+                <a:cs typeface="Avenir Book" charset="0"/>
+              </a:rPr>
+              <a:t>size</a:t>
+            </a:r>
+            <a:r>
+              <a:rPr lang="fi-FI" dirty="0">
+                <a:solidFill>
+                  <a:schemeClr val="bg2">
+                    <a:lumMod val="50000"/>
+                  </a:schemeClr>
+                </a:solidFill>
+                <a:latin typeface="Avenir Book" charset="0"/>
+                <a:ea typeface="Avenir Book" charset="0"/>
+                <a:cs typeface="Avenir Book" charset="0"/>
+              </a:rPr>
+              <a:t> 27 132 093 </a:t>
+            </a:r>
+            <a:r>
+              <a:rPr lang="fi-FI" dirty="0" err="1">
+                <a:solidFill>
+                  <a:schemeClr val="bg2">
+                    <a:lumMod val="50000"/>
+                  </a:schemeClr>
+                </a:solidFill>
+                <a:latin typeface="Avenir Book" charset="0"/>
+                <a:ea typeface="Avenir Book" charset="0"/>
+                <a:cs typeface="Avenir Book" charset="0"/>
+              </a:rPr>
+              <a:t>rows</a:t>
+            </a:r>
             <a:endParaRPr lang="en-US" dirty="0">
               <a:solidFill>
                 <a:schemeClr val="bg2">
@@ -10568,6 +9909,46 @@
               <a:ea typeface="Avenir Book" charset="0"/>
               <a:cs typeface="Avenir Book" charset="0"/>
             </a:endParaRPr>
+          </a:p>
+          <a:p>
+            <a:pPr marL="198000" indent="-198000">
+              <a:lnSpc>
+                <a:spcPct val="130000"/>
+              </a:lnSpc>
+            </a:pPr>
+            <a:r>
+              <a:rPr lang="en-US" dirty="0">
+                <a:solidFill>
+                  <a:schemeClr val="bg2">
+                    <a:lumMod val="50000"/>
+                  </a:schemeClr>
+                </a:solidFill>
+                <a:latin typeface="Avenir Book" charset="0"/>
+                <a:ea typeface="Avenir Book" charset="0"/>
+                <a:cs typeface="Avenir Book" charset="0"/>
+              </a:rPr>
+              <a:t>Features for prediction</a:t>
+            </a:r>
+          </a:p>
+          <a:p>
+            <a:pPr marL="883800" lvl="1" indent="-198000">
+              <a:lnSpc>
+                <a:spcPct val="130000"/>
+              </a:lnSpc>
+            </a:pPr>
+            <a:r>
+              <a:rPr lang="en-US" dirty="0">
+                <a:solidFill>
+                  <a:schemeClr val="bg2">
+                    <a:lumMod val="50000"/>
+                  </a:schemeClr>
+                </a:solidFill>
+                <a:latin typeface="Avenir Book" charset="0"/>
+                <a:ea typeface="Avenir Book" charset="0"/>
+                <a:cs typeface="Avenir Book" charset="0"/>
+              </a:rPr>
+              <a:t>The same weather parameters as in training fetched from Harmonie numerical weather prediction model</a:t>
+            </a:r>
           </a:p>
           <a:p>
             <a:pPr>
@@ -10683,6 +10064,1274 @@
           </a:p>
         </p:txBody>
       </p:sp>
+      <p:pic>
+        <p:nvPicPr>
+          <p:cNvPr id="4" name="Picture 3"/>
+          <p:cNvPicPr>
+            <a:picLocks noChangeAspect="1"/>
+          </p:cNvPicPr>
+          <p:nvPr/>
+        </p:nvPicPr>
+        <p:blipFill>
+          <a:blip r:embed="rId3">
+            <a:extLst>
+              <a:ext uri="{28A0092B-C50C-407E-A947-70E740481C1C}">
+                <a14:useLocalDpi xmlns:a14="http://schemas.microsoft.com/office/drawing/2010/main" val="0"/>
+              </a:ext>
+            </a:extLst>
+          </a:blip>
+          <a:stretch>
+            <a:fillRect/>
+          </a:stretch>
+        </p:blipFill>
+        <p:spPr>
+          <a:xfrm>
+            <a:off x="7101279" y="0"/>
+            <a:ext cx="1471783" cy="2185817"/>
+          </a:xfrm>
+          <a:prstGeom prst="rect">
+            <a:avLst/>
+          </a:prstGeom>
+        </p:spPr>
+      </p:pic>
+    </p:spTree>
+    <p:extLst>
+      <p:ext uri="{BB962C8B-B14F-4D97-AF65-F5344CB8AC3E}">
+        <p14:creationId xmlns:p14="http://schemas.microsoft.com/office/powerpoint/2010/main" val="1779453108"/>
+      </p:ext>
+    </p:extLst>
+  </p:cSld>
+  <p:clrMapOvr>
+    <a:masterClrMapping/>
+  </p:clrMapOvr>
+</p:sld>
+</file>
+
+<file path=ppt/slides/slide11.xml><?xml version="1.0" encoding="utf-8"?>
+<p:sld xmlns:a="http://schemas.openxmlformats.org/drawingml/2006/main" xmlns:r="http://schemas.openxmlformats.org/officeDocument/2006/relationships" xmlns:p="http://schemas.openxmlformats.org/presentationml/2006/main">
+  <p:cSld>
+    <p:spTree>
+      <p:nvGrpSpPr>
+        <p:cNvPr id="1" name=""/>
+        <p:cNvGrpSpPr/>
+        <p:nvPr/>
+      </p:nvGrpSpPr>
+      <p:grpSpPr>
+        <a:xfrm>
+          <a:off x="0" y="0"/>
+          <a:ext cx="0" cy="0"/>
+          <a:chOff x="0" y="0"/>
+          <a:chExt cx="0" cy="0"/>
+        </a:xfrm>
+      </p:grpSpPr>
+      <p:sp>
+        <p:nvSpPr>
+          <p:cNvPr id="2" name="Title 1"/>
+          <p:cNvSpPr>
+            <a:spLocks noGrp="1"/>
+          </p:cNvSpPr>
+          <p:nvPr>
+            <p:ph type="title"/>
+          </p:nvPr>
+        </p:nvSpPr>
+        <p:spPr/>
+        <p:txBody>
+          <a:bodyPr/>
+          <a:lstStyle/>
+          <a:p>
+            <a:r>
+              <a:rPr lang="en-US" b="1" dirty="0">
+                <a:latin typeface="Avenir Black" charset="0"/>
+                <a:ea typeface="Avenir Black" charset="0"/>
+                <a:cs typeface="Avenir Black" charset="0"/>
+              </a:rPr>
+              <a:t>Data pre-processing</a:t>
+            </a:r>
+          </a:p>
+        </p:txBody>
+      </p:sp>
+      <p:sp>
+        <p:nvSpPr>
+          <p:cNvPr id="3" name="Content Placeholder 2"/>
+          <p:cNvSpPr>
+            <a:spLocks noGrp="1"/>
+          </p:cNvSpPr>
+          <p:nvPr>
+            <p:ph idx="1"/>
+          </p:nvPr>
+        </p:nvSpPr>
+        <p:spPr>
+          <a:xfrm>
+            <a:off x="642501" y="1663403"/>
+            <a:ext cx="8599095" cy="4242814"/>
+          </a:xfrm>
+        </p:spPr>
+        <p:txBody>
+          <a:bodyPr>
+            <a:normAutofit/>
+          </a:bodyPr>
+          <a:lstStyle/>
+          <a:p>
+            <a:pPr marL="198000" indent="-198000">
+              <a:lnSpc>
+                <a:spcPct val="130000"/>
+              </a:lnSpc>
+            </a:pPr>
+            <a:r>
+              <a:rPr lang="fi-FI" dirty="0" err="1">
+                <a:solidFill>
+                  <a:schemeClr val="bg2">
+                    <a:lumMod val="50000"/>
+                  </a:schemeClr>
+                </a:solidFill>
+                <a:latin typeface="Avenir Book" charset="0"/>
+                <a:ea typeface="Avenir Book" charset="0"/>
+                <a:cs typeface="Avenir Book" charset="0"/>
+              </a:rPr>
+              <a:t>Weather</a:t>
+            </a:r>
+            <a:r>
+              <a:rPr lang="fi-FI" dirty="0">
+                <a:solidFill>
+                  <a:schemeClr val="bg2">
+                    <a:lumMod val="50000"/>
+                  </a:schemeClr>
+                </a:solidFill>
+                <a:latin typeface="Avenir Book" charset="0"/>
+                <a:ea typeface="Avenir Book" charset="0"/>
+                <a:cs typeface="Avenir Book" charset="0"/>
+              </a:rPr>
+              <a:t> </a:t>
+            </a:r>
+            <a:r>
+              <a:rPr lang="fi-FI" dirty="0" err="1">
+                <a:solidFill>
+                  <a:schemeClr val="bg2">
+                    <a:lumMod val="50000"/>
+                  </a:schemeClr>
+                </a:solidFill>
+                <a:latin typeface="Avenir Book" charset="0"/>
+                <a:ea typeface="Avenir Book" charset="0"/>
+                <a:cs typeface="Avenir Book" charset="0"/>
+              </a:rPr>
+              <a:t>observation</a:t>
+            </a:r>
+            <a:r>
+              <a:rPr lang="fi-FI" dirty="0">
+                <a:solidFill>
+                  <a:schemeClr val="bg2">
+                    <a:lumMod val="50000"/>
+                  </a:schemeClr>
+                </a:solidFill>
+                <a:latin typeface="Avenir Book" charset="0"/>
+                <a:ea typeface="Avenir Book" charset="0"/>
+                <a:cs typeface="Avenir Book" charset="0"/>
+              </a:rPr>
+              <a:t> </a:t>
+            </a:r>
+            <a:r>
+              <a:rPr lang="fi-FI" dirty="0" err="1">
+                <a:solidFill>
+                  <a:schemeClr val="bg2">
+                    <a:lumMod val="50000"/>
+                  </a:schemeClr>
+                </a:solidFill>
+                <a:latin typeface="Avenir Book" charset="0"/>
+                <a:ea typeface="Avenir Book" charset="0"/>
+                <a:cs typeface="Avenir Book" charset="0"/>
+              </a:rPr>
+              <a:t>fetched</a:t>
+            </a:r>
+            <a:r>
+              <a:rPr lang="fi-FI" dirty="0">
+                <a:solidFill>
+                  <a:schemeClr val="bg2">
+                    <a:lumMod val="50000"/>
+                  </a:schemeClr>
+                </a:solidFill>
+                <a:latin typeface="Avenir Book" charset="0"/>
+                <a:ea typeface="Avenir Book" charset="0"/>
+                <a:cs typeface="Avenir Book" charset="0"/>
+              </a:rPr>
+              <a:t> for </a:t>
+            </a:r>
+            <a:r>
+              <a:rPr lang="fi-FI" dirty="0" err="1">
+                <a:solidFill>
+                  <a:schemeClr val="bg2">
+                    <a:lumMod val="50000"/>
+                  </a:schemeClr>
+                </a:solidFill>
+                <a:latin typeface="Avenir Book" charset="0"/>
+                <a:ea typeface="Avenir Book" charset="0"/>
+                <a:cs typeface="Avenir Book" charset="0"/>
+              </a:rPr>
+              <a:t>every</a:t>
+            </a:r>
+            <a:r>
+              <a:rPr lang="fi-FI" dirty="0">
+                <a:solidFill>
+                  <a:schemeClr val="bg2">
+                    <a:lumMod val="50000"/>
+                  </a:schemeClr>
+                </a:solidFill>
+                <a:latin typeface="Avenir Book" charset="0"/>
+                <a:ea typeface="Avenir Book" charset="0"/>
+                <a:cs typeface="Avenir Book" charset="0"/>
+              </a:rPr>
+              <a:t> </a:t>
+            </a:r>
+            <a:r>
+              <a:rPr lang="fi-FI" dirty="0" err="1">
+                <a:solidFill>
+                  <a:schemeClr val="bg2">
+                    <a:lumMod val="50000"/>
+                  </a:schemeClr>
+                </a:solidFill>
+                <a:latin typeface="Avenir Book" charset="0"/>
+                <a:ea typeface="Avenir Book" charset="0"/>
+                <a:cs typeface="Avenir Book" charset="0"/>
+              </a:rPr>
+              <a:t>train</a:t>
+            </a:r>
+            <a:r>
+              <a:rPr lang="fi-FI" dirty="0">
+                <a:solidFill>
+                  <a:schemeClr val="bg2">
+                    <a:lumMod val="50000"/>
+                  </a:schemeClr>
+                </a:solidFill>
+                <a:latin typeface="Avenir Book" charset="0"/>
+                <a:ea typeface="Avenir Book" charset="0"/>
+                <a:cs typeface="Avenir Book" charset="0"/>
+              </a:rPr>
+              <a:t> </a:t>
+            </a:r>
+            <a:r>
+              <a:rPr lang="fi-FI" dirty="0" err="1">
+                <a:solidFill>
+                  <a:schemeClr val="bg2">
+                    <a:lumMod val="50000"/>
+                  </a:schemeClr>
+                </a:solidFill>
+                <a:latin typeface="Avenir Book" charset="0"/>
+                <a:ea typeface="Avenir Book" charset="0"/>
+                <a:cs typeface="Avenir Book" charset="0"/>
+              </a:rPr>
+              <a:t>station</a:t>
+            </a:r>
+            <a:r>
+              <a:rPr lang="fi-FI" dirty="0">
+                <a:solidFill>
+                  <a:schemeClr val="bg2">
+                    <a:lumMod val="50000"/>
+                  </a:schemeClr>
+                </a:solidFill>
+                <a:latin typeface="Avenir Book" charset="0"/>
+                <a:ea typeface="Avenir Book" charset="0"/>
+                <a:cs typeface="Avenir Book" charset="0"/>
+              </a:rPr>
+              <a:t> for </a:t>
+            </a:r>
+            <a:r>
+              <a:rPr lang="fi-FI" dirty="0" err="1">
+                <a:solidFill>
+                  <a:schemeClr val="bg2">
+                    <a:lumMod val="50000"/>
+                  </a:schemeClr>
+                </a:solidFill>
+                <a:latin typeface="Avenir Book" charset="0"/>
+                <a:ea typeface="Avenir Book" charset="0"/>
+                <a:cs typeface="Avenir Book" charset="0"/>
+              </a:rPr>
+              <a:t>every</a:t>
+            </a:r>
+            <a:r>
+              <a:rPr lang="fi-FI" dirty="0">
+                <a:solidFill>
+                  <a:schemeClr val="bg2">
+                    <a:lumMod val="50000"/>
+                  </a:schemeClr>
+                </a:solidFill>
+                <a:latin typeface="Avenir Book" charset="0"/>
+                <a:ea typeface="Avenir Book" charset="0"/>
+                <a:cs typeface="Avenir Book" charset="0"/>
+              </a:rPr>
+              <a:t> </a:t>
+            </a:r>
+            <a:r>
+              <a:rPr lang="fi-FI" dirty="0" err="1">
+                <a:solidFill>
+                  <a:schemeClr val="bg2">
+                    <a:lumMod val="50000"/>
+                  </a:schemeClr>
+                </a:solidFill>
+                <a:latin typeface="Avenir Book" charset="0"/>
+                <a:ea typeface="Avenir Book" charset="0"/>
+                <a:cs typeface="Avenir Book" charset="0"/>
+              </a:rPr>
+              <a:t>hour</a:t>
+            </a:r>
+            <a:r>
+              <a:rPr lang="fi-FI" dirty="0">
+                <a:solidFill>
+                  <a:schemeClr val="bg2">
+                    <a:lumMod val="50000"/>
+                  </a:schemeClr>
+                </a:solidFill>
+                <a:latin typeface="Avenir Book" charset="0"/>
+                <a:ea typeface="Avenir Book" charset="0"/>
+                <a:cs typeface="Avenir Book" charset="0"/>
+              </a:rPr>
+              <a:t> </a:t>
+            </a:r>
+            <a:r>
+              <a:rPr lang="fi-FI" dirty="0" err="1">
+                <a:solidFill>
+                  <a:schemeClr val="bg2">
+                    <a:lumMod val="50000"/>
+                  </a:schemeClr>
+                </a:solidFill>
+                <a:latin typeface="Avenir Book" charset="0"/>
+                <a:ea typeface="Avenir Book" charset="0"/>
+                <a:cs typeface="Avenir Book" charset="0"/>
+              </a:rPr>
+              <a:t>when</a:t>
+            </a:r>
+            <a:r>
+              <a:rPr lang="fi-FI" dirty="0">
+                <a:solidFill>
+                  <a:schemeClr val="bg2">
+                    <a:lumMod val="50000"/>
+                  </a:schemeClr>
+                </a:solidFill>
+                <a:latin typeface="Avenir Book" charset="0"/>
+                <a:ea typeface="Avenir Book" charset="0"/>
+                <a:cs typeface="Avenir Book" charset="0"/>
+              </a:rPr>
+              <a:t> </a:t>
+            </a:r>
+            <a:r>
+              <a:rPr lang="fi-FI" dirty="0" err="1">
+                <a:solidFill>
+                  <a:schemeClr val="bg2">
+                    <a:lumMod val="50000"/>
+                  </a:schemeClr>
+                </a:solidFill>
+                <a:latin typeface="Avenir Book" charset="0"/>
+                <a:ea typeface="Avenir Book" charset="0"/>
+                <a:cs typeface="Avenir Book" charset="0"/>
+              </a:rPr>
+              <a:t>train</a:t>
+            </a:r>
+            <a:r>
+              <a:rPr lang="fi-FI" dirty="0">
+                <a:solidFill>
+                  <a:schemeClr val="bg2">
+                    <a:lumMod val="50000"/>
+                  </a:schemeClr>
+                </a:solidFill>
+                <a:latin typeface="Avenir Book" charset="0"/>
+                <a:ea typeface="Avenir Book" charset="0"/>
+                <a:cs typeface="Avenir Book" charset="0"/>
+              </a:rPr>
+              <a:t> </a:t>
+            </a:r>
+            <a:r>
+              <a:rPr lang="fi-FI" dirty="0" err="1">
+                <a:solidFill>
+                  <a:schemeClr val="bg2">
+                    <a:lumMod val="50000"/>
+                  </a:schemeClr>
+                </a:solidFill>
+                <a:latin typeface="Avenir Book" charset="0"/>
+                <a:ea typeface="Avenir Book" charset="0"/>
+                <a:cs typeface="Avenir Book" charset="0"/>
+              </a:rPr>
+              <a:t>has</a:t>
+            </a:r>
+            <a:r>
+              <a:rPr lang="fi-FI" dirty="0">
+                <a:solidFill>
+                  <a:schemeClr val="bg2">
+                    <a:lumMod val="50000"/>
+                  </a:schemeClr>
+                </a:solidFill>
+                <a:latin typeface="Avenir Book" charset="0"/>
+                <a:ea typeface="Avenir Book" charset="0"/>
+                <a:cs typeface="Avenir Book" charset="0"/>
+              </a:rPr>
+              <a:t> </a:t>
+            </a:r>
+            <a:r>
+              <a:rPr lang="fi-FI" dirty="0" err="1">
+                <a:solidFill>
+                  <a:schemeClr val="bg2">
+                    <a:lumMod val="50000"/>
+                  </a:schemeClr>
+                </a:solidFill>
+                <a:latin typeface="Avenir Book" charset="0"/>
+                <a:ea typeface="Avenir Book" charset="0"/>
+                <a:cs typeface="Avenir Book" charset="0"/>
+              </a:rPr>
+              <a:t>passed</a:t>
+            </a:r>
+            <a:r>
+              <a:rPr lang="fi-FI" dirty="0">
+                <a:solidFill>
+                  <a:schemeClr val="bg2">
+                    <a:lumMod val="50000"/>
+                  </a:schemeClr>
+                </a:solidFill>
+                <a:latin typeface="Avenir Book" charset="0"/>
+                <a:ea typeface="Avenir Book" charset="0"/>
+                <a:cs typeface="Avenir Book" charset="0"/>
+              </a:rPr>
+              <a:t> </a:t>
+            </a:r>
+            <a:r>
+              <a:rPr lang="fi-FI" dirty="0" err="1">
+                <a:solidFill>
+                  <a:schemeClr val="bg2">
+                    <a:lumMod val="50000"/>
+                  </a:schemeClr>
+                </a:solidFill>
+                <a:latin typeface="Avenir Book" charset="0"/>
+                <a:ea typeface="Avenir Book" charset="0"/>
+                <a:cs typeface="Avenir Book" charset="0"/>
+              </a:rPr>
+              <a:t>the</a:t>
+            </a:r>
+            <a:r>
+              <a:rPr lang="fi-FI" dirty="0">
+                <a:solidFill>
+                  <a:schemeClr val="bg2">
+                    <a:lumMod val="50000"/>
+                  </a:schemeClr>
+                </a:solidFill>
+                <a:latin typeface="Avenir Book" charset="0"/>
+                <a:ea typeface="Avenir Book" charset="0"/>
+                <a:cs typeface="Avenir Book" charset="0"/>
+              </a:rPr>
+              <a:t> </a:t>
+            </a:r>
+            <a:r>
+              <a:rPr lang="fi-FI" dirty="0" err="1">
+                <a:solidFill>
+                  <a:schemeClr val="bg2">
+                    <a:lumMod val="50000"/>
+                  </a:schemeClr>
+                </a:solidFill>
+                <a:latin typeface="Avenir Book" charset="0"/>
+                <a:ea typeface="Avenir Book" charset="0"/>
+                <a:cs typeface="Avenir Book" charset="0"/>
+              </a:rPr>
+              <a:t>station</a:t>
+            </a:r>
+            <a:endParaRPr lang="fi-FI" dirty="0">
+              <a:solidFill>
+                <a:schemeClr val="bg2">
+                  <a:lumMod val="50000"/>
+                </a:schemeClr>
+              </a:solidFill>
+              <a:latin typeface="Avenir Book" charset="0"/>
+              <a:ea typeface="Avenir Book" charset="0"/>
+              <a:cs typeface="Avenir Book" charset="0"/>
+            </a:endParaRPr>
+          </a:p>
+          <a:p>
+            <a:pPr marL="198000" indent="-198000">
+              <a:lnSpc>
+                <a:spcPct val="130000"/>
+              </a:lnSpc>
+            </a:pPr>
+            <a:r>
+              <a:rPr lang="fi-FI" dirty="0" err="1">
+                <a:solidFill>
+                  <a:schemeClr val="bg2">
+                    <a:lumMod val="50000"/>
+                  </a:schemeClr>
+                </a:solidFill>
+                <a:latin typeface="Avenir Book" charset="0"/>
+                <a:ea typeface="Avenir Book" charset="0"/>
+                <a:cs typeface="Avenir Book" charset="0"/>
+              </a:rPr>
+              <a:t>Observations</a:t>
+            </a:r>
+            <a:r>
+              <a:rPr lang="fi-FI" dirty="0">
+                <a:solidFill>
+                  <a:schemeClr val="bg2">
+                    <a:lumMod val="50000"/>
+                  </a:schemeClr>
+                </a:solidFill>
+                <a:latin typeface="Avenir Book" charset="0"/>
+                <a:ea typeface="Avenir Book" charset="0"/>
+                <a:cs typeface="Avenir Book" charset="0"/>
+              </a:rPr>
+              <a:t> </a:t>
+            </a:r>
+            <a:r>
+              <a:rPr lang="fi-FI" dirty="0" err="1">
+                <a:solidFill>
+                  <a:schemeClr val="bg2">
+                    <a:lumMod val="50000"/>
+                  </a:schemeClr>
+                </a:solidFill>
+                <a:latin typeface="Avenir Book" charset="0"/>
+                <a:ea typeface="Avenir Book" charset="0"/>
+                <a:cs typeface="Avenir Book" charset="0"/>
+              </a:rPr>
+              <a:t>fetched</a:t>
+            </a:r>
+            <a:r>
+              <a:rPr lang="fi-FI" dirty="0">
+                <a:solidFill>
+                  <a:schemeClr val="bg2">
+                    <a:lumMod val="50000"/>
+                  </a:schemeClr>
+                </a:solidFill>
+                <a:latin typeface="Avenir Book" charset="0"/>
+                <a:ea typeface="Avenir Book" charset="0"/>
+                <a:cs typeface="Avenir Book" charset="0"/>
+              </a:rPr>
+              <a:t> </a:t>
+            </a:r>
+            <a:r>
+              <a:rPr lang="fi-FI" dirty="0" err="1">
+                <a:solidFill>
+                  <a:schemeClr val="bg2">
+                    <a:lumMod val="50000"/>
+                  </a:schemeClr>
+                </a:solidFill>
+                <a:latin typeface="Avenir Book" charset="0"/>
+                <a:ea typeface="Avenir Book" charset="0"/>
+                <a:cs typeface="Avenir Book" charset="0"/>
+              </a:rPr>
+              <a:t>with</a:t>
+            </a:r>
+            <a:r>
+              <a:rPr lang="fi-FI" dirty="0">
+                <a:solidFill>
+                  <a:schemeClr val="bg2">
+                    <a:lumMod val="50000"/>
+                  </a:schemeClr>
+                </a:solidFill>
+                <a:latin typeface="Avenir Book" charset="0"/>
+                <a:ea typeface="Avenir Book" charset="0"/>
+                <a:cs typeface="Avenir Book" charset="0"/>
+              </a:rPr>
+              <a:t> 100 km radius </a:t>
+            </a:r>
+            <a:r>
+              <a:rPr lang="fi-FI" dirty="0" err="1">
+                <a:solidFill>
+                  <a:schemeClr val="bg2">
+                    <a:lumMod val="50000"/>
+                  </a:schemeClr>
+                </a:solidFill>
+                <a:latin typeface="Avenir Book" charset="0"/>
+                <a:ea typeface="Avenir Book" charset="0"/>
+                <a:cs typeface="Avenir Book" charset="0"/>
+              </a:rPr>
+              <a:t>from</a:t>
+            </a:r>
+            <a:r>
+              <a:rPr lang="fi-FI" dirty="0">
+                <a:solidFill>
+                  <a:schemeClr val="bg2">
+                    <a:lumMod val="50000"/>
+                  </a:schemeClr>
+                </a:solidFill>
+                <a:latin typeface="Avenir Book" charset="0"/>
+                <a:ea typeface="Avenir Book" charset="0"/>
+                <a:cs typeface="Avenir Book" charset="0"/>
+              </a:rPr>
+              <a:t> </a:t>
+            </a:r>
+            <a:r>
+              <a:rPr lang="fi-FI" dirty="0" err="1">
+                <a:solidFill>
+                  <a:schemeClr val="bg2">
+                    <a:lumMod val="50000"/>
+                  </a:schemeClr>
+                </a:solidFill>
+                <a:latin typeface="Avenir Book" charset="0"/>
+                <a:ea typeface="Avenir Book" charset="0"/>
+                <a:cs typeface="Avenir Book" charset="0"/>
+              </a:rPr>
+              <a:t>train</a:t>
+            </a:r>
+            <a:r>
+              <a:rPr lang="fi-FI" dirty="0">
+                <a:solidFill>
+                  <a:schemeClr val="bg2">
+                    <a:lumMod val="50000"/>
+                  </a:schemeClr>
+                </a:solidFill>
+                <a:latin typeface="Avenir Book" charset="0"/>
+                <a:ea typeface="Avenir Book" charset="0"/>
+                <a:cs typeface="Avenir Book" charset="0"/>
+              </a:rPr>
+              <a:t> </a:t>
+            </a:r>
+            <a:r>
+              <a:rPr lang="fi-FI" dirty="0" err="1">
+                <a:solidFill>
+                  <a:schemeClr val="bg2">
+                    <a:lumMod val="50000"/>
+                  </a:schemeClr>
+                </a:solidFill>
+                <a:latin typeface="Avenir Book" charset="0"/>
+                <a:ea typeface="Avenir Book" charset="0"/>
+                <a:cs typeface="Avenir Book" charset="0"/>
+              </a:rPr>
+              <a:t>station</a:t>
+            </a:r>
+            <a:r>
+              <a:rPr lang="fi-FI" dirty="0">
+                <a:solidFill>
+                  <a:schemeClr val="bg2">
+                    <a:lumMod val="50000"/>
+                  </a:schemeClr>
+                </a:solidFill>
+                <a:latin typeface="Avenir Book" charset="0"/>
+                <a:ea typeface="Avenir Book" charset="0"/>
+                <a:cs typeface="Avenir Book" charset="0"/>
+              </a:rPr>
+              <a:t> </a:t>
+            </a:r>
+            <a:r>
+              <a:rPr lang="fi-FI" dirty="0" err="1">
+                <a:solidFill>
+                  <a:schemeClr val="bg2">
+                    <a:lumMod val="50000"/>
+                  </a:schemeClr>
+                </a:solidFill>
+                <a:latin typeface="Avenir Book" charset="0"/>
+                <a:ea typeface="Avenir Book" charset="0"/>
+                <a:cs typeface="Avenir Book" charset="0"/>
+              </a:rPr>
+              <a:t>using</a:t>
+            </a:r>
+            <a:r>
+              <a:rPr lang="fi-FI" dirty="0">
+                <a:solidFill>
+                  <a:schemeClr val="bg2">
+                    <a:lumMod val="50000"/>
+                  </a:schemeClr>
+                </a:solidFill>
+                <a:latin typeface="Avenir Book" charset="0"/>
+                <a:ea typeface="Avenir Book" charset="0"/>
+                <a:cs typeface="Avenir Book" charset="0"/>
+              </a:rPr>
+              <a:t> </a:t>
+            </a:r>
+            <a:r>
+              <a:rPr lang="fi-FI" dirty="0" err="1">
+                <a:solidFill>
+                  <a:schemeClr val="bg2">
+                    <a:lumMod val="50000"/>
+                  </a:schemeClr>
+                </a:solidFill>
+                <a:latin typeface="Avenir Book" charset="0"/>
+                <a:ea typeface="Avenir Book" charset="0"/>
+                <a:cs typeface="Avenir Book" charset="0"/>
+              </a:rPr>
+              <a:t>aggregation</a:t>
+            </a:r>
+            <a:r>
+              <a:rPr lang="fi-FI" dirty="0">
+                <a:solidFill>
+                  <a:schemeClr val="bg2">
+                    <a:lumMod val="50000"/>
+                  </a:schemeClr>
+                </a:solidFill>
+                <a:latin typeface="Avenir Book" charset="0"/>
+                <a:ea typeface="Avenir Book" charset="0"/>
+                <a:cs typeface="Avenir Book" charset="0"/>
+              </a:rPr>
+              <a:t> </a:t>
+            </a:r>
+            <a:r>
+              <a:rPr lang="fi-FI" dirty="0" err="1">
+                <a:solidFill>
+                  <a:schemeClr val="bg2">
+                    <a:lumMod val="50000"/>
+                  </a:schemeClr>
+                </a:solidFill>
+                <a:latin typeface="Avenir Book" charset="0"/>
+                <a:ea typeface="Avenir Book" charset="0"/>
+                <a:cs typeface="Avenir Book" charset="0"/>
+              </a:rPr>
+              <a:t>functions</a:t>
+            </a:r>
+            <a:r>
+              <a:rPr lang="fi-FI" dirty="0">
+                <a:solidFill>
+                  <a:schemeClr val="bg2">
+                    <a:lumMod val="50000"/>
+                  </a:schemeClr>
+                </a:solidFill>
+                <a:latin typeface="Avenir Book" charset="0"/>
+                <a:ea typeface="Avenir Book" charset="0"/>
+                <a:cs typeface="Avenir Book" charset="0"/>
+              </a:rPr>
+              <a:t> (min/</a:t>
+            </a:r>
+            <a:r>
+              <a:rPr lang="fi-FI" dirty="0" err="1">
+                <a:solidFill>
+                  <a:schemeClr val="bg2">
+                    <a:lumMod val="50000"/>
+                  </a:schemeClr>
+                </a:solidFill>
+                <a:latin typeface="Avenir Book" charset="0"/>
+                <a:ea typeface="Avenir Book" charset="0"/>
+                <a:cs typeface="Avenir Book" charset="0"/>
+              </a:rPr>
+              <a:t>max</a:t>
+            </a:r>
+            <a:r>
+              <a:rPr lang="fi-FI" dirty="0">
+                <a:solidFill>
+                  <a:schemeClr val="bg2">
+                    <a:lumMod val="50000"/>
+                  </a:schemeClr>
+                </a:solidFill>
+                <a:latin typeface="Avenir Book" charset="0"/>
+                <a:ea typeface="Avenir Book" charset="0"/>
+                <a:cs typeface="Avenir Book" charset="0"/>
+              </a:rPr>
+              <a:t>/</a:t>
+            </a:r>
+            <a:r>
+              <a:rPr lang="fi-FI" dirty="0" err="1">
+                <a:solidFill>
+                  <a:schemeClr val="bg2">
+                    <a:lumMod val="50000"/>
+                  </a:schemeClr>
+                </a:solidFill>
+                <a:latin typeface="Avenir Book" charset="0"/>
+                <a:ea typeface="Avenir Book" charset="0"/>
+                <a:cs typeface="Avenir Book" charset="0"/>
+              </a:rPr>
+              <a:t>mean</a:t>
+            </a:r>
+            <a:r>
+              <a:rPr lang="fi-FI" dirty="0">
+                <a:solidFill>
+                  <a:schemeClr val="bg2">
+                    <a:lumMod val="50000"/>
+                  </a:schemeClr>
+                </a:solidFill>
+                <a:latin typeface="Avenir Book" charset="0"/>
+                <a:ea typeface="Avenir Book" charset="0"/>
+                <a:cs typeface="Avenir Book" charset="0"/>
+              </a:rPr>
+              <a:t>/</a:t>
+            </a:r>
+            <a:r>
+              <a:rPr lang="fi-FI" dirty="0" err="1">
+                <a:solidFill>
+                  <a:schemeClr val="bg2">
+                    <a:lumMod val="50000"/>
+                  </a:schemeClr>
+                </a:solidFill>
+                <a:latin typeface="Avenir Book" charset="0"/>
+                <a:ea typeface="Avenir Book" charset="0"/>
+                <a:cs typeface="Avenir Book" charset="0"/>
+              </a:rPr>
+              <a:t>count</a:t>
+            </a:r>
+            <a:r>
+              <a:rPr lang="fi-FI" dirty="0">
+                <a:solidFill>
+                  <a:schemeClr val="bg2">
+                    <a:lumMod val="50000"/>
+                  </a:schemeClr>
+                </a:solidFill>
+                <a:latin typeface="Avenir Book" charset="0"/>
+                <a:ea typeface="Avenir Book" charset="0"/>
+                <a:cs typeface="Avenir Book" charset="0"/>
+              </a:rPr>
+              <a:t>) to </a:t>
+            </a:r>
+            <a:r>
+              <a:rPr lang="fi-FI" dirty="0" err="1">
+                <a:solidFill>
+                  <a:schemeClr val="bg2">
+                    <a:lumMod val="50000"/>
+                  </a:schemeClr>
+                </a:solidFill>
+                <a:latin typeface="Avenir Book" charset="0"/>
+                <a:ea typeface="Avenir Book" charset="0"/>
+                <a:cs typeface="Avenir Book" charset="0"/>
+              </a:rPr>
+              <a:t>minimize</a:t>
+            </a:r>
+            <a:r>
+              <a:rPr lang="fi-FI" dirty="0">
+                <a:solidFill>
+                  <a:schemeClr val="bg2">
+                    <a:lumMod val="50000"/>
+                  </a:schemeClr>
+                </a:solidFill>
+                <a:latin typeface="Avenir Book" charset="0"/>
+                <a:ea typeface="Avenir Book" charset="0"/>
+                <a:cs typeface="Avenir Book" charset="0"/>
+              </a:rPr>
+              <a:t> </a:t>
+            </a:r>
+            <a:r>
+              <a:rPr lang="fi-FI" dirty="0" err="1">
+                <a:solidFill>
+                  <a:schemeClr val="bg2">
+                    <a:lumMod val="50000"/>
+                  </a:schemeClr>
+                </a:solidFill>
+                <a:latin typeface="Avenir Book" charset="0"/>
+                <a:ea typeface="Avenir Book" charset="0"/>
+                <a:cs typeface="Avenir Book" charset="0"/>
+              </a:rPr>
+              <a:t>amount</a:t>
+            </a:r>
+            <a:r>
+              <a:rPr lang="fi-FI" dirty="0">
+                <a:solidFill>
+                  <a:schemeClr val="bg2">
+                    <a:lumMod val="50000"/>
+                  </a:schemeClr>
+                </a:solidFill>
+                <a:latin typeface="Avenir Book" charset="0"/>
+                <a:ea typeface="Avenir Book" charset="0"/>
+                <a:cs typeface="Avenir Book" charset="0"/>
+              </a:rPr>
+              <a:t> of </a:t>
+            </a:r>
+            <a:r>
+              <a:rPr lang="fi-FI" dirty="0" err="1">
+                <a:solidFill>
+                  <a:schemeClr val="bg2">
+                    <a:lumMod val="50000"/>
+                  </a:schemeClr>
+                </a:solidFill>
+                <a:latin typeface="Avenir Book" charset="0"/>
+                <a:ea typeface="Avenir Book" charset="0"/>
+                <a:cs typeface="Avenir Book" charset="0"/>
+              </a:rPr>
+              <a:t>missing</a:t>
+            </a:r>
+            <a:r>
+              <a:rPr lang="fi-FI" dirty="0">
+                <a:solidFill>
+                  <a:schemeClr val="bg2">
+                    <a:lumMod val="50000"/>
+                  </a:schemeClr>
+                </a:solidFill>
+                <a:latin typeface="Avenir Book" charset="0"/>
+                <a:ea typeface="Avenir Book" charset="0"/>
+                <a:cs typeface="Avenir Book" charset="0"/>
+              </a:rPr>
+              <a:t> </a:t>
+            </a:r>
+            <a:r>
+              <a:rPr lang="fi-FI" dirty="0" err="1">
+                <a:solidFill>
+                  <a:schemeClr val="bg2">
+                    <a:lumMod val="50000"/>
+                  </a:schemeClr>
+                </a:solidFill>
+                <a:latin typeface="Avenir Book" charset="0"/>
+                <a:ea typeface="Avenir Book" charset="0"/>
+                <a:cs typeface="Avenir Book" charset="0"/>
+              </a:rPr>
+              <a:t>values</a:t>
+            </a:r>
+            <a:endParaRPr lang="fi-FI" dirty="0">
+              <a:solidFill>
+                <a:schemeClr val="bg2">
+                  <a:lumMod val="50000"/>
+                </a:schemeClr>
+              </a:solidFill>
+              <a:latin typeface="Avenir Book" charset="0"/>
+              <a:ea typeface="Avenir Book" charset="0"/>
+              <a:cs typeface="Avenir Book" charset="0"/>
+            </a:endParaRPr>
+          </a:p>
+          <a:p>
+            <a:pPr marL="198000" indent="-198000">
+              <a:lnSpc>
+                <a:spcPct val="130000"/>
+              </a:lnSpc>
+            </a:pPr>
+            <a:r>
+              <a:rPr lang="fi-FI" dirty="0" err="1">
+                <a:solidFill>
+                  <a:schemeClr val="bg2">
+                    <a:lumMod val="50000"/>
+                  </a:schemeClr>
+                </a:solidFill>
+                <a:latin typeface="Avenir Book" charset="0"/>
+                <a:ea typeface="Avenir Book" charset="0"/>
+                <a:cs typeface="Avenir Book" charset="0"/>
+              </a:rPr>
+              <a:t>Calculated</a:t>
+            </a:r>
+            <a:r>
+              <a:rPr lang="fi-FI" dirty="0">
+                <a:solidFill>
+                  <a:schemeClr val="bg2">
+                    <a:lumMod val="50000"/>
+                  </a:schemeClr>
+                </a:solidFill>
+                <a:latin typeface="Avenir Book" charset="0"/>
+                <a:ea typeface="Avenir Book" charset="0"/>
+                <a:cs typeface="Avenir Book" charset="0"/>
+              </a:rPr>
+              <a:t> 3h and 6h </a:t>
+            </a:r>
+            <a:r>
+              <a:rPr lang="fi-FI" dirty="0" err="1">
+                <a:solidFill>
+                  <a:schemeClr val="bg2">
+                    <a:lumMod val="50000"/>
+                  </a:schemeClr>
+                </a:solidFill>
+                <a:latin typeface="Avenir Book" charset="0"/>
+                <a:ea typeface="Avenir Book" charset="0"/>
+                <a:cs typeface="Avenir Book" charset="0"/>
+              </a:rPr>
+              <a:t>precipitation</a:t>
+            </a:r>
+            <a:r>
+              <a:rPr lang="fi-FI" dirty="0">
+                <a:solidFill>
+                  <a:schemeClr val="bg2">
+                    <a:lumMod val="50000"/>
+                  </a:schemeClr>
+                </a:solidFill>
+                <a:latin typeface="Avenir Book" charset="0"/>
+                <a:ea typeface="Avenir Book" charset="0"/>
+                <a:cs typeface="Avenir Book" charset="0"/>
+              </a:rPr>
+              <a:t> </a:t>
+            </a:r>
+            <a:r>
+              <a:rPr lang="fi-FI" dirty="0" err="1">
+                <a:solidFill>
+                  <a:schemeClr val="bg2">
+                    <a:lumMod val="50000"/>
+                  </a:schemeClr>
+                </a:solidFill>
+                <a:latin typeface="Avenir Book" charset="0"/>
+                <a:ea typeface="Avenir Book" charset="0"/>
+                <a:cs typeface="Avenir Book" charset="0"/>
+              </a:rPr>
+              <a:t>accumulation</a:t>
+            </a:r>
+            <a:r>
+              <a:rPr lang="fi-FI" dirty="0">
+                <a:solidFill>
+                  <a:schemeClr val="bg2">
+                    <a:lumMod val="50000"/>
+                  </a:schemeClr>
+                </a:solidFill>
+                <a:latin typeface="Avenir Book" charset="0"/>
+                <a:ea typeface="Avenir Book" charset="0"/>
+                <a:cs typeface="Avenir Book" charset="0"/>
+              </a:rPr>
+              <a:t> </a:t>
+            </a:r>
+            <a:r>
+              <a:rPr lang="fi-FI" dirty="0" err="1">
+                <a:solidFill>
+                  <a:schemeClr val="bg2">
+                    <a:lumMod val="50000"/>
+                  </a:schemeClr>
+                </a:solidFill>
+                <a:latin typeface="Avenir Book" charset="0"/>
+                <a:ea typeface="Avenir Book" charset="0"/>
+                <a:cs typeface="Avenir Book" charset="0"/>
+              </a:rPr>
+              <a:t>sums</a:t>
+            </a:r>
+            <a:endParaRPr lang="fi-FI" dirty="0">
+              <a:solidFill>
+                <a:schemeClr val="bg2">
+                  <a:lumMod val="50000"/>
+                </a:schemeClr>
+              </a:solidFill>
+              <a:latin typeface="Avenir Book" charset="0"/>
+              <a:ea typeface="Avenir Book" charset="0"/>
+              <a:cs typeface="Avenir Book" charset="0"/>
+            </a:endParaRPr>
+          </a:p>
+          <a:p>
+            <a:pPr marL="198000" indent="-198000">
+              <a:lnSpc>
+                <a:spcPct val="130000"/>
+              </a:lnSpc>
+            </a:pPr>
+            <a:r>
+              <a:rPr lang="fi-FI" dirty="0" err="1">
+                <a:solidFill>
+                  <a:schemeClr val="bg2">
+                    <a:lumMod val="50000"/>
+                  </a:schemeClr>
+                </a:solidFill>
+                <a:latin typeface="Avenir Book" charset="0"/>
+                <a:ea typeface="Avenir Book" charset="0"/>
+                <a:cs typeface="Avenir Book" charset="0"/>
+              </a:rPr>
+              <a:t>Tried</a:t>
+            </a:r>
+            <a:r>
+              <a:rPr lang="fi-FI" dirty="0">
+                <a:solidFill>
+                  <a:schemeClr val="bg2">
+                    <a:lumMod val="50000"/>
+                  </a:schemeClr>
+                </a:solidFill>
+                <a:latin typeface="Avenir Book" charset="0"/>
+                <a:ea typeface="Avenir Book" charset="0"/>
+                <a:cs typeface="Avenir Book" charset="0"/>
+              </a:rPr>
+              <a:t> </a:t>
+            </a:r>
+            <a:r>
+              <a:rPr lang="fi-FI" dirty="0" err="1">
+                <a:solidFill>
+                  <a:schemeClr val="bg2">
+                    <a:lumMod val="50000"/>
+                  </a:schemeClr>
+                </a:solidFill>
+                <a:latin typeface="Avenir Book" charset="0"/>
+                <a:ea typeface="Avenir Book" charset="0"/>
+                <a:cs typeface="Avenir Book" charset="0"/>
+              </a:rPr>
+              <a:t>with</a:t>
+            </a:r>
+            <a:r>
+              <a:rPr lang="fi-FI" dirty="0">
+                <a:solidFill>
+                  <a:schemeClr val="bg2">
+                    <a:lumMod val="50000"/>
+                  </a:schemeClr>
+                </a:solidFill>
+                <a:latin typeface="Avenir Book" charset="0"/>
+                <a:ea typeface="Avenir Book" charset="0"/>
+                <a:cs typeface="Avenir Book" charset="0"/>
+              </a:rPr>
+              <a:t> and </a:t>
+            </a:r>
+            <a:r>
+              <a:rPr lang="fi-FI" dirty="0" err="1">
+                <a:solidFill>
+                  <a:schemeClr val="bg2">
+                    <a:lumMod val="50000"/>
+                  </a:schemeClr>
+                </a:solidFill>
+                <a:latin typeface="Avenir Book" charset="0"/>
+                <a:ea typeface="Avenir Book" charset="0"/>
+                <a:cs typeface="Avenir Book" charset="0"/>
+              </a:rPr>
+              <a:t>without</a:t>
+            </a:r>
+            <a:r>
+              <a:rPr lang="fi-FI" dirty="0">
+                <a:solidFill>
+                  <a:schemeClr val="bg2">
+                    <a:lumMod val="50000"/>
+                  </a:schemeClr>
+                </a:solidFill>
+                <a:latin typeface="Avenir Book" charset="0"/>
+                <a:ea typeface="Avenir Book" charset="0"/>
+                <a:cs typeface="Avenir Book" charset="0"/>
+              </a:rPr>
+              <a:t> </a:t>
+            </a:r>
+            <a:r>
+              <a:rPr lang="fi-FI" dirty="0" err="1">
+                <a:solidFill>
+                  <a:schemeClr val="bg2">
+                    <a:lumMod val="50000"/>
+                  </a:schemeClr>
+                </a:solidFill>
+                <a:latin typeface="Avenir Book" charset="0"/>
+                <a:ea typeface="Avenir Book" charset="0"/>
+                <a:cs typeface="Avenir Book" charset="0"/>
+              </a:rPr>
+              <a:t>imputation</a:t>
+            </a:r>
+            <a:r>
+              <a:rPr lang="fi-FI" dirty="0">
+                <a:solidFill>
+                  <a:schemeClr val="bg2">
+                    <a:lumMod val="50000"/>
+                  </a:schemeClr>
+                </a:solidFill>
+                <a:latin typeface="Avenir Book" charset="0"/>
+                <a:ea typeface="Avenir Book" charset="0"/>
+                <a:cs typeface="Avenir Book" charset="0"/>
+              </a:rPr>
+              <a:t> </a:t>
+            </a:r>
+            <a:r>
+              <a:rPr lang="fi-FI">
+                <a:solidFill>
+                  <a:schemeClr val="bg2">
+                    <a:lumMod val="50000"/>
+                  </a:schemeClr>
+                </a:solidFill>
+                <a:latin typeface="Avenir Book" charset="0"/>
+                <a:ea typeface="Avenir Book" charset="0"/>
+                <a:cs typeface="Avenir Book" charset="0"/>
+              </a:rPr>
+              <a:t>and normalisation</a:t>
+            </a:r>
+            <a:endParaRPr lang="fi-FI" dirty="0">
+              <a:solidFill>
+                <a:schemeClr val="bg2">
+                  <a:lumMod val="50000"/>
+                </a:schemeClr>
+              </a:solidFill>
+              <a:latin typeface="Avenir Book" charset="0"/>
+              <a:ea typeface="Avenir Book" charset="0"/>
+              <a:cs typeface="Avenir Book" charset="0"/>
+            </a:endParaRPr>
+          </a:p>
+          <a:p>
+            <a:pPr marL="883800" lvl="1" indent="-198000">
+              <a:lnSpc>
+                <a:spcPct val="130000"/>
+              </a:lnSpc>
+            </a:pPr>
+            <a:endParaRPr lang="en-US" dirty="0">
+              <a:solidFill>
+                <a:schemeClr val="bg2">
+                  <a:lumMod val="50000"/>
+                </a:schemeClr>
+              </a:solidFill>
+              <a:latin typeface="Avenir Book" charset="0"/>
+              <a:ea typeface="Avenir Book" charset="0"/>
+              <a:cs typeface="Avenir Book" charset="0"/>
+            </a:endParaRPr>
+          </a:p>
+          <a:p>
+            <a:pPr>
+              <a:lnSpc>
+                <a:spcPct val="110000"/>
+              </a:lnSpc>
+              <a:buNone/>
+            </a:pPr>
+            <a:endParaRPr lang="en-US" dirty="0">
+              <a:solidFill>
+                <a:schemeClr val="bg2">
+                  <a:lumMod val="50000"/>
+                </a:schemeClr>
+              </a:solidFill>
+              <a:latin typeface="Avenir Book" charset="0"/>
+              <a:ea typeface="Avenir Book" charset="0"/>
+              <a:cs typeface="Avenir Book" charset="0"/>
+            </a:endParaRPr>
+          </a:p>
+          <a:p>
+            <a:pPr>
+              <a:lnSpc>
+                <a:spcPct val="110000"/>
+              </a:lnSpc>
+              <a:buNone/>
+            </a:pPr>
+            <a:endParaRPr lang="en-US" dirty="0">
+              <a:solidFill>
+                <a:schemeClr val="bg2">
+                  <a:lumMod val="50000"/>
+                </a:schemeClr>
+              </a:solidFill>
+              <a:latin typeface="Avenir Book" charset="0"/>
+              <a:ea typeface="Avenir Book" charset="0"/>
+              <a:cs typeface="Avenir Book" charset="0"/>
+            </a:endParaRPr>
+          </a:p>
+          <a:p>
+            <a:pPr marL="198000" indent="-198000">
+              <a:lnSpc>
+                <a:spcPct val="110000"/>
+              </a:lnSpc>
+            </a:pPr>
+            <a:endParaRPr lang="en-US" dirty="0">
+              <a:solidFill>
+                <a:schemeClr val="bg2">
+                  <a:lumMod val="50000"/>
+                </a:schemeClr>
+              </a:solidFill>
+              <a:latin typeface="Avenir Book" charset="0"/>
+              <a:ea typeface="Avenir Book" charset="0"/>
+              <a:cs typeface="Avenir Book" charset="0"/>
+            </a:endParaRPr>
+          </a:p>
+          <a:p>
+            <a:pPr marL="198000" indent="-198000">
+              <a:lnSpc>
+                <a:spcPct val="110000"/>
+              </a:lnSpc>
+            </a:pPr>
+            <a:endParaRPr lang="en-US" dirty="0">
+              <a:solidFill>
+                <a:schemeClr val="bg2">
+                  <a:lumMod val="50000"/>
+                </a:schemeClr>
+              </a:solidFill>
+              <a:latin typeface="Avenir Book" charset="0"/>
+              <a:ea typeface="Avenir Book" charset="0"/>
+              <a:cs typeface="Avenir Book" charset="0"/>
+            </a:endParaRPr>
+          </a:p>
+          <a:p>
+            <a:pPr marL="198000" indent="-198000"/>
+            <a:endParaRPr lang="en-US" dirty="0">
+              <a:latin typeface="Avenir Book" charset="0"/>
+              <a:ea typeface="Avenir Book" charset="0"/>
+              <a:cs typeface="Avenir Book" charset="0"/>
+            </a:endParaRPr>
+          </a:p>
+        </p:txBody>
+      </p:sp>
+      <p:sp>
+        <p:nvSpPr>
+          <p:cNvPr id="5" name="Footer Placeholder 4"/>
+          <p:cNvSpPr>
+            <a:spLocks noGrp="1"/>
+          </p:cNvSpPr>
+          <p:nvPr>
+            <p:ph type="ftr" sz="quarter" idx="11"/>
+          </p:nvPr>
+        </p:nvSpPr>
+        <p:spPr/>
+        <p:txBody>
+          <a:bodyPr/>
+          <a:lstStyle/>
+          <a:p>
+            <a:r>
+              <a:rPr lang="fi-FI" dirty="0" err="1"/>
+              <a:t>Finnish</a:t>
+            </a:r>
+            <a:r>
+              <a:rPr lang="fi-FI" dirty="0"/>
+              <a:t> </a:t>
+            </a:r>
+            <a:r>
+              <a:rPr lang="fi-FI" dirty="0" err="1"/>
+              <a:t>Meteorological</a:t>
+            </a:r>
+            <a:r>
+              <a:rPr lang="fi-FI" dirty="0"/>
+              <a:t> Institute</a:t>
+            </a:r>
+          </a:p>
+        </p:txBody>
+      </p:sp>
     </p:spTree>
     <p:extLst>
       <p:ext uri="{BB962C8B-B14F-4D97-AF65-F5344CB8AC3E}">
@@ -10696,7 +11345,7 @@
 </p:sld>
 </file>
 
-<file path=ppt/slides/slide11.xml><?xml version="1.0" encoding="utf-8"?>
+<file path=ppt/slides/slide12.xml><?xml version="1.0" encoding="utf-8"?>
 <p:sld xmlns:a="http://schemas.openxmlformats.org/drawingml/2006/main" xmlns:r="http://schemas.openxmlformats.org/officeDocument/2006/relationships" xmlns:p="http://schemas.openxmlformats.org/presentationml/2006/main">
   <p:cSld>
     <p:spTree>
@@ -11371,7 +12020,7 @@
 </p:sld>
 </file>
 
-<file path=ppt/slides/slide12.xml><?xml version="1.0" encoding="utf-8"?>
+<file path=ppt/slides/slide13.xml><?xml version="1.0" encoding="utf-8"?>
 <p:sld xmlns:a="http://schemas.openxmlformats.org/drawingml/2006/main" xmlns:r="http://schemas.openxmlformats.org/officeDocument/2006/relationships" xmlns:p="http://schemas.openxmlformats.org/presentationml/2006/main">
   <p:cSld>
     <p:spTree>
@@ -11652,7 +12301,7 @@
 </p:sld>
 </file>
 
-<file path=ppt/slides/slide13.xml><?xml version="1.0" encoding="utf-8"?>
+<file path=ppt/slides/slide14.xml><?xml version="1.0" encoding="utf-8"?>
 <p:sld xmlns:a="http://schemas.openxmlformats.org/drawingml/2006/main" xmlns:r="http://schemas.openxmlformats.org/officeDocument/2006/relationships" xmlns:p="http://schemas.openxmlformats.org/presentationml/2006/main">
   <p:cSld>
     <p:spTree>
@@ -12021,7 +12670,7 @@
 </p:sld>
 </file>
 
-<file path=ppt/slides/slide14.xml><?xml version="1.0" encoding="utf-8"?>
+<file path=ppt/slides/slide15.xml><?xml version="1.0" encoding="utf-8"?>
 <p:sld xmlns:a="http://schemas.openxmlformats.org/drawingml/2006/main" xmlns:r="http://schemas.openxmlformats.org/officeDocument/2006/relationships" xmlns:p="http://schemas.openxmlformats.org/presentationml/2006/main">
   <p:cSld>
     <p:spTree>
@@ -12804,9 +13453,35 @@
           <a:p>
             <a:pPr marL="198000" indent="-198000">
               <a:lnSpc>
-                <a:spcPct val="110000"/>
+                <a:spcPct val="130000"/>
               </a:lnSpc>
             </a:pPr>
+            <a:r>
+              <a:rPr lang="en-US" dirty="0">
+                <a:solidFill>
+                  <a:schemeClr val="bg2">
+                    <a:lumMod val="50000"/>
+                  </a:schemeClr>
+                </a:solidFill>
+                <a:latin typeface="Avenir Book" charset="0"/>
+                <a:ea typeface="Avenir Book" charset="0"/>
+                <a:cs typeface="Avenir Book" charset="0"/>
+              </a:rPr>
+              <a:t>514 </a:t>
+            </a:r>
+            <a:r>
+              <a:rPr lang="en-US" dirty="0" err="1">
+                <a:solidFill>
+                  <a:schemeClr val="bg2">
+                    <a:lumMod val="50000"/>
+                  </a:schemeClr>
+                </a:solidFill>
+                <a:latin typeface="Avenir Book" charset="0"/>
+                <a:ea typeface="Avenir Book" charset="0"/>
+                <a:cs typeface="Avenir Book" charset="0"/>
+              </a:rPr>
+              <a:t>trainstation</a:t>
+            </a:r>
             <a:endParaRPr lang="en-US" dirty="0">
               <a:solidFill>
                 <a:schemeClr val="bg2">
@@ -12922,23 +13597,81 @@
           <a:chExt cx="0" cy="0"/>
         </a:xfrm>
       </p:grpSpPr>
+      <p:sp>
+        <p:nvSpPr>
+          <p:cNvPr id="2" name="Title 1"/>
+          <p:cNvSpPr>
+            <a:spLocks noGrp="1"/>
+          </p:cNvSpPr>
+          <p:nvPr>
+            <p:ph type="title"/>
+          </p:nvPr>
+        </p:nvSpPr>
+        <p:spPr/>
+        <p:txBody>
+          <a:bodyPr/>
+          <a:lstStyle/>
+          <a:p>
+            <a:r>
+              <a:rPr lang="en-US" b="1" dirty="0">
+                <a:latin typeface="Avenir Black" charset="0"/>
+                <a:ea typeface="Avenir Black" charset="0"/>
+                <a:cs typeface="Avenir Black" charset="0"/>
+              </a:rPr>
+              <a:t>Label Data</a:t>
+            </a:r>
+          </a:p>
+        </p:txBody>
+      </p:sp>
+      <p:sp>
+        <p:nvSpPr>
+          <p:cNvPr id="5" name="Footer Placeholder 4"/>
+          <p:cNvSpPr>
+            <a:spLocks noGrp="1"/>
+          </p:cNvSpPr>
+          <p:nvPr>
+            <p:ph type="ftr" sz="quarter" idx="11"/>
+          </p:nvPr>
+        </p:nvSpPr>
+        <p:spPr/>
+        <p:txBody>
+          <a:bodyPr/>
+          <a:lstStyle/>
+          <a:p>
+            <a:r>
+              <a:rPr lang="fi-FI" dirty="0" err="1"/>
+              <a:t>Finnish</a:t>
+            </a:r>
+            <a:r>
+              <a:rPr lang="fi-FI" dirty="0"/>
+              <a:t> </a:t>
+            </a:r>
+            <a:r>
+              <a:rPr lang="fi-FI" dirty="0" err="1"/>
+              <a:t>Meteorological</a:t>
+            </a:r>
+            <a:r>
+              <a:rPr lang="fi-FI" dirty="0"/>
+              <a:t> Institute</a:t>
+            </a:r>
+          </a:p>
+        </p:txBody>
+      </p:sp>
       <p:pic>
         <p:nvPicPr>
-          <p:cNvPr id="9" name="Content Placeholder 8">
+          <p:cNvPr id="8" name="Picture 7">
             <a:extLst>
               <a:ext uri="{FF2B5EF4-FFF2-40B4-BE49-F238E27FC236}">
-                <a16:creationId xmlns:a16="http://schemas.microsoft.com/office/drawing/2014/main" id="{AA3F6DD2-F334-DD47-8B33-10BE68BE6234}"/>
+                <a16:creationId xmlns:a16="http://schemas.microsoft.com/office/drawing/2014/main" id="{107F68DC-E84E-194F-A911-449F9214EB73}"/>
               </a:ext>
             </a:extLst>
           </p:cNvPr>
           <p:cNvPicPr>
-            <a:picLocks noGrp="1" noChangeAspect="1"/>
+            <a:picLocks noChangeAspect="1"/>
           </p:cNvPicPr>
-          <p:nvPr>
-            <p:ph idx="1"/>
-          </p:nvPr>
+          <p:nvPr/>
         </p:nvPicPr>
-        <p:blipFill rotWithShape="1">
+        <p:blipFill>
           <a:blip r:embed="rId3">
             <a:extLst>
               <a:ext uri="{28A0092B-C50C-407E-A947-70E740481C1C}">
@@ -12946,95 +13679,24 @@
               </a:ext>
             </a:extLst>
           </a:blip>
-          <a:srcRect l="7422" b="16529"/>
-          <a:stretch/>
+          <a:stretch>
+            <a:fillRect/>
+          </a:stretch>
         </p:blipFill>
         <p:spPr>
           <a:xfrm>
-            <a:off x="304800" y="1074058"/>
-            <a:ext cx="9594850" cy="5282294"/>
+            <a:off x="642501" y="1796829"/>
+            <a:ext cx="7967601" cy="3930871"/>
           </a:xfrm>
+          <a:prstGeom prst="rect">
+            <a:avLst/>
+          </a:prstGeom>
         </p:spPr>
       </p:pic>
-      <p:sp>
-        <p:nvSpPr>
-          <p:cNvPr id="2" name="Title 1"/>
-          <p:cNvSpPr>
-            <a:spLocks noGrp="1"/>
-          </p:cNvSpPr>
-          <p:nvPr>
-            <p:ph type="title"/>
-          </p:nvPr>
-        </p:nvSpPr>
-        <p:spPr/>
-        <p:txBody>
-          <a:bodyPr/>
-          <a:lstStyle/>
-          <a:p>
-            <a:r>
-              <a:rPr lang="en-US" b="1" dirty="0">
-                <a:latin typeface="Avenir Black" charset="0"/>
-                <a:ea typeface="Avenir Black" charset="0"/>
-                <a:cs typeface="Avenir Black" charset="0"/>
-              </a:rPr>
-              <a:t>Label Data</a:t>
-            </a:r>
-            <a:br>
-              <a:rPr lang="en-US" b="1" dirty="0">
-                <a:latin typeface="Avenir Black" charset="0"/>
-                <a:ea typeface="Avenir Black" charset="0"/>
-                <a:cs typeface="Avenir Black" charset="0"/>
-              </a:rPr>
-            </a:br>
-            <a:r>
-              <a:rPr lang="en-US" sz="2000" b="1" dirty="0">
-                <a:latin typeface="Avenir Black" charset="0"/>
-                <a:ea typeface="Avenir Black" charset="0"/>
-                <a:cs typeface="Avenir Black" charset="0"/>
-              </a:rPr>
-              <a:t>Mean delay between stations, passenger trains</a:t>
-            </a:r>
-          </a:p>
-        </p:txBody>
-      </p:sp>
-      <p:sp>
-        <p:nvSpPr>
-          <p:cNvPr id="5" name="Footer Placeholder 4"/>
-          <p:cNvSpPr>
-            <a:spLocks noGrp="1"/>
-          </p:cNvSpPr>
-          <p:nvPr>
-            <p:ph type="ftr" sz="quarter" idx="11"/>
-          </p:nvPr>
-        </p:nvSpPr>
-        <p:spPr/>
-        <p:txBody>
-          <a:bodyPr/>
-          <a:lstStyle/>
-          <a:p>
-            <a:r>
-              <a:rPr lang="fi-FI" dirty="0" err="1"/>
-              <a:t>Finnish</a:t>
-            </a:r>
-            <a:r>
-              <a:rPr lang="fi-FI" dirty="0"/>
-              <a:t> </a:t>
-            </a:r>
-            <a:r>
-              <a:rPr lang="fi-FI" dirty="0" err="1"/>
-              <a:t>Meteorological</a:t>
-            </a:r>
-            <a:r>
-              <a:rPr lang="fi-FI" dirty="0"/>
-              <a:t> Institute</a:t>
-            </a:r>
-          </a:p>
-        </p:txBody>
-      </p:sp>
     </p:spTree>
     <p:extLst>
       <p:ext uri="{BB962C8B-B14F-4D97-AF65-F5344CB8AC3E}">
-        <p14:creationId xmlns:p14="http://schemas.microsoft.com/office/powerpoint/2010/main" val="947139750"/>
+        <p14:creationId xmlns:p14="http://schemas.microsoft.com/office/powerpoint/2010/main" val="3891380015"/>
       </p:ext>
     </p:extLst>
   </p:cSld>
@@ -13085,6 +13747,145 @@
               </a:ext>
             </a:extLst>
           </a:blip>
+          <a:srcRect l="7422" b="16529"/>
+          <a:stretch/>
+        </p:blipFill>
+        <p:spPr>
+          <a:xfrm>
+            <a:off x="304800" y="1074058"/>
+            <a:ext cx="9594850" cy="5282294"/>
+          </a:xfrm>
+        </p:spPr>
+      </p:pic>
+      <p:sp>
+        <p:nvSpPr>
+          <p:cNvPr id="2" name="Title 1"/>
+          <p:cNvSpPr>
+            <a:spLocks noGrp="1"/>
+          </p:cNvSpPr>
+          <p:nvPr>
+            <p:ph type="title"/>
+          </p:nvPr>
+        </p:nvSpPr>
+        <p:spPr/>
+        <p:txBody>
+          <a:bodyPr/>
+          <a:lstStyle/>
+          <a:p>
+            <a:r>
+              <a:rPr lang="en-US" b="1" dirty="0">
+                <a:latin typeface="Avenir Black" charset="0"/>
+                <a:ea typeface="Avenir Black" charset="0"/>
+                <a:cs typeface="Avenir Black" charset="0"/>
+              </a:rPr>
+              <a:t>Label Data</a:t>
+            </a:r>
+            <a:br>
+              <a:rPr lang="en-US" b="1" dirty="0">
+                <a:latin typeface="Avenir Black" charset="0"/>
+                <a:ea typeface="Avenir Black" charset="0"/>
+                <a:cs typeface="Avenir Black" charset="0"/>
+              </a:rPr>
+            </a:br>
+            <a:r>
+              <a:rPr lang="en-US" sz="2000" b="1" dirty="0">
+                <a:latin typeface="Avenir Black" charset="0"/>
+                <a:ea typeface="Avenir Black" charset="0"/>
+                <a:cs typeface="Avenir Black" charset="0"/>
+              </a:rPr>
+              <a:t>Mean delay between stations, passenger trains</a:t>
+            </a:r>
+          </a:p>
+        </p:txBody>
+      </p:sp>
+      <p:sp>
+        <p:nvSpPr>
+          <p:cNvPr id="5" name="Footer Placeholder 4"/>
+          <p:cNvSpPr>
+            <a:spLocks noGrp="1"/>
+          </p:cNvSpPr>
+          <p:nvPr>
+            <p:ph type="ftr" sz="quarter" idx="11"/>
+          </p:nvPr>
+        </p:nvSpPr>
+        <p:spPr/>
+        <p:txBody>
+          <a:bodyPr/>
+          <a:lstStyle/>
+          <a:p>
+            <a:r>
+              <a:rPr lang="fi-FI" dirty="0" err="1"/>
+              <a:t>Finnish</a:t>
+            </a:r>
+            <a:r>
+              <a:rPr lang="fi-FI" dirty="0"/>
+              <a:t> </a:t>
+            </a:r>
+            <a:r>
+              <a:rPr lang="fi-FI" dirty="0" err="1"/>
+              <a:t>Meteorological</a:t>
+            </a:r>
+            <a:r>
+              <a:rPr lang="fi-FI" dirty="0"/>
+              <a:t> Institute</a:t>
+            </a:r>
+          </a:p>
+        </p:txBody>
+      </p:sp>
+    </p:spTree>
+    <p:extLst>
+      <p:ext uri="{BB962C8B-B14F-4D97-AF65-F5344CB8AC3E}">
+        <p14:creationId xmlns:p14="http://schemas.microsoft.com/office/powerpoint/2010/main" val="947139750"/>
+      </p:ext>
+    </p:extLst>
+  </p:cSld>
+  <p:clrMapOvr>
+    <a:masterClrMapping/>
+  </p:clrMapOvr>
+</p:sld>
+</file>
+
+<file path=ppt/slides/slide6.xml><?xml version="1.0" encoding="utf-8"?>
+<p:sld xmlns:a="http://schemas.openxmlformats.org/drawingml/2006/main" xmlns:r="http://schemas.openxmlformats.org/officeDocument/2006/relationships" xmlns:p="http://schemas.openxmlformats.org/presentationml/2006/main">
+  <p:cSld>
+    <p:spTree>
+      <p:nvGrpSpPr>
+        <p:cNvPr id="1" name=""/>
+        <p:cNvGrpSpPr/>
+        <p:nvPr/>
+      </p:nvGrpSpPr>
+      <p:grpSpPr>
+        <a:xfrm>
+          <a:off x="0" y="0"/>
+          <a:ext cx="0" cy="0"/>
+          <a:chOff x="0" y="0"/>
+          <a:chExt cx="0" cy="0"/>
+        </a:xfrm>
+      </p:grpSpPr>
+      <p:pic>
+        <p:nvPicPr>
+          <p:cNvPr id="9" name="Content Placeholder 8">
+            <a:extLst>
+              <a:ext uri="{FF2B5EF4-FFF2-40B4-BE49-F238E27FC236}">
+                <a16:creationId xmlns:a16="http://schemas.microsoft.com/office/drawing/2014/main" id="{AA3F6DD2-F334-DD47-8B33-10BE68BE6234}"/>
+              </a:ext>
+            </a:extLst>
+          </p:cNvPr>
+          <p:cNvPicPr>
+            <a:picLocks noGrp="1" noChangeAspect="1"/>
+          </p:cNvPicPr>
+          <p:nvPr>
+            <p:ph idx="1"/>
+          </p:nvPr>
+        </p:nvPicPr>
+        <p:blipFill rotWithShape="1">
+          <a:blip r:embed="rId3">
+            <a:extLst>
+              <a:ext uri="{28A0092B-C50C-407E-A947-70E740481C1C}">
+                <a14:useLocalDpi xmlns:a14="http://schemas.microsoft.com/office/drawing/2010/main" val="0"/>
+              </a:ext>
+            </a:extLst>
+          </a:blip>
           <a:srcRect l="4075"/>
           <a:stretch/>
         </p:blipFill>
@@ -13183,7 +13984,7 @@
 </p:sld>
 </file>
 
-<file path=ppt/slides/slide6.xml><?xml version="1.0" encoding="utf-8"?>
+<file path=ppt/slides/slide7.xml><?xml version="1.0" encoding="utf-8"?>
 <p:sld xmlns:a="http://schemas.openxmlformats.org/drawingml/2006/main" xmlns:r="http://schemas.openxmlformats.org/officeDocument/2006/relationships" xmlns:p="http://schemas.openxmlformats.org/presentationml/2006/main">
   <p:cSld>
     <p:spTree>
@@ -13323,7 +14124,7 @@
 </p:sld>
 </file>
 
-<file path=ppt/slides/slide7.xml><?xml version="1.0" encoding="utf-8"?>
+<file path=ppt/slides/slide8.xml><?xml version="1.0" encoding="utf-8"?>
 <p:sld xmlns:a="http://schemas.openxmlformats.org/drawingml/2006/main" xmlns:r="http://schemas.openxmlformats.org/officeDocument/2006/relationships" xmlns:p="http://schemas.openxmlformats.org/presentationml/2006/main">
   <p:cSld>
     <p:spTree>
@@ -13462,7 +14263,7 @@
 </p:sld>
 </file>
 
-<file path=ppt/slides/slide8.xml><?xml version="1.0" encoding="utf-8"?>
+<file path=ppt/slides/slide9.xml><?xml version="1.0" encoding="utf-8"?>
 <p:sld xmlns:a="http://schemas.openxmlformats.org/drawingml/2006/main" xmlns:r="http://schemas.openxmlformats.org/officeDocument/2006/relationships" xmlns:p="http://schemas.openxmlformats.org/presentationml/2006/main">
   <p:cSld>
     <p:spTree>
@@ -13529,7 +14330,7 @@
           <a:lstStyle/>
           <a:p>
             <a:r>
-              <a:rPr lang="en-US" b="1">
+              <a:rPr lang="en-US" b="1" dirty="0">
                 <a:latin typeface="Avenir Black" charset="0"/>
                 <a:ea typeface="Avenir Black" charset="0"/>
                 <a:cs typeface="Avenir Black" charset="0"/>
@@ -13592,436 +14393,6 @@
     <p:extLst>
       <p:ext uri="{BB962C8B-B14F-4D97-AF65-F5344CB8AC3E}">
         <p14:creationId xmlns:p14="http://schemas.microsoft.com/office/powerpoint/2010/main" val="778420745"/>
-      </p:ext>
-    </p:extLst>
-  </p:cSld>
-  <p:clrMapOvr>
-    <a:masterClrMapping/>
-  </p:clrMapOvr>
-</p:sld>
-</file>
-
-<file path=ppt/slides/slide9.xml><?xml version="1.0" encoding="utf-8"?>
-<p:sld xmlns:a="http://schemas.openxmlformats.org/drawingml/2006/main" xmlns:r="http://schemas.openxmlformats.org/officeDocument/2006/relationships" xmlns:p="http://schemas.openxmlformats.org/presentationml/2006/main">
-  <p:cSld>
-    <p:spTree>
-      <p:nvGrpSpPr>
-        <p:cNvPr id="1" name=""/>
-        <p:cNvGrpSpPr/>
-        <p:nvPr/>
-      </p:nvGrpSpPr>
-      <p:grpSpPr>
-        <a:xfrm>
-          <a:off x="0" y="0"/>
-          <a:ext cx="0" cy="0"/>
-          <a:chOff x="0" y="0"/>
-          <a:chExt cx="0" cy="0"/>
-        </a:xfrm>
-      </p:grpSpPr>
-      <p:sp>
-        <p:nvSpPr>
-          <p:cNvPr id="2" name="Title 1"/>
-          <p:cNvSpPr>
-            <a:spLocks noGrp="1"/>
-          </p:cNvSpPr>
-          <p:nvPr>
-            <p:ph type="title"/>
-          </p:nvPr>
-        </p:nvSpPr>
-        <p:spPr/>
-        <p:txBody>
-          <a:bodyPr/>
-          <a:lstStyle/>
-          <a:p>
-            <a:r>
-              <a:rPr lang="en-US" b="1" dirty="0">
-                <a:latin typeface="Avenir Black" charset="0"/>
-                <a:ea typeface="Avenir Black" charset="0"/>
-                <a:cs typeface="Avenir Black" charset="0"/>
-              </a:rPr>
-              <a:t>Feature Data</a:t>
-            </a:r>
-          </a:p>
-        </p:txBody>
-      </p:sp>
-      <p:sp>
-        <p:nvSpPr>
-          <p:cNvPr id="3" name="Content Placeholder 2"/>
-          <p:cNvSpPr>
-            <a:spLocks noGrp="1"/>
-          </p:cNvSpPr>
-          <p:nvPr>
-            <p:ph idx="1"/>
-          </p:nvPr>
-        </p:nvSpPr>
-        <p:spPr>
-          <a:xfrm>
-            <a:off x="642501" y="1663403"/>
-            <a:ext cx="8599095" cy="4242814"/>
-          </a:xfrm>
-        </p:spPr>
-        <p:txBody>
-          <a:bodyPr>
-            <a:normAutofit/>
-          </a:bodyPr>
-          <a:lstStyle/>
-          <a:p>
-            <a:pPr marL="198000" indent="-198000">
-              <a:lnSpc>
-                <a:spcPct val="130000"/>
-              </a:lnSpc>
-            </a:pPr>
-            <a:r>
-              <a:rPr lang="en-US" dirty="0">
-                <a:solidFill>
-                  <a:schemeClr val="bg2">
-                    <a:lumMod val="50000"/>
-                  </a:schemeClr>
-                </a:solidFill>
-                <a:latin typeface="Avenir Book" charset="0"/>
-                <a:ea typeface="Avenir Book" charset="0"/>
-                <a:cs typeface="Avenir Book" charset="0"/>
-              </a:rPr>
-              <a:t>Features for training: </a:t>
-            </a:r>
-          </a:p>
-          <a:p>
-            <a:pPr marL="883800" lvl="1" indent="-198000">
-              <a:lnSpc>
-                <a:spcPct val="130000"/>
-              </a:lnSpc>
-            </a:pPr>
-            <a:r>
-              <a:rPr lang="en-US" dirty="0">
-                <a:solidFill>
-                  <a:schemeClr val="bg2">
-                    <a:lumMod val="50000"/>
-                  </a:schemeClr>
-                </a:solidFill>
-                <a:latin typeface="Avenir Book" charset="0"/>
-                <a:ea typeface="Avenir Book" charset="0"/>
-                <a:cs typeface="Avenir Book" charset="0"/>
-              </a:rPr>
-              <a:t>19 weather observation parameters near train stations</a:t>
-            </a:r>
-          </a:p>
-          <a:p>
-            <a:pPr marL="198000" indent="-198000">
-              <a:lnSpc>
-                <a:spcPct val="130000"/>
-              </a:lnSpc>
-            </a:pPr>
-            <a:r>
-              <a:rPr lang="en-US" dirty="0">
-                <a:solidFill>
-                  <a:schemeClr val="bg2">
-                    <a:lumMod val="50000"/>
-                  </a:schemeClr>
-                </a:solidFill>
-                <a:latin typeface="Avenir Book" charset="0"/>
-                <a:ea typeface="Avenir Book" charset="0"/>
-                <a:cs typeface="Avenir Book" charset="0"/>
-              </a:rPr>
-              <a:t>Four train types (intercity, commuter, cargo, other)</a:t>
-            </a:r>
-          </a:p>
-          <a:p>
-            <a:pPr marL="883800" lvl="1" indent="-198000">
-              <a:lnSpc>
-                <a:spcPct val="130000"/>
-              </a:lnSpc>
-            </a:pPr>
-            <a:r>
-              <a:rPr lang="en-US" dirty="0">
-                <a:solidFill>
-                  <a:schemeClr val="bg2">
-                    <a:lumMod val="50000"/>
-                  </a:schemeClr>
-                </a:solidFill>
-                <a:latin typeface="Avenir Book" charset="0"/>
-                <a:ea typeface="Avenir Book" charset="0"/>
-                <a:cs typeface="Avenir Book" charset="0"/>
-              </a:rPr>
-              <a:t>We consider only passenger trains</a:t>
-            </a:r>
-          </a:p>
-          <a:p>
-            <a:pPr marL="198000" indent="-198000">
-              <a:lnSpc>
-                <a:spcPct val="130000"/>
-              </a:lnSpc>
-            </a:pPr>
-            <a:r>
-              <a:rPr lang="en-US" dirty="0">
-                <a:solidFill>
-                  <a:schemeClr val="bg2">
-                    <a:lumMod val="50000"/>
-                  </a:schemeClr>
-                </a:solidFill>
-                <a:latin typeface="Avenir Book" charset="0"/>
-                <a:ea typeface="Avenir Book" charset="0"/>
-                <a:cs typeface="Avenir Book" charset="0"/>
-              </a:rPr>
-              <a:t>Training with data from 2010 to 2018</a:t>
-            </a:r>
-          </a:p>
-          <a:p>
-            <a:pPr marL="883800" lvl="1" indent="-198000">
-              <a:lnSpc>
-                <a:spcPct val="130000"/>
-              </a:lnSpc>
-            </a:pPr>
-            <a:r>
-              <a:rPr lang="fi-FI" dirty="0">
-                <a:solidFill>
-                  <a:schemeClr val="bg2">
-                    <a:lumMod val="50000"/>
-                  </a:schemeClr>
-                </a:solidFill>
-                <a:latin typeface="Avenir Book" charset="0"/>
-                <a:ea typeface="Avenir Book" charset="0"/>
-                <a:cs typeface="Avenir Book" charset="0"/>
-              </a:rPr>
-              <a:t>Dataset </a:t>
-            </a:r>
-            <a:r>
-              <a:rPr lang="fi-FI" dirty="0" err="1">
-                <a:solidFill>
-                  <a:schemeClr val="bg2">
-                    <a:lumMod val="50000"/>
-                  </a:schemeClr>
-                </a:solidFill>
-                <a:latin typeface="Avenir Book" charset="0"/>
-                <a:ea typeface="Avenir Book" charset="0"/>
-                <a:cs typeface="Avenir Book" charset="0"/>
-              </a:rPr>
-              <a:t>size</a:t>
-            </a:r>
-            <a:r>
-              <a:rPr lang="fi-FI" dirty="0">
-                <a:solidFill>
-                  <a:schemeClr val="bg2">
-                    <a:lumMod val="50000"/>
-                  </a:schemeClr>
-                </a:solidFill>
-                <a:latin typeface="Avenir Book" charset="0"/>
-                <a:ea typeface="Avenir Book" charset="0"/>
-                <a:cs typeface="Avenir Book" charset="0"/>
-              </a:rPr>
-              <a:t> 27 132 093 </a:t>
-            </a:r>
-            <a:r>
-              <a:rPr lang="fi-FI" dirty="0" err="1">
-                <a:solidFill>
-                  <a:schemeClr val="bg2">
-                    <a:lumMod val="50000"/>
-                  </a:schemeClr>
-                </a:solidFill>
-                <a:latin typeface="Avenir Book" charset="0"/>
-                <a:ea typeface="Avenir Book" charset="0"/>
-                <a:cs typeface="Avenir Book" charset="0"/>
-              </a:rPr>
-              <a:t>rows</a:t>
-            </a:r>
-            <a:endParaRPr lang="en-US" dirty="0">
-              <a:solidFill>
-                <a:schemeClr val="bg2">
-                  <a:lumMod val="50000"/>
-                </a:schemeClr>
-              </a:solidFill>
-              <a:latin typeface="Avenir Book" charset="0"/>
-              <a:ea typeface="Avenir Book" charset="0"/>
-              <a:cs typeface="Avenir Book" charset="0"/>
-            </a:endParaRPr>
-          </a:p>
-          <a:p>
-            <a:pPr marL="198000" indent="-198000">
-              <a:lnSpc>
-                <a:spcPct val="130000"/>
-              </a:lnSpc>
-            </a:pPr>
-            <a:r>
-              <a:rPr lang="en-US" dirty="0">
-                <a:solidFill>
-                  <a:schemeClr val="bg2">
-                    <a:lumMod val="50000"/>
-                  </a:schemeClr>
-                </a:solidFill>
-                <a:latin typeface="Avenir Book" charset="0"/>
-                <a:ea typeface="Avenir Book" charset="0"/>
-                <a:cs typeface="Avenir Book" charset="0"/>
-              </a:rPr>
-              <a:t>Features for prediction</a:t>
-            </a:r>
-          </a:p>
-          <a:p>
-            <a:pPr marL="883800" lvl="1" indent="-198000">
-              <a:lnSpc>
-                <a:spcPct val="130000"/>
-              </a:lnSpc>
-            </a:pPr>
-            <a:r>
-              <a:rPr lang="en-US" dirty="0">
-                <a:solidFill>
-                  <a:schemeClr val="bg2">
-                    <a:lumMod val="50000"/>
-                  </a:schemeClr>
-                </a:solidFill>
-                <a:latin typeface="Avenir Book" charset="0"/>
-                <a:ea typeface="Avenir Book" charset="0"/>
-                <a:cs typeface="Avenir Book" charset="0"/>
-              </a:rPr>
-              <a:t>The same weather parameters as in training fetched from Harmonie numerical weather prediction model</a:t>
-            </a:r>
-          </a:p>
-          <a:p>
-            <a:pPr>
-              <a:lnSpc>
-                <a:spcPct val="110000"/>
-              </a:lnSpc>
-              <a:buNone/>
-            </a:pPr>
-            <a:endParaRPr lang="en-US" dirty="0">
-              <a:solidFill>
-                <a:schemeClr val="bg2">
-                  <a:lumMod val="50000"/>
-                </a:schemeClr>
-              </a:solidFill>
-              <a:latin typeface="Avenir Book" charset="0"/>
-              <a:ea typeface="Avenir Book" charset="0"/>
-              <a:cs typeface="Avenir Book" charset="0"/>
-            </a:endParaRPr>
-          </a:p>
-          <a:p>
-            <a:pPr>
-              <a:lnSpc>
-                <a:spcPct val="110000"/>
-              </a:lnSpc>
-              <a:buNone/>
-            </a:pPr>
-            <a:endParaRPr lang="en-US" dirty="0">
-              <a:solidFill>
-                <a:schemeClr val="bg2">
-                  <a:lumMod val="50000"/>
-                </a:schemeClr>
-              </a:solidFill>
-              <a:latin typeface="Avenir Book" charset="0"/>
-              <a:ea typeface="Avenir Book" charset="0"/>
-              <a:cs typeface="Avenir Book" charset="0"/>
-            </a:endParaRPr>
-          </a:p>
-          <a:p>
-            <a:pPr marL="198000" indent="-198000">
-              <a:lnSpc>
-                <a:spcPct val="110000"/>
-              </a:lnSpc>
-            </a:pPr>
-            <a:endParaRPr lang="en-US" dirty="0">
-              <a:solidFill>
-                <a:schemeClr val="bg2">
-                  <a:lumMod val="50000"/>
-                </a:schemeClr>
-              </a:solidFill>
-              <a:latin typeface="Avenir Book" charset="0"/>
-              <a:ea typeface="Avenir Book" charset="0"/>
-              <a:cs typeface="Avenir Book" charset="0"/>
-            </a:endParaRPr>
-          </a:p>
-          <a:p>
-            <a:pPr marL="198000" indent="-198000">
-              <a:lnSpc>
-                <a:spcPct val="110000"/>
-              </a:lnSpc>
-            </a:pPr>
-            <a:endParaRPr lang="en-US" dirty="0">
-              <a:solidFill>
-                <a:schemeClr val="bg2">
-                  <a:lumMod val="50000"/>
-                </a:schemeClr>
-              </a:solidFill>
-              <a:latin typeface="Avenir Book" charset="0"/>
-              <a:ea typeface="Avenir Book" charset="0"/>
-              <a:cs typeface="Avenir Book" charset="0"/>
-            </a:endParaRPr>
-          </a:p>
-          <a:p>
-            <a:pPr marL="198000" indent="-198000"/>
-            <a:endParaRPr lang="en-US" dirty="0">
-              <a:latin typeface="Avenir Book" charset="0"/>
-              <a:ea typeface="Avenir Book" charset="0"/>
-              <a:cs typeface="Avenir Book" charset="0"/>
-            </a:endParaRPr>
-          </a:p>
-        </p:txBody>
-      </p:sp>
-      <p:sp>
-        <p:nvSpPr>
-          <p:cNvPr id="5" name="Footer Placeholder 4"/>
-          <p:cNvSpPr>
-            <a:spLocks noGrp="1"/>
-          </p:cNvSpPr>
-          <p:nvPr>
-            <p:ph type="ftr" sz="quarter" idx="11"/>
-          </p:nvPr>
-        </p:nvSpPr>
-        <p:spPr/>
-        <p:txBody>
-          <a:bodyPr/>
-          <a:lstStyle/>
-          <a:p>
-            <a:r>
-              <a:rPr lang="fi-FI" dirty="0" err="1"/>
-              <a:t>Finnish</a:t>
-            </a:r>
-            <a:r>
-              <a:rPr lang="fi-FI" dirty="0"/>
-              <a:t> </a:t>
-            </a:r>
-            <a:r>
-              <a:rPr lang="fi-FI" dirty="0" err="1"/>
-              <a:t>Meteorological</a:t>
-            </a:r>
-            <a:r>
-              <a:rPr lang="fi-FI" dirty="0"/>
-              <a:t> Institute</a:t>
-            </a:r>
-          </a:p>
-        </p:txBody>
-      </p:sp>
-      <p:pic>
-        <p:nvPicPr>
-          <p:cNvPr id="4" name="Picture 3"/>
-          <p:cNvPicPr>
-            <a:picLocks noChangeAspect="1"/>
-          </p:cNvPicPr>
-          <p:nvPr/>
-        </p:nvPicPr>
-        <p:blipFill>
-          <a:blip r:embed="rId3">
-            <a:extLst>
-              <a:ext uri="{28A0092B-C50C-407E-A947-70E740481C1C}">
-                <a14:useLocalDpi xmlns:a14="http://schemas.microsoft.com/office/drawing/2010/main" val="0"/>
-              </a:ext>
-            </a:extLst>
-          </a:blip>
-          <a:stretch>
-            <a:fillRect/>
-          </a:stretch>
-        </p:blipFill>
-        <p:spPr>
-          <a:xfrm>
-            <a:off x="7101279" y="0"/>
-            <a:ext cx="1471783" cy="2185817"/>
-          </a:xfrm>
-          <a:prstGeom prst="rect">
-            <a:avLst/>
-          </a:prstGeom>
-        </p:spPr>
-      </p:pic>
-    </p:spTree>
-    <p:extLst>
-      <p:ext uri="{BB962C8B-B14F-4D97-AF65-F5344CB8AC3E}">
-        <p14:creationId xmlns:p14="http://schemas.microsoft.com/office/powerpoint/2010/main" val="1779453108"/>
       </p:ext>
     </p:extLst>
   </p:cSld>
